--- a/note-well.pptx
+++ b/note-well.pptx
@@ -1,49 +1,56 @@
 
 <file path=ppt/presentation.xml><?xml version="1.0" encoding="utf-8"?>
-<p:presentation xmlns:a="http://schemas.openxmlformats.org/drawingml/2006/main" xmlns:r="http://schemas.openxmlformats.org/officeDocument/2006/relationships" xmlns:mc="http://schemas.openxmlformats.org/markup-compatibility/2006" xmlns:mv="urn:schemas-microsoft-com:mac:vml" xmlns:p="http://schemas.openxmlformats.org/presentationml/2006/main" xmlns:c="http://schemas.openxmlformats.org/drawingml/2006/chart" xmlns:dgm="http://schemas.openxmlformats.org/drawingml/2006/diagram" xmlns:o="urn:schemas-microsoft-com:office:office" xmlns:v="urn:schemas-microsoft-com:vml" xmlns:pvml="urn:schemas-microsoft-com:office:powerpoint" xmlns:com="http://schemas.openxmlformats.org/drawingml/2006/compatibility" xmlns:p14="http://schemas.microsoft.com/office/powerpoint/2010/main" xmlns:p15="http://schemas.microsoft.com/office/powerpoint/2012/main" xmlns:ahyp="http://schemas.microsoft.com/office/drawing/2018/hyperlinkcolor" autoCompressPictures="0" embedTrueTypeFonts="1" strictFirstAndLastChars="0" saveSubsetFonts="1" showSpecialPlsOnTitleSld="0">
+<p:presentation xmlns:a="http://schemas.openxmlformats.org/drawingml/2006/main" xmlns:r="http://schemas.openxmlformats.org/officeDocument/2006/relationships" xmlns:p="http://schemas.openxmlformats.org/presentationml/2006/main" showSpecialPlsOnTitleSld="0" strictFirstAndLastChars="0" embedTrueTypeFonts="1" saveSubsetFonts="1" autoCompressPictures="0">
   <p:sldMasterIdLst>
-    <p:sldMasterId id="2147483658" r:id="rId4"/>
+    <p:sldMasterId id="2147483658" r:id="rId1"/>
   </p:sldMasterIdLst>
   <p:notesMasterIdLst>
-    <p:notesMasterId r:id="rId5"/>
+    <p:notesMasterId r:id="rId3"/>
   </p:notesMasterIdLst>
   <p:sldIdLst>
-    <p:sldId id="256" r:id="rId6"/>
+    <p:sldId id="256" r:id="rId2"/>
   </p:sldIdLst>
-  <p:sldSz cy="5143500" cx="9144000"/>
+  <p:sldSz cx="9144000" cy="5143500" type="screen16x9"/>
   <p:notesSz cx="6858000" cy="9144000"/>
   <p:embeddedFontLst>
     <p:embeddedFont>
-      <p:font typeface="Roboto"/>
-      <p:regular r:id="rId7"/>
-      <p:bold r:id="rId8"/>
-      <p:italic r:id="rId9"/>
-      <p:boldItalic r:id="rId10"/>
+      <p:font typeface="Inter" panose="02000503000000020004" pitchFamily="2" charset="0"/>
+      <p:regular r:id="rId4"/>
+      <p:bold r:id="rId5"/>
+      <p:italic r:id="rId6"/>
+      <p:boldItalic r:id="rId7"/>
     </p:embeddedFont>
     <p:embeddedFont>
-      <p:font typeface="Montserrat"/>
-      <p:regular r:id="rId11"/>
-      <p:bold r:id="rId12"/>
-      <p:italic r:id="rId13"/>
-      <p:boldItalic r:id="rId14"/>
+      <p:font typeface="Montserrat" pitchFamily="2" charset="77"/>
+      <p:regular r:id="rId8"/>
+      <p:bold r:id="rId9"/>
+      <p:italic r:id="rId10"/>
+      <p:boldItalic r:id="rId11"/>
     </p:embeddedFont>
     <p:embeddedFont>
-      <p:font typeface="Inter"/>
-      <p:regular r:id="rId15"/>
-      <p:bold r:id="rId16"/>
-      <p:italic r:id="rId17"/>
-      <p:boldItalic r:id="rId18"/>
+      <p:font typeface="Open Sans" panose="020B0606030504020204" pitchFamily="34" charset="0"/>
+      <p:regular r:id="rId12"/>
+      <p:bold r:id="rId13"/>
+      <p:italic r:id="rId14"/>
+      <p:boldItalic r:id="rId15"/>
     </p:embeddedFont>
     <p:embeddedFont>
-      <p:font typeface="Open Sans"/>
-      <p:regular r:id="rId19"/>
-      <p:bold r:id="rId20"/>
-      <p:italic r:id="rId21"/>
-      <p:boldItalic r:id="rId22"/>
+      <p:font typeface="Open Sans SemiBold" panose="020B0606030504020204" pitchFamily="34" charset="0"/>
+      <p:regular r:id="rId16"/>
+      <p:bold r:id="rId17"/>
+      <p:italic r:id="rId18"/>
+      <p:boldItalic r:id="rId19"/>
+    </p:embeddedFont>
+    <p:embeddedFont>
+      <p:font typeface="Roboto" panose="02000000000000000000" pitchFamily="2" charset="0"/>
+      <p:regular r:id="rId20"/>
+      <p:bold r:id="rId21"/>
+      <p:italic r:id="rId22"/>
+      <p:boldItalic r:id="rId23"/>
     </p:embeddedFont>
   </p:embeddedFontLst>
   <p:defaultTextStyle>
-    <a:defPPr lvl="0" marR="0" rtl="0" algn="l">
+    <a:defPPr marR="0" lvl="0" algn="l" rtl="0">
       <a:lnSpc>
         <a:spcPct val="100000"/>
       </a:lnSpc>
@@ -54,7 +61,7 @@
         <a:spcPts val="0"/>
       </a:spcAft>
     </a:defPPr>
-    <a:lvl1pPr lvl="0" marR="0" rtl="0" algn="l">
+    <a:lvl1pPr marR="0" lvl="0" algn="l" rtl="0">
       <a:lnSpc>
         <a:spcPct val="100000"/>
       </a:lnSpc>
@@ -68,7 +75,7 @@
         <a:srgbClr val="000000"/>
       </a:buClr>
       <a:buFont typeface="Arial"/>
-      <a:defRPr b="0" i="0" sz="1400" u="none" cap="none" strike="noStrike">
+      <a:defRPr sz="1400" b="0" i="0" u="none" strike="noStrike" cap="none">
         <a:solidFill>
           <a:srgbClr val="000000"/>
         </a:solidFill>
@@ -78,7 +85,7 @@
         <a:sym typeface="Arial"/>
       </a:defRPr>
     </a:lvl1pPr>
-    <a:lvl2pPr lvl="1" marR="0" rtl="0" algn="l">
+    <a:lvl2pPr marR="0" lvl="1" algn="l" rtl="0">
       <a:lnSpc>
         <a:spcPct val="100000"/>
       </a:lnSpc>
@@ -92,7 +99,7 @@
         <a:srgbClr val="000000"/>
       </a:buClr>
       <a:buFont typeface="Arial"/>
-      <a:defRPr b="0" i="0" sz="1400" u="none" cap="none" strike="noStrike">
+      <a:defRPr sz="1400" b="0" i="0" u="none" strike="noStrike" cap="none">
         <a:solidFill>
           <a:srgbClr val="000000"/>
         </a:solidFill>
@@ -102,7 +109,7 @@
         <a:sym typeface="Arial"/>
       </a:defRPr>
     </a:lvl2pPr>
-    <a:lvl3pPr lvl="2" marR="0" rtl="0" algn="l">
+    <a:lvl3pPr marR="0" lvl="2" algn="l" rtl="0">
       <a:lnSpc>
         <a:spcPct val="100000"/>
       </a:lnSpc>
@@ -116,7 +123,7 @@
         <a:srgbClr val="000000"/>
       </a:buClr>
       <a:buFont typeface="Arial"/>
-      <a:defRPr b="0" i="0" sz="1400" u="none" cap="none" strike="noStrike">
+      <a:defRPr sz="1400" b="0" i="0" u="none" strike="noStrike" cap="none">
         <a:solidFill>
           <a:srgbClr val="000000"/>
         </a:solidFill>
@@ -126,7 +133,7 @@
         <a:sym typeface="Arial"/>
       </a:defRPr>
     </a:lvl3pPr>
-    <a:lvl4pPr lvl="3" marR="0" rtl="0" algn="l">
+    <a:lvl4pPr marR="0" lvl="3" algn="l" rtl="0">
       <a:lnSpc>
         <a:spcPct val="100000"/>
       </a:lnSpc>
@@ -140,7 +147,7 @@
         <a:srgbClr val="000000"/>
       </a:buClr>
       <a:buFont typeface="Arial"/>
-      <a:defRPr b="0" i="0" sz="1400" u="none" cap="none" strike="noStrike">
+      <a:defRPr sz="1400" b="0" i="0" u="none" strike="noStrike" cap="none">
         <a:solidFill>
           <a:srgbClr val="000000"/>
         </a:solidFill>
@@ -150,7 +157,7 @@
         <a:sym typeface="Arial"/>
       </a:defRPr>
     </a:lvl4pPr>
-    <a:lvl5pPr lvl="4" marR="0" rtl="0" algn="l">
+    <a:lvl5pPr marR="0" lvl="4" algn="l" rtl="0">
       <a:lnSpc>
         <a:spcPct val="100000"/>
       </a:lnSpc>
@@ -164,7 +171,7 @@
         <a:srgbClr val="000000"/>
       </a:buClr>
       <a:buFont typeface="Arial"/>
-      <a:defRPr b="0" i="0" sz="1400" u="none" cap="none" strike="noStrike">
+      <a:defRPr sz="1400" b="0" i="0" u="none" strike="noStrike" cap="none">
         <a:solidFill>
           <a:srgbClr val="000000"/>
         </a:solidFill>
@@ -174,7 +181,7 @@
         <a:sym typeface="Arial"/>
       </a:defRPr>
     </a:lvl5pPr>
-    <a:lvl6pPr lvl="5" marR="0" rtl="0" algn="l">
+    <a:lvl6pPr marR="0" lvl="5" algn="l" rtl="0">
       <a:lnSpc>
         <a:spcPct val="100000"/>
       </a:lnSpc>
@@ -188,7 +195,7 @@
         <a:srgbClr val="000000"/>
       </a:buClr>
       <a:buFont typeface="Arial"/>
-      <a:defRPr b="0" i="0" sz="1400" u="none" cap="none" strike="noStrike">
+      <a:defRPr sz="1400" b="0" i="0" u="none" strike="noStrike" cap="none">
         <a:solidFill>
           <a:srgbClr val="000000"/>
         </a:solidFill>
@@ -198,7 +205,7 @@
         <a:sym typeface="Arial"/>
       </a:defRPr>
     </a:lvl6pPr>
-    <a:lvl7pPr lvl="6" marR="0" rtl="0" algn="l">
+    <a:lvl7pPr marR="0" lvl="6" algn="l" rtl="0">
       <a:lnSpc>
         <a:spcPct val="100000"/>
       </a:lnSpc>
@@ -212,7 +219,7 @@
         <a:srgbClr val="000000"/>
       </a:buClr>
       <a:buFont typeface="Arial"/>
-      <a:defRPr b="0" i="0" sz="1400" u="none" cap="none" strike="noStrike">
+      <a:defRPr sz="1400" b="0" i="0" u="none" strike="noStrike" cap="none">
         <a:solidFill>
           <a:srgbClr val="000000"/>
         </a:solidFill>
@@ -222,7 +229,7 @@
         <a:sym typeface="Arial"/>
       </a:defRPr>
     </a:lvl7pPr>
-    <a:lvl8pPr lvl="7" marR="0" rtl="0" algn="l">
+    <a:lvl8pPr marR="0" lvl="7" algn="l" rtl="0">
       <a:lnSpc>
         <a:spcPct val="100000"/>
       </a:lnSpc>
@@ -236,7 +243,7 @@
         <a:srgbClr val="000000"/>
       </a:buClr>
       <a:buFont typeface="Arial"/>
-      <a:defRPr b="0" i="0" sz="1400" u="none" cap="none" strike="noStrike">
+      <a:defRPr sz="1400" b="0" i="0" u="none" strike="noStrike" cap="none">
         <a:solidFill>
           <a:srgbClr val="000000"/>
         </a:solidFill>
@@ -246,7 +253,7 @@
         <a:sym typeface="Arial"/>
       </a:defRPr>
     </a:lvl8pPr>
-    <a:lvl9pPr lvl="8" marR="0" rtl="0" algn="l">
+    <a:lvl9pPr marR="0" lvl="8" algn="l" rtl="0">
       <a:lnSpc>
         <a:spcPct val="100000"/>
       </a:lnSpc>
@@ -260,7 +267,7 @@
         <a:srgbClr val="000000"/>
       </a:buClr>
       <a:buFont typeface="Arial"/>
-      <a:defRPr b="0" i="0" sz="1400" u="none" cap="none" strike="noStrike">
+      <a:defRPr sz="1400" b="0" i="0" u="none" strike="noStrike" cap="none">
         <a:solidFill>
           <a:srgbClr val="000000"/>
         </a:solidFill>
@@ -273,7 +280,7 @@
   </p:defaultTextStyle>
   <p:extLst>
     <p:ext uri="{EFAFB233-063F-42B5-8137-9DF3F51BA10A}">
-      <p15:sldGuideLst>
+      <p15:sldGuideLst xmlns:p15="http://schemas.microsoft.com/office/powerpoint/2012/main">
         <p15:guide id="1" orient="horz" pos="1640">
           <p15:clr>
             <a:srgbClr val="A4A3A4"/>
@@ -291,18 +298,19 @@
 </file>
 
 <file path=ppt/notesMasters/notesMaster1.xml><?xml version="1.0" encoding="utf-8"?>
-<p:notesMaster xmlns:a="http://schemas.openxmlformats.org/drawingml/2006/main" xmlns:r="http://schemas.openxmlformats.org/officeDocument/2006/relationships" xmlns:mc="http://schemas.openxmlformats.org/markup-compatibility/2006" xmlns:mv="urn:schemas-microsoft-com:mac:vml" xmlns:p="http://schemas.openxmlformats.org/presentationml/2006/main" xmlns:c="http://schemas.openxmlformats.org/drawingml/2006/chart" xmlns:dgm="http://schemas.openxmlformats.org/drawingml/2006/diagram" xmlns:o="urn:schemas-microsoft-com:office:office" xmlns:v="urn:schemas-microsoft-com:vml" xmlns:pvml="urn:schemas-microsoft-com:office:powerpoint" xmlns:com="http://schemas.openxmlformats.org/drawingml/2006/compatibility" xmlns:p14="http://schemas.microsoft.com/office/powerpoint/2010/main" xmlns:p15="http://schemas.microsoft.com/office/powerpoint/2012/main" xmlns:ahyp="http://schemas.microsoft.com/office/drawing/2018/hyperlinkcolor">
+<p:notesMaster xmlns:a="http://schemas.openxmlformats.org/drawingml/2006/main" xmlns:r="http://schemas.openxmlformats.org/officeDocument/2006/relationships" xmlns:p="http://schemas.openxmlformats.org/presentationml/2006/main">
   <p:cSld>
     <p:bg>
       <p:bgPr>
         <a:solidFill>
           <a:schemeClr val="lt1"/>
         </a:solidFill>
+        <a:effectLst/>
       </p:bgPr>
     </p:bg>
     <p:spTree>
       <p:nvGrpSpPr>
-        <p:cNvPr id="2" name="Shape 2"/>
+        <p:cNvPr id="1" name="Shape 2"/>
         <p:cNvGrpSpPr/>
         <p:nvPr/>
       </p:nvGrpSpPr>
@@ -317,9 +325,11 @@
       <p:sp>
         <p:nvSpPr>
           <p:cNvPr id="3" name="Google Shape;3;n"/>
-          <p:cNvSpPr/>
+          <p:cNvSpPr>
+            <a:spLocks noGrp="1" noRot="1" noChangeAspect="1"/>
+          </p:cNvSpPr>
           <p:nvPr>
-            <p:ph idx="2" type="sldImg"/>
+            <p:ph type="sldImg" idx="2"/>
           </p:nvPr>
         </p:nvSpPr>
         <p:spPr>
@@ -328,9 +338,13 @@
             <a:ext cx="4572000" cy="3429000"/>
           </a:xfrm>
           <a:custGeom>
-            <a:rect b="b" l="l" r="r" t="t"/>
+            <a:avLst/>
+            <a:gdLst/>
+            <a:ahLst/>
+            <a:cxnLst/>
+            <a:rect l="l" t="t" r="r" b="b"/>
             <a:pathLst>
-              <a:path extrusionOk="0" h="120000" w="120000">
+              <a:path w="120000" h="120000" extrusionOk="0">
                 <a:moveTo>
                   <a:pt x="0" y="0"/>
                 </a:moveTo>
@@ -356,9 +370,11 @@
       <p:sp>
         <p:nvSpPr>
           <p:cNvPr id="4" name="Google Shape;4;n"/>
-          <p:cNvSpPr txBox="1"/>
+          <p:cNvSpPr txBox="1">
+            <a:spLocks noGrp="1"/>
+          </p:cNvSpPr>
           <p:nvPr>
-            <p:ph idx="1" type="body"/>
+            <p:ph type="body" idx="1"/>
           </p:nvPr>
         </p:nvSpPr>
         <p:spPr>
@@ -375,11 +391,11 @@
           </a:ln>
         </p:spPr>
         <p:txBody>
-          <a:bodyPr anchorCtr="0" anchor="t" bIns="45700" lIns="91425" spcFirstLastPara="1" rIns="91425" wrap="square" tIns="45700">
+          <a:bodyPr spcFirstLastPara="1" wrap="square" lIns="91425" tIns="45700" rIns="91425" bIns="45700" anchor="t" anchorCtr="0">
             <a:noAutofit/>
           </a:bodyPr>
           <a:lstStyle>
-            <a:lvl1pPr indent="-228600" lvl="0" marL="457200" marR="0" rtl="0" algn="l">
+            <a:lvl1pPr marL="457200" marR="0" lvl="0" indent="-228600" algn="l" rtl="0">
               <a:spcBef>
                 <a:spcPts val="0"/>
               </a:spcBef>
@@ -388,14 +404,14 @@
               </a:spcAft>
               <a:buSzPts val="1400"/>
               <a:buNone/>
-              <a:defRPr b="0" i="0" sz="1400" u="none" cap="none" strike="noStrike">
+              <a:defRPr sz="1400" b="0" i="0" u="none" strike="noStrike" cap="none">
                 <a:latin typeface="Arial"/>
                 <a:ea typeface="Arial"/>
                 <a:cs typeface="Arial"/>
                 <a:sym typeface="Arial"/>
               </a:defRPr>
             </a:lvl1pPr>
-            <a:lvl2pPr indent="-228600" lvl="1" marL="914400" marR="0" rtl="0" algn="l">
+            <a:lvl2pPr marL="914400" marR="0" lvl="1" indent="-228600" algn="l" rtl="0">
               <a:spcBef>
                 <a:spcPts val="0"/>
               </a:spcBef>
@@ -404,14 +420,14 @@
               </a:spcAft>
               <a:buSzPts val="1400"/>
               <a:buNone/>
-              <a:defRPr b="0" i="0" sz="1400" u="none" cap="none" strike="noStrike">
+              <a:defRPr sz="1400" b="0" i="0" u="none" strike="noStrike" cap="none">
                 <a:latin typeface="Arial"/>
                 <a:ea typeface="Arial"/>
                 <a:cs typeface="Arial"/>
                 <a:sym typeface="Arial"/>
               </a:defRPr>
             </a:lvl2pPr>
-            <a:lvl3pPr indent="-228600" lvl="2" marL="1371600" marR="0" rtl="0" algn="l">
+            <a:lvl3pPr marL="1371600" marR="0" lvl="2" indent="-228600" algn="l" rtl="0">
               <a:spcBef>
                 <a:spcPts val="0"/>
               </a:spcBef>
@@ -420,14 +436,14 @@
               </a:spcAft>
               <a:buSzPts val="1400"/>
               <a:buNone/>
-              <a:defRPr b="0" i="0" sz="1400" u="none" cap="none" strike="noStrike">
+              <a:defRPr sz="1400" b="0" i="0" u="none" strike="noStrike" cap="none">
                 <a:latin typeface="Arial"/>
                 <a:ea typeface="Arial"/>
                 <a:cs typeface="Arial"/>
                 <a:sym typeface="Arial"/>
               </a:defRPr>
             </a:lvl3pPr>
-            <a:lvl4pPr indent="-228600" lvl="3" marL="1828800" marR="0" rtl="0" algn="l">
+            <a:lvl4pPr marL="1828800" marR="0" lvl="3" indent="-228600" algn="l" rtl="0">
               <a:spcBef>
                 <a:spcPts val="0"/>
               </a:spcBef>
@@ -436,14 +452,14 @@
               </a:spcAft>
               <a:buSzPts val="1400"/>
               <a:buNone/>
-              <a:defRPr b="0" i="0" sz="1400" u="none" cap="none" strike="noStrike">
+              <a:defRPr sz="1400" b="0" i="0" u="none" strike="noStrike" cap="none">
                 <a:latin typeface="Arial"/>
                 <a:ea typeface="Arial"/>
                 <a:cs typeface="Arial"/>
                 <a:sym typeface="Arial"/>
               </a:defRPr>
             </a:lvl4pPr>
-            <a:lvl5pPr indent="-228600" lvl="4" marL="2286000" marR="0" rtl="0" algn="l">
+            <a:lvl5pPr marL="2286000" marR="0" lvl="4" indent="-228600" algn="l" rtl="0">
               <a:spcBef>
                 <a:spcPts val="0"/>
               </a:spcBef>
@@ -452,14 +468,14 @@
               </a:spcAft>
               <a:buSzPts val="1400"/>
               <a:buNone/>
-              <a:defRPr b="0" i="0" sz="1400" u="none" cap="none" strike="noStrike">
+              <a:defRPr sz="1400" b="0" i="0" u="none" strike="noStrike" cap="none">
                 <a:latin typeface="Arial"/>
                 <a:ea typeface="Arial"/>
                 <a:cs typeface="Arial"/>
                 <a:sym typeface="Arial"/>
               </a:defRPr>
             </a:lvl5pPr>
-            <a:lvl6pPr indent="-228600" lvl="5" marL="2743200" marR="0" rtl="0" algn="l">
+            <a:lvl6pPr marL="2743200" marR="0" lvl="5" indent="-228600" algn="l" rtl="0">
               <a:spcBef>
                 <a:spcPts val="0"/>
               </a:spcBef>
@@ -468,14 +484,14 @@
               </a:spcAft>
               <a:buSzPts val="1400"/>
               <a:buNone/>
-              <a:defRPr b="0" i="0" sz="1400" u="none" cap="none" strike="noStrike">
+              <a:defRPr sz="1400" b="0" i="0" u="none" strike="noStrike" cap="none">
                 <a:latin typeface="Arial"/>
                 <a:ea typeface="Arial"/>
                 <a:cs typeface="Arial"/>
                 <a:sym typeface="Arial"/>
               </a:defRPr>
             </a:lvl6pPr>
-            <a:lvl7pPr indent="-228600" lvl="6" marL="3200400" marR="0" rtl="0" algn="l">
+            <a:lvl7pPr marL="3200400" marR="0" lvl="6" indent="-228600" algn="l" rtl="0">
               <a:spcBef>
                 <a:spcPts val="0"/>
               </a:spcBef>
@@ -484,14 +500,14 @@
               </a:spcAft>
               <a:buSzPts val="1400"/>
               <a:buNone/>
-              <a:defRPr b="0" i="0" sz="1400" u="none" cap="none" strike="noStrike">
+              <a:defRPr sz="1400" b="0" i="0" u="none" strike="noStrike" cap="none">
                 <a:latin typeface="Arial"/>
                 <a:ea typeface="Arial"/>
                 <a:cs typeface="Arial"/>
                 <a:sym typeface="Arial"/>
               </a:defRPr>
             </a:lvl7pPr>
-            <a:lvl8pPr indent="-228600" lvl="7" marL="3657600" marR="0" rtl="0" algn="l">
+            <a:lvl8pPr marL="3657600" marR="0" lvl="7" indent="-228600" algn="l" rtl="0">
               <a:spcBef>
                 <a:spcPts val="0"/>
               </a:spcBef>
@@ -500,14 +516,14 @@
               </a:spcAft>
               <a:buSzPts val="1400"/>
               <a:buNone/>
-              <a:defRPr b="0" i="0" sz="1400" u="none" cap="none" strike="noStrike">
+              <a:defRPr sz="1400" b="0" i="0" u="none" strike="noStrike" cap="none">
                 <a:latin typeface="Arial"/>
                 <a:ea typeface="Arial"/>
                 <a:cs typeface="Arial"/>
                 <a:sym typeface="Arial"/>
               </a:defRPr>
             </a:lvl8pPr>
-            <a:lvl9pPr indent="-228600" lvl="8" marL="4114800" marR="0" rtl="0" algn="l">
+            <a:lvl9pPr marL="4114800" marR="0" lvl="8" indent="-228600" algn="l" rtl="0">
               <a:spcBef>
                 <a:spcPts val="0"/>
               </a:spcBef>
@@ -516,7 +532,7 @@
               </a:spcAft>
               <a:buSzPts val="1400"/>
               <a:buNone/>
-              <a:defRPr b="0" i="0" sz="1400" u="none" cap="none" strike="noStrike">
+              <a:defRPr sz="1400" b="0" i="0" u="none" strike="noStrike" cap="none">
                 <a:latin typeface="Arial"/>
                 <a:ea typeface="Arial"/>
                 <a:cs typeface="Arial"/>
@@ -524,14 +540,16 @@
               </a:defRPr>
             </a:lvl9pPr>
           </a:lstStyle>
-          <a:p/>
+          <a:p>
+            <a:endParaRPr/>
+          </a:p>
         </p:txBody>
       </p:sp>
     </p:spTree>
   </p:cSld>
-  <p:clrMap accent1="accent1" accent2="accent2" accent3="accent3" accent4="accent4" accent5="accent5" accent6="accent6" bg1="lt1" bg2="dk2" tx1="dk1" tx2="lt2" folHlink="folHlink" hlink="hlink"/>
+  <p:clrMap bg1="lt1" tx1="dk1" bg2="dk2" tx2="lt2" accent1="accent1" accent2="accent2" accent3="accent3" accent4="accent4" accent5="accent5" accent6="accent6" hlink="hlink" folHlink="folHlink"/>
   <p:notesStyle>
-    <a:defPPr lvl="0" marR="0" rtl="0" algn="l">
+    <a:defPPr marR="0" lvl="0" algn="l" rtl="0">
       <a:lnSpc>
         <a:spcPct val="100000"/>
       </a:lnSpc>
@@ -542,7 +560,7 @@
         <a:spcPts val="0"/>
       </a:spcAft>
     </a:defPPr>
-    <a:lvl1pPr lvl="0" marR="0" rtl="0" algn="l">
+    <a:lvl1pPr marR="0" lvl="0" algn="l" rtl="0">
       <a:lnSpc>
         <a:spcPct val="100000"/>
       </a:lnSpc>
@@ -556,7 +574,7 @@
         <a:srgbClr val="000000"/>
       </a:buClr>
       <a:buFont typeface="Arial"/>
-      <a:defRPr b="0" i="0" sz="1400" u="none" cap="none" strike="noStrike">
+      <a:defRPr sz="1400" b="0" i="0" u="none" strike="noStrike" cap="none">
         <a:solidFill>
           <a:srgbClr val="000000"/>
         </a:solidFill>
@@ -566,7 +584,7 @@
         <a:sym typeface="Arial"/>
       </a:defRPr>
     </a:lvl1pPr>
-    <a:lvl2pPr lvl="1" marR="0" rtl="0" algn="l">
+    <a:lvl2pPr marR="0" lvl="1" algn="l" rtl="0">
       <a:lnSpc>
         <a:spcPct val="100000"/>
       </a:lnSpc>
@@ -580,7 +598,7 @@
         <a:srgbClr val="000000"/>
       </a:buClr>
       <a:buFont typeface="Arial"/>
-      <a:defRPr b="0" i="0" sz="1400" u="none" cap="none" strike="noStrike">
+      <a:defRPr sz="1400" b="0" i="0" u="none" strike="noStrike" cap="none">
         <a:solidFill>
           <a:srgbClr val="000000"/>
         </a:solidFill>
@@ -590,7 +608,7 @@
         <a:sym typeface="Arial"/>
       </a:defRPr>
     </a:lvl2pPr>
-    <a:lvl3pPr lvl="2" marR="0" rtl="0" algn="l">
+    <a:lvl3pPr marR="0" lvl="2" algn="l" rtl="0">
       <a:lnSpc>
         <a:spcPct val="100000"/>
       </a:lnSpc>
@@ -604,7 +622,7 @@
         <a:srgbClr val="000000"/>
       </a:buClr>
       <a:buFont typeface="Arial"/>
-      <a:defRPr b="0" i="0" sz="1400" u="none" cap="none" strike="noStrike">
+      <a:defRPr sz="1400" b="0" i="0" u="none" strike="noStrike" cap="none">
         <a:solidFill>
           <a:srgbClr val="000000"/>
         </a:solidFill>
@@ -614,7 +632,7 @@
         <a:sym typeface="Arial"/>
       </a:defRPr>
     </a:lvl3pPr>
-    <a:lvl4pPr lvl="3" marR="0" rtl="0" algn="l">
+    <a:lvl4pPr marR="0" lvl="3" algn="l" rtl="0">
       <a:lnSpc>
         <a:spcPct val="100000"/>
       </a:lnSpc>
@@ -628,7 +646,7 @@
         <a:srgbClr val="000000"/>
       </a:buClr>
       <a:buFont typeface="Arial"/>
-      <a:defRPr b="0" i="0" sz="1400" u="none" cap="none" strike="noStrike">
+      <a:defRPr sz="1400" b="0" i="0" u="none" strike="noStrike" cap="none">
         <a:solidFill>
           <a:srgbClr val="000000"/>
         </a:solidFill>
@@ -638,7 +656,7 @@
         <a:sym typeface="Arial"/>
       </a:defRPr>
     </a:lvl4pPr>
-    <a:lvl5pPr lvl="4" marR="0" rtl="0" algn="l">
+    <a:lvl5pPr marR="0" lvl="4" algn="l" rtl="0">
       <a:lnSpc>
         <a:spcPct val="100000"/>
       </a:lnSpc>
@@ -652,7 +670,7 @@
         <a:srgbClr val="000000"/>
       </a:buClr>
       <a:buFont typeface="Arial"/>
-      <a:defRPr b="0" i="0" sz="1400" u="none" cap="none" strike="noStrike">
+      <a:defRPr sz="1400" b="0" i="0" u="none" strike="noStrike" cap="none">
         <a:solidFill>
           <a:srgbClr val="000000"/>
         </a:solidFill>
@@ -662,7 +680,7 @@
         <a:sym typeface="Arial"/>
       </a:defRPr>
     </a:lvl5pPr>
-    <a:lvl6pPr lvl="5" marR="0" rtl="0" algn="l">
+    <a:lvl6pPr marR="0" lvl="5" algn="l" rtl="0">
       <a:lnSpc>
         <a:spcPct val="100000"/>
       </a:lnSpc>
@@ -676,7 +694,7 @@
         <a:srgbClr val="000000"/>
       </a:buClr>
       <a:buFont typeface="Arial"/>
-      <a:defRPr b="0" i="0" sz="1400" u="none" cap="none" strike="noStrike">
+      <a:defRPr sz="1400" b="0" i="0" u="none" strike="noStrike" cap="none">
         <a:solidFill>
           <a:srgbClr val="000000"/>
         </a:solidFill>
@@ -686,7 +704,7 @@
         <a:sym typeface="Arial"/>
       </a:defRPr>
     </a:lvl6pPr>
-    <a:lvl7pPr lvl="6" marR="0" rtl="0" algn="l">
+    <a:lvl7pPr marR="0" lvl="6" algn="l" rtl="0">
       <a:lnSpc>
         <a:spcPct val="100000"/>
       </a:lnSpc>
@@ -700,7 +718,7 @@
         <a:srgbClr val="000000"/>
       </a:buClr>
       <a:buFont typeface="Arial"/>
-      <a:defRPr b="0" i="0" sz="1400" u="none" cap="none" strike="noStrike">
+      <a:defRPr sz="1400" b="0" i="0" u="none" strike="noStrike" cap="none">
         <a:solidFill>
           <a:srgbClr val="000000"/>
         </a:solidFill>
@@ -710,7 +728,7 @@
         <a:sym typeface="Arial"/>
       </a:defRPr>
     </a:lvl7pPr>
-    <a:lvl8pPr lvl="7" marR="0" rtl="0" algn="l">
+    <a:lvl8pPr marR="0" lvl="7" algn="l" rtl="0">
       <a:lnSpc>
         <a:spcPct val="100000"/>
       </a:lnSpc>
@@ -724,7 +742,7 @@
         <a:srgbClr val="000000"/>
       </a:buClr>
       <a:buFont typeface="Arial"/>
-      <a:defRPr b="0" i="0" sz="1400" u="none" cap="none" strike="noStrike">
+      <a:defRPr sz="1400" b="0" i="0" u="none" strike="noStrike" cap="none">
         <a:solidFill>
           <a:srgbClr val="000000"/>
         </a:solidFill>
@@ -734,7 +752,7 @@
         <a:sym typeface="Arial"/>
       </a:defRPr>
     </a:lvl8pPr>
-    <a:lvl9pPr lvl="8" marR="0" rtl="0" algn="l">
+    <a:lvl9pPr marR="0" lvl="8" algn="l" rtl="0">
       <a:lnSpc>
         <a:spcPct val="100000"/>
       </a:lnSpc>
@@ -748,7 +766,7 @@
         <a:srgbClr val="000000"/>
       </a:buClr>
       <a:buFont typeface="Arial"/>
-      <a:defRPr b="0" i="0" sz="1400" u="none" cap="none" strike="noStrike">
+      <a:defRPr sz="1400" b="0" i="0" u="none" strike="noStrike" cap="none">
         <a:solidFill>
           <a:srgbClr val="000000"/>
         </a:solidFill>
@@ -763,11 +781,11 @@
 </file>
 
 <file path=ppt/notesSlides/notesSlide1.xml><?xml version="1.0" encoding="utf-8"?>
-<p:notes xmlns:a="http://schemas.openxmlformats.org/drawingml/2006/main" xmlns:r="http://schemas.openxmlformats.org/officeDocument/2006/relationships" xmlns:mc="http://schemas.openxmlformats.org/markup-compatibility/2006" xmlns:mv="urn:schemas-microsoft-com:mac:vml" xmlns:p="http://schemas.openxmlformats.org/presentationml/2006/main" xmlns:c="http://schemas.openxmlformats.org/drawingml/2006/chart" xmlns:dgm="http://schemas.openxmlformats.org/drawingml/2006/diagram" xmlns:o="urn:schemas-microsoft-com:office:office" xmlns:v="urn:schemas-microsoft-com:vml" xmlns:pvml="urn:schemas-microsoft-com:office:powerpoint" xmlns:com="http://schemas.openxmlformats.org/drawingml/2006/compatibility" xmlns:p14="http://schemas.microsoft.com/office/powerpoint/2010/main" xmlns:p15="http://schemas.microsoft.com/office/powerpoint/2012/main" xmlns:ahyp="http://schemas.microsoft.com/office/drawing/2018/hyperlinkcolor" showMasterPhAnim="0" showMasterSp="0">
+<p:notes xmlns:a="http://schemas.openxmlformats.org/drawingml/2006/main" xmlns:r="http://schemas.openxmlformats.org/officeDocument/2006/relationships" xmlns:p="http://schemas.openxmlformats.org/presentationml/2006/main" showMasterSp="0" showMasterPhAnim="0">
   <p:cSld>
     <p:spTree>
       <p:nvGrpSpPr>
-        <p:cNvPr id="65" name="Shape 65"/>
+        <p:cNvPr id="1" name="Shape 65"/>
         <p:cNvGrpSpPr/>
         <p:nvPr/>
       </p:nvGrpSpPr>
@@ -782,9 +800,11 @@
       <p:sp>
         <p:nvSpPr>
           <p:cNvPr id="66" name="Google Shape;66;g7179d949db_7_60:notes"/>
-          <p:cNvSpPr/>
+          <p:cNvSpPr>
+            <a:spLocks noGrp="1" noRot="1" noChangeAspect="1"/>
+          </p:cNvSpPr>
           <p:nvPr>
-            <p:ph idx="2" type="sldImg"/>
+            <p:ph type="sldImg" idx="2"/>
           </p:nvPr>
         </p:nvSpPr>
         <p:spPr>
@@ -793,9 +813,13 @@
             <a:ext cx="6096000" cy="3429000"/>
           </a:xfrm>
           <a:custGeom>
-            <a:rect b="b" l="l" r="r" t="t"/>
+            <a:avLst/>
+            <a:gdLst/>
+            <a:ahLst/>
+            <a:cxnLst/>
+            <a:rect l="l" t="t" r="r" b="b"/>
             <a:pathLst>
-              <a:path extrusionOk="0" h="120000" w="120000">
+              <a:path w="120000" h="120000" extrusionOk="0">
                 <a:moveTo>
                   <a:pt x="0" y="0"/>
                 </a:moveTo>
@@ -813,23 +837,25 @@
             </a:pathLst>
           </a:custGeom>
           <a:noFill/>
-          <a:ln cap="flat" cmpd="sng" w="9525">
+          <a:ln w="9525" cap="flat" cmpd="sng">
             <a:solidFill>
               <a:srgbClr val="000000"/>
             </a:solidFill>
             <a:prstDash val="solid"/>
             <a:round/>
-            <a:headEnd len="sm" w="sm" type="none"/>
-            <a:tailEnd len="sm" w="sm" type="none"/>
+            <a:headEnd type="none" w="sm" len="sm"/>
+            <a:tailEnd type="none" w="sm" len="sm"/>
           </a:ln>
         </p:spPr>
       </p:sp>
       <p:sp>
         <p:nvSpPr>
           <p:cNvPr id="67" name="Google Shape;67;g7179d949db_7_60:notes"/>
-          <p:cNvSpPr txBox="1"/>
+          <p:cNvSpPr txBox="1">
+            <a:spLocks noGrp="1"/>
+          </p:cNvSpPr>
           <p:nvPr>
-            <p:ph idx="1" type="body"/>
+            <p:ph type="body" idx="1"/>
           </p:nvPr>
         </p:nvSpPr>
         <p:spPr>
@@ -846,12 +872,12 @@
           </a:ln>
         </p:spPr>
         <p:txBody>
-          <a:bodyPr anchorCtr="0" anchor="t" bIns="91425" lIns="91425" spcFirstLastPara="1" rIns="91425" wrap="square" tIns="91425">
+          <a:bodyPr spcFirstLastPara="1" wrap="square" lIns="91425" tIns="91425" rIns="91425" bIns="91425" anchor="t" anchorCtr="0">
             <a:noAutofit/>
           </a:bodyPr>
           <a:lstStyle/>
           <a:p>
-            <a:pPr indent="0" lvl="0" marL="0" rtl="0" algn="l">
+            <a:pPr marL="0" lvl="0" indent="0" algn="l" rtl="0">
               <a:lnSpc>
                 <a:spcPct val="115000"/>
               </a:lnSpc>
@@ -887,10 +913,10 @@
                 <a:ea typeface="Roboto"/>
                 <a:cs typeface="Roboto"/>
                 <a:sym typeface="Roboto"/>
-                <a:hlinkClick r:id="rId2">
+                <a:hlinkClick r:id="rId3">
                   <a:extLst>
                     <a:ext uri="{A12FA001-AC4F-418D-AE19-62706E023703}">
-                      <ahyp:hlinkClr val="tx"/>
+                      <ahyp:hlinkClr xmlns:ahyp="http://schemas.microsoft.com/office/drawing/2018/hyperlinkcolor" val="tx"/>
                     </a:ext>
                   </a:extLst>
                 </a:hlinkClick>
@@ -911,7 +937,7 @@
             </a:endParaRPr>
           </a:p>
           <a:p>
-            <a:pPr indent="0" lvl="0" marL="0" rtl="0" algn="l">
+            <a:pPr marL="0" lvl="0" indent="0" algn="l" rtl="0">
               <a:lnSpc>
                 <a:spcPct val="115000"/>
               </a:lnSpc>
@@ -923,9 +949,6 @@
               </a:spcAft>
               <a:buNone/>
             </a:pPr>
-            <a:r>
-              <a:t/>
-            </a:r>
             <a:endParaRPr sz="1200">
               <a:solidFill>
                 <a:srgbClr val="1B5E20"/>
@@ -940,7 +963,7 @@
             </a:endParaRPr>
           </a:p>
           <a:p>
-            <a:pPr indent="0" lvl="0" marL="0" rtl="0" algn="l">
+            <a:pPr marL="0" lvl="0" indent="0" algn="l" rtl="0">
               <a:lnSpc>
                 <a:spcPct val="115000"/>
               </a:lnSpc>
@@ -986,7 +1009,7 @@
             </a:endParaRPr>
           </a:p>
           <a:p>
-            <a:pPr indent="-304800" lvl="0" marL="457200" rtl="0" algn="l">
+            <a:pPr marL="457200" lvl="0" indent="-304800" algn="l" rtl="0">
               <a:lnSpc>
                 <a:spcPct val="115000"/>
               </a:lnSpc>
@@ -1026,7 +1049,7 @@
             </a:endParaRPr>
           </a:p>
           <a:p>
-            <a:pPr indent="-304800" lvl="0" marL="457200" rtl="0" algn="l">
+            <a:pPr marL="457200" lvl="0" indent="-304800" algn="l" rtl="0">
               <a:lnSpc>
                 <a:spcPct val="115000"/>
               </a:lnSpc>
@@ -1066,7 +1089,7 @@
             </a:endParaRPr>
           </a:p>
           <a:p>
-            <a:pPr indent="-304800" lvl="0" marL="457200" rtl="0" algn="l">
+            <a:pPr marL="457200" lvl="0" indent="-304800" algn="l" rtl="0">
               <a:lnSpc>
                 <a:spcPct val="115000"/>
               </a:lnSpc>
@@ -1106,7 +1129,7 @@
             </a:endParaRPr>
           </a:p>
           <a:p>
-            <a:pPr indent="-304800" lvl="0" marL="457200" rtl="0" algn="l">
+            <a:pPr marL="457200" lvl="0" indent="-304800" algn="l" rtl="0">
               <a:lnSpc>
                 <a:spcPct val="115000"/>
               </a:lnSpc>
@@ -1146,7 +1169,7 @@
             </a:endParaRPr>
           </a:p>
           <a:p>
-            <a:pPr indent="0" lvl="0" marL="0" rtl="0" algn="l">
+            <a:pPr marL="0" lvl="0" indent="0" algn="l" rtl="0">
               <a:lnSpc>
                 <a:spcPct val="115000"/>
               </a:lnSpc>
@@ -1192,7 +1215,7 @@
             </a:endParaRPr>
           </a:p>
           <a:p>
-            <a:pPr indent="-304800" lvl="0" marL="457200" rtl="0" algn="l">
+            <a:pPr marL="457200" lvl="0" indent="-304800" algn="l" rtl="0">
               <a:lnSpc>
                 <a:spcPct val="115000"/>
               </a:lnSpc>
@@ -1232,7 +1255,7 @@
             </a:endParaRPr>
           </a:p>
           <a:p>
-            <a:pPr indent="-304800" lvl="0" marL="457200" rtl="0" algn="l">
+            <a:pPr marL="457200" lvl="0" indent="-304800" algn="l" rtl="0">
               <a:lnSpc>
                 <a:spcPct val="115000"/>
               </a:lnSpc>
@@ -1272,7 +1295,7 @@
             </a:endParaRPr>
           </a:p>
           <a:p>
-            <a:pPr indent="-304800" lvl="0" marL="457200" rtl="0" algn="l">
+            <a:pPr marL="457200" lvl="0" indent="-304800" algn="l" rtl="0">
               <a:lnSpc>
                 <a:spcPct val="115000"/>
               </a:lnSpc>
@@ -1312,7 +1335,7 @@
             </a:endParaRPr>
           </a:p>
           <a:p>
-            <a:pPr indent="-304800" lvl="0" marL="457200" rtl="0" algn="l">
+            <a:pPr marL="457200" lvl="0" indent="-304800" algn="l" rtl="0">
               <a:lnSpc>
                 <a:spcPct val="115000"/>
               </a:lnSpc>
@@ -1352,7 +1375,7 @@
             </a:endParaRPr>
           </a:p>
           <a:p>
-            <a:pPr indent="0" lvl="0" marL="0" rtl="0" algn="l">
+            <a:pPr marL="0" lvl="0" indent="0" algn="l" rtl="0">
               <a:lnSpc>
                 <a:spcPct val="115000"/>
               </a:lnSpc>
@@ -1369,9 +1392,6 @@
               <a:buFont typeface="Arial"/>
               <a:buNone/>
             </a:pPr>
-            <a:r>
-              <a:t/>
-            </a:r>
             <a:endParaRPr sz="1200">
               <a:solidFill>
                 <a:srgbClr val="424242"/>
@@ -1383,7 +1403,7 @@
             </a:endParaRPr>
           </a:p>
           <a:p>
-            <a:pPr indent="0" lvl="0" marL="0" rtl="0" algn="l">
+            <a:pPr marL="0" lvl="0" indent="0" algn="l" rtl="0">
               <a:spcBef>
                 <a:spcPts val="0"/>
               </a:spcBef>
@@ -1392,9 +1412,6 @@
               </a:spcAft>
               <a:buNone/>
             </a:pPr>
-            <a:r>
-              <a:t/>
-            </a:r>
             <a:endParaRPr/>
           </a:p>
         </p:txBody>
@@ -1408,11 +1425,11 @@
 </file>
 
 <file path=ppt/slideLayouts/slideLayout1.xml><?xml version="1.0" encoding="utf-8"?>
-<p:sldLayout xmlns:a="http://schemas.openxmlformats.org/drawingml/2006/main" xmlns:r="http://schemas.openxmlformats.org/officeDocument/2006/relationships" xmlns:mc="http://schemas.openxmlformats.org/markup-compatibility/2006" xmlns:mv="urn:schemas-microsoft-com:mac:vml" xmlns:p="http://schemas.openxmlformats.org/presentationml/2006/main" xmlns:c="http://schemas.openxmlformats.org/drawingml/2006/chart" xmlns:dgm="http://schemas.openxmlformats.org/drawingml/2006/diagram" xmlns:o="urn:schemas-microsoft-com:office:office" xmlns:v="urn:schemas-microsoft-com:vml" xmlns:pvml="urn:schemas-microsoft-com:office:powerpoint" xmlns:com="http://schemas.openxmlformats.org/drawingml/2006/compatibility" xmlns:p14="http://schemas.microsoft.com/office/powerpoint/2010/main" xmlns:p15="http://schemas.microsoft.com/office/powerpoint/2012/main" xmlns:ahyp="http://schemas.microsoft.com/office/drawing/2018/hyperlinkcolor" matchingName="Title only" type="titleOnly">
+<p:sldLayout xmlns:a="http://schemas.openxmlformats.org/drawingml/2006/main" xmlns:r="http://schemas.openxmlformats.org/officeDocument/2006/relationships" xmlns:p="http://schemas.openxmlformats.org/presentationml/2006/main" matchingName="Title only" type="titleOnly">
   <p:cSld name="TITLE_ONLY">
     <p:spTree>
       <p:nvGrpSpPr>
-        <p:cNvPr id="9" name="Shape 9"/>
+        <p:cNvPr id="1" name="Shape 9"/>
         <p:cNvGrpSpPr/>
         <p:nvPr/>
       </p:nvGrpSpPr>
@@ -1431,7 +1448,7 @@
           <p:nvPr/>
         </p:nvSpPr>
         <p:spPr>
-          <a:xfrm flipH="1" rot="10800000">
+          <a:xfrm rot="10800000" flipH="1">
             <a:off x="0" y="656300"/>
             <a:ext cx="9144000" cy="4478400"/>
           </a:xfrm>
@@ -1446,12 +1463,12 @@
           </a:ln>
         </p:spPr>
         <p:txBody>
-          <a:bodyPr anchorCtr="0" anchor="ctr" bIns="91425" lIns="91425" spcFirstLastPara="1" rIns="91425" wrap="square" tIns="91425">
+          <a:bodyPr spcFirstLastPara="1" wrap="square" lIns="91425" tIns="91425" rIns="91425" bIns="91425" anchor="ctr" anchorCtr="0">
             <a:noAutofit/>
           </a:bodyPr>
           <a:lstStyle/>
           <a:p>
-            <a:pPr indent="0" lvl="0" marL="0" marR="0" rtl="0" algn="l">
+            <a:pPr marL="0" marR="0" lvl="0" indent="0" algn="l" rtl="0">
               <a:lnSpc>
                 <a:spcPct val="100000"/>
               </a:lnSpc>
@@ -1468,10 +1485,7 @@
               <a:buFont typeface="Arial"/>
               <a:buNone/>
             </a:pPr>
-            <a:r>
-              <a:t/>
-            </a:r>
-            <a:endParaRPr b="0" i="0" sz="1400" u="none" cap="none" strike="noStrike">
+            <a:endParaRPr sz="1400" b="0" i="0" u="none" strike="noStrike" cap="none">
               <a:solidFill>
                 <a:srgbClr val="000000"/>
               </a:solidFill>
@@ -1519,12 +1533,12 @@
           </a:ln>
         </p:spPr>
         <p:txBody>
-          <a:bodyPr anchorCtr="0" anchor="ctr" bIns="91425" lIns="91425" spcFirstLastPara="1" rIns="91425" wrap="square" tIns="91425">
+          <a:bodyPr spcFirstLastPara="1" wrap="square" lIns="91425" tIns="91425" rIns="91425" bIns="91425" anchor="ctr" anchorCtr="0">
             <a:noAutofit/>
           </a:bodyPr>
           <a:lstStyle/>
           <a:p>
-            <a:pPr indent="0" lvl="0" marL="0" marR="0" rtl="0" algn="l">
+            <a:pPr marL="0" marR="0" lvl="0" indent="0" algn="l" rtl="0">
               <a:lnSpc>
                 <a:spcPct val="100000"/>
               </a:lnSpc>
@@ -1541,10 +1555,7 @@
               <a:buFont typeface="Arial"/>
               <a:buNone/>
             </a:pPr>
-            <a:r>
-              <a:t/>
-            </a:r>
-            <a:endParaRPr b="0" i="0" sz="1400" u="none" cap="none" strike="noStrike">
+            <a:endParaRPr sz="1400" b="0" i="0" u="none" strike="noStrike" cap="none">
               <a:solidFill>
                 <a:srgbClr val="000000"/>
               </a:solidFill>
@@ -1559,7 +1570,9 @@
       <p:sp>
         <p:nvSpPr>
           <p:cNvPr id="12" name="Google Shape;12;p2"/>
-          <p:cNvSpPr txBox="1"/>
+          <p:cNvSpPr txBox="1">
+            <a:spLocks noGrp="1"/>
+          </p:cNvSpPr>
           <p:nvPr>
             <p:ph type="title"/>
           </p:nvPr>
@@ -1578,11 +1591,11 @@
           </a:ln>
         </p:spPr>
         <p:txBody>
-          <a:bodyPr anchorCtr="0" anchor="ctr" bIns="91425" lIns="91425" spcFirstLastPara="1" rIns="91425" wrap="square" tIns="91425">
+          <a:bodyPr spcFirstLastPara="1" wrap="square" lIns="91425" tIns="91425" rIns="91425" bIns="91425" anchor="ctr" anchorCtr="0">
             <a:noAutofit/>
           </a:bodyPr>
           <a:lstStyle>
-            <a:lvl1pPr lvl="0" marR="0" algn="l">
+            <a:lvl1pPr marR="0" lvl="0" algn="l">
               <a:lnSpc>
                 <a:spcPct val="100000"/>
               </a:lnSpc>
@@ -1598,7 +1611,7 @@
               <a:buSzPts val="1800"/>
               <a:buFont typeface="Open Sans"/>
               <a:buNone/>
-              <a:defRPr b="0" i="0" sz="2000" u="none" cap="none" strike="noStrike">
+              <a:defRPr sz="2000" b="0" i="0" u="none" strike="noStrike" cap="none">
                 <a:solidFill>
                   <a:schemeClr val="lt1"/>
                 </a:solidFill>
@@ -1608,7 +1621,7 @@
                 <a:sym typeface="Open Sans"/>
               </a:defRPr>
             </a:lvl1pPr>
-            <a:lvl2pPr lvl="1" marR="0" algn="l">
+            <a:lvl2pPr marR="0" lvl="1" algn="l">
               <a:lnSpc>
                 <a:spcPct val="100000"/>
               </a:lnSpc>
@@ -1624,7 +1637,7 @@
               <a:buSzPts val="1800"/>
               <a:buFont typeface="Roboto"/>
               <a:buNone/>
-              <a:defRPr b="0" i="0" sz="1800" u="none" cap="none" strike="noStrike">
+              <a:defRPr sz="1800" b="0" i="0" u="none" strike="noStrike" cap="none">
                 <a:solidFill>
                   <a:schemeClr val="lt1"/>
                 </a:solidFill>
@@ -1634,7 +1647,7 @@
                 <a:sym typeface="Roboto"/>
               </a:defRPr>
             </a:lvl2pPr>
-            <a:lvl3pPr lvl="2" marR="0" algn="l">
+            <a:lvl3pPr marR="0" lvl="2" algn="l">
               <a:lnSpc>
                 <a:spcPct val="100000"/>
               </a:lnSpc>
@@ -1650,7 +1663,7 @@
               <a:buSzPts val="1800"/>
               <a:buFont typeface="Roboto"/>
               <a:buNone/>
-              <a:defRPr b="0" i="0" sz="1800" u="none" cap="none" strike="noStrike">
+              <a:defRPr sz="1800" b="0" i="0" u="none" strike="noStrike" cap="none">
                 <a:solidFill>
                   <a:schemeClr val="lt1"/>
                 </a:solidFill>
@@ -1660,7 +1673,7 @@
                 <a:sym typeface="Roboto"/>
               </a:defRPr>
             </a:lvl3pPr>
-            <a:lvl4pPr lvl="3" marR="0" algn="l">
+            <a:lvl4pPr marR="0" lvl="3" algn="l">
               <a:lnSpc>
                 <a:spcPct val="100000"/>
               </a:lnSpc>
@@ -1676,7 +1689,7 @@
               <a:buSzPts val="1800"/>
               <a:buFont typeface="Roboto"/>
               <a:buNone/>
-              <a:defRPr b="0" i="0" sz="1800" u="none" cap="none" strike="noStrike">
+              <a:defRPr sz="1800" b="0" i="0" u="none" strike="noStrike" cap="none">
                 <a:solidFill>
                   <a:schemeClr val="lt1"/>
                 </a:solidFill>
@@ -1686,7 +1699,7 @@
                 <a:sym typeface="Roboto"/>
               </a:defRPr>
             </a:lvl4pPr>
-            <a:lvl5pPr lvl="4" marR="0" algn="l">
+            <a:lvl5pPr marR="0" lvl="4" algn="l">
               <a:lnSpc>
                 <a:spcPct val="100000"/>
               </a:lnSpc>
@@ -1702,7 +1715,7 @@
               <a:buSzPts val="1800"/>
               <a:buFont typeface="Roboto"/>
               <a:buNone/>
-              <a:defRPr b="0" i="0" sz="1800" u="none" cap="none" strike="noStrike">
+              <a:defRPr sz="1800" b="0" i="0" u="none" strike="noStrike" cap="none">
                 <a:solidFill>
                   <a:schemeClr val="lt1"/>
                 </a:solidFill>
@@ -1712,7 +1725,7 @@
                 <a:sym typeface="Roboto"/>
               </a:defRPr>
             </a:lvl5pPr>
-            <a:lvl6pPr lvl="5" marR="0" algn="l">
+            <a:lvl6pPr marR="0" lvl="5" algn="l">
               <a:lnSpc>
                 <a:spcPct val="100000"/>
               </a:lnSpc>
@@ -1728,7 +1741,7 @@
               <a:buSzPts val="1800"/>
               <a:buFont typeface="Roboto"/>
               <a:buNone/>
-              <a:defRPr b="0" i="0" sz="1800" u="none" cap="none" strike="noStrike">
+              <a:defRPr sz="1800" b="0" i="0" u="none" strike="noStrike" cap="none">
                 <a:solidFill>
                   <a:schemeClr val="lt1"/>
                 </a:solidFill>
@@ -1738,7 +1751,7 @@
                 <a:sym typeface="Roboto"/>
               </a:defRPr>
             </a:lvl6pPr>
-            <a:lvl7pPr lvl="6" marR="0" algn="l">
+            <a:lvl7pPr marR="0" lvl="6" algn="l">
               <a:lnSpc>
                 <a:spcPct val="100000"/>
               </a:lnSpc>
@@ -1754,7 +1767,7 @@
               <a:buSzPts val="1800"/>
               <a:buFont typeface="Roboto"/>
               <a:buNone/>
-              <a:defRPr b="0" i="0" sz="1800" u="none" cap="none" strike="noStrike">
+              <a:defRPr sz="1800" b="0" i="0" u="none" strike="noStrike" cap="none">
                 <a:solidFill>
                   <a:schemeClr val="lt1"/>
                 </a:solidFill>
@@ -1764,7 +1777,7 @@
                 <a:sym typeface="Roboto"/>
               </a:defRPr>
             </a:lvl7pPr>
-            <a:lvl8pPr lvl="7" marR="0" algn="l">
+            <a:lvl8pPr marR="0" lvl="7" algn="l">
               <a:lnSpc>
                 <a:spcPct val="100000"/>
               </a:lnSpc>
@@ -1780,7 +1793,7 @@
               <a:buSzPts val="1800"/>
               <a:buFont typeface="Roboto"/>
               <a:buNone/>
-              <a:defRPr b="0" i="0" sz="1800" u="none" cap="none" strike="noStrike">
+              <a:defRPr sz="1800" b="0" i="0" u="none" strike="noStrike" cap="none">
                 <a:solidFill>
                   <a:schemeClr val="lt1"/>
                 </a:solidFill>
@@ -1790,7 +1803,7 @@
                 <a:sym typeface="Roboto"/>
               </a:defRPr>
             </a:lvl8pPr>
-            <a:lvl9pPr lvl="8" marR="0" algn="l">
+            <a:lvl9pPr marR="0" lvl="8" algn="l">
               <a:lnSpc>
                 <a:spcPct val="100000"/>
               </a:lnSpc>
@@ -1806,7 +1819,7 @@
               <a:buSzPts val="1800"/>
               <a:buFont typeface="Roboto"/>
               <a:buNone/>
-              <a:defRPr b="0" i="0" sz="1800" u="none" cap="none" strike="noStrike">
+              <a:defRPr sz="1800" b="0" i="0" u="none" strike="noStrike" cap="none">
                 <a:solidFill>
                   <a:schemeClr val="lt1"/>
                 </a:solidFill>
@@ -1817,15 +1830,19 @@
               </a:defRPr>
             </a:lvl9pPr>
           </a:lstStyle>
-          <a:p/>
+          <a:p>
+            <a:endParaRPr/>
+          </a:p>
         </p:txBody>
       </p:sp>
       <p:sp>
         <p:nvSpPr>
           <p:cNvPr id="13" name="Google Shape;13;p2"/>
-          <p:cNvSpPr txBox="1"/>
+          <p:cNvSpPr txBox="1">
+            <a:spLocks noGrp="1"/>
+          </p:cNvSpPr>
           <p:nvPr>
-            <p:ph idx="12" type="sldNum"/>
+            <p:ph type="sldNum" idx="12"/>
           </p:nvPr>
         </p:nvSpPr>
         <p:spPr>
@@ -1842,11 +1859,11 @@
           </a:ln>
         </p:spPr>
         <p:txBody>
-          <a:bodyPr anchorCtr="0" anchor="ctr" bIns="91425" lIns="91425" spcFirstLastPara="1" rIns="91425" wrap="square" tIns="91425">
+          <a:bodyPr spcFirstLastPara="1" wrap="square" lIns="91425" tIns="91425" rIns="91425" bIns="91425" anchor="ctr" anchorCtr="0">
             <a:noAutofit/>
           </a:bodyPr>
           <a:lstStyle>
-            <a:lvl1pPr indent="0" lvl="0" marL="0" marR="0" algn="l">
+            <a:lvl1pPr marL="0" marR="0" lvl="0" indent="0" algn="l">
               <a:lnSpc>
                 <a:spcPct val="100000"/>
               </a:lnSpc>
@@ -1862,7 +1879,7 @@
               <a:buSzPts val="1000"/>
               <a:buFont typeface="Arial"/>
               <a:buNone/>
-              <a:defRPr b="0" i="0" sz="800" u="none" cap="none" strike="noStrike">
+              <a:defRPr sz="800" b="0" i="0" u="none" strike="noStrike" cap="none">
                 <a:solidFill>
                   <a:schemeClr val="lt2"/>
                 </a:solidFill>
@@ -1872,7 +1889,7 @@
                 <a:sym typeface="Montserrat"/>
               </a:defRPr>
             </a:lvl1pPr>
-            <a:lvl2pPr indent="0" lvl="1" marL="0" marR="0" algn="l">
+            <a:lvl2pPr marL="0" marR="0" lvl="1" indent="0" algn="l">
               <a:lnSpc>
                 <a:spcPct val="100000"/>
               </a:lnSpc>
@@ -1888,7 +1905,7 @@
               <a:buSzPts val="1000"/>
               <a:buFont typeface="Arial"/>
               <a:buNone/>
-              <a:defRPr b="0" i="0" sz="800" u="none" cap="none" strike="noStrike">
+              <a:defRPr sz="800" b="0" i="0" u="none" strike="noStrike" cap="none">
                 <a:solidFill>
                   <a:schemeClr val="lt2"/>
                 </a:solidFill>
@@ -1898,7 +1915,7 @@
                 <a:sym typeface="Montserrat"/>
               </a:defRPr>
             </a:lvl2pPr>
-            <a:lvl3pPr indent="0" lvl="2" marL="0" marR="0" algn="l">
+            <a:lvl3pPr marL="0" marR="0" lvl="2" indent="0" algn="l">
               <a:lnSpc>
                 <a:spcPct val="100000"/>
               </a:lnSpc>
@@ -1914,7 +1931,7 @@
               <a:buSzPts val="1000"/>
               <a:buFont typeface="Arial"/>
               <a:buNone/>
-              <a:defRPr b="0" i="0" sz="800" u="none" cap="none" strike="noStrike">
+              <a:defRPr sz="800" b="0" i="0" u="none" strike="noStrike" cap="none">
                 <a:solidFill>
                   <a:schemeClr val="lt2"/>
                 </a:solidFill>
@@ -1924,7 +1941,7 @@
                 <a:sym typeface="Montserrat"/>
               </a:defRPr>
             </a:lvl3pPr>
-            <a:lvl4pPr indent="0" lvl="3" marL="0" marR="0" algn="l">
+            <a:lvl4pPr marL="0" marR="0" lvl="3" indent="0" algn="l">
               <a:lnSpc>
                 <a:spcPct val="100000"/>
               </a:lnSpc>
@@ -1940,7 +1957,7 @@
               <a:buSzPts val="1000"/>
               <a:buFont typeface="Arial"/>
               <a:buNone/>
-              <a:defRPr b="0" i="0" sz="800" u="none" cap="none" strike="noStrike">
+              <a:defRPr sz="800" b="0" i="0" u="none" strike="noStrike" cap="none">
                 <a:solidFill>
                   <a:schemeClr val="lt2"/>
                 </a:solidFill>
@@ -1950,7 +1967,7 @@
                 <a:sym typeface="Montserrat"/>
               </a:defRPr>
             </a:lvl4pPr>
-            <a:lvl5pPr indent="0" lvl="4" marL="0" marR="0" algn="l">
+            <a:lvl5pPr marL="0" marR="0" lvl="4" indent="0" algn="l">
               <a:lnSpc>
                 <a:spcPct val="100000"/>
               </a:lnSpc>
@@ -1966,7 +1983,7 @@
               <a:buSzPts val="1000"/>
               <a:buFont typeface="Arial"/>
               <a:buNone/>
-              <a:defRPr b="0" i="0" sz="800" u="none" cap="none" strike="noStrike">
+              <a:defRPr sz="800" b="0" i="0" u="none" strike="noStrike" cap="none">
                 <a:solidFill>
                   <a:schemeClr val="lt2"/>
                 </a:solidFill>
@@ -1976,7 +1993,7 @@
                 <a:sym typeface="Montserrat"/>
               </a:defRPr>
             </a:lvl5pPr>
-            <a:lvl6pPr indent="0" lvl="5" marL="0" marR="0" algn="l">
+            <a:lvl6pPr marL="0" marR="0" lvl="5" indent="0" algn="l">
               <a:lnSpc>
                 <a:spcPct val="100000"/>
               </a:lnSpc>
@@ -1992,7 +2009,7 @@
               <a:buSzPts val="1000"/>
               <a:buFont typeface="Arial"/>
               <a:buNone/>
-              <a:defRPr b="0" i="0" sz="800" u="none" cap="none" strike="noStrike">
+              <a:defRPr sz="800" b="0" i="0" u="none" strike="noStrike" cap="none">
                 <a:solidFill>
                   <a:schemeClr val="lt2"/>
                 </a:solidFill>
@@ -2002,7 +2019,7 @@
                 <a:sym typeface="Montserrat"/>
               </a:defRPr>
             </a:lvl6pPr>
-            <a:lvl7pPr indent="0" lvl="6" marL="0" marR="0" algn="l">
+            <a:lvl7pPr marL="0" marR="0" lvl="6" indent="0" algn="l">
               <a:lnSpc>
                 <a:spcPct val="100000"/>
               </a:lnSpc>
@@ -2018,7 +2035,7 @@
               <a:buSzPts val="1000"/>
               <a:buFont typeface="Arial"/>
               <a:buNone/>
-              <a:defRPr b="0" i="0" sz="800" u="none" cap="none" strike="noStrike">
+              <a:defRPr sz="800" b="0" i="0" u="none" strike="noStrike" cap="none">
                 <a:solidFill>
                   <a:schemeClr val="lt2"/>
                 </a:solidFill>
@@ -2028,7 +2045,7 @@
                 <a:sym typeface="Montserrat"/>
               </a:defRPr>
             </a:lvl7pPr>
-            <a:lvl8pPr indent="0" lvl="7" marL="0" marR="0" algn="l">
+            <a:lvl8pPr marL="0" marR="0" lvl="7" indent="0" algn="l">
               <a:lnSpc>
                 <a:spcPct val="100000"/>
               </a:lnSpc>
@@ -2044,7 +2061,7 @@
               <a:buSzPts val="1000"/>
               <a:buFont typeface="Arial"/>
               <a:buNone/>
-              <a:defRPr b="0" i="0" sz="800" u="none" cap="none" strike="noStrike">
+              <a:defRPr sz="800" b="0" i="0" u="none" strike="noStrike" cap="none">
                 <a:solidFill>
                   <a:schemeClr val="lt2"/>
                 </a:solidFill>
@@ -2054,7 +2071,7 @@
                 <a:sym typeface="Montserrat"/>
               </a:defRPr>
             </a:lvl8pPr>
-            <a:lvl9pPr indent="0" lvl="8" marL="0" marR="0" algn="l">
+            <a:lvl9pPr marL="0" marR="0" lvl="8" indent="0" algn="l">
               <a:lnSpc>
                 <a:spcPct val="100000"/>
               </a:lnSpc>
@@ -2070,7 +2087,7 @@
               <a:buSzPts val="1000"/>
               <a:buFont typeface="Arial"/>
               <a:buNone/>
-              <a:defRPr b="0" i="0" sz="800" u="none" cap="none" strike="noStrike">
+              <a:defRPr sz="800" b="0" i="0" u="none" strike="noStrike" cap="none">
                 <a:solidFill>
                   <a:schemeClr val="lt2"/>
                 </a:solidFill>
@@ -2082,7 +2099,7 @@
             </a:lvl9pPr>
           </a:lstStyle>
           <a:p>
-            <a:pPr indent="0" lvl="0" marL="0" rtl="0" algn="l">
+            <a:pPr marL="0" lvl="0" indent="0" algn="l" rtl="0">
               <a:spcBef>
                 <a:spcPts val="0"/>
               </a:spcBef>
@@ -2109,7 +2126,7 @@
           <a:blip r:embed="rId2">
             <a:alphaModFix/>
           </a:blip>
-          <a:srcRect b="0" l="0" r="0" t="0"/>
+          <a:srcRect/>
           <a:stretch/>
         </p:blipFill>
         <p:spPr>
@@ -2135,18 +2152,19 @@
 </file>
 
 <file path=ppt/slideLayouts/slideLayout10.xml><?xml version="1.0" encoding="utf-8"?>
-<p:sldLayout xmlns:a="http://schemas.openxmlformats.org/drawingml/2006/main" xmlns:r="http://schemas.openxmlformats.org/officeDocument/2006/relationships" xmlns:mc="http://schemas.openxmlformats.org/markup-compatibility/2006" xmlns:mv="urn:schemas-microsoft-com:mac:vml" xmlns:p="http://schemas.openxmlformats.org/presentationml/2006/main" xmlns:c="http://schemas.openxmlformats.org/drawingml/2006/chart" xmlns:dgm="http://schemas.openxmlformats.org/drawingml/2006/diagram" xmlns:o="urn:schemas-microsoft-com:office:office" xmlns:v="urn:schemas-microsoft-com:vml" xmlns:pvml="urn:schemas-microsoft-com:office:powerpoint" xmlns:com="http://schemas.openxmlformats.org/drawingml/2006/compatibility" xmlns:p14="http://schemas.microsoft.com/office/powerpoint/2010/main" xmlns:p15="http://schemas.microsoft.com/office/powerpoint/2012/main" xmlns:ahyp="http://schemas.microsoft.com/office/drawing/2018/hyperlinkcolor" matchingName="Big number">
+<p:sldLayout xmlns:a="http://schemas.openxmlformats.org/drawingml/2006/main" xmlns:r="http://schemas.openxmlformats.org/officeDocument/2006/relationships" xmlns:p="http://schemas.openxmlformats.org/presentationml/2006/main" matchingName="Big number">
   <p:cSld name="BIG_NUMBER">
     <p:bg>
       <p:bgPr>
         <a:solidFill>
           <a:schemeClr val="accent4"/>
         </a:solidFill>
+        <a:effectLst/>
       </p:bgPr>
     </p:bg>
     <p:spTree>
       <p:nvGrpSpPr>
-        <p:cNvPr id="61" name="Shape 61"/>
+        <p:cNvPr id="1" name="Shape 61"/>
         <p:cNvGrpSpPr/>
         <p:nvPr/>
       </p:nvGrpSpPr>
@@ -2161,9 +2179,11 @@
       <p:sp>
         <p:nvSpPr>
           <p:cNvPr id="62" name="Google Shape;62;p11"/>
-          <p:cNvSpPr txBox="1"/>
+          <p:cNvSpPr txBox="1">
+            <a:spLocks noGrp="1"/>
+          </p:cNvSpPr>
           <p:nvPr>
-            <p:ph hasCustomPrompt="1" type="title"/>
+            <p:ph type="title" hasCustomPrompt="1"/>
           </p:nvPr>
         </p:nvSpPr>
         <p:spPr>
@@ -2180,11 +2200,11 @@
           </a:ln>
         </p:spPr>
         <p:txBody>
-          <a:bodyPr anchorCtr="0" anchor="b" bIns="91425" lIns="91425" spcFirstLastPara="1" rIns="91425" wrap="square" tIns="91425">
+          <a:bodyPr spcFirstLastPara="1" wrap="square" lIns="91425" tIns="91425" rIns="91425" bIns="91425" anchor="b" anchorCtr="0">
             <a:noAutofit/>
           </a:bodyPr>
           <a:lstStyle>
-            <a:lvl1pPr lvl="0" marR="0" algn="ctr">
+            <a:lvl1pPr marR="0" lvl="0" algn="ctr">
               <a:lnSpc>
                 <a:spcPct val="100000"/>
               </a:lnSpc>
@@ -2200,7 +2220,7 @@
               <a:buSzPts val="12000"/>
               <a:buFont typeface="Arial"/>
               <a:buNone/>
-              <a:defRPr b="0" i="0" sz="12000" u="none" cap="none" strike="noStrike">
+              <a:defRPr sz="12000" b="0" i="0" u="none" strike="noStrike" cap="none">
                 <a:solidFill>
                   <a:schemeClr val="dk2"/>
                 </a:solidFill>
@@ -2210,7 +2230,7 @@
                 <a:sym typeface="Open Sans"/>
               </a:defRPr>
             </a:lvl1pPr>
-            <a:lvl2pPr lvl="1" marR="0" algn="ctr">
+            <a:lvl2pPr marR="0" lvl="1" algn="ctr">
               <a:lnSpc>
                 <a:spcPct val="100000"/>
               </a:lnSpc>
@@ -2226,7 +2246,7 @@
               <a:buSzPts val="12000"/>
               <a:buFont typeface="Roboto"/>
               <a:buNone/>
-              <a:defRPr b="0" i="0" sz="12000" u="none" cap="none" strike="noStrike">
+              <a:defRPr sz="12000" b="0" i="0" u="none" strike="noStrike" cap="none">
                 <a:solidFill>
                   <a:schemeClr val="dk2"/>
                 </a:solidFill>
@@ -2236,7 +2256,7 @@
                 <a:sym typeface="Roboto"/>
               </a:defRPr>
             </a:lvl2pPr>
-            <a:lvl3pPr lvl="2" marR="0" algn="ctr">
+            <a:lvl3pPr marR="0" lvl="2" algn="ctr">
               <a:lnSpc>
                 <a:spcPct val="100000"/>
               </a:lnSpc>
@@ -2252,7 +2272,7 @@
               <a:buSzPts val="12000"/>
               <a:buFont typeface="Roboto"/>
               <a:buNone/>
-              <a:defRPr b="0" i="0" sz="12000" u="none" cap="none" strike="noStrike">
+              <a:defRPr sz="12000" b="0" i="0" u="none" strike="noStrike" cap="none">
                 <a:solidFill>
                   <a:schemeClr val="dk2"/>
                 </a:solidFill>
@@ -2262,7 +2282,7 @@
                 <a:sym typeface="Roboto"/>
               </a:defRPr>
             </a:lvl3pPr>
-            <a:lvl4pPr lvl="3" marR="0" algn="ctr">
+            <a:lvl4pPr marR="0" lvl="3" algn="ctr">
               <a:lnSpc>
                 <a:spcPct val="100000"/>
               </a:lnSpc>
@@ -2278,7 +2298,7 @@
               <a:buSzPts val="12000"/>
               <a:buFont typeface="Roboto"/>
               <a:buNone/>
-              <a:defRPr b="0" i="0" sz="12000" u="none" cap="none" strike="noStrike">
+              <a:defRPr sz="12000" b="0" i="0" u="none" strike="noStrike" cap="none">
                 <a:solidFill>
                   <a:schemeClr val="dk2"/>
                 </a:solidFill>
@@ -2288,7 +2308,7 @@
                 <a:sym typeface="Roboto"/>
               </a:defRPr>
             </a:lvl4pPr>
-            <a:lvl5pPr lvl="4" marR="0" algn="ctr">
+            <a:lvl5pPr marR="0" lvl="4" algn="ctr">
               <a:lnSpc>
                 <a:spcPct val="100000"/>
               </a:lnSpc>
@@ -2304,7 +2324,7 @@
               <a:buSzPts val="12000"/>
               <a:buFont typeface="Roboto"/>
               <a:buNone/>
-              <a:defRPr b="0" i="0" sz="12000" u="none" cap="none" strike="noStrike">
+              <a:defRPr sz="12000" b="0" i="0" u="none" strike="noStrike" cap="none">
                 <a:solidFill>
                   <a:schemeClr val="dk2"/>
                 </a:solidFill>
@@ -2314,7 +2334,7 @@
                 <a:sym typeface="Roboto"/>
               </a:defRPr>
             </a:lvl5pPr>
-            <a:lvl6pPr lvl="5" marR="0" algn="ctr">
+            <a:lvl6pPr marR="0" lvl="5" algn="ctr">
               <a:lnSpc>
                 <a:spcPct val="100000"/>
               </a:lnSpc>
@@ -2330,7 +2350,7 @@
               <a:buSzPts val="12000"/>
               <a:buFont typeface="Roboto"/>
               <a:buNone/>
-              <a:defRPr b="0" i="0" sz="12000" u="none" cap="none" strike="noStrike">
+              <a:defRPr sz="12000" b="0" i="0" u="none" strike="noStrike" cap="none">
                 <a:solidFill>
                   <a:schemeClr val="dk2"/>
                 </a:solidFill>
@@ -2340,7 +2360,7 @@
                 <a:sym typeface="Roboto"/>
               </a:defRPr>
             </a:lvl6pPr>
-            <a:lvl7pPr lvl="6" marR="0" algn="ctr">
+            <a:lvl7pPr marR="0" lvl="6" algn="ctr">
               <a:lnSpc>
                 <a:spcPct val="100000"/>
               </a:lnSpc>
@@ -2356,7 +2376,7 @@
               <a:buSzPts val="12000"/>
               <a:buFont typeface="Roboto"/>
               <a:buNone/>
-              <a:defRPr b="0" i="0" sz="12000" u="none" cap="none" strike="noStrike">
+              <a:defRPr sz="12000" b="0" i="0" u="none" strike="noStrike" cap="none">
                 <a:solidFill>
                   <a:schemeClr val="dk2"/>
                 </a:solidFill>
@@ -2366,7 +2386,7 @@
                 <a:sym typeface="Roboto"/>
               </a:defRPr>
             </a:lvl7pPr>
-            <a:lvl8pPr lvl="7" marR="0" algn="ctr">
+            <a:lvl8pPr marR="0" lvl="7" algn="ctr">
               <a:lnSpc>
                 <a:spcPct val="100000"/>
               </a:lnSpc>
@@ -2382,7 +2402,7 @@
               <a:buSzPts val="12000"/>
               <a:buFont typeface="Roboto"/>
               <a:buNone/>
-              <a:defRPr b="0" i="0" sz="12000" u="none" cap="none" strike="noStrike">
+              <a:defRPr sz="12000" b="0" i="0" u="none" strike="noStrike" cap="none">
                 <a:solidFill>
                   <a:schemeClr val="dk2"/>
                 </a:solidFill>
@@ -2392,7 +2412,7 @@
                 <a:sym typeface="Roboto"/>
               </a:defRPr>
             </a:lvl8pPr>
-            <a:lvl9pPr lvl="8" marR="0" algn="ctr">
+            <a:lvl9pPr marR="0" lvl="8" algn="ctr">
               <a:lnSpc>
                 <a:spcPct val="100000"/>
               </a:lnSpc>
@@ -2408,7 +2428,7 @@
               <a:buSzPts val="12000"/>
               <a:buFont typeface="Roboto"/>
               <a:buNone/>
-              <a:defRPr b="0" i="0" sz="12000" u="none" cap="none" strike="noStrike">
+              <a:defRPr sz="12000" b="0" i="0" u="none" strike="noStrike" cap="none">
                 <a:solidFill>
                   <a:schemeClr val="dk2"/>
                 </a:solidFill>
@@ -2429,9 +2449,11 @@
       <p:sp>
         <p:nvSpPr>
           <p:cNvPr id="63" name="Google Shape;63;p11"/>
-          <p:cNvSpPr txBox="1"/>
+          <p:cNvSpPr txBox="1">
+            <a:spLocks noGrp="1"/>
+          </p:cNvSpPr>
           <p:nvPr>
-            <p:ph idx="1" type="body"/>
+            <p:ph type="body" idx="1"/>
           </p:nvPr>
         </p:nvSpPr>
         <p:spPr>
@@ -2448,11 +2470,11 @@
           </a:ln>
         </p:spPr>
         <p:txBody>
-          <a:bodyPr anchorCtr="0" anchor="t" bIns="91425" lIns="91425" spcFirstLastPara="1" rIns="91425" wrap="square" tIns="91425">
+          <a:bodyPr spcFirstLastPara="1" wrap="square" lIns="91425" tIns="91425" rIns="91425" bIns="91425" anchor="t" anchorCtr="0">
             <a:noAutofit/>
           </a:bodyPr>
           <a:lstStyle>
-            <a:lvl1pPr indent="-342900" lvl="0" marL="457200" marR="0" algn="ctr">
+            <a:lvl1pPr marL="457200" marR="0" lvl="0" indent="-342900" algn="ctr">
               <a:lnSpc>
                 <a:spcPct val="115000"/>
               </a:lnSpc>
@@ -2468,7 +2490,7 @@
               <a:buSzPts val="1800"/>
               <a:buFont typeface="Montserrat"/>
               <a:buChar char="●"/>
-              <a:defRPr b="0" i="0" sz="1800" u="none" cap="none" strike="noStrike">
+              <a:defRPr sz="1800" b="0" i="0" u="none" strike="noStrike" cap="none">
                 <a:solidFill>
                   <a:schemeClr val="lt2"/>
                 </a:solidFill>
@@ -2478,7 +2500,7 @@
                 <a:sym typeface="Montserrat"/>
               </a:defRPr>
             </a:lvl1pPr>
-            <a:lvl2pPr indent="-317500" lvl="1" marL="914400" marR="0" algn="ctr">
+            <a:lvl2pPr marL="914400" marR="0" lvl="1" indent="-317500" algn="ctr">
               <a:lnSpc>
                 <a:spcPct val="115000"/>
               </a:lnSpc>
@@ -2494,7 +2516,7 @@
               <a:buSzPts val="1400"/>
               <a:buFont typeface="Montserrat"/>
               <a:buChar char="○"/>
-              <a:defRPr b="0" i="0" sz="1400" u="none" cap="none" strike="noStrike">
+              <a:defRPr sz="1400" b="0" i="0" u="none" strike="noStrike" cap="none">
                 <a:solidFill>
                   <a:schemeClr val="lt2"/>
                 </a:solidFill>
@@ -2504,7 +2526,7 @@
                 <a:sym typeface="Montserrat"/>
               </a:defRPr>
             </a:lvl2pPr>
-            <a:lvl3pPr indent="-317500" lvl="2" marL="1371600" marR="0" algn="ctr">
+            <a:lvl3pPr marL="1371600" marR="0" lvl="2" indent="-317500" algn="ctr">
               <a:lnSpc>
                 <a:spcPct val="115000"/>
               </a:lnSpc>
@@ -2520,7 +2542,7 @@
               <a:buSzPts val="1400"/>
               <a:buFont typeface="Montserrat"/>
               <a:buChar char="■"/>
-              <a:defRPr b="0" i="0" sz="1400" u="none" cap="none" strike="noStrike">
+              <a:defRPr sz="1400" b="0" i="0" u="none" strike="noStrike" cap="none">
                 <a:solidFill>
                   <a:schemeClr val="lt2"/>
                 </a:solidFill>
@@ -2530,7 +2552,7 @@
                 <a:sym typeface="Montserrat"/>
               </a:defRPr>
             </a:lvl3pPr>
-            <a:lvl4pPr indent="-317500" lvl="3" marL="1828800" marR="0" algn="ctr">
+            <a:lvl4pPr marL="1828800" marR="0" lvl="3" indent="-317500" algn="ctr">
               <a:lnSpc>
                 <a:spcPct val="115000"/>
               </a:lnSpc>
@@ -2546,7 +2568,7 @@
               <a:buSzPts val="1400"/>
               <a:buFont typeface="Montserrat"/>
               <a:buChar char="●"/>
-              <a:defRPr b="0" i="0" sz="1400" u="none" cap="none" strike="noStrike">
+              <a:defRPr sz="1400" b="0" i="0" u="none" strike="noStrike" cap="none">
                 <a:solidFill>
                   <a:schemeClr val="lt2"/>
                 </a:solidFill>
@@ -2556,7 +2578,7 @@
                 <a:sym typeface="Montserrat"/>
               </a:defRPr>
             </a:lvl4pPr>
-            <a:lvl5pPr indent="-317500" lvl="4" marL="2286000" marR="0" algn="ctr">
+            <a:lvl5pPr marL="2286000" marR="0" lvl="4" indent="-317500" algn="ctr">
               <a:lnSpc>
                 <a:spcPct val="115000"/>
               </a:lnSpc>
@@ -2572,7 +2594,7 @@
               <a:buSzPts val="1400"/>
               <a:buFont typeface="Montserrat"/>
               <a:buChar char="○"/>
-              <a:defRPr b="0" i="0" sz="1400" u="none" cap="none" strike="noStrike">
+              <a:defRPr sz="1400" b="0" i="0" u="none" strike="noStrike" cap="none">
                 <a:solidFill>
                   <a:schemeClr val="lt2"/>
                 </a:solidFill>
@@ -2582,7 +2604,7 @@
                 <a:sym typeface="Montserrat"/>
               </a:defRPr>
             </a:lvl5pPr>
-            <a:lvl6pPr indent="-317500" lvl="5" marL="2743200" marR="0" algn="ctr">
+            <a:lvl6pPr marL="2743200" marR="0" lvl="5" indent="-317500" algn="ctr">
               <a:lnSpc>
                 <a:spcPct val="115000"/>
               </a:lnSpc>
@@ -2598,7 +2620,7 @@
               <a:buSzPts val="1400"/>
               <a:buFont typeface="Montserrat"/>
               <a:buChar char="■"/>
-              <a:defRPr b="0" i="0" sz="1400" u="none" cap="none" strike="noStrike">
+              <a:defRPr sz="1400" b="0" i="0" u="none" strike="noStrike" cap="none">
                 <a:solidFill>
                   <a:schemeClr val="lt2"/>
                 </a:solidFill>
@@ -2608,7 +2630,7 @@
                 <a:sym typeface="Montserrat"/>
               </a:defRPr>
             </a:lvl6pPr>
-            <a:lvl7pPr indent="-317500" lvl="6" marL="3200400" marR="0" algn="ctr">
+            <a:lvl7pPr marL="3200400" marR="0" lvl="6" indent="-317500" algn="ctr">
               <a:lnSpc>
                 <a:spcPct val="115000"/>
               </a:lnSpc>
@@ -2624,7 +2646,7 @@
               <a:buSzPts val="1400"/>
               <a:buFont typeface="Montserrat"/>
               <a:buChar char="●"/>
-              <a:defRPr b="0" i="0" sz="1400" u="none" cap="none" strike="noStrike">
+              <a:defRPr sz="1400" b="0" i="0" u="none" strike="noStrike" cap="none">
                 <a:solidFill>
                   <a:schemeClr val="lt2"/>
                 </a:solidFill>
@@ -2634,7 +2656,7 @@
                 <a:sym typeface="Montserrat"/>
               </a:defRPr>
             </a:lvl7pPr>
-            <a:lvl8pPr indent="-317500" lvl="7" marL="3657600" marR="0" algn="ctr">
+            <a:lvl8pPr marL="3657600" marR="0" lvl="7" indent="-317500" algn="ctr">
               <a:lnSpc>
                 <a:spcPct val="115000"/>
               </a:lnSpc>
@@ -2650,7 +2672,7 @@
               <a:buSzPts val="1400"/>
               <a:buFont typeface="Montserrat"/>
               <a:buChar char="○"/>
-              <a:defRPr b="0" i="0" sz="1400" u="none" cap="none" strike="noStrike">
+              <a:defRPr sz="1400" b="0" i="0" u="none" strike="noStrike" cap="none">
                 <a:solidFill>
                   <a:schemeClr val="lt2"/>
                 </a:solidFill>
@@ -2660,7 +2682,7 @@
                 <a:sym typeface="Montserrat"/>
               </a:defRPr>
             </a:lvl8pPr>
-            <a:lvl9pPr indent="-317500" lvl="8" marL="4114800" marR="0" algn="ctr">
+            <a:lvl9pPr marL="4114800" marR="0" lvl="8" indent="-317500" algn="ctr">
               <a:lnSpc>
                 <a:spcPct val="115000"/>
               </a:lnSpc>
@@ -2676,7 +2698,7 @@
               <a:buSzPts val="1400"/>
               <a:buFont typeface="Montserrat"/>
               <a:buChar char="■"/>
-              <a:defRPr b="0" i="0" sz="1400" u="none" cap="none" strike="noStrike">
+              <a:defRPr sz="1400" b="0" i="0" u="none" strike="noStrike" cap="none">
                 <a:solidFill>
                   <a:schemeClr val="lt2"/>
                 </a:solidFill>
@@ -2687,15 +2709,19 @@
               </a:defRPr>
             </a:lvl9pPr>
           </a:lstStyle>
-          <a:p/>
+          <a:p>
+            <a:endParaRPr/>
+          </a:p>
         </p:txBody>
       </p:sp>
       <p:sp>
         <p:nvSpPr>
           <p:cNvPr id="64" name="Google Shape;64;p11"/>
-          <p:cNvSpPr txBox="1"/>
+          <p:cNvSpPr txBox="1">
+            <a:spLocks noGrp="1"/>
+          </p:cNvSpPr>
           <p:nvPr>
-            <p:ph idx="12" type="sldNum"/>
+            <p:ph type="sldNum" idx="12"/>
           </p:nvPr>
         </p:nvSpPr>
         <p:spPr>
@@ -2712,11 +2738,11 @@
           </a:ln>
         </p:spPr>
         <p:txBody>
-          <a:bodyPr anchorCtr="0" anchor="ctr" bIns="91425" lIns="91425" spcFirstLastPara="1" rIns="91425" wrap="square" tIns="91425">
+          <a:bodyPr spcFirstLastPara="1" wrap="square" lIns="91425" tIns="91425" rIns="91425" bIns="91425" anchor="ctr" anchorCtr="0">
             <a:noAutofit/>
           </a:bodyPr>
           <a:lstStyle>
-            <a:lvl1pPr indent="0" lvl="0" marL="0" marR="0" algn="r">
+            <a:lvl1pPr marL="0" marR="0" lvl="0" indent="0" algn="r">
               <a:lnSpc>
                 <a:spcPct val="100000"/>
               </a:lnSpc>
@@ -2732,7 +2758,7 @@
               <a:buSzPts val="1000"/>
               <a:buFont typeface="Arial"/>
               <a:buNone/>
-              <a:defRPr b="0" i="0" sz="1000" u="none" cap="none" strike="noStrike">
+              <a:defRPr sz="1000" b="0" i="0" u="none" strike="noStrike" cap="none">
                 <a:solidFill>
                   <a:schemeClr val="lt2"/>
                 </a:solidFill>
@@ -2742,7 +2768,7 @@
                 <a:sym typeface="Roboto"/>
               </a:defRPr>
             </a:lvl1pPr>
-            <a:lvl2pPr indent="0" lvl="1" marL="0" marR="0" algn="r">
+            <a:lvl2pPr marL="0" marR="0" lvl="1" indent="0" algn="r">
               <a:lnSpc>
                 <a:spcPct val="100000"/>
               </a:lnSpc>
@@ -2758,7 +2784,7 @@
               <a:buSzPts val="1000"/>
               <a:buFont typeface="Arial"/>
               <a:buNone/>
-              <a:defRPr b="0" i="0" sz="1000" u="none" cap="none" strike="noStrike">
+              <a:defRPr sz="1000" b="0" i="0" u="none" strike="noStrike" cap="none">
                 <a:solidFill>
                   <a:schemeClr val="lt2"/>
                 </a:solidFill>
@@ -2768,7 +2794,7 @@
                 <a:sym typeface="Roboto"/>
               </a:defRPr>
             </a:lvl2pPr>
-            <a:lvl3pPr indent="0" lvl="2" marL="0" marR="0" algn="r">
+            <a:lvl3pPr marL="0" marR="0" lvl="2" indent="0" algn="r">
               <a:lnSpc>
                 <a:spcPct val="100000"/>
               </a:lnSpc>
@@ -2784,7 +2810,7 @@
               <a:buSzPts val="1000"/>
               <a:buFont typeface="Arial"/>
               <a:buNone/>
-              <a:defRPr b="0" i="0" sz="1000" u="none" cap="none" strike="noStrike">
+              <a:defRPr sz="1000" b="0" i="0" u="none" strike="noStrike" cap="none">
                 <a:solidFill>
                   <a:schemeClr val="lt2"/>
                 </a:solidFill>
@@ -2794,7 +2820,7 @@
                 <a:sym typeface="Roboto"/>
               </a:defRPr>
             </a:lvl3pPr>
-            <a:lvl4pPr indent="0" lvl="3" marL="0" marR="0" algn="r">
+            <a:lvl4pPr marL="0" marR="0" lvl="3" indent="0" algn="r">
               <a:lnSpc>
                 <a:spcPct val="100000"/>
               </a:lnSpc>
@@ -2810,7 +2836,7 @@
               <a:buSzPts val="1000"/>
               <a:buFont typeface="Arial"/>
               <a:buNone/>
-              <a:defRPr b="0" i="0" sz="1000" u="none" cap="none" strike="noStrike">
+              <a:defRPr sz="1000" b="0" i="0" u="none" strike="noStrike" cap="none">
                 <a:solidFill>
                   <a:schemeClr val="lt2"/>
                 </a:solidFill>
@@ -2820,7 +2846,7 @@
                 <a:sym typeface="Roboto"/>
               </a:defRPr>
             </a:lvl4pPr>
-            <a:lvl5pPr indent="0" lvl="4" marL="0" marR="0" algn="r">
+            <a:lvl5pPr marL="0" marR="0" lvl="4" indent="0" algn="r">
               <a:lnSpc>
                 <a:spcPct val="100000"/>
               </a:lnSpc>
@@ -2836,7 +2862,7 @@
               <a:buSzPts val="1000"/>
               <a:buFont typeface="Arial"/>
               <a:buNone/>
-              <a:defRPr b="0" i="0" sz="1000" u="none" cap="none" strike="noStrike">
+              <a:defRPr sz="1000" b="0" i="0" u="none" strike="noStrike" cap="none">
                 <a:solidFill>
                   <a:schemeClr val="lt2"/>
                 </a:solidFill>
@@ -2846,7 +2872,7 @@
                 <a:sym typeface="Roboto"/>
               </a:defRPr>
             </a:lvl5pPr>
-            <a:lvl6pPr indent="0" lvl="5" marL="0" marR="0" algn="r">
+            <a:lvl6pPr marL="0" marR="0" lvl="5" indent="0" algn="r">
               <a:lnSpc>
                 <a:spcPct val="100000"/>
               </a:lnSpc>
@@ -2862,7 +2888,7 @@
               <a:buSzPts val="1000"/>
               <a:buFont typeface="Arial"/>
               <a:buNone/>
-              <a:defRPr b="0" i="0" sz="1000" u="none" cap="none" strike="noStrike">
+              <a:defRPr sz="1000" b="0" i="0" u="none" strike="noStrike" cap="none">
                 <a:solidFill>
                   <a:schemeClr val="lt2"/>
                 </a:solidFill>
@@ -2872,7 +2898,7 @@
                 <a:sym typeface="Roboto"/>
               </a:defRPr>
             </a:lvl6pPr>
-            <a:lvl7pPr indent="0" lvl="6" marL="0" marR="0" algn="r">
+            <a:lvl7pPr marL="0" marR="0" lvl="6" indent="0" algn="r">
               <a:lnSpc>
                 <a:spcPct val="100000"/>
               </a:lnSpc>
@@ -2888,7 +2914,7 @@
               <a:buSzPts val="1000"/>
               <a:buFont typeface="Arial"/>
               <a:buNone/>
-              <a:defRPr b="0" i="0" sz="1000" u="none" cap="none" strike="noStrike">
+              <a:defRPr sz="1000" b="0" i="0" u="none" strike="noStrike" cap="none">
                 <a:solidFill>
                   <a:schemeClr val="lt2"/>
                 </a:solidFill>
@@ -2898,7 +2924,7 @@
                 <a:sym typeface="Roboto"/>
               </a:defRPr>
             </a:lvl7pPr>
-            <a:lvl8pPr indent="0" lvl="7" marL="0" marR="0" algn="r">
+            <a:lvl8pPr marL="0" marR="0" lvl="7" indent="0" algn="r">
               <a:lnSpc>
                 <a:spcPct val="100000"/>
               </a:lnSpc>
@@ -2914,7 +2940,7 @@
               <a:buSzPts val="1000"/>
               <a:buFont typeface="Arial"/>
               <a:buNone/>
-              <a:defRPr b="0" i="0" sz="1000" u="none" cap="none" strike="noStrike">
+              <a:defRPr sz="1000" b="0" i="0" u="none" strike="noStrike" cap="none">
                 <a:solidFill>
                   <a:schemeClr val="lt2"/>
                 </a:solidFill>
@@ -2924,7 +2950,7 @@
                 <a:sym typeface="Roboto"/>
               </a:defRPr>
             </a:lvl8pPr>
-            <a:lvl9pPr indent="0" lvl="8" marL="0" marR="0" algn="r">
+            <a:lvl9pPr marL="0" marR="0" lvl="8" indent="0" algn="r">
               <a:lnSpc>
                 <a:spcPct val="100000"/>
               </a:lnSpc>
@@ -2940,7 +2966,7 @@
               <a:buSzPts val="1000"/>
               <a:buFont typeface="Arial"/>
               <a:buNone/>
-              <a:defRPr b="0" i="0" sz="1000" u="none" cap="none" strike="noStrike">
+              <a:defRPr sz="1000" b="0" i="0" u="none" strike="noStrike" cap="none">
                 <a:solidFill>
                   <a:schemeClr val="lt2"/>
                 </a:solidFill>
@@ -2952,7 +2978,7 @@
             </a:lvl9pPr>
           </a:lstStyle>
           <a:p>
-            <a:pPr indent="0" lvl="0" marL="0" rtl="0" algn="r">
+            <a:pPr marL="0" lvl="0" indent="0" algn="r" rtl="0">
               <a:spcBef>
                 <a:spcPts val="0"/>
               </a:spcBef>
@@ -2978,11 +3004,11 @@
 </file>
 
 <file path=ppt/slideLayouts/slideLayout2.xml><?xml version="1.0" encoding="utf-8"?>
-<p:sldLayout xmlns:a="http://schemas.openxmlformats.org/drawingml/2006/main" xmlns:r="http://schemas.openxmlformats.org/officeDocument/2006/relationships" xmlns:mc="http://schemas.openxmlformats.org/markup-compatibility/2006" xmlns:mv="urn:schemas-microsoft-com:mac:vml" xmlns:p="http://schemas.openxmlformats.org/presentationml/2006/main" xmlns:c="http://schemas.openxmlformats.org/drawingml/2006/chart" xmlns:dgm="http://schemas.openxmlformats.org/drawingml/2006/diagram" xmlns:o="urn:schemas-microsoft-com:office:office" xmlns:v="urn:schemas-microsoft-com:vml" xmlns:pvml="urn:schemas-microsoft-com:office:powerpoint" xmlns:com="http://schemas.openxmlformats.org/drawingml/2006/compatibility" xmlns:p14="http://schemas.microsoft.com/office/powerpoint/2010/main" xmlns:p15="http://schemas.microsoft.com/office/powerpoint/2012/main" xmlns:ahyp="http://schemas.microsoft.com/office/drawing/2018/hyperlinkcolor" matchingName="Title slide" type="title">
+<p:sldLayout xmlns:a="http://schemas.openxmlformats.org/drawingml/2006/main" xmlns:r="http://schemas.openxmlformats.org/officeDocument/2006/relationships" xmlns:p="http://schemas.openxmlformats.org/presentationml/2006/main" matchingName="Title slide" type="title">
   <p:cSld name="TITLE">
     <p:spTree>
       <p:nvGrpSpPr>
-        <p:cNvPr id="15" name="Shape 15"/>
+        <p:cNvPr id="1" name="Shape 15"/>
         <p:cNvGrpSpPr/>
         <p:nvPr/>
       </p:nvGrpSpPr>
@@ -2997,7 +3023,9 @@
       <p:sp>
         <p:nvSpPr>
           <p:cNvPr id="16" name="Google Shape;16;p3"/>
-          <p:cNvSpPr txBox="1"/>
+          <p:cNvSpPr txBox="1">
+            <a:spLocks noGrp="1"/>
+          </p:cNvSpPr>
           <p:nvPr>
             <p:ph type="ctrTitle"/>
           </p:nvPr>
@@ -3016,11 +3044,11 @@
           </a:ln>
         </p:spPr>
         <p:txBody>
-          <a:bodyPr anchorCtr="0" anchor="b" bIns="91425" lIns="91425" spcFirstLastPara="1" rIns="91425" wrap="square" tIns="91425">
+          <a:bodyPr spcFirstLastPara="1" wrap="square" lIns="91425" tIns="91425" rIns="91425" bIns="91425" anchor="b" anchorCtr="0">
             <a:noAutofit/>
           </a:bodyPr>
           <a:lstStyle>
-            <a:lvl1pPr lvl="0" marR="0" algn="l">
+            <a:lvl1pPr marR="0" lvl="0" algn="l">
               <a:lnSpc>
                 <a:spcPct val="100000"/>
               </a:lnSpc>
@@ -3036,7 +3064,7 @@
               <a:buSzPts val="3800"/>
               <a:buFont typeface="Open Sans"/>
               <a:buNone/>
-              <a:defRPr b="0" i="0" sz="3800" u="none" cap="none" strike="noStrike">
+              <a:defRPr sz="3800" b="0" i="0" u="none" strike="noStrike" cap="none">
                 <a:solidFill>
                   <a:schemeClr val="lt1"/>
                 </a:solidFill>
@@ -3046,7 +3074,7 @@
                 <a:sym typeface="Open Sans"/>
               </a:defRPr>
             </a:lvl1pPr>
-            <a:lvl2pPr lvl="1" marR="0" algn="l">
+            <a:lvl2pPr marR="0" lvl="1" algn="l">
               <a:lnSpc>
                 <a:spcPct val="100000"/>
               </a:lnSpc>
@@ -3062,7 +3090,7 @@
               <a:buSzPts val="4800"/>
               <a:buFont typeface="Roboto"/>
               <a:buNone/>
-              <a:defRPr b="0" i="0" sz="4800" u="none" cap="none" strike="noStrike">
+              <a:defRPr sz="4800" b="0" i="0" u="none" strike="noStrike" cap="none">
                 <a:solidFill>
                   <a:schemeClr val="lt1"/>
                 </a:solidFill>
@@ -3072,7 +3100,7 @@
                 <a:sym typeface="Roboto"/>
               </a:defRPr>
             </a:lvl2pPr>
-            <a:lvl3pPr lvl="2" marR="0" algn="l">
+            <a:lvl3pPr marR="0" lvl="2" algn="l">
               <a:lnSpc>
                 <a:spcPct val="100000"/>
               </a:lnSpc>
@@ -3088,7 +3116,7 @@
               <a:buSzPts val="4800"/>
               <a:buFont typeface="Roboto"/>
               <a:buNone/>
-              <a:defRPr b="0" i="0" sz="4800" u="none" cap="none" strike="noStrike">
+              <a:defRPr sz="4800" b="0" i="0" u="none" strike="noStrike" cap="none">
                 <a:solidFill>
                   <a:schemeClr val="lt1"/>
                 </a:solidFill>
@@ -3098,7 +3126,7 @@
                 <a:sym typeface="Roboto"/>
               </a:defRPr>
             </a:lvl3pPr>
-            <a:lvl4pPr lvl="3" marR="0" algn="l">
+            <a:lvl4pPr marR="0" lvl="3" algn="l">
               <a:lnSpc>
                 <a:spcPct val="100000"/>
               </a:lnSpc>
@@ -3114,7 +3142,7 @@
               <a:buSzPts val="4800"/>
               <a:buFont typeface="Roboto"/>
               <a:buNone/>
-              <a:defRPr b="0" i="0" sz="4800" u="none" cap="none" strike="noStrike">
+              <a:defRPr sz="4800" b="0" i="0" u="none" strike="noStrike" cap="none">
                 <a:solidFill>
                   <a:schemeClr val="lt1"/>
                 </a:solidFill>
@@ -3124,7 +3152,7 @@
                 <a:sym typeface="Roboto"/>
               </a:defRPr>
             </a:lvl4pPr>
-            <a:lvl5pPr lvl="4" marR="0" algn="l">
+            <a:lvl5pPr marR="0" lvl="4" algn="l">
               <a:lnSpc>
                 <a:spcPct val="100000"/>
               </a:lnSpc>
@@ -3140,7 +3168,7 @@
               <a:buSzPts val="4800"/>
               <a:buFont typeface="Roboto"/>
               <a:buNone/>
-              <a:defRPr b="0" i="0" sz="4800" u="none" cap="none" strike="noStrike">
+              <a:defRPr sz="4800" b="0" i="0" u="none" strike="noStrike" cap="none">
                 <a:solidFill>
                   <a:schemeClr val="lt1"/>
                 </a:solidFill>
@@ -3150,7 +3178,7 @@
                 <a:sym typeface="Roboto"/>
               </a:defRPr>
             </a:lvl5pPr>
-            <a:lvl6pPr lvl="5" marR="0" algn="l">
+            <a:lvl6pPr marR="0" lvl="5" algn="l">
               <a:lnSpc>
                 <a:spcPct val="100000"/>
               </a:lnSpc>
@@ -3166,7 +3194,7 @@
               <a:buSzPts val="4800"/>
               <a:buFont typeface="Roboto"/>
               <a:buNone/>
-              <a:defRPr b="0" i="0" sz="4800" u="none" cap="none" strike="noStrike">
+              <a:defRPr sz="4800" b="0" i="0" u="none" strike="noStrike" cap="none">
                 <a:solidFill>
                   <a:schemeClr val="lt1"/>
                 </a:solidFill>
@@ -3176,7 +3204,7 @@
                 <a:sym typeface="Roboto"/>
               </a:defRPr>
             </a:lvl6pPr>
-            <a:lvl7pPr lvl="6" marR="0" algn="l">
+            <a:lvl7pPr marR="0" lvl="6" algn="l">
               <a:lnSpc>
                 <a:spcPct val="100000"/>
               </a:lnSpc>
@@ -3192,7 +3220,7 @@
               <a:buSzPts val="4800"/>
               <a:buFont typeface="Roboto"/>
               <a:buNone/>
-              <a:defRPr b="0" i="0" sz="4800" u="none" cap="none" strike="noStrike">
+              <a:defRPr sz="4800" b="0" i="0" u="none" strike="noStrike" cap="none">
                 <a:solidFill>
                   <a:schemeClr val="lt1"/>
                 </a:solidFill>
@@ -3202,7 +3230,7 @@
                 <a:sym typeface="Roboto"/>
               </a:defRPr>
             </a:lvl7pPr>
-            <a:lvl8pPr lvl="7" marR="0" algn="l">
+            <a:lvl8pPr marR="0" lvl="7" algn="l">
               <a:lnSpc>
                 <a:spcPct val="100000"/>
               </a:lnSpc>
@@ -3218,7 +3246,7 @@
               <a:buSzPts val="4800"/>
               <a:buFont typeface="Roboto"/>
               <a:buNone/>
-              <a:defRPr b="0" i="0" sz="4800" u="none" cap="none" strike="noStrike">
+              <a:defRPr sz="4800" b="0" i="0" u="none" strike="noStrike" cap="none">
                 <a:solidFill>
                   <a:schemeClr val="lt1"/>
                 </a:solidFill>
@@ -3228,7 +3256,7 @@
                 <a:sym typeface="Roboto"/>
               </a:defRPr>
             </a:lvl8pPr>
-            <a:lvl9pPr lvl="8" marR="0" algn="l">
+            <a:lvl9pPr marR="0" lvl="8" algn="l">
               <a:lnSpc>
                 <a:spcPct val="100000"/>
               </a:lnSpc>
@@ -3244,7 +3272,7 @@
               <a:buSzPts val="4800"/>
               <a:buFont typeface="Roboto"/>
               <a:buNone/>
-              <a:defRPr b="0" i="0" sz="4800" u="none" cap="none" strike="noStrike">
+              <a:defRPr sz="4800" b="0" i="0" u="none" strike="noStrike" cap="none">
                 <a:solidFill>
                   <a:schemeClr val="lt1"/>
                 </a:solidFill>
@@ -3255,15 +3283,19 @@
               </a:defRPr>
             </a:lvl9pPr>
           </a:lstStyle>
-          <a:p/>
+          <a:p>
+            <a:endParaRPr/>
+          </a:p>
         </p:txBody>
       </p:sp>
       <p:sp>
         <p:nvSpPr>
           <p:cNvPr id="17" name="Google Shape;17;p3"/>
-          <p:cNvSpPr txBox="1"/>
+          <p:cNvSpPr txBox="1">
+            <a:spLocks noGrp="1"/>
+          </p:cNvSpPr>
           <p:nvPr>
-            <p:ph idx="1" type="subTitle"/>
+            <p:ph type="subTitle" idx="1"/>
           </p:nvPr>
         </p:nvSpPr>
         <p:spPr>
@@ -3280,11 +3312,11 @@
           </a:ln>
         </p:spPr>
         <p:txBody>
-          <a:bodyPr anchorCtr="0" anchor="t" bIns="91425" lIns="91425" spcFirstLastPara="1" rIns="91425" wrap="square" tIns="91425">
+          <a:bodyPr spcFirstLastPara="1" wrap="square" lIns="91425" tIns="91425" rIns="91425" bIns="91425" anchor="t" anchorCtr="0">
             <a:noAutofit/>
           </a:bodyPr>
           <a:lstStyle>
-            <a:lvl1pPr lvl="0" marR="0" algn="l">
+            <a:lvl1pPr marR="0" lvl="0" algn="l">
               <a:lnSpc>
                 <a:spcPct val="100000"/>
               </a:lnSpc>
@@ -3300,7 +3332,7 @@
               <a:buSzPts val="1800"/>
               <a:buFont typeface="Montserrat"/>
               <a:buNone/>
-              <a:defRPr b="0" i="0" sz="1800" u="none" cap="none" strike="noStrike">
+              <a:defRPr sz="1800" b="0" i="0" u="none" strike="noStrike" cap="none">
                 <a:solidFill>
                   <a:schemeClr val="lt1"/>
                 </a:solidFill>
@@ -3310,7 +3342,7 @@
                 <a:sym typeface="Montserrat"/>
               </a:defRPr>
             </a:lvl1pPr>
-            <a:lvl2pPr lvl="1" marR="0" algn="l">
+            <a:lvl2pPr marR="0" lvl="1" algn="l">
               <a:lnSpc>
                 <a:spcPct val="100000"/>
               </a:lnSpc>
@@ -3326,7 +3358,7 @@
               <a:buSzPts val="1800"/>
               <a:buFont typeface="Montserrat"/>
               <a:buNone/>
-              <a:defRPr b="0" i="0" sz="1800" u="none" cap="none" strike="noStrike">
+              <a:defRPr sz="1800" b="0" i="0" u="none" strike="noStrike" cap="none">
                 <a:solidFill>
                   <a:schemeClr val="lt1"/>
                 </a:solidFill>
@@ -3336,7 +3368,7 @@
                 <a:sym typeface="Montserrat"/>
               </a:defRPr>
             </a:lvl2pPr>
-            <a:lvl3pPr lvl="2" marR="0" algn="l">
+            <a:lvl3pPr marR="0" lvl="2" algn="l">
               <a:lnSpc>
                 <a:spcPct val="100000"/>
               </a:lnSpc>
@@ -3352,7 +3384,7 @@
               <a:buSzPts val="1800"/>
               <a:buFont typeface="Montserrat"/>
               <a:buNone/>
-              <a:defRPr b="0" i="0" sz="1800" u="none" cap="none" strike="noStrike">
+              <a:defRPr sz="1800" b="0" i="0" u="none" strike="noStrike" cap="none">
                 <a:solidFill>
                   <a:schemeClr val="lt1"/>
                 </a:solidFill>
@@ -3362,7 +3394,7 @@
                 <a:sym typeface="Montserrat"/>
               </a:defRPr>
             </a:lvl3pPr>
-            <a:lvl4pPr lvl="3" marR="0" algn="l">
+            <a:lvl4pPr marR="0" lvl="3" algn="l">
               <a:lnSpc>
                 <a:spcPct val="100000"/>
               </a:lnSpc>
@@ -3378,7 +3410,7 @@
               <a:buSzPts val="1800"/>
               <a:buFont typeface="Montserrat"/>
               <a:buNone/>
-              <a:defRPr b="0" i="0" sz="1800" u="none" cap="none" strike="noStrike">
+              <a:defRPr sz="1800" b="0" i="0" u="none" strike="noStrike" cap="none">
                 <a:solidFill>
                   <a:schemeClr val="lt1"/>
                 </a:solidFill>
@@ -3388,7 +3420,7 @@
                 <a:sym typeface="Montserrat"/>
               </a:defRPr>
             </a:lvl4pPr>
-            <a:lvl5pPr lvl="4" marR="0" algn="l">
+            <a:lvl5pPr marR="0" lvl="4" algn="l">
               <a:lnSpc>
                 <a:spcPct val="100000"/>
               </a:lnSpc>
@@ -3404,7 +3436,7 @@
               <a:buSzPts val="1800"/>
               <a:buFont typeface="Montserrat"/>
               <a:buNone/>
-              <a:defRPr b="0" i="0" sz="1800" u="none" cap="none" strike="noStrike">
+              <a:defRPr sz="1800" b="0" i="0" u="none" strike="noStrike" cap="none">
                 <a:solidFill>
                   <a:schemeClr val="lt1"/>
                 </a:solidFill>
@@ -3414,7 +3446,7 @@
                 <a:sym typeface="Montserrat"/>
               </a:defRPr>
             </a:lvl5pPr>
-            <a:lvl6pPr lvl="5" marR="0" algn="l">
+            <a:lvl6pPr marR="0" lvl="5" algn="l">
               <a:lnSpc>
                 <a:spcPct val="100000"/>
               </a:lnSpc>
@@ -3430,7 +3462,7 @@
               <a:buSzPts val="1800"/>
               <a:buFont typeface="Montserrat"/>
               <a:buNone/>
-              <a:defRPr b="0" i="0" sz="1800" u="none" cap="none" strike="noStrike">
+              <a:defRPr sz="1800" b="0" i="0" u="none" strike="noStrike" cap="none">
                 <a:solidFill>
                   <a:schemeClr val="lt1"/>
                 </a:solidFill>
@@ -3440,7 +3472,7 @@
                 <a:sym typeface="Montserrat"/>
               </a:defRPr>
             </a:lvl6pPr>
-            <a:lvl7pPr lvl="6" marR="0" algn="l">
+            <a:lvl7pPr marR="0" lvl="6" algn="l">
               <a:lnSpc>
                 <a:spcPct val="100000"/>
               </a:lnSpc>
@@ -3456,7 +3488,7 @@
               <a:buSzPts val="1800"/>
               <a:buFont typeface="Montserrat"/>
               <a:buNone/>
-              <a:defRPr b="0" i="0" sz="1800" u="none" cap="none" strike="noStrike">
+              <a:defRPr sz="1800" b="0" i="0" u="none" strike="noStrike" cap="none">
                 <a:solidFill>
                   <a:schemeClr val="lt1"/>
                 </a:solidFill>
@@ -3466,7 +3498,7 @@
                 <a:sym typeface="Montserrat"/>
               </a:defRPr>
             </a:lvl7pPr>
-            <a:lvl8pPr lvl="7" marR="0" algn="l">
+            <a:lvl8pPr marR="0" lvl="7" algn="l">
               <a:lnSpc>
                 <a:spcPct val="100000"/>
               </a:lnSpc>
@@ -3482,7 +3514,7 @@
               <a:buSzPts val="1800"/>
               <a:buFont typeface="Montserrat"/>
               <a:buNone/>
-              <a:defRPr b="0" i="0" sz="1800" u="none" cap="none" strike="noStrike">
+              <a:defRPr sz="1800" b="0" i="0" u="none" strike="noStrike" cap="none">
                 <a:solidFill>
                   <a:schemeClr val="lt1"/>
                 </a:solidFill>
@@ -3492,7 +3524,7 @@
                 <a:sym typeface="Montserrat"/>
               </a:defRPr>
             </a:lvl8pPr>
-            <a:lvl9pPr lvl="8" marR="0" algn="l">
+            <a:lvl9pPr marR="0" lvl="8" algn="l">
               <a:lnSpc>
                 <a:spcPct val="100000"/>
               </a:lnSpc>
@@ -3508,7 +3540,7 @@
               <a:buSzPts val="1800"/>
               <a:buFont typeface="Montserrat"/>
               <a:buNone/>
-              <a:defRPr b="0" i="0" sz="1800" u="none" cap="none" strike="noStrike">
+              <a:defRPr sz="1800" b="0" i="0" u="none" strike="noStrike" cap="none">
                 <a:solidFill>
                   <a:schemeClr val="lt1"/>
                 </a:solidFill>
@@ -3519,15 +3551,19 @@
               </a:defRPr>
             </a:lvl9pPr>
           </a:lstStyle>
-          <a:p/>
+          <a:p>
+            <a:endParaRPr/>
+          </a:p>
         </p:txBody>
       </p:sp>
       <p:sp>
         <p:nvSpPr>
           <p:cNvPr id="18" name="Google Shape;18;p3"/>
-          <p:cNvSpPr txBox="1"/>
+          <p:cNvSpPr txBox="1">
+            <a:spLocks noGrp="1"/>
+          </p:cNvSpPr>
           <p:nvPr>
-            <p:ph idx="12" type="sldNum"/>
+            <p:ph type="sldNum" idx="12"/>
           </p:nvPr>
         </p:nvSpPr>
         <p:spPr>
@@ -3544,11 +3580,11 @@
           </a:ln>
         </p:spPr>
         <p:txBody>
-          <a:bodyPr anchorCtr="0" anchor="ctr" bIns="91425" lIns="91425" spcFirstLastPara="1" rIns="91425" wrap="square" tIns="91425">
+          <a:bodyPr spcFirstLastPara="1" wrap="square" lIns="91425" tIns="91425" rIns="91425" bIns="91425" anchor="ctr" anchorCtr="0">
             <a:noAutofit/>
           </a:bodyPr>
           <a:lstStyle>
-            <a:lvl1pPr indent="0" lvl="0" marL="0" marR="0" algn="r">
+            <a:lvl1pPr marL="0" marR="0" lvl="0" indent="0" algn="r">
               <a:lnSpc>
                 <a:spcPct val="100000"/>
               </a:lnSpc>
@@ -3564,7 +3600,7 @@
               <a:buSzPts val="1000"/>
               <a:buFont typeface="Arial"/>
               <a:buNone/>
-              <a:defRPr b="0" i="0" sz="1000" u="none" cap="none" strike="noStrike">
+              <a:defRPr sz="1000" b="0" i="0" u="none" strike="noStrike" cap="none">
                 <a:solidFill>
                   <a:schemeClr val="lt2"/>
                 </a:solidFill>
@@ -3574,7 +3610,7 @@
                 <a:sym typeface="Roboto"/>
               </a:defRPr>
             </a:lvl1pPr>
-            <a:lvl2pPr indent="0" lvl="1" marL="0" marR="0" algn="r">
+            <a:lvl2pPr marL="0" marR="0" lvl="1" indent="0" algn="r">
               <a:lnSpc>
                 <a:spcPct val="100000"/>
               </a:lnSpc>
@@ -3590,7 +3626,7 @@
               <a:buSzPts val="1000"/>
               <a:buFont typeface="Arial"/>
               <a:buNone/>
-              <a:defRPr b="0" i="0" sz="1000" u="none" cap="none" strike="noStrike">
+              <a:defRPr sz="1000" b="0" i="0" u="none" strike="noStrike" cap="none">
                 <a:solidFill>
                   <a:schemeClr val="lt2"/>
                 </a:solidFill>
@@ -3600,7 +3636,7 @@
                 <a:sym typeface="Roboto"/>
               </a:defRPr>
             </a:lvl2pPr>
-            <a:lvl3pPr indent="0" lvl="2" marL="0" marR="0" algn="r">
+            <a:lvl3pPr marL="0" marR="0" lvl="2" indent="0" algn="r">
               <a:lnSpc>
                 <a:spcPct val="100000"/>
               </a:lnSpc>
@@ -3616,7 +3652,7 @@
               <a:buSzPts val="1000"/>
               <a:buFont typeface="Arial"/>
               <a:buNone/>
-              <a:defRPr b="0" i="0" sz="1000" u="none" cap="none" strike="noStrike">
+              <a:defRPr sz="1000" b="0" i="0" u="none" strike="noStrike" cap="none">
                 <a:solidFill>
                   <a:schemeClr val="lt2"/>
                 </a:solidFill>
@@ -3626,7 +3662,7 @@
                 <a:sym typeface="Roboto"/>
               </a:defRPr>
             </a:lvl3pPr>
-            <a:lvl4pPr indent="0" lvl="3" marL="0" marR="0" algn="r">
+            <a:lvl4pPr marL="0" marR="0" lvl="3" indent="0" algn="r">
               <a:lnSpc>
                 <a:spcPct val="100000"/>
               </a:lnSpc>
@@ -3642,7 +3678,7 @@
               <a:buSzPts val="1000"/>
               <a:buFont typeface="Arial"/>
               <a:buNone/>
-              <a:defRPr b="0" i="0" sz="1000" u="none" cap="none" strike="noStrike">
+              <a:defRPr sz="1000" b="0" i="0" u="none" strike="noStrike" cap="none">
                 <a:solidFill>
                   <a:schemeClr val="lt2"/>
                 </a:solidFill>
@@ -3652,7 +3688,7 @@
                 <a:sym typeface="Roboto"/>
               </a:defRPr>
             </a:lvl4pPr>
-            <a:lvl5pPr indent="0" lvl="4" marL="0" marR="0" algn="r">
+            <a:lvl5pPr marL="0" marR="0" lvl="4" indent="0" algn="r">
               <a:lnSpc>
                 <a:spcPct val="100000"/>
               </a:lnSpc>
@@ -3668,7 +3704,7 @@
               <a:buSzPts val="1000"/>
               <a:buFont typeface="Arial"/>
               <a:buNone/>
-              <a:defRPr b="0" i="0" sz="1000" u="none" cap="none" strike="noStrike">
+              <a:defRPr sz="1000" b="0" i="0" u="none" strike="noStrike" cap="none">
                 <a:solidFill>
                   <a:schemeClr val="lt2"/>
                 </a:solidFill>
@@ -3678,7 +3714,7 @@
                 <a:sym typeface="Roboto"/>
               </a:defRPr>
             </a:lvl5pPr>
-            <a:lvl6pPr indent="0" lvl="5" marL="0" marR="0" algn="r">
+            <a:lvl6pPr marL="0" marR="0" lvl="5" indent="0" algn="r">
               <a:lnSpc>
                 <a:spcPct val="100000"/>
               </a:lnSpc>
@@ -3694,7 +3730,7 @@
               <a:buSzPts val="1000"/>
               <a:buFont typeface="Arial"/>
               <a:buNone/>
-              <a:defRPr b="0" i="0" sz="1000" u="none" cap="none" strike="noStrike">
+              <a:defRPr sz="1000" b="0" i="0" u="none" strike="noStrike" cap="none">
                 <a:solidFill>
                   <a:schemeClr val="lt2"/>
                 </a:solidFill>
@@ -3704,7 +3740,7 @@
                 <a:sym typeface="Roboto"/>
               </a:defRPr>
             </a:lvl6pPr>
-            <a:lvl7pPr indent="0" lvl="6" marL="0" marR="0" algn="r">
+            <a:lvl7pPr marL="0" marR="0" lvl="6" indent="0" algn="r">
               <a:lnSpc>
                 <a:spcPct val="100000"/>
               </a:lnSpc>
@@ -3720,7 +3756,7 @@
               <a:buSzPts val="1000"/>
               <a:buFont typeface="Arial"/>
               <a:buNone/>
-              <a:defRPr b="0" i="0" sz="1000" u="none" cap="none" strike="noStrike">
+              <a:defRPr sz="1000" b="0" i="0" u="none" strike="noStrike" cap="none">
                 <a:solidFill>
                   <a:schemeClr val="lt2"/>
                 </a:solidFill>
@@ -3730,7 +3766,7 @@
                 <a:sym typeface="Roboto"/>
               </a:defRPr>
             </a:lvl7pPr>
-            <a:lvl8pPr indent="0" lvl="7" marL="0" marR="0" algn="r">
+            <a:lvl8pPr marL="0" marR="0" lvl="7" indent="0" algn="r">
               <a:lnSpc>
                 <a:spcPct val="100000"/>
               </a:lnSpc>
@@ -3746,7 +3782,7 @@
               <a:buSzPts val="1000"/>
               <a:buFont typeface="Arial"/>
               <a:buNone/>
-              <a:defRPr b="0" i="0" sz="1000" u="none" cap="none" strike="noStrike">
+              <a:defRPr sz="1000" b="0" i="0" u="none" strike="noStrike" cap="none">
                 <a:solidFill>
                   <a:schemeClr val="lt2"/>
                 </a:solidFill>
@@ -3756,7 +3792,7 @@
                 <a:sym typeface="Roboto"/>
               </a:defRPr>
             </a:lvl8pPr>
-            <a:lvl9pPr indent="0" lvl="8" marL="0" marR="0" algn="r">
+            <a:lvl9pPr marL="0" marR="0" lvl="8" indent="0" algn="r">
               <a:lnSpc>
                 <a:spcPct val="100000"/>
               </a:lnSpc>
@@ -3772,7 +3808,7 @@
               <a:buSzPts val="1000"/>
               <a:buFont typeface="Arial"/>
               <a:buNone/>
-              <a:defRPr b="0" i="0" sz="1000" u="none" cap="none" strike="noStrike">
+              <a:defRPr sz="1000" b="0" i="0" u="none" strike="noStrike" cap="none">
                 <a:solidFill>
                   <a:schemeClr val="lt2"/>
                 </a:solidFill>
@@ -3784,7 +3820,7 @@
             </a:lvl9pPr>
           </a:lstStyle>
           <a:p>
-            <a:pPr indent="0" lvl="0" marL="0" rtl="0" algn="r">
+            <a:pPr marL="0" lvl="0" indent="0" algn="r" rtl="0">
               <a:spcBef>
                 <a:spcPts val="0"/>
               </a:spcBef>
@@ -3823,12 +3859,12 @@
           </a:ln>
         </p:spPr>
         <p:txBody>
-          <a:bodyPr anchorCtr="0" anchor="ctr" bIns="91425" lIns="91425" spcFirstLastPara="1" rIns="91425" wrap="square" tIns="91425">
+          <a:bodyPr spcFirstLastPara="1" wrap="square" lIns="91425" tIns="91425" rIns="91425" bIns="91425" anchor="ctr" anchorCtr="0">
             <a:noAutofit/>
           </a:bodyPr>
           <a:lstStyle/>
           <a:p>
-            <a:pPr indent="0" lvl="0" marL="0" marR="0" rtl="0" algn="l">
+            <a:pPr marL="0" marR="0" lvl="0" indent="0" algn="l" rtl="0">
               <a:lnSpc>
                 <a:spcPct val="100000"/>
               </a:lnSpc>
@@ -3845,10 +3881,7 @@
               <a:buFont typeface="Arial"/>
               <a:buNone/>
             </a:pPr>
-            <a:r>
-              <a:t/>
-            </a:r>
-            <a:endParaRPr b="0" i="0" sz="1400" u="none" cap="none" strike="noStrike">
+            <a:endParaRPr sz="1400" b="0" i="0" u="none" strike="noStrike" cap="none">
               <a:solidFill>
                 <a:srgbClr val="000000"/>
               </a:solidFill>
@@ -3870,7 +3903,7 @@
           <a:blip r:embed="rId2">
             <a:alphaModFix/>
           </a:blip>
-          <a:srcRect b="0" l="0" r="0" t="0"/>
+          <a:srcRect/>
           <a:stretch/>
         </p:blipFill>
         <p:spPr>
@@ -3907,12 +3940,12 @@
           </a:ln>
         </p:spPr>
         <p:txBody>
-          <a:bodyPr anchorCtr="0" anchor="t" bIns="45700" lIns="91425" spcFirstLastPara="1" rIns="91425" wrap="square" tIns="45700">
+          <a:bodyPr spcFirstLastPara="1" wrap="square" lIns="91425" tIns="45700" rIns="91425" bIns="45700" anchor="t" anchorCtr="0">
             <a:noAutofit/>
           </a:bodyPr>
           <a:lstStyle/>
           <a:p>
-            <a:pPr indent="0" lvl="0" marL="0" marR="0" rtl="0" algn="l">
+            <a:pPr marL="0" marR="0" lvl="0" indent="0" algn="l" rtl="0">
               <a:lnSpc>
                 <a:spcPct val="100000"/>
               </a:lnSpc>
@@ -3930,7 +3963,7 @@
               <a:buNone/>
             </a:pPr>
             <a:r>
-              <a:rPr b="0" i="0" lang="en-US" sz="1200" u="none" cap="none" strike="noStrike">
+              <a:rPr lang="en-US" sz="1200" b="0" i="0" u="none" strike="noStrike" cap="none">
                 <a:solidFill>
                   <a:srgbClr val="000000"/>
                 </a:solidFill>
@@ -3941,7 +3974,7 @@
               </a:rPr>
               <a:t>Making the Internet work better</a:t>
             </a:r>
-            <a:endParaRPr b="0" i="0" sz="1200" u="none" cap="none" strike="noStrike">
+            <a:endParaRPr sz="1200" b="0" i="0" u="none" strike="noStrike" cap="none">
               <a:solidFill>
                 <a:schemeClr val="lt2"/>
               </a:solidFill>
@@ -3962,11 +3995,11 @@
 </file>
 
 <file path=ppt/slideLayouts/slideLayout3.xml><?xml version="1.0" encoding="utf-8"?>
-<p:sldLayout xmlns:a="http://schemas.openxmlformats.org/drawingml/2006/main" xmlns:r="http://schemas.openxmlformats.org/officeDocument/2006/relationships" xmlns:mc="http://schemas.openxmlformats.org/markup-compatibility/2006" xmlns:mv="urn:schemas-microsoft-com:mac:vml" xmlns:p="http://schemas.openxmlformats.org/presentationml/2006/main" xmlns:c="http://schemas.openxmlformats.org/drawingml/2006/chart" xmlns:dgm="http://schemas.openxmlformats.org/drawingml/2006/diagram" xmlns:o="urn:schemas-microsoft-com:office:office" xmlns:v="urn:schemas-microsoft-com:vml" xmlns:pvml="urn:schemas-microsoft-com:office:powerpoint" xmlns:com="http://schemas.openxmlformats.org/drawingml/2006/compatibility" xmlns:p14="http://schemas.microsoft.com/office/powerpoint/2010/main" xmlns:p15="http://schemas.microsoft.com/office/powerpoint/2012/main" xmlns:ahyp="http://schemas.microsoft.com/office/drawing/2018/hyperlinkcolor" matchingName="Title and body" type="tx">
+<p:sldLayout xmlns:a="http://schemas.openxmlformats.org/drawingml/2006/main" xmlns:r="http://schemas.openxmlformats.org/officeDocument/2006/relationships" xmlns:p="http://schemas.openxmlformats.org/presentationml/2006/main" matchingName="Title and body" type="tx">
   <p:cSld name="TITLE_AND_BODY">
     <p:spTree>
       <p:nvGrpSpPr>
-        <p:cNvPr id="22" name="Shape 22"/>
+        <p:cNvPr id="1" name="Shape 22"/>
         <p:cNvGrpSpPr/>
         <p:nvPr/>
       </p:nvGrpSpPr>
@@ -3985,7 +4018,7 @@
           <p:nvPr/>
         </p:nvSpPr>
         <p:spPr>
-          <a:xfrm flipH="1" rot="10800000">
+          <a:xfrm rot="10800000" flipH="1">
             <a:off x="0" y="1685925"/>
             <a:ext cx="9144000" cy="3457575"/>
           </a:xfrm>
@@ -4000,12 +4033,12 @@
           </a:ln>
         </p:spPr>
         <p:txBody>
-          <a:bodyPr anchorCtr="0" anchor="ctr" bIns="91425" lIns="91425" spcFirstLastPara="1" rIns="91425" wrap="square" tIns="91425">
+          <a:bodyPr spcFirstLastPara="1" wrap="square" lIns="91425" tIns="91425" rIns="91425" bIns="91425" anchor="ctr" anchorCtr="0">
             <a:noAutofit/>
           </a:bodyPr>
           <a:lstStyle/>
           <a:p>
-            <a:pPr indent="0" lvl="0" marL="0" marR="0" rtl="0" algn="l">
+            <a:pPr marL="0" marR="0" lvl="0" indent="0" algn="l" rtl="0">
               <a:lnSpc>
                 <a:spcPct val="100000"/>
               </a:lnSpc>
@@ -4022,10 +4055,7 @@
               <a:buFont typeface="Arial"/>
               <a:buNone/>
             </a:pPr>
-            <a:r>
-              <a:t/>
-            </a:r>
-            <a:endParaRPr b="0" i="0" sz="1400" u="none" cap="none" strike="noStrike">
+            <a:endParaRPr sz="1400" b="0" i="0" u="none" strike="noStrike" cap="none">
               <a:solidFill>
                 <a:srgbClr val="000000"/>
               </a:solidFill>
@@ -4073,12 +4103,12 @@
           </a:ln>
         </p:spPr>
         <p:txBody>
-          <a:bodyPr anchorCtr="0" anchor="ctr" bIns="91425" lIns="91425" spcFirstLastPara="1" rIns="91425" wrap="square" tIns="91425">
+          <a:bodyPr spcFirstLastPara="1" wrap="square" lIns="91425" tIns="91425" rIns="91425" bIns="91425" anchor="ctr" anchorCtr="0">
             <a:noAutofit/>
           </a:bodyPr>
           <a:lstStyle/>
           <a:p>
-            <a:pPr indent="0" lvl="0" marL="0" marR="0" rtl="0" algn="l">
+            <a:pPr marL="0" marR="0" lvl="0" indent="0" algn="l" rtl="0">
               <a:lnSpc>
                 <a:spcPct val="100000"/>
               </a:lnSpc>
@@ -4095,10 +4125,7 @@
               <a:buFont typeface="Arial"/>
               <a:buNone/>
             </a:pPr>
-            <a:r>
-              <a:t/>
-            </a:r>
-            <a:endParaRPr b="0" i="0" sz="1400" u="none" cap="none" strike="noStrike">
+            <a:endParaRPr sz="1400" b="0" i="0" u="none" strike="noStrike" cap="none">
               <a:solidFill>
                 <a:srgbClr val="000000"/>
               </a:solidFill>
@@ -4113,7 +4140,9 @@
       <p:sp>
         <p:nvSpPr>
           <p:cNvPr id="25" name="Google Shape;25;p4"/>
-          <p:cNvSpPr txBox="1"/>
+          <p:cNvSpPr txBox="1">
+            <a:spLocks noGrp="1"/>
+          </p:cNvSpPr>
           <p:nvPr>
             <p:ph type="title"/>
           </p:nvPr>
@@ -4132,11 +4161,11 @@
           </a:ln>
         </p:spPr>
         <p:txBody>
-          <a:bodyPr anchorCtr="0" anchor="b" bIns="91425" lIns="91425" spcFirstLastPara="1" rIns="91425" wrap="square" tIns="91425">
+          <a:bodyPr spcFirstLastPara="1" wrap="square" lIns="91425" tIns="91425" rIns="91425" bIns="91425" anchor="b" anchorCtr="0">
             <a:noAutofit/>
           </a:bodyPr>
           <a:lstStyle>
-            <a:lvl1pPr lvl="0" marR="0" algn="l">
+            <a:lvl1pPr marR="0" lvl="0" algn="l">
               <a:lnSpc>
                 <a:spcPct val="100000"/>
               </a:lnSpc>
@@ -4152,7 +4181,7 @@
               <a:buSzPts val="3200"/>
               <a:buFont typeface="Open Sans SemiBold"/>
               <a:buNone/>
-              <a:defRPr b="0" i="0" sz="3200" u="none" cap="none" strike="noStrike">
+              <a:defRPr sz="3200" b="0" i="0" u="none" strike="noStrike" cap="none">
                 <a:solidFill>
                   <a:schemeClr val="lt1"/>
                 </a:solidFill>
@@ -4162,7 +4191,7 @@
                 <a:sym typeface="Open Sans"/>
               </a:defRPr>
             </a:lvl1pPr>
-            <a:lvl2pPr lvl="1" marR="0" algn="l">
+            <a:lvl2pPr marR="0" lvl="1" algn="l">
               <a:lnSpc>
                 <a:spcPct val="100000"/>
               </a:lnSpc>
@@ -4178,7 +4207,7 @@
               <a:buSzPts val="3200"/>
               <a:buFont typeface="Roboto"/>
               <a:buNone/>
-              <a:defRPr b="0" i="0" sz="3200" u="none" cap="none" strike="noStrike">
+              <a:defRPr sz="3200" b="0" i="0" u="none" strike="noStrike" cap="none">
                 <a:solidFill>
                   <a:schemeClr val="lt1"/>
                 </a:solidFill>
@@ -4188,7 +4217,7 @@
                 <a:sym typeface="Roboto"/>
               </a:defRPr>
             </a:lvl2pPr>
-            <a:lvl3pPr lvl="2" marR="0" algn="l">
+            <a:lvl3pPr marR="0" lvl="2" algn="l">
               <a:lnSpc>
                 <a:spcPct val="100000"/>
               </a:lnSpc>
@@ -4204,7 +4233,7 @@
               <a:buSzPts val="3200"/>
               <a:buFont typeface="Roboto"/>
               <a:buNone/>
-              <a:defRPr b="0" i="0" sz="3200" u="none" cap="none" strike="noStrike">
+              <a:defRPr sz="3200" b="0" i="0" u="none" strike="noStrike" cap="none">
                 <a:solidFill>
                   <a:schemeClr val="lt1"/>
                 </a:solidFill>
@@ -4214,7 +4243,7 @@
                 <a:sym typeface="Roboto"/>
               </a:defRPr>
             </a:lvl3pPr>
-            <a:lvl4pPr lvl="3" marR="0" algn="l">
+            <a:lvl4pPr marR="0" lvl="3" algn="l">
               <a:lnSpc>
                 <a:spcPct val="100000"/>
               </a:lnSpc>
@@ -4230,7 +4259,7 @@
               <a:buSzPts val="3200"/>
               <a:buFont typeface="Roboto"/>
               <a:buNone/>
-              <a:defRPr b="0" i="0" sz="3200" u="none" cap="none" strike="noStrike">
+              <a:defRPr sz="3200" b="0" i="0" u="none" strike="noStrike" cap="none">
                 <a:solidFill>
                   <a:schemeClr val="lt1"/>
                 </a:solidFill>
@@ -4240,7 +4269,7 @@
                 <a:sym typeface="Roboto"/>
               </a:defRPr>
             </a:lvl4pPr>
-            <a:lvl5pPr lvl="4" marR="0" algn="l">
+            <a:lvl5pPr marR="0" lvl="4" algn="l">
               <a:lnSpc>
                 <a:spcPct val="100000"/>
               </a:lnSpc>
@@ -4256,7 +4285,7 @@
               <a:buSzPts val="3200"/>
               <a:buFont typeface="Roboto"/>
               <a:buNone/>
-              <a:defRPr b="0" i="0" sz="3200" u="none" cap="none" strike="noStrike">
+              <a:defRPr sz="3200" b="0" i="0" u="none" strike="noStrike" cap="none">
                 <a:solidFill>
                   <a:schemeClr val="lt1"/>
                 </a:solidFill>
@@ -4266,7 +4295,7 @@
                 <a:sym typeface="Roboto"/>
               </a:defRPr>
             </a:lvl5pPr>
-            <a:lvl6pPr lvl="5" marR="0" algn="l">
+            <a:lvl6pPr marR="0" lvl="5" algn="l">
               <a:lnSpc>
                 <a:spcPct val="100000"/>
               </a:lnSpc>
@@ -4282,7 +4311,7 @@
               <a:buSzPts val="3200"/>
               <a:buFont typeface="Roboto"/>
               <a:buNone/>
-              <a:defRPr b="0" i="0" sz="3200" u="none" cap="none" strike="noStrike">
+              <a:defRPr sz="3200" b="0" i="0" u="none" strike="noStrike" cap="none">
                 <a:solidFill>
                   <a:schemeClr val="lt1"/>
                 </a:solidFill>
@@ -4292,7 +4321,7 @@
                 <a:sym typeface="Roboto"/>
               </a:defRPr>
             </a:lvl6pPr>
-            <a:lvl7pPr lvl="6" marR="0" algn="l">
+            <a:lvl7pPr marR="0" lvl="6" algn="l">
               <a:lnSpc>
                 <a:spcPct val="100000"/>
               </a:lnSpc>
@@ -4308,7 +4337,7 @@
               <a:buSzPts val="3200"/>
               <a:buFont typeface="Roboto"/>
               <a:buNone/>
-              <a:defRPr b="0" i="0" sz="3200" u="none" cap="none" strike="noStrike">
+              <a:defRPr sz="3200" b="0" i="0" u="none" strike="noStrike" cap="none">
                 <a:solidFill>
                   <a:schemeClr val="lt1"/>
                 </a:solidFill>
@@ -4318,7 +4347,7 @@
                 <a:sym typeface="Roboto"/>
               </a:defRPr>
             </a:lvl7pPr>
-            <a:lvl8pPr lvl="7" marR="0" algn="l">
+            <a:lvl8pPr marR="0" lvl="7" algn="l">
               <a:lnSpc>
                 <a:spcPct val="100000"/>
               </a:lnSpc>
@@ -4334,7 +4363,7 @@
               <a:buSzPts val="3200"/>
               <a:buFont typeface="Roboto"/>
               <a:buNone/>
-              <a:defRPr b="0" i="0" sz="3200" u="none" cap="none" strike="noStrike">
+              <a:defRPr sz="3200" b="0" i="0" u="none" strike="noStrike" cap="none">
                 <a:solidFill>
                   <a:schemeClr val="lt1"/>
                 </a:solidFill>
@@ -4344,7 +4373,7 @@
                 <a:sym typeface="Roboto"/>
               </a:defRPr>
             </a:lvl8pPr>
-            <a:lvl9pPr lvl="8" marR="0" algn="l">
+            <a:lvl9pPr marR="0" lvl="8" algn="l">
               <a:lnSpc>
                 <a:spcPct val="100000"/>
               </a:lnSpc>
@@ -4360,7 +4389,7 @@
               <a:buSzPts val="3200"/>
               <a:buFont typeface="Roboto"/>
               <a:buNone/>
-              <a:defRPr b="0" i="0" sz="3200" u="none" cap="none" strike="noStrike">
+              <a:defRPr sz="3200" b="0" i="0" u="none" strike="noStrike" cap="none">
                 <a:solidFill>
                   <a:schemeClr val="lt1"/>
                 </a:solidFill>
@@ -4371,15 +4400,19 @@
               </a:defRPr>
             </a:lvl9pPr>
           </a:lstStyle>
-          <a:p/>
+          <a:p>
+            <a:endParaRPr/>
+          </a:p>
         </p:txBody>
       </p:sp>
       <p:sp>
         <p:nvSpPr>
           <p:cNvPr id="26" name="Google Shape;26;p4"/>
-          <p:cNvSpPr txBox="1"/>
+          <p:cNvSpPr txBox="1">
+            <a:spLocks noGrp="1"/>
+          </p:cNvSpPr>
           <p:nvPr>
-            <p:ph idx="1" type="body"/>
+            <p:ph type="body" idx="1"/>
           </p:nvPr>
         </p:nvSpPr>
         <p:spPr>
@@ -4396,11 +4429,11 @@
           </a:ln>
         </p:spPr>
         <p:txBody>
-          <a:bodyPr anchorCtr="0" anchor="t" bIns="91425" lIns="91425" spcFirstLastPara="1" rIns="91425" wrap="square" tIns="91425">
+          <a:bodyPr spcFirstLastPara="1" wrap="square" lIns="91425" tIns="91425" rIns="91425" bIns="91425" anchor="t" anchorCtr="0">
             <a:noAutofit/>
           </a:bodyPr>
           <a:lstStyle>
-            <a:lvl1pPr indent="-342900" lvl="0" marL="457200" marR="0" algn="l">
+            <a:lvl1pPr marL="457200" marR="0" lvl="0" indent="-342900" algn="l">
               <a:lnSpc>
                 <a:spcPct val="115000"/>
               </a:lnSpc>
@@ -4416,7 +4449,7 @@
               <a:buSzPts val="1800"/>
               <a:buFont typeface="Montserrat"/>
               <a:buChar char="●"/>
-              <a:defRPr b="0" i="0" sz="1800" u="none" cap="none" strike="noStrike">
+              <a:defRPr sz="1800" b="0" i="0" u="none" strike="noStrike" cap="none">
                 <a:solidFill>
                   <a:srgbClr val="002D3C"/>
                 </a:solidFill>
@@ -4426,7 +4459,7 @@
                 <a:sym typeface="Montserrat"/>
               </a:defRPr>
             </a:lvl1pPr>
-            <a:lvl2pPr indent="-317500" lvl="1" marL="914400" marR="0" algn="l">
+            <a:lvl2pPr marL="914400" marR="0" lvl="1" indent="-317500" algn="l">
               <a:lnSpc>
                 <a:spcPct val="115000"/>
               </a:lnSpc>
@@ -4442,7 +4475,7 @@
               <a:buSzPts val="1400"/>
               <a:buFont typeface="Montserrat"/>
               <a:buChar char="○"/>
-              <a:defRPr b="0" i="0" sz="1400" u="none" cap="none" strike="noStrike">
+              <a:defRPr sz="1400" b="0" i="0" u="none" strike="noStrike" cap="none">
                 <a:solidFill>
                   <a:srgbClr val="002D3C"/>
                 </a:solidFill>
@@ -4452,7 +4485,7 @@
                 <a:sym typeface="Montserrat"/>
               </a:defRPr>
             </a:lvl2pPr>
-            <a:lvl3pPr indent="-317500" lvl="2" marL="1371600" marR="0" algn="l">
+            <a:lvl3pPr marL="1371600" marR="0" lvl="2" indent="-317500" algn="l">
               <a:lnSpc>
                 <a:spcPct val="115000"/>
               </a:lnSpc>
@@ -4468,7 +4501,7 @@
               <a:buSzPts val="1400"/>
               <a:buFont typeface="Montserrat"/>
               <a:buChar char="■"/>
-              <a:defRPr b="0" i="0" sz="1400" u="none" cap="none" strike="noStrike">
+              <a:defRPr sz="1400" b="0" i="0" u="none" strike="noStrike" cap="none">
                 <a:solidFill>
                   <a:srgbClr val="002D3C"/>
                 </a:solidFill>
@@ -4478,7 +4511,7 @@
                 <a:sym typeface="Montserrat"/>
               </a:defRPr>
             </a:lvl3pPr>
-            <a:lvl4pPr indent="-317500" lvl="3" marL="1828800" marR="0" algn="l">
+            <a:lvl4pPr marL="1828800" marR="0" lvl="3" indent="-317500" algn="l">
               <a:lnSpc>
                 <a:spcPct val="115000"/>
               </a:lnSpc>
@@ -4494,7 +4527,7 @@
               <a:buSzPts val="1400"/>
               <a:buFont typeface="Montserrat"/>
               <a:buChar char="●"/>
-              <a:defRPr b="0" i="0" sz="1400" u="none" cap="none" strike="noStrike">
+              <a:defRPr sz="1400" b="0" i="0" u="none" strike="noStrike" cap="none">
                 <a:solidFill>
                   <a:srgbClr val="002D3C"/>
                 </a:solidFill>
@@ -4504,7 +4537,7 @@
                 <a:sym typeface="Montserrat"/>
               </a:defRPr>
             </a:lvl4pPr>
-            <a:lvl5pPr indent="-317500" lvl="4" marL="2286000" marR="0" algn="l">
+            <a:lvl5pPr marL="2286000" marR="0" lvl="4" indent="-317500" algn="l">
               <a:lnSpc>
                 <a:spcPct val="115000"/>
               </a:lnSpc>
@@ -4520,7 +4553,7 @@
               <a:buSzPts val="1400"/>
               <a:buFont typeface="Montserrat"/>
               <a:buChar char="○"/>
-              <a:defRPr b="0" i="0" sz="1400" u="none" cap="none" strike="noStrike">
+              <a:defRPr sz="1400" b="0" i="0" u="none" strike="noStrike" cap="none">
                 <a:solidFill>
                   <a:srgbClr val="002D3C"/>
                 </a:solidFill>
@@ -4530,7 +4563,7 @@
                 <a:sym typeface="Montserrat"/>
               </a:defRPr>
             </a:lvl5pPr>
-            <a:lvl6pPr indent="-317500" lvl="5" marL="2743200" marR="0" algn="l">
+            <a:lvl6pPr marL="2743200" marR="0" lvl="5" indent="-317500" algn="l">
               <a:lnSpc>
                 <a:spcPct val="115000"/>
               </a:lnSpc>
@@ -4546,7 +4579,7 @@
               <a:buSzPts val="1400"/>
               <a:buFont typeface="Montserrat"/>
               <a:buChar char="■"/>
-              <a:defRPr b="0" i="0" sz="1400" u="none" cap="none" strike="noStrike">
+              <a:defRPr sz="1400" b="0" i="0" u="none" strike="noStrike" cap="none">
                 <a:solidFill>
                   <a:srgbClr val="002D3C"/>
                 </a:solidFill>
@@ -4556,7 +4589,7 @@
                 <a:sym typeface="Montserrat"/>
               </a:defRPr>
             </a:lvl6pPr>
-            <a:lvl7pPr indent="-317500" lvl="6" marL="3200400" marR="0" algn="l">
+            <a:lvl7pPr marL="3200400" marR="0" lvl="6" indent="-317500" algn="l">
               <a:lnSpc>
                 <a:spcPct val="115000"/>
               </a:lnSpc>
@@ -4572,7 +4605,7 @@
               <a:buSzPts val="1400"/>
               <a:buFont typeface="Montserrat"/>
               <a:buChar char="●"/>
-              <a:defRPr b="0" i="0" sz="1400" u="none" cap="none" strike="noStrike">
+              <a:defRPr sz="1400" b="0" i="0" u="none" strike="noStrike" cap="none">
                 <a:solidFill>
                   <a:srgbClr val="002D3C"/>
                 </a:solidFill>
@@ -4582,7 +4615,7 @@
                 <a:sym typeface="Montserrat"/>
               </a:defRPr>
             </a:lvl7pPr>
-            <a:lvl8pPr indent="-317500" lvl="7" marL="3657600" marR="0" algn="l">
+            <a:lvl8pPr marL="3657600" marR="0" lvl="7" indent="-317500" algn="l">
               <a:lnSpc>
                 <a:spcPct val="115000"/>
               </a:lnSpc>
@@ -4598,7 +4631,7 @@
               <a:buSzPts val="1400"/>
               <a:buFont typeface="Montserrat"/>
               <a:buChar char="○"/>
-              <a:defRPr b="0" i="0" sz="1400" u="none" cap="none" strike="noStrike">
+              <a:defRPr sz="1400" b="0" i="0" u="none" strike="noStrike" cap="none">
                 <a:solidFill>
                   <a:srgbClr val="002D3C"/>
                 </a:solidFill>
@@ -4608,7 +4641,7 @@
                 <a:sym typeface="Montserrat"/>
               </a:defRPr>
             </a:lvl8pPr>
-            <a:lvl9pPr indent="-317500" lvl="8" marL="4114800" marR="0" algn="l">
+            <a:lvl9pPr marL="4114800" marR="0" lvl="8" indent="-317500" algn="l">
               <a:lnSpc>
                 <a:spcPct val="115000"/>
               </a:lnSpc>
@@ -4624,7 +4657,7 @@
               <a:buSzPts val="1400"/>
               <a:buFont typeface="Montserrat"/>
               <a:buChar char="■"/>
-              <a:defRPr b="0" i="0" sz="1400" u="none" cap="none" strike="noStrike">
+              <a:defRPr sz="1400" b="0" i="0" u="none" strike="noStrike" cap="none">
                 <a:solidFill>
                   <a:srgbClr val="002D3C"/>
                 </a:solidFill>
@@ -4635,15 +4668,19 @@
               </a:defRPr>
             </a:lvl9pPr>
           </a:lstStyle>
-          <a:p/>
+          <a:p>
+            <a:endParaRPr/>
+          </a:p>
         </p:txBody>
       </p:sp>
       <p:sp>
         <p:nvSpPr>
           <p:cNvPr id="27" name="Google Shape;27;p4"/>
-          <p:cNvSpPr txBox="1"/>
+          <p:cNvSpPr txBox="1">
+            <a:spLocks noGrp="1"/>
+          </p:cNvSpPr>
           <p:nvPr>
-            <p:ph idx="12" type="sldNum"/>
+            <p:ph type="sldNum" idx="12"/>
           </p:nvPr>
         </p:nvSpPr>
         <p:spPr>
@@ -4660,11 +4697,11 @@
           </a:ln>
         </p:spPr>
         <p:txBody>
-          <a:bodyPr anchorCtr="0" anchor="ctr" bIns="91425" lIns="91425" spcFirstLastPara="1" rIns="91425" wrap="square" tIns="91425">
+          <a:bodyPr spcFirstLastPara="1" wrap="square" lIns="91425" tIns="91425" rIns="91425" bIns="91425" anchor="ctr" anchorCtr="0">
             <a:noAutofit/>
           </a:bodyPr>
           <a:lstStyle>
-            <a:lvl1pPr indent="0" lvl="0" marL="0" marR="0" algn="l">
+            <a:lvl1pPr marL="0" marR="0" lvl="0" indent="0" algn="l">
               <a:lnSpc>
                 <a:spcPct val="100000"/>
               </a:lnSpc>
@@ -4680,7 +4717,7 @@
               <a:buSzPts val="1000"/>
               <a:buFont typeface="Arial"/>
               <a:buNone/>
-              <a:defRPr b="0" i="0" sz="800" u="none" cap="none" strike="noStrike">
+              <a:defRPr sz="800" b="0" i="0" u="none" strike="noStrike" cap="none">
                 <a:solidFill>
                   <a:schemeClr val="lt2"/>
                 </a:solidFill>
@@ -4690,7 +4727,7 @@
                 <a:sym typeface="Montserrat"/>
               </a:defRPr>
             </a:lvl1pPr>
-            <a:lvl2pPr indent="0" lvl="1" marL="0" marR="0" algn="l">
+            <a:lvl2pPr marL="0" marR="0" lvl="1" indent="0" algn="l">
               <a:lnSpc>
                 <a:spcPct val="100000"/>
               </a:lnSpc>
@@ -4706,7 +4743,7 @@
               <a:buSzPts val="1000"/>
               <a:buFont typeface="Arial"/>
               <a:buNone/>
-              <a:defRPr b="0" i="0" sz="800" u="none" cap="none" strike="noStrike">
+              <a:defRPr sz="800" b="0" i="0" u="none" strike="noStrike" cap="none">
                 <a:solidFill>
                   <a:schemeClr val="lt2"/>
                 </a:solidFill>
@@ -4716,7 +4753,7 @@
                 <a:sym typeface="Montserrat"/>
               </a:defRPr>
             </a:lvl2pPr>
-            <a:lvl3pPr indent="0" lvl="2" marL="0" marR="0" algn="l">
+            <a:lvl3pPr marL="0" marR="0" lvl="2" indent="0" algn="l">
               <a:lnSpc>
                 <a:spcPct val="100000"/>
               </a:lnSpc>
@@ -4732,7 +4769,7 @@
               <a:buSzPts val="1000"/>
               <a:buFont typeface="Arial"/>
               <a:buNone/>
-              <a:defRPr b="0" i="0" sz="800" u="none" cap="none" strike="noStrike">
+              <a:defRPr sz="800" b="0" i="0" u="none" strike="noStrike" cap="none">
                 <a:solidFill>
                   <a:schemeClr val="lt2"/>
                 </a:solidFill>
@@ -4742,7 +4779,7 @@
                 <a:sym typeface="Montserrat"/>
               </a:defRPr>
             </a:lvl3pPr>
-            <a:lvl4pPr indent="0" lvl="3" marL="0" marR="0" algn="l">
+            <a:lvl4pPr marL="0" marR="0" lvl="3" indent="0" algn="l">
               <a:lnSpc>
                 <a:spcPct val="100000"/>
               </a:lnSpc>
@@ -4758,7 +4795,7 @@
               <a:buSzPts val="1000"/>
               <a:buFont typeface="Arial"/>
               <a:buNone/>
-              <a:defRPr b="0" i="0" sz="800" u="none" cap="none" strike="noStrike">
+              <a:defRPr sz="800" b="0" i="0" u="none" strike="noStrike" cap="none">
                 <a:solidFill>
                   <a:schemeClr val="lt2"/>
                 </a:solidFill>
@@ -4768,7 +4805,7 @@
                 <a:sym typeface="Montserrat"/>
               </a:defRPr>
             </a:lvl4pPr>
-            <a:lvl5pPr indent="0" lvl="4" marL="0" marR="0" algn="l">
+            <a:lvl5pPr marL="0" marR="0" lvl="4" indent="0" algn="l">
               <a:lnSpc>
                 <a:spcPct val="100000"/>
               </a:lnSpc>
@@ -4784,7 +4821,7 @@
               <a:buSzPts val="1000"/>
               <a:buFont typeface="Arial"/>
               <a:buNone/>
-              <a:defRPr b="0" i="0" sz="800" u="none" cap="none" strike="noStrike">
+              <a:defRPr sz="800" b="0" i="0" u="none" strike="noStrike" cap="none">
                 <a:solidFill>
                   <a:schemeClr val="lt2"/>
                 </a:solidFill>
@@ -4794,7 +4831,7 @@
                 <a:sym typeface="Montserrat"/>
               </a:defRPr>
             </a:lvl5pPr>
-            <a:lvl6pPr indent="0" lvl="5" marL="0" marR="0" algn="l">
+            <a:lvl6pPr marL="0" marR="0" lvl="5" indent="0" algn="l">
               <a:lnSpc>
                 <a:spcPct val="100000"/>
               </a:lnSpc>
@@ -4810,7 +4847,7 @@
               <a:buSzPts val="1000"/>
               <a:buFont typeface="Arial"/>
               <a:buNone/>
-              <a:defRPr b="0" i="0" sz="800" u="none" cap="none" strike="noStrike">
+              <a:defRPr sz="800" b="0" i="0" u="none" strike="noStrike" cap="none">
                 <a:solidFill>
                   <a:schemeClr val="lt2"/>
                 </a:solidFill>
@@ -4820,7 +4857,7 @@
                 <a:sym typeface="Montserrat"/>
               </a:defRPr>
             </a:lvl6pPr>
-            <a:lvl7pPr indent="0" lvl="6" marL="0" marR="0" algn="l">
+            <a:lvl7pPr marL="0" marR="0" lvl="6" indent="0" algn="l">
               <a:lnSpc>
                 <a:spcPct val="100000"/>
               </a:lnSpc>
@@ -4836,7 +4873,7 @@
               <a:buSzPts val="1000"/>
               <a:buFont typeface="Arial"/>
               <a:buNone/>
-              <a:defRPr b="0" i="0" sz="800" u="none" cap="none" strike="noStrike">
+              <a:defRPr sz="800" b="0" i="0" u="none" strike="noStrike" cap="none">
                 <a:solidFill>
                   <a:schemeClr val="lt2"/>
                 </a:solidFill>
@@ -4846,7 +4883,7 @@
                 <a:sym typeface="Montserrat"/>
               </a:defRPr>
             </a:lvl7pPr>
-            <a:lvl8pPr indent="0" lvl="7" marL="0" marR="0" algn="l">
+            <a:lvl8pPr marL="0" marR="0" lvl="7" indent="0" algn="l">
               <a:lnSpc>
                 <a:spcPct val="100000"/>
               </a:lnSpc>
@@ -4862,7 +4899,7 @@
               <a:buSzPts val="1000"/>
               <a:buFont typeface="Arial"/>
               <a:buNone/>
-              <a:defRPr b="0" i="0" sz="800" u="none" cap="none" strike="noStrike">
+              <a:defRPr sz="800" b="0" i="0" u="none" strike="noStrike" cap="none">
                 <a:solidFill>
                   <a:schemeClr val="lt2"/>
                 </a:solidFill>
@@ -4872,7 +4909,7 @@
                 <a:sym typeface="Montserrat"/>
               </a:defRPr>
             </a:lvl8pPr>
-            <a:lvl9pPr indent="0" lvl="8" marL="0" marR="0" algn="l">
+            <a:lvl9pPr marL="0" marR="0" lvl="8" indent="0" algn="l">
               <a:lnSpc>
                 <a:spcPct val="100000"/>
               </a:lnSpc>
@@ -4888,7 +4925,7 @@
               <a:buSzPts val="1000"/>
               <a:buFont typeface="Arial"/>
               <a:buNone/>
-              <a:defRPr b="0" i="0" sz="800" u="none" cap="none" strike="noStrike">
+              <a:defRPr sz="800" b="0" i="0" u="none" strike="noStrike" cap="none">
                 <a:solidFill>
                   <a:schemeClr val="lt2"/>
                 </a:solidFill>
@@ -4900,7 +4937,7 @@
             </a:lvl9pPr>
           </a:lstStyle>
           <a:p>
-            <a:pPr indent="0" lvl="0" marL="0" rtl="0" algn="l">
+            <a:pPr marL="0" lvl="0" indent="0" algn="l" rtl="0">
               <a:spcBef>
                 <a:spcPts val="0"/>
               </a:spcBef>
@@ -4927,7 +4964,7 @@
           <a:blip r:embed="rId2">
             <a:alphaModFix/>
           </a:blip>
-          <a:srcRect b="0" l="0" r="0" t="0"/>
+          <a:srcRect/>
           <a:stretch/>
         </p:blipFill>
         <p:spPr>
@@ -4953,11 +4990,11 @@
 </file>
 
 <file path=ppt/slideLayouts/slideLayout4.xml><?xml version="1.0" encoding="utf-8"?>
-<p:sldLayout xmlns:a="http://schemas.openxmlformats.org/drawingml/2006/main" xmlns:r="http://schemas.openxmlformats.org/officeDocument/2006/relationships" xmlns:mc="http://schemas.openxmlformats.org/markup-compatibility/2006" xmlns:mv="urn:schemas-microsoft-com:mac:vml" xmlns:p="http://schemas.openxmlformats.org/presentationml/2006/main" xmlns:c="http://schemas.openxmlformats.org/drawingml/2006/chart" xmlns:dgm="http://schemas.openxmlformats.org/drawingml/2006/diagram" xmlns:o="urn:schemas-microsoft-com:office:office" xmlns:v="urn:schemas-microsoft-com:vml" xmlns:pvml="urn:schemas-microsoft-com:office:powerpoint" xmlns:com="http://schemas.openxmlformats.org/drawingml/2006/compatibility" xmlns:p14="http://schemas.microsoft.com/office/powerpoint/2010/main" xmlns:p15="http://schemas.microsoft.com/office/powerpoint/2012/main" xmlns:ahyp="http://schemas.microsoft.com/office/drawing/2018/hyperlinkcolor" matchingName="Section header" type="secHead">
+<p:sldLayout xmlns:a="http://schemas.openxmlformats.org/drawingml/2006/main" xmlns:r="http://schemas.openxmlformats.org/officeDocument/2006/relationships" xmlns:p="http://schemas.openxmlformats.org/presentationml/2006/main" matchingName="Section header" type="secHead">
   <p:cSld name="SECTION_HEADER">
     <p:spTree>
       <p:nvGrpSpPr>
-        <p:cNvPr id="29" name="Shape 29"/>
+        <p:cNvPr id="1" name="Shape 29"/>
         <p:cNvGrpSpPr/>
         <p:nvPr/>
       </p:nvGrpSpPr>
@@ -4972,7 +5009,9 @@
       <p:sp>
         <p:nvSpPr>
           <p:cNvPr id="30" name="Google Shape;30;p5"/>
-          <p:cNvSpPr txBox="1"/>
+          <p:cNvSpPr txBox="1">
+            <a:spLocks noGrp="1"/>
+          </p:cNvSpPr>
           <p:nvPr>
             <p:ph type="title"/>
           </p:nvPr>
@@ -4991,11 +5030,11 @@
           </a:ln>
         </p:spPr>
         <p:txBody>
-          <a:bodyPr anchorCtr="0" anchor="ctr" bIns="91425" lIns="91425" spcFirstLastPara="1" rIns="91425" wrap="square" tIns="91425">
+          <a:bodyPr spcFirstLastPara="1" wrap="square" lIns="91425" tIns="91425" rIns="91425" bIns="91425" anchor="ctr" anchorCtr="0">
             <a:noAutofit/>
           </a:bodyPr>
           <a:lstStyle>
-            <a:lvl1pPr lvl="0" marR="0" algn="l">
+            <a:lvl1pPr marR="0" lvl="0" algn="l">
               <a:lnSpc>
                 <a:spcPct val="100000"/>
               </a:lnSpc>
@@ -5011,7 +5050,7 @@
               <a:buSzPts val="4200"/>
               <a:buFont typeface="Open Sans"/>
               <a:buNone/>
-              <a:defRPr b="0" i="0" sz="4400" u="none" cap="none" strike="noStrike">
+              <a:defRPr sz="4400" b="0" i="0" u="none" strike="noStrike" cap="none">
                 <a:solidFill>
                   <a:schemeClr val="lt1"/>
                 </a:solidFill>
@@ -5021,7 +5060,7 @@
                 <a:sym typeface="Open Sans"/>
               </a:defRPr>
             </a:lvl1pPr>
-            <a:lvl2pPr lvl="1" marR="0" algn="l">
+            <a:lvl2pPr marR="0" lvl="1" algn="l">
               <a:lnSpc>
                 <a:spcPct val="100000"/>
               </a:lnSpc>
@@ -5037,7 +5076,7 @@
               <a:buSzPts val="4200"/>
               <a:buFont typeface="Roboto"/>
               <a:buNone/>
-              <a:defRPr b="0" i="0" sz="4200" u="none" cap="none" strike="noStrike">
+              <a:defRPr sz="4200" b="0" i="0" u="none" strike="noStrike" cap="none">
                 <a:solidFill>
                   <a:schemeClr val="lt1"/>
                 </a:solidFill>
@@ -5047,7 +5086,7 @@
                 <a:sym typeface="Roboto"/>
               </a:defRPr>
             </a:lvl2pPr>
-            <a:lvl3pPr lvl="2" marR="0" algn="l">
+            <a:lvl3pPr marR="0" lvl="2" algn="l">
               <a:lnSpc>
                 <a:spcPct val="100000"/>
               </a:lnSpc>
@@ -5063,7 +5102,7 @@
               <a:buSzPts val="4200"/>
               <a:buFont typeface="Roboto"/>
               <a:buNone/>
-              <a:defRPr b="0" i="0" sz="4200" u="none" cap="none" strike="noStrike">
+              <a:defRPr sz="4200" b="0" i="0" u="none" strike="noStrike" cap="none">
                 <a:solidFill>
                   <a:schemeClr val="lt1"/>
                 </a:solidFill>
@@ -5073,7 +5112,7 @@
                 <a:sym typeface="Roboto"/>
               </a:defRPr>
             </a:lvl3pPr>
-            <a:lvl4pPr lvl="3" marR="0" algn="l">
+            <a:lvl4pPr marR="0" lvl="3" algn="l">
               <a:lnSpc>
                 <a:spcPct val="100000"/>
               </a:lnSpc>
@@ -5089,7 +5128,7 @@
               <a:buSzPts val="4200"/>
               <a:buFont typeface="Roboto"/>
               <a:buNone/>
-              <a:defRPr b="0" i="0" sz="4200" u="none" cap="none" strike="noStrike">
+              <a:defRPr sz="4200" b="0" i="0" u="none" strike="noStrike" cap="none">
                 <a:solidFill>
                   <a:schemeClr val="lt1"/>
                 </a:solidFill>
@@ -5099,7 +5138,7 @@
                 <a:sym typeface="Roboto"/>
               </a:defRPr>
             </a:lvl4pPr>
-            <a:lvl5pPr lvl="4" marR="0" algn="l">
+            <a:lvl5pPr marR="0" lvl="4" algn="l">
               <a:lnSpc>
                 <a:spcPct val="100000"/>
               </a:lnSpc>
@@ -5115,7 +5154,7 @@
               <a:buSzPts val="4200"/>
               <a:buFont typeface="Roboto"/>
               <a:buNone/>
-              <a:defRPr b="0" i="0" sz="4200" u="none" cap="none" strike="noStrike">
+              <a:defRPr sz="4200" b="0" i="0" u="none" strike="noStrike" cap="none">
                 <a:solidFill>
                   <a:schemeClr val="lt1"/>
                 </a:solidFill>
@@ -5125,7 +5164,7 @@
                 <a:sym typeface="Roboto"/>
               </a:defRPr>
             </a:lvl5pPr>
-            <a:lvl6pPr lvl="5" marR="0" algn="l">
+            <a:lvl6pPr marR="0" lvl="5" algn="l">
               <a:lnSpc>
                 <a:spcPct val="100000"/>
               </a:lnSpc>
@@ -5141,7 +5180,7 @@
               <a:buSzPts val="4200"/>
               <a:buFont typeface="Roboto"/>
               <a:buNone/>
-              <a:defRPr b="0" i="0" sz="4200" u="none" cap="none" strike="noStrike">
+              <a:defRPr sz="4200" b="0" i="0" u="none" strike="noStrike" cap="none">
                 <a:solidFill>
                   <a:schemeClr val="lt1"/>
                 </a:solidFill>
@@ -5151,7 +5190,7 @@
                 <a:sym typeface="Roboto"/>
               </a:defRPr>
             </a:lvl6pPr>
-            <a:lvl7pPr lvl="6" marR="0" algn="l">
+            <a:lvl7pPr marR="0" lvl="6" algn="l">
               <a:lnSpc>
                 <a:spcPct val="100000"/>
               </a:lnSpc>
@@ -5167,7 +5206,7 @@
               <a:buSzPts val="4200"/>
               <a:buFont typeface="Roboto"/>
               <a:buNone/>
-              <a:defRPr b="0" i="0" sz="4200" u="none" cap="none" strike="noStrike">
+              <a:defRPr sz="4200" b="0" i="0" u="none" strike="noStrike" cap="none">
                 <a:solidFill>
                   <a:schemeClr val="lt1"/>
                 </a:solidFill>
@@ -5177,7 +5216,7 @@
                 <a:sym typeface="Roboto"/>
               </a:defRPr>
             </a:lvl7pPr>
-            <a:lvl8pPr lvl="7" marR="0" algn="l">
+            <a:lvl8pPr marR="0" lvl="7" algn="l">
               <a:lnSpc>
                 <a:spcPct val="100000"/>
               </a:lnSpc>
@@ -5193,7 +5232,7 @@
               <a:buSzPts val="4200"/>
               <a:buFont typeface="Roboto"/>
               <a:buNone/>
-              <a:defRPr b="0" i="0" sz="4200" u="none" cap="none" strike="noStrike">
+              <a:defRPr sz="4200" b="0" i="0" u="none" strike="noStrike" cap="none">
                 <a:solidFill>
                   <a:schemeClr val="lt1"/>
                 </a:solidFill>
@@ -5203,7 +5242,7 @@
                 <a:sym typeface="Roboto"/>
               </a:defRPr>
             </a:lvl8pPr>
-            <a:lvl9pPr lvl="8" marR="0" algn="l">
+            <a:lvl9pPr marR="0" lvl="8" algn="l">
               <a:lnSpc>
                 <a:spcPct val="100000"/>
               </a:lnSpc>
@@ -5219,7 +5258,7 @@
               <a:buSzPts val="4200"/>
               <a:buFont typeface="Roboto"/>
               <a:buNone/>
-              <a:defRPr b="0" i="0" sz="4200" u="none" cap="none" strike="noStrike">
+              <a:defRPr sz="4200" b="0" i="0" u="none" strike="noStrike" cap="none">
                 <a:solidFill>
                   <a:schemeClr val="lt1"/>
                 </a:solidFill>
@@ -5230,15 +5269,19 @@
               </a:defRPr>
             </a:lvl9pPr>
           </a:lstStyle>
-          <a:p/>
+          <a:p>
+            <a:endParaRPr/>
+          </a:p>
         </p:txBody>
       </p:sp>
       <p:sp>
         <p:nvSpPr>
           <p:cNvPr id="31" name="Google Shape;31;p5"/>
-          <p:cNvSpPr txBox="1"/>
+          <p:cNvSpPr txBox="1">
+            <a:spLocks noGrp="1"/>
+          </p:cNvSpPr>
           <p:nvPr>
-            <p:ph idx="12" type="sldNum"/>
+            <p:ph type="sldNum" idx="12"/>
           </p:nvPr>
         </p:nvSpPr>
         <p:spPr>
@@ -5255,11 +5298,11 @@
           </a:ln>
         </p:spPr>
         <p:txBody>
-          <a:bodyPr anchorCtr="0" anchor="ctr" bIns="91425" lIns="91425" spcFirstLastPara="1" rIns="91425" wrap="square" tIns="91425">
+          <a:bodyPr spcFirstLastPara="1" wrap="square" lIns="91425" tIns="91425" rIns="91425" bIns="91425" anchor="ctr" anchorCtr="0">
             <a:noAutofit/>
           </a:bodyPr>
           <a:lstStyle>
-            <a:lvl1pPr indent="0" lvl="0" marL="0" marR="0" algn="r">
+            <a:lvl1pPr marL="0" marR="0" lvl="0" indent="0" algn="r">
               <a:lnSpc>
                 <a:spcPct val="100000"/>
               </a:lnSpc>
@@ -5275,7 +5318,7 @@
               <a:buSzPts val="1000"/>
               <a:buFont typeface="Arial"/>
               <a:buNone/>
-              <a:defRPr b="0" i="0" sz="1000" u="none" cap="none" strike="noStrike">
+              <a:defRPr sz="1000" b="0" i="0" u="none" strike="noStrike" cap="none">
                 <a:solidFill>
                   <a:schemeClr val="lt1"/>
                 </a:solidFill>
@@ -5285,7 +5328,7 @@
                 <a:sym typeface="Roboto"/>
               </a:defRPr>
             </a:lvl1pPr>
-            <a:lvl2pPr indent="0" lvl="1" marL="0" marR="0" algn="r">
+            <a:lvl2pPr marL="0" marR="0" lvl="1" indent="0" algn="r">
               <a:lnSpc>
                 <a:spcPct val="100000"/>
               </a:lnSpc>
@@ -5301,7 +5344,7 @@
               <a:buSzPts val="1000"/>
               <a:buFont typeface="Arial"/>
               <a:buNone/>
-              <a:defRPr b="0" i="0" sz="1000" u="none" cap="none" strike="noStrike">
+              <a:defRPr sz="1000" b="0" i="0" u="none" strike="noStrike" cap="none">
                 <a:solidFill>
                   <a:schemeClr val="lt1"/>
                 </a:solidFill>
@@ -5311,7 +5354,7 @@
                 <a:sym typeface="Roboto"/>
               </a:defRPr>
             </a:lvl2pPr>
-            <a:lvl3pPr indent="0" lvl="2" marL="0" marR="0" algn="r">
+            <a:lvl3pPr marL="0" marR="0" lvl="2" indent="0" algn="r">
               <a:lnSpc>
                 <a:spcPct val="100000"/>
               </a:lnSpc>
@@ -5327,7 +5370,7 @@
               <a:buSzPts val="1000"/>
               <a:buFont typeface="Arial"/>
               <a:buNone/>
-              <a:defRPr b="0" i="0" sz="1000" u="none" cap="none" strike="noStrike">
+              <a:defRPr sz="1000" b="0" i="0" u="none" strike="noStrike" cap="none">
                 <a:solidFill>
                   <a:schemeClr val="lt1"/>
                 </a:solidFill>
@@ -5337,7 +5380,7 @@
                 <a:sym typeface="Roboto"/>
               </a:defRPr>
             </a:lvl3pPr>
-            <a:lvl4pPr indent="0" lvl="3" marL="0" marR="0" algn="r">
+            <a:lvl4pPr marL="0" marR="0" lvl="3" indent="0" algn="r">
               <a:lnSpc>
                 <a:spcPct val="100000"/>
               </a:lnSpc>
@@ -5353,7 +5396,7 @@
               <a:buSzPts val="1000"/>
               <a:buFont typeface="Arial"/>
               <a:buNone/>
-              <a:defRPr b="0" i="0" sz="1000" u="none" cap="none" strike="noStrike">
+              <a:defRPr sz="1000" b="0" i="0" u="none" strike="noStrike" cap="none">
                 <a:solidFill>
                   <a:schemeClr val="lt1"/>
                 </a:solidFill>
@@ -5363,7 +5406,7 @@
                 <a:sym typeface="Roboto"/>
               </a:defRPr>
             </a:lvl4pPr>
-            <a:lvl5pPr indent="0" lvl="4" marL="0" marR="0" algn="r">
+            <a:lvl5pPr marL="0" marR="0" lvl="4" indent="0" algn="r">
               <a:lnSpc>
                 <a:spcPct val="100000"/>
               </a:lnSpc>
@@ -5379,7 +5422,7 @@
               <a:buSzPts val="1000"/>
               <a:buFont typeface="Arial"/>
               <a:buNone/>
-              <a:defRPr b="0" i="0" sz="1000" u="none" cap="none" strike="noStrike">
+              <a:defRPr sz="1000" b="0" i="0" u="none" strike="noStrike" cap="none">
                 <a:solidFill>
                   <a:schemeClr val="lt1"/>
                 </a:solidFill>
@@ -5389,7 +5432,7 @@
                 <a:sym typeface="Roboto"/>
               </a:defRPr>
             </a:lvl5pPr>
-            <a:lvl6pPr indent="0" lvl="5" marL="0" marR="0" algn="r">
+            <a:lvl6pPr marL="0" marR="0" lvl="5" indent="0" algn="r">
               <a:lnSpc>
                 <a:spcPct val="100000"/>
               </a:lnSpc>
@@ -5405,7 +5448,7 @@
               <a:buSzPts val="1000"/>
               <a:buFont typeface="Arial"/>
               <a:buNone/>
-              <a:defRPr b="0" i="0" sz="1000" u="none" cap="none" strike="noStrike">
+              <a:defRPr sz="1000" b="0" i="0" u="none" strike="noStrike" cap="none">
                 <a:solidFill>
                   <a:schemeClr val="lt1"/>
                 </a:solidFill>
@@ -5415,7 +5458,7 @@
                 <a:sym typeface="Roboto"/>
               </a:defRPr>
             </a:lvl6pPr>
-            <a:lvl7pPr indent="0" lvl="6" marL="0" marR="0" algn="r">
+            <a:lvl7pPr marL="0" marR="0" lvl="6" indent="0" algn="r">
               <a:lnSpc>
                 <a:spcPct val="100000"/>
               </a:lnSpc>
@@ -5431,7 +5474,7 @@
               <a:buSzPts val="1000"/>
               <a:buFont typeface="Arial"/>
               <a:buNone/>
-              <a:defRPr b="0" i="0" sz="1000" u="none" cap="none" strike="noStrike">
+              <a:defRPr sz="1000" b="0" i="0" u="none" strike="noStrike" cap="none">
                 <a:solidFill>
                   <a:schemeClr val="lt1"/>
                 </a:solidFill>
@@ -5441,7 +5484,7 @@
                 <a:sym typeface="Roboto"/>
               </a:defRPr>
             </a:lvl7pPr>
-            <a:lvl8pPr indent="0" lvl="7" marL="0" marR="0" algn="r">
+            <a:lvl8pPr marL="0" marR="0" lvl="7" indent="0" algn="r">
               <a:lnSpc>
                 <a:spcPct val="100000"/>
               </a:lnSpc>
@@ -5457,7 +5500,7 @@
               <a:buSzPts val="1000"/>
               <a:buFont typeface="Arial"/>
               <a:buNone/>
-              <a:defRPr b="0" i="0" sz="1000" u="none" cap="none" strike="noStrike">
+              <a:defRPr sz="1000" b="0" i="0" u="none" strike="noStrike" cap="none">
                 <a:solidFill>
                   <a:schemeClr val="lt1"/>
                 </a:solidFill>
@@ -5467,7 +5510,7 @@
                 <a:sym typeface="Roboto"/>
               </a:defRPr>
             </a:lvl8pPr>
-            <a:lvl9pPr indent="0" lvl="8" marL="0" marR="0" algn="r">
+            <a:lvl9pPr marL="0" marR="0" lvl="8" indent="0" algn="r">
               <a:lnSpc>
                 <a:spcPct val="100000"/>
               </a:lnSpc>
@@ -5483,7 +5526,7 @@
               <a:buSzPts val="1000"/>
               <a:buFont typeface="Arial"/>
               <a:buNone/>
-              <a:defRPr b="0" i="0" sz="1000" u="none" cap="none" strike="noStrike">
+              <a:defRPr sz="1000" b="0" i="0" u="none" strike="noStrike" cap="none">
                 <a:solidFill>
                   <a:schemeClr val="lt1"/>
                 </a:solidFill>
@@ -5495,7 +5538,7 @@
             </a:lvl9pPr>
           </a:lstStyle>
           <a:p>
-            <a:pPr indent="0" lvl="0" marL="0" rtl="0" algn="r">
+            <a:pPr marL="0" lvl="0" indent="0" algn="r" rtl="0">
               <a:spcBef>
                 <a:spcPts val="0"/>
               </a:spcBef>
@@ -5521,11 +5564,11 @@
 </file>
 
 <file path=ppt/slideLayouts/slideLayout5.xml><?xml version="1.0" encoding="utf-8"?>
-<p:sldLayout xmlns:a="http://schemas.openxmlformats.org/drawingml/2006/main" xmlns:r="http://schemas.openxmlformats.org/officeDocument/2006/relationships" xmlns:mc="http://schemas.openxmlformats.org/markup-compatibility/2006" xmlns:mv="urn:schemas-microsoft-com:mac:vml" xmlns:p="http://schemas.openxmlformats.org/presentationml/2006/main" xmlns:c="http://schemas.openxmlformats.org/drawingml/2006/chart" xmlns:dgm="http://schemas.openxmlformats.org/drawingml/2006/diagram" xmlns:o="urn:schemas-microsoft-com:office:office" xmlns:v="urn:schemas-microsoft-com:vml" xmlns:pvml="urn:schemas-microsoft-com:office:powerpoint" xmlns:com="http://schemas.openxmlformats.org/drawingml/2006/compatibility" xmlns:p14="http://schemas.microsoft.com/office/powerpoint/2010/main" xmlns:p15="http://schemas.microsoft.com/office/powerpoint/2012/main" xmlns:ahyp="http://schemas.microsoft.com/office/drawing/2018/hyperlinkcolor" matchingName="Title and two columns" type="twoColTx">
+<p:sldLayout xmlns:a="http://schemas.openxmlformats.org/drawingml/2006/main" xmlns:r="http://schemas.openxmlformats.org/officeDocument/2006/relationships" xmlns:p="http://schemas.openxmlformats.org/presentationml/2006/main" matchingName="Title and two columns" type="twoColTx">
   <p:cSld name="TITLE_AND_TWO_COLUMNS">
     <p:spTree>
       <p:nvGrpSpPr>
-        <p:cNvPr id="32" name="Shape 32"/>
+        <p:cNvPr id="1" name="Shape 32"/>
         <p:cNvGrpSpPr/>
         <p:nvPr/>
       </p:nvGrpSpPr>
@@ -5544,7 +5587,7 @@
           <p:nvPr/>
         </p:nvSpPr>
         <p:spPr>
-          <a:xfrm flipH="1" rot="10800000">
+          <a:xfrm rot="10800000" flipH="1">
             <a:off x="0" y="1685925"/>
             <a:ext cx="9144000" cy="3457575"/>
           </a:xfrm>
@@ -5559,12 +5602,12 @@
           </a:ln>
         </p:spPr>
         <p:txBody>
-          <a:bodyPr anchorCtr="0" anchor="ctr" bIns="91425" lIns="91425" spcFirstLastPara="1" rIns="91425" wrap="square" tIns="91425">
+          <a:bodyPr spcFirstLastPara="1" wrap="square" lIns="91425" tIns="91425" rIns="91425" bIns="91425" anchor="ctr" anchorCtr="0">
             <a:noAutofit/>
           </a:bodyPr>
           <a:lstStyle/>
           <a:p>
-            <a:pPr indent="0" lvl="0" marL="0" marR="0" rtl="0" algn="l">
+            <a:pPr marL="0" marR="0" lvl="0" indent="0" algn="l" rtl="0">
               <a:lnSpc>
                 <a:spcPct val="100000"/>
               </a:lnSpc>
@@ -5581,10 +5624,7 @@
               <a:buFont typeface="Arial"/>
               <a:buNone/>
             </a:pPr>
-            <a:r>
-              <a:t/>
-            </a:r>
-            <a:endParaRPr b="0" i="0" sz="1400" u="none" cap="none" strike="noStrike">
+            <a:endParaRPr sz="1400" b="0" i="0" u="none" strike="noStrike" cap="none">
               <a:solidFill>
                 <a:srgbClr val="000000"/>
               </a:solidFill>
@@ -5632,12 +5672,12 @@
           </a:ln>
         </p:spPr>
         <p:txBody>
-          <a:bodyPr anchorCtr="0" anchor="ctr" bIns="91425" lIns="91425" spcFirstLastPara="1" rIns="91425" wrap="square" tIns="91425">
+          <a:bodyPr spcFirstLastPara="1" wrap="square" lIns="91425" tIns="91425" rIns="91425" bIns="91425" anchor="ctr" anchorCtr="0">
             <a:noAutofit/>
           </a:bodyPr>
           <a:lstStyle/>
           <a:p>
-            <a:pPr indent="0" lvl="0" marL="0" marR="0" rtl="0" algn="l">
+            <a:pPr marL="0" marR="0" lvl="0" indent="0" algn="l" rtl="0">
               <a:lnSpc>
                 <a:spcPct val="100000"/>
               </a:lnSpc>
@@ -5654,10 +5694,7 @@
               <a:buFont typeface="Arial"/>
               <a:buNone/>
             </a:pPr>
-            <a:r>
-              <a:t/>
-            </a:r>
-            <a:endParaRPr b="0" i="0" sz="1400" u="none" cap="none" strike="noStrike">
+            <a:endParaRPr sz="1400" b="0" i="0" u="none" strike="noStrike" cap="none">
               <a:solidFill>
                 <a:srgbClr val="000000"/>
               </a:solidFill>
@@ -5672,7 +5709,9 @@
       <p:sp>
         <p:nvSpPr>
           <p:cNvPr id="35" name="Google Shape;35;p6"/>
-          <p:cNvSpPr txBox="1"/>
+          <p:cNvSpPr txBox="1">
+            <a:spLocks noGrp="1"/>
+          </p:cNvSpPr>
           <p:nvPr>
             <p:ph type="title"/>
           </p:nvPr>
@@ -5691,11 +5730,11 @@
           </a:ln>
         </p:spPr>
         <p:txBody>
-          <a:bodyPr anchorCtr="0" anchor="b" bIns="91425" lIns="91425" spcFirstLastPara="1" rIns="91425" wrap="square" tIns="91425">
+          <a:bodyPr spcFirstLastPara="1" wrap="square" lIns="91425" tIns="91425" rIns="91425" bIns="91425" anchor="b" anchorCtr="0">
             <a:noAutofit/>
           </a:bodyPr>
           <a:lstStyle>
-            <a:lvl1pPr lvl="0" marR="0" algn="l">
+            <a:lvl1pPr marR="0" lvl="0" algn="l">
               <a:lnSpc>
                 <a:spcPct val="100000"/>
               </a:lnSpc>
@@ -5711,7 +5750,7 @@
               <a:buSzPts val="3200"/>
               <a:buFont typeface="Open Sans"/>
               <a:buNone/>
-              <a:defRPr b="0" i="0" sz="3200" u="none" cap="none" strike="noStrike">
+              <a:defRPr sz="3200" b="0" i="0" u="none" strike="noStrike" cap="none">
                 <a:solidFill>
                   <a:schemeClr val="lt1"/>
                 </a:solidFill>
@@ -5721,7 +5760,7 @@
                 <a:sym typeface="Open Sans"/>
               </a:defRPr>
             </a:lvl1pPr>
-            <a:lvl2pPr lvl="1" marR="0" algn="l">
+            <a:lvl2pPr marR="0" lvl="1" algn="l">
               <a:lnSpc>
                 <a:spcPct val="100000"/>
               </a:lnSpc>
@@ -5737,7 +5776,7 @@
               <a:buSzPts val="3200"/>
               <a:buFont typeface="Roboto"/>
               <a:buNone/>
-              <a:defRPr b="0" i="0" sz="3200" u="none" cap="none" strike="noStrike">
+              <a:defRPr sz="3200" b="0" i="0" u="none" strike="noStrike" cap="none">
                 <a:solidFill>
                   <a:schemeClr val="lt1"/>
                 </a:solidFill>
@@ -5747,7 +5786,7 @@
                 <a:sym typeface="Roboto"/>
               </a:defRPr>
             </a:lvl2pPr>
-            <a:lvl3pPr lvl="2" marR="0" algn="l">
+            <a:lvl3pPr marR="0" lvl="2" algn="l">
               <a:lnSpc>
                 <a:spcPct val="100000"/>
               </a:lnSpc>
@@ -5763,7 +5802,7 @@
               <a:buSzPts val="3200"/>
               <a:buFont typeface="Roboto"/>
               <a:buNone/>
-              <a:defRPr b="0" i="0" sz="3200" u="none" cap="none" strike="noStrike">
+              <a:defRPr sz="3200" b="0" i="0" u="none" strike="noStrike" cap="none">
                 <a:solidFill>
                   <a:schemeClr val="lt1"/>
                 </a:solidFill>
@@ -5773,7 +5812,7 @@
                 <a:sym typeface="Roboto"/>
               </a:defRPr>
             </a:lvl3pPr>
-            <a:lvl4pPr lvl="3" marR="0" algn="l">
+            <a:lvl4pPr marR="0" lvl="3" algn="l">
               <a:lnSpc>
                 <a:spcPct val="100000"/>
               </a:lnSpc>
@@ -5789,7 +5828,7 @@
               <a:buSzPts val="3200"/>
               <a:buFont typeface="Roboto"/>
               <a:buNone/>
-              <a:defRPr b="0" i="0" sz="3200" u="none" cap="none" strike="noStrike">
+              <a:defRPr sz="3200" b="0" i="0" u="none" strike="noStrike" cap="none">
                 <a:solidFill>
                   <a:schemeClr val="lt1"/>
                 </a:solidFill>
@@ -5799,7 +5838,7 @@
                 <a:sym typeface="Roboto"/>
               </a:defRPr>
             </a:lvl4pPr>
-            <a:lvl5pPr lvl="4" marR="0" algn="l">
+            <a:lvl5pPr marR="0" lvl="4" algn="l">
               <a:lnSpc>
                 <a:spcPct val="100000"/>
               </a:lnSpc>
@@ -5815,7 +5854,7 @@
               <a:buSzPts val="3200"/>
               <a:buFont typeface="Roboto"/>
               <a:buNone/>
-              <a:defRPr b="0" i="0" sz="3200" u="none" cap="none" strike="noStrike">
+              <a:defRPr sz="3200" b="0" i="0" u="none" strike="noStrike" cap="none">
                 <a:solidFill>
                   <a:schemeClr val="lt1"/>
                 </a:solidFill>
@@ -5825,7 +5864,7 @@
                 <a:sym typeface="Roboto"/>
               </a:defRPr>
             </a:lvl5pPr>
-            <a:lvl6pPr lvl="5" marR="0" algn="l">
+            <a:lvl6pPr marR="0" lvl="5" algn="l">
               <a:lnSpc>
                 <a:spcPct val="100000"/>
               </a:lnSpc>
@@ -5841,7 +5880,7 @@
               <a:buSzPts val="3200"/>
               <a:buFont typeface="Roboto"/>
               <a:buNone/>
-              <a:defRPr b="0" i="0" sz="3200" u="none" cap="none" strike="noStrike">
+              <a:defRPr sz="3200" b="0" i="0" u="none" strike="noStrike" cap="none">
                 <a:solidFill>
                   <a:schemeClr val="lt1"/>
                 </a:solidFill>
@@ -5851,7 +5890,7 @@
                 <a:sym typeface="Roboto"/>
               </a:defRPr>
             </a:lvl6pPr>
-            <a:lvl7pPr lvl="6" marR="0" algn="l">
+            <a:lvl7pPr marR="0" lvl="6" algn="l">
               <a:lnSpc>
                 <a:spcPct val="100000"/>
               </a:lnSpc>
@@ -5867,7 +5906,7 @@
               <a:buSzPts val="3200"/>
               <a:buFont typeface="Roboto"/>
               <a:buNone/>
-              <a:defRPr b="0" i="0" sz="3200" u="none" cap="none" strike="noStrike">
+              <a:defRPr sz="3200" b="0" i="0" u="none" strike="noStrike" cap="none">
                 <a:solidFill>
                   <a:schemeClr val="lt1"/>
                 </a:solidFill>
@@ -5877,7 +5916,7 @@
                 <a:sym typeface="Roboto"/>
               </a:defRPr>
             </a:lvl7pPr>
-            <a:lvl8pPr lvl="7" marR="0" algn="l">
+            <a:lvl8pPr marR="0" lvl="7" algn="l">
               <a:lnSpc>
                 <a:spcPct val="100000"/>
               </a:lnSpc>
@@ -5893,7 +5932,7 @@
               <a:buSzPts val="3200"/>
               <a:buFont typeface="Roboto"/>
               <a:buNone/>
-              <a:defRPr b="0" i="0" sz="3200" u="none" cap="none" strike="noStrike">
+              <a:defRPr sz="3200" b="0" i="0" u="none" strike="noStrike" cap="none">
                 <a:solidFill>
                   <a:schemeClr val="lt1"/>
                 </a:solidFill>
@@ -5903,7 +5942,7 @@
                 <a:sym typeface="Roboto"/>
               </a:defRPr>
             </a:lvl8pPr>
-            <a:lvl9pPr lvl="8" marR="0" algn="l">
+            <a:lvl9pPr marR="0" lvl="8" algn="l">
               <a:lnSpc>
                 <a:spcPct val="100000"/>
               </a:lnSpc>
@@ -5919,7 +5958,7 @@
               <a:buSzPts val="3200"/>
               <a:buFont typeface="Roboto"/>
               <a:buNone/>
-              <a:defRPr b="0" i="0" sz="3200" u="none" cap="none" strike="noStrike">
+              <a:defRPr sz="3200" b="0" i="0" u="none" strike="noStrike" cap="none">
                 <a:solidFill>
                   <a:schemeClr val="lt1"/>
                 </a:solidFill>
@@ -5930,15 +5969,19 @@
               </a:defRPr>
             </a:lvl9pPr>
           </a:lstStyle>
-          <a:p/>
+          <a:p>
+            <a:endParaRPr/>
+          </a:p>
         </p:txBody>
       </p:sp>
       <p:sp>
         <p:nvSpPr>
           <p:cNvPr id="36" name="Google Shape;36;p6"/>
-          <p:cNvSpPr txBox="1"/>
+          <p:cNvSpPr txBox="1">
+            <a:spLocks noGrp="1"/>
+          </p:cNvSpPr>
           <p:nvPr>
-            <p:ph idx="1" type="body"/>
+            <p:ph type="body" idx="1"/>
           </p:nvPr>
         </p:nvSpPr>
         <p:spPr>
@@ -5955,11 +5998,11 @@
           </a:ln>
         </p:spPr>
         <p:txBody>
-          <a:bodyPr anchorCtr="0" anchor="t" bIns="91425" lIns="91425" spcFirstLastPara="1" rIns="91425" wrap="square" tIns="91425">
+          <a:bodyPr spcFirstLastPara="1" wrap="square" lIns="91425" tIns="91425" rIns="91425" bIns="91425" anchor="t" anchorCtr="0">
             <a:noAutofit/>
           </a:bodyPr>
           <a:lstStyle>
-            <a:lvl1pPr indent="-317500" lvl="0" marL="457200" marR="0" algn="l">
+            <a:lvl1pPr marL="457200" marR="0" lvl="0" indent="-317500" algn="l">
               <a:lnSpc>
                 <a:spcPct val="115000"/>
               </a:lnSpc>
@@ -5975,7 +6018,7 @@
               <a:buSzPts val="1400"/>
               <a:buFont typeface="Montserrat"/>
               <a:buChar char="●"/>
-              <a:defRPr b="0" i="0" sz="1400" u="none" cap="none" strike="noStrike">
+              <a:defRPr sz="1400" b="0" i="0" u="none" strike="noStrike" cap="none">
                 <a:solidFill>
                   <a:schemeClr val="lt2"/>
                 </a:solidFill>
@@ -5985,7 +6028,7 @@
                 <a:sym typeface="Montserrat"/>
               </a:defRPr>
             </a:lvl1pPr>
-            <a:lvl2pPr indent="-304800" lvl="1" marL="914400" marR="0" algn="l">
+            <a:lvl2pPr marL="914400" marR="0" lvl="1" indent="-304800" algn="l">
               <a:lnSpc>
                 <a:spcPct val="115000"/>
               </a:lnSpc>
@@ -6001,7 +6044,7 @@
               <a:buSzPts val="1200"/>
               <a:buFont typeface="Montserrat"/>
               <a:buChar char="○"/>
-              <a:defRPr b="0" i="0" sz="1200" u="none" cap="none" strike="noStrike">
+              <a:defRPr sz="1200" b="0" i="0" u="none" strike="noStrike" cap="none">
                 <a:solidFill>
                   <a:schemeClr val="lt2"/>
                 </a:solidFill>
@@ -6011,7 +6054,7 @@
                 <a:sym typeface="Montserrat"/>
               </a:defRPr>
             </a:lvl2pPr>
-            <a:lvl3pPr indent="-304800" lvl="2" marL="1371600" marR="0" algn="l">
+            <a:lvl3pPr marL="1371600" marR="0" lvl="2" indent="-304800" algn="l">
               <a:lnSpc>
                 <a:spcPct val="115000"/>
               </a:lnSpc>
@@ -6027,7 +6070,7 @@
               <a:buSzPts val="1200"/>
               <a:buFont typeface="Montserrat"/>
               <a:buChar char="■"/>
-              <a:defRPr b="0" i="0" sz="1200" u="none" cap="none" strike="noStrike">
+              <a:defRPr sz="1200" b="0" i="0" u="none" strike="noStrike" cap="none">
                 <a:solidFill>
                   <a:schemeClr val="lt2"/>
                 </a:solidFill>
@@ -6037,7 +6080,7 @@
                 <a:sym typeface="Montserrat"/>
               </a:defRPr>
             </a:lvl3pPr>
-            <a:lvl4pPr indent="-304800" lvl="3" marL="1828800" marR="0" algn="l">
+            <a:lvl4pPr marL="1828800" marR="0" lvl="3" indent="-304800" algn="l">
               <a:lnSpc>
                 <a:spcPct val="115000"/>
               </a:lnSpc>
@@ -6053,7 +6096,7 @@
               <a:buSzPts val="1200"/>
               <a:buFont typeface="Montserrat"/>
               <a:buChar char="●"/>
-              <a:defRPr b="0" i="0" sz="1200" u="none" cap="none" strike="noStrike">
+              <a:defRPr sz="1200" b="0" i="0" u="none" strike="noStrike" cap="none">
                 <a:solidFill>
                   <a:schemeClr val="lt2"/>
                 </a:solidFill>
@@ -6063,7 +6106,7 @@
                 <a:sym typeface="Montserrat"/>
               </a:defRPr>
             </a:lvl4pPr>
-            <a:lvl5pPr indent="-304800" lvl="4" marL="2286000" marR="0" algn="l">
+            <a:lvl5pPr marL="2286000" marR="0" lvl="4" indent="-304800" algn="l">
               <a:lnSpc>
                 <a:spcPct val="115000"/>
               </a:lnSpc>
@@ -6079,7 +6122,7 @@
               <a:buSzPts val="1200"/>
               <a:buFont typeface="Montserrat"/>
               <a:buChar char="○"/>
-              <a:defRPr b="0" i="0" sz="1200" u="none" cap="none" strike="noStrike">
+              <a:defRPr sz="1200" b="0" i="0" u="none" strike="noStrike" cap="none">
                 <a:solidFill>
                   <a:schemeClr val="lt2"/>
                 </a:solidFill>
@@ -6089,7 +6132,7 @@
                 <a:sym typeface="Montserrat"/>
               </a:defRPr>
             </a:lvl5pPr>
-            <a:lvl6pPr indent="-304800" lvl="5" marL="2743200" marR="0" algn="l">
+            <a:lvl6pPr marL="2743200" marR="0" lvl="5" indent="-304800" algn="l">
               <a:lnSpc>
                 <a:spcPct val="115000"/>
               </a:lnSpc>
@@ -6105,7 +6148,7 @@
               <a:buSzPts val="1200"/>
               <a:buFont typeface="Montserrat"/>
               <a:buChar char="■"/>
-              <a:defRPr b="0" i="0" sz="1200" u="none" cap="none" strike="noStrike">
+              <a:defRPr sz="1200" b="0" i="0" u="none" strike="noStrike" cap="none">
                 <a:solidFill>
                   <a:schemeClr val="lt2"/>
                 </a:solidFill>
@@ -6115,7 +6158,7 @@
                 <a:sym typeface="Montserrat"/>
               </a:defRPr>
             </a:lvl6pPr>
-            <a:lvl7pPr indent="-304800" lvl="6" marL="3200400" marR="0" algn="l">
+            <a:lvl7pPr marL="3200400" marR="0" lvl="6" indent="-304800" algn="l">
               <a:lnSpc>
                 <a:spcPct val="115000"/>
               </a:lnSpc>
@@ -6131,7 +6174,7 @@
               <a:buSzPts val="1200"/>
               <a:buFont typeface="Montserrat"/>
               <a:buChar char="●"/>
-              <a:defRPr b="0" i="0" sz="1200" u="none" cap="none" strike="noStrike">
+              <a:defRPr sz="1200" b="0" i="0" u="none" strike="noStrike" cap="none">
                 <a:solidFill>
                   <a:schemeClr val="lt2"/>
                 </a:solidFill>
@@ -6141,7 +6184,7 @@
                 <a:sym typeface="Montserrat"/>
               </a:defRPr>
             </a:lvl7pPr>
-            <a:lvl8pPr indent="-304800" lvl="7" marL="3657600" marR="0" algn="l">
+            <a:lvl8pPr marL="3657600" marR="0" lvl="7" indent="-304800" algn="l">
               <a:lnSpc>
                 <a:spcPct val="115000"/>
               </a:lnSpc>
@@ -6157,7 +6200,7 @@
               <a:buSzPts val="1200"/>
               <a:buFont typeface="Montserrat"/>
               <a:buChar char="○"/>
-              <a:defRPr b="0" i="0" sz="1200" u="none" cap="none" strike="noStrike">
+              <a:defRPr sz="1200" b="0" i="0" u="none" strike="noStrike" cap="none">
                 <a:solidFill>
                   <a:schemeClr val="lt2"/>
                 </a:solidFill>
@@ -6167,7 +6210,7 @@
                 <a:sym typeface="Montserrat"/>
               </a:defRPr>
             </a:lvl8pPr>
-            <a:lvl9pPr indent="-304800" lvl="8" marL="4114800" marR="0" algn="l">
+            <a:lvl9pPr marL="4114800" marR="0" lvl="8" indent="-304800" algn="l">
               <a:lnSpc>
                 <a:spcPct val="115000"/>
               </a:lnSpc>
@@ -6183,7 +6226,7 @@
               <a:buSzPts val="1200"/>
               <a:buFont typeface="Montserrat"/>
               <a:buChar char="■"/>
-              <a:defRPr b="0" i="0" sz="1200" u="none" cap="none" strike="noStrike">
+              <a:defRPr sz="1200" b="0" i="0" u="none" strike="noStrike" cap="none">
                 <a:solidFill>
                   <a:schemeClr val="lt2"/>
                 </a:solidFill>
@@ -6194,15 +6237,19 @@
               </a:defRPr>
             </a:lvl9pPr>
           </a:lstStyle>
-          <a:p/>
+          <a:p>
+            <a:endParaRPr/>
+          </a:p>
         </p:txBody>
       </p:sp>
       <p:sp>
         <p:nvSpPr>
           <p:cNvPr id="37" name="Google Shape;37;p6"/>
-          <p:cNvSpPr txBox="1"/>
+          <p:cNvSpPr txBox="1">
+            <a:spLocks noGrp="1"/>
+          </p:cNvSpPr>
           <p:nvPr>
-            <p:ph idx="2" type="body"/>
+            <p:ph type="body" idx="2"/>
           </p:nvPr>
         </p:nvSpPr>
         <p:spPr>
@@ -6219,11 +6266,11 @@
           </a:ln>
         </p:spPr>
         <p:txBody>
-          <a:bodyPr anchorCtr="0" anchor="t" bIns="91425" lIns="91425" spcFirstLastPara="1" rIns="91425" wrap="square" tIns="91425">
+          <a:bodyPr spcFirstLastPara="1" wrap="square" lIns="91425" tIns="91425" rIns="91425" bIns="91425" anchor="t" anchorCtr="0">
             <a:noAutofit/>
           </a:bodyPr>
           <a:lstStyle>
-            <a:lvl1pPr indent="-317500" lvl="0" marL="457200" marR="0" algn="l">
+            <a:lvl1pPr marL="457200" marR="0" lvl="0" indent="-317500" algn="l">
               <a:lnSpc>
                 <a:spcPct val="115000"/>
               </a:lnSpc>
@@ -6239,7 +6286,7 @@
               <a:buSzPts val="1400"/>
               <a:buFont typeface="Montserrat"/>
               <a:buChar char="●"/>
-              <a:defRPr b="0" i="0" sz="1400" u="none" cap="none" strike="noStrike">
+              <a:defRPr sz="1400" b="0" i="0" u="none" strike="noStrike" cap="none">
                 <a:solidFill>
                   <a:schemeClr val="lt2"/>
                 </a:solidFill>
@@ -6249,7 +6296,7 @@
                 <a:sym typeface="Montserrat"/>
               </a:defRPr>
             </a:lvl1pPr>
-            <a:lvl2pPr indent="-304800" lvl="1" marL="914400" marR="0" algn="l">
+            <a:lvl2pPr marL="914400" marR="0" lvl="1" indent="-304800" algn="l">
               <a:lnSpc>
                 <a:spcPct val="115000"/>
               </a:lnSpc>
@@ -6265,7 +6312,7 @@
               <a:buSzPts val="1200"/>
               <a:buFont typeface="Montserrat"/>
               <a:buChar char="○"/>
-              <a:defRPr b="0" i="0" sz="1200" u="none" cap="none" strike="noStrike">
+              <a:defRPr sz="1200" b="0" i="0" u="none" strike="noStrike" cap="none">
                 <a:solidFill>
                   <a:schemeClr val="lt2"/>
                 </a:solidFill>
@@ -6275,7 +6322,7 @@
                 <a:sym typeface="Montserrat"/>
               </a:defRPr>
             </a:lvl2pPr>
-            <a:lvl3pPr indent="-304800" lvl="2" marL="1371600" marR="0" algn="l">
+            <a:lvl3pPr marL="1371600" marR="0" lvl="2" indent="-304800" algn="l">
               <a:lnSpc>
                 <a:spcPct val="115000"/>
               </a:lnSpc>
@@ -6291,7 +6338,7 @@
               <a:buSzPts val="1200"/>
               <a:buFont typeface="Montserrat"/>
               <a:buChar char="■"/>
-              <a:defRPr b="0" i="0" sz="1200" u="none" cap="none" strike="noStrike">
+              <a:defRPr sz="1200" b="0" i="0" u="none" strike="noStrike" cap="none">
                 <a:solidFill>
                   <a:schemeClr val="lt2"/>
                 </a:solidFill>
@@ -6301,7 +6348,7 @@
                 <a:sym typeface="Montserrat"/>
               </a:defRPr>
             </a:lvl3pPr>
-            <a:lvl4pPr indent="-304800" lvl="3" marL="1828800" marR="0" algn="l">
+            <a:lvl4pPr marL="1828800" marR="0" lvl="3" indent="-304800" algn="l">
               <a:lnSpc>
                 <a:spcPct val="115000"/>
               </a:lnSpc>
@@ -6317,7 +6364,7 @@
               <a:buSzPts val="1200"/>
               <a:buFont typeface="Montserrat"/>
               <a:buChar char="●"/>
-              <a:defRPr b="0" i="0" sz="1200" u="none" cap="none" strike="noStrike">
+              <a:defRPr sz="1200" b="0" i="0" u="none" strike="noStrike" cap="none">
                 <a:solidFill>
                   <a:schemeClr val="lt2"/>
                 </a:solidFill>
@@ -6327,7 +6374,7 @@
                 <a:sym typeface="Montserrat"/>
               </a:defRPr>
             </a:lvl4pPr>
-            <a:lvl5pPr indent="-304800" lvl="4" marL="2286000" marR="0" algn="l">
+            <a:lvl5pPr marL="2286000" marR="0" lvl="4" indent="-304800" algn="l">
               <a:lnSpc>
                 <a:spcPct val="115000"/>
               </a:lnSpc>
@@ -6343,7 +6390,7 @@
               <a:buSzPts val="1200"/>
               <a:buFont typeface="Montserrat"/>
               <a:buChar char="○"/>
-              <a:defRPr b="0" i="0" sz="1200" u="none" cap="none" strike="noStrike">
+              <a:defRPr sz="1200" b="0" i="0" u="none" strike="noStrike" cap="none">
                 <a:solidFill>
                   <a:schemeClr val="lt2"/>
                 </a:solidFill>
@@ -6353,7 +6400,7 @@
                 <a:sym typeface="Montserrat"/>
               </a:defRPr>
             </a:lvl5pPr>
-            <a:lvl6pPr indent="-304800" lvl="5" marL="2743200" marR="0" algn="l">
+            <a:lvl6pPr marL="2743200" marR="0" lvl="5" indent="-304800" algn="l">
               <a:lnSpc>
                 <a:spcPct val="115000"/>
               </a:lnSpc>
@@ -6369,7 +6416,7 @@
               <a:buSzPts val="1200"/>
               <a:buFont typeface="Montserrat"/>
               <a:buChar char="■"/>
-              <a:defRPr b="0" i="0" sz="1200" u="none" cap="none" strike="noStrike">
+              <a:defRPr sz="1200" b="0" i="0" u="none" strike="noStrike" cap="none">
                 <a:solidFill>
                   <a:schemeClr val="lt2"/>
                 </a:solidFill>
@@ -6379,7 +6426,7 @@
                 <a:sym typeface="Montserrat"/>
               </a:defRPr>
             </a:lvl6pPr>
-            <a:lvl7pPr indent="-304800" lvl="6" marL="3200400" marR="0" algn="l">
+            <a:lvl7pPr marL="3200400" marR="0" lvl="6" indent="-304800" algn="l">
               <a:lnSpc>
                 <a:spcPct val="115000"/>
               </a:lnSpc>
@@ -6395,7 +6442,7 @@
               <a:buSzPts val="1200"/>
               <a:buFont typeface="Montserrat"/>
               <a:buChar char="●"/>
-              <a:defRPr b="0" i="0" sz="1200" u="none" cap="none" strike="noStrike">
+              <a:defRPr sz="1200" b="0" i="0" u="none" strike="noStrike" cap="none">
                 <a:solidFill>
                   <a:schemeClr val="lt2"/>
                 </a:solidFill>
@@ -6405,7 +6452,7 @@
                 <a:sym typeface="Montserrat"/>
               </a:defRPr>
             </a:lvl7pPr>
-            <a:lvl8pPr indent="-304800" lvl="7" marL="3657600" marR="0" algn="l">
+            <a:lvl8pPr marL="3657600" marR="0" lvl="7" indent="-304800" algn="l">
               <a:lnSpc>
                 <a:spcPct val="115000"/>
               </a:lnSpc>
@@ -6421,7 +6468,7 @@
               <a:buSzPts val="1200"/>
               <a:buFont typeface="Montserrat"/>
               <a:buChar char="○"/>
-              <a:defRPr b="0" i="0" sz="1200" u="none" cap="none" strike="noStrike">
+              <a:defRPr sz="1200" b="0" i="0" u="none" strike="noStrike" cap="none">
                 <a:solidFill>
                   <a:schemeClr val="lt2"/>
                 </a:solidFill>
@@ -6431,7 +6478,7 @@
                 <a:sym typeface="Montserrat"/>
               </a:defRPr>
             </a:lvl8pPr>
-            <a:lvl9pPr indent="-304800" lvl="8" marL="4114800" marR="0" algn="l">
+            <a:lvl9pPr marL="4114800" marR="0" lvl="8" indent="-304800" algn="l">
               <a:lnSpc>
                 <a:spcPct val="115000"/>
               </a:lnSpc>
@@ -6447,7 +6494,7 @@
               <a:buSzPts val="1200"/>
               <a:buFont typeface="Montserrat"/>
               <a:buChar char="■"/>
-              <a:defRPr b="0" i="0" sz="1200" u="none" cap="none" strike="noStrike">
+              <a:defRPr sz="1200" b="0" i="0" u="none" strike="noStrike" cap="none">
                 <a:solidFill>
                   <a:schemeClr val="lt2"/>
                 </a:solidFill>
@@ -6458,15 +6505,19 @@
               </a:defRPr>
             </a:lvl9pPr>
           </a:lstStyle>
-          <a:p/>
+          <a:p>
+            <a:endParaRPr/>
+          </a:p>
         </p:txBody>
       </p:sp>
       <p:sp>
         <p:nvSpPr>
           <p:cNvPr id="38" name="Google Shape;38;p6"/>
-          <p:cNvSpPr txBox="1"/>
+          <p:cNvSpPr txBox="1">
+            <a:spLocks noGrp="1"/>
+          </p:cNvSpPr>
           <p:nvPr>
-            <p:ph idx="12" type="sldNum"/>
+            <p:ph type="sldNum" idx="12"/>
           </p:nvPr>
         </p:nvSpPr>
         <p:spPr>
@@ -6483,11 +6534,11 @@
           </a:ln>
         </p:spPr>
         <p:txBody>
-          <a:bodyPr anchorCtr="0" anchor="ctr" bIns="91425" lIns="91425" spcFirstLastPara="1" rIns="91425" wrap="square" tIns="91425">
+          <a:bodyPr spcFirstLastPara="1" wrap="square" lIns="91425" tIns="91425" rIns="91425" bIns="91425" anchor="ctr" anchorCtr="0">
             <a:noAutofit/>
           </a:bodyPr>
           <a:lstStyle>
-            <a:lvl1pPr indent="0" lvl="0" marL="0" marR="0" algn="l">
+            <a:lvl1pPr marL="0" marR="0" lvl="0" indent="0" algn="l">
               <a:lnSpc>
                 <a:spcPct val="100000"/>
               </a:lnSpc>
@@ -6503,7 +6554,7 @@
               <a:buSzPts val="1000"/>
               <a:buFont typeface="Arial"/>
               <a:buNone/>
-              <a:defRPr b="0" i="0" sz="1000" u="none" cap="none" strike="noStrike">
+              <a:defRPr sz="1000" b="0" i="0" u="none" strike="noStrike" cap="none">
                 <a:solidFill>
                   <a:schemeClr val="lt2"/>
                 </a:solidFill>
@@ -6513,7 +6564,7 @@
                 <a:sym typeface="Roboto"/>
               </a:defRPr>
             </a:lvl1pPr>
-            <a:lvl2pPr indent="0" lvl="1" marL="0" marR="0" algn="l">
+            <a:lvl2pPr marL="0" marR="0" lvl="1" indent="0" algn="l">
               <a:lnSpc>
                 <a:spcPct val="100000"/>
               </a:lnSpc>
@@ -6529,7 +6580,7 @@
               <a:buSzPts val="1000"/>
               <a:buFont typeface="Arial"/>
               <a:buNone/>
-              <a:defRPr b="0" i="0" sz="1000" u="none" cap="none" strike="noStrike">
+              <a:defRPr sz="1000" b="0" i="0" u="none" strike="noStrike" cap="none">
                 <a:solidFill>
                   <a:schemeClr val="lt2"/>
                 </a:solidFill>
@@ -6539,7 +6590,7 @@
                 <a:sym typeface="Roboto"/>
               </a:defRPr>
             </a:lvl2pPr>
-            <a:lvl3pPr indent="0" lvl="2" marL="0" marR="0" algn="l">
+            <a:lvl3pPr marL="0" marR="0" lvl="2" indent="0" algn="l">
               <a:lnSpc>
                 <a:spcPct val="100000"/>
               </a:lnSpc>
@@ -6555,7 +6606,7 @@
               <a:buSzPts val="1000"/>
               <a:buFont typeface="Arial"/>
               <a:buNone/>
-              <a:defRPr b="0" i="0" sz="1000" u="none" cap="none" strike="noStrike">
+              <a:defRPr sz="1000" b="0" i="0" u="none" strike="noStrike" cap="none">
                 <a:solidFill>
                   <a:schemeClr val="lt2"/>
                 </a:solidFill>
@@ -6565,7 +6616,7 @@
                 <a:sym typeface="Roboto"/>
               </a:defRPr>
             </a:lvl3pPr>
-            <a:lvl4pPr indent="0" lvl="3" marL="0" marR="0" algn="l">
+            <a:lvl4pPr marL="0" marR="0" lvl="3" indent="0" algn="l">
               <a:lnSpc>
                 <a:spcPct val="100000"/>
               </a:lnSpc>
@@ -6581,7 +6632,7 @@
               <a:buSzPts val="1000"/>
               <a:buFont typeface="Arial"/>
               <a:buNone/>
-              <a:defRPr b="0" i="0" sz="1000" u="none" cap="none" strike="noStrike">
+              <a:defRPr sz="1000" b="0" i="0" u="none" strike="noStrike" cap="none">
                 <a:solidFill>
                   <a:schemeClr val="lt2"/>
                 </a:solidFill>
@@ -6591,7 +6642,7 @@
                 <a:sym typeface="Roboto"/>
               </a:defRPr>
             </a:lvl4pPr>
-            <a:lvl5pPr indent="0" lvl="4" marL="0" marR="0" algn="l">
+            <a:lvl5pPr marL="0" marR="0" lvl="4" indent="0" algn="l">
               <a:lnSpc>
                 <a:spcPct val="100000"/>
               </a:lnSpc>
@@ -6607,7 +6658,7 @@
               <a:buSzPts val="1000"/>
               <a:buFont typeface="Arial"/>
               <a:buNone/>
-              <a:defRPr b="0" i="0" sz="1000" u="none" cap="none" strike="noStrike">
+              <a:defRPr sz="1000" b="0" i="0" u="none" strike="noStrike" cap="none">
                 <a:solidFill>
                   <a:schemeClr val="lt2"/>
                 </a:solidFill>
@@ -6617,7 +6668,7 @@
                 <a:sym typeface="Roboto"/>
               </a:defRPr>
             </a:lvl5pPr>
-            <a:lvl6pPr indent="0" lvl="5" marL="0" marR="0" algn="l">
+            <a:lvl6pPr marL="0" marR="0" lvl="5" indent="0" algn="l">
               <a:lnSpc>
                 <a:spcPct val="100000"/>
               </a:lnSpc>
@@ -6633,7 +6684,7 @@
               <a:buSzPts val="1000"/>
               <a:buFont typeface="Arial"/>
               <a:buNone/>
-              <a:defRPr b="0" i="0" sz="1000" u="none" cap="none" strike="noStrike">
+              <a:defRPr sz="1000" b="0" i="0" u="none" strike="noStrike" cap="none">
                 <a:solidFill>
                   <a:schemeClr val="lt2"/>
                 </a:solidFill>
@@ -6643,7 +6694,7 @@
                 <a:sym typeface="Roboto"/>
               </a:defRPr>
             </a:lvl6pPr>
-            <a:lvl7pPr indent="0" lvl="6" marL="0" marR="0" algn="l">
+            <a:lvl7pPr marL="0" marR="0" lvl="6" indent="0" algn="l">
               <a:lnSpc>
                 <a:spcPct val="100000"/>
               </a:lnSpc>
@@ -6659,7 +6710,7 @@
               <a:buSzPts val="1000"/>
               <a:buFont typeface="Arial"/>
               <a:buNone/>
-              <a:defRPr b="0" i="0" sz="1000" u="none" cap="none" strike="noStrike">
+              <a:defRPr sz="1000" b="0" i="0" u="none" strike="noStrike" cap="none">
                 <a:solidFill>
                   <a:schemeClr val="lt2"/>
                 </a:solidFill>
@@ -6669,7 +6720,7 @@
                 <a:sym typeface="Roboto"/>
               </a:defRPr>
             </a:lvl7pPr>
-            <a:lvl8pPr indent="0" lvl="7" marL="0" marR="0" algn="l">
+            <a:lvl8pPr marL="0" marR="0" lvl="7" indent="0" algn="l">
               <a:lnSpc>
                 <a:spcPct val="100000"/>
               </a:lnSpc>
@@ -6685,7 +6736,7 @@
               <a:buSzPts val="1000"/>
               <a:buFont typeface="Arial"/>
               <a:buNone/>
-              <a:defRPr b="0" i="0" sz="1000" u="none" cap="none" strike="noStrike">
+              <a:defRPr sz="1000" b="0" i="0" u="none" strike="noStrike" cap="none">
                 <a:solidFill>
                   <a:schemeClr val="lt2"/>
                 </a:solidFill>
@@ -6695,7 +6746,7 @@
                 <a:sym typeface="Roboto"/>
               </a:defRPr>
             </a:lvl8pPr>
-            <a:lvl9pPr indent="0" lvl="8" marL="0" marR="0" algn="l">
+            <a:lvl9pPr marL="0" marR="0" lvl="8" indent="0" algn="l">
               <a:lnSpc>
                 <a:spcPct val="100000"/>
               </a:lnSpc>
@@ -6711,7 +6762,7 @@
               <a:buSzPts val="1000"/>
               <a:buFont typeface="Arial"/>
               <a:buNone/>
-              <a:defRPr b="0" i="0" sz="1000" u="none" cap="none" strike="noStrike">
+              <a:defRPr sz="1000" b="0" i="0" u="none" strike="noStrike" cap="none">
                 <a:solidFill>
                   <a:schemeClr val="lt2"/>
                 </a:solidFill>
@@ -6723,7 +6774,7 @@
             </a:lvl9pPr>
           </a:lstStyle>
           <a:p>
-            <a:pPr indent="0" lvl="0" marL="0" rtl="0" algn="l">
+            <a:pPr marL="0" lvl="0" indent="0" algn="l" rtl="0">
               <a:spcBef>
                 <a:spcPts val="0"/>
               </a:spcBef>
@@ -6750,7 +6801,7 @@
           <a:blip r:embed="rId2">
             <a:alphaModFix/>
           </a:blip>
-          <a:srcRect b="0" l="0" r="0" t="0"/>
+          <a:srcRect/>
           <a:stretch/>
         </p:blipFill>
         <p:spPr>
@@ -6776,11 +6827,11 @@
 </file>
 
 <file path=ppt/slideLayouts/slideLayout6.xml><?xml version="1.0" encoding="utf-8"?>
-<p:sldLayout xmlns:a="http://schemas.openxmlformats.org/drawingml/2006/main" xmlns:r="http://schemas.openxmlformats.org/officeDocument/2006/relationships" xmlns:mc="http://schemas.openxmlformats.org/markup-compatibility/2006" xmlns:mv="urn:schemas-microsoft-com:mac:vml" xmlns:p="http://schemas.openxmlformats.org/presentationml/2006/main" xmlns:c="http://schemas.openxmlformats.org/drawingml/2006/chart" xmlns:dgm="http://schemas.openxmlformats.org/drawingml/2006/diagram" xmlns:o="urn:schemas-microsoft-com:office:office" xmlns:v="urn:schemas-microsoft-com:vml" xmlns:pvml="urn:schemas-microsoft-com:office:powerpoint" xmlns:com="http://schemas.openxmlformats.org/drawingml/2006/compatibility" xmlns:p14="http://schemas.microsoft.com/office/powerpoint/2010/main" xmlns:p15="http://schemas.microsoft.com/office/powerpoint/2012/main" xmlns:ahyp="http://schemas.microsoft.com/office/drawing/2018/hyperlinkcolor" matchingName="One column text">
+<p:sldLayout xmlns:a="http://schemas.openxmlformats.org/drawingml/2006/main" xmlns:r="http://schemas.openxmlformats.org/officeDocument/2006/relationships" xmlns:p="http://schemas.openxmlformats.org/presentationml/2006/main" matchingName="One column text">
   <p:cSld name="ONE_COLUMN_TEXT">
     <p:spTree>
       <p:nvGrpSpPr>
-        <p:cNvPr id="40" name="Shape 40"/>
+        <p:cNvPr id="1" name="Shape 40"/>
         <p:cNvGrpSpPr/>
         <p:nvPr/>
       </p:nvGrpSpPr>
@@ -6799,7 +6850,7 @@
           <p:nvPr/>
         </p:nvSpPr>
         <p:spPr>
-          <a:xfrm flipH="1" rot="10800000">
+          <a:xfrm rot="10800000" flipH="1">
             <a:off x="3276600" y="25"/>
             <a:ext cx="5867400" cy="5143500"/>
           </a:xfrm>
@@ -6814,12 +6865,12 @@
           </a:ln>
         </p:spPr>
         <p:txBody>
-          <a:bodyPr anchorCtr="0" anchor="ctr" bIns="91425" lIns="91425" spcFirstLastPara="1" rIns="91425" wrap="square" tIns="91425">
+          <a:bodyPr spcFirstLastPara="1" wrap="square" lIns="91425" tIns="91425" rIns="91425" bIns="91425" anchor="ctr" anchorCtr="0">
             <a:noAutofit/>
           </a:bodyPr>
           <a:lstStyle/>
           <a:p>
-            <a:pPr indent="0" lvl="0" marL="0" marR="0" rtl="0" algn="l">
+            <a:pPr marL="0" marR="0" lvl="0" indent="0" algn="l" rtl="0">
               <a:lnSpc>
                 <a:spcPct val="100000"/>
               </a:lnSpc>
@@ -6836,10 +6887,7 @@
               <a:buFont typeface="Arial"/>
               <a:buNone/>
             </a:pPr>
-            <a:r>
-              <a:t/>
-            </a:r>
-            <a:endParaRPr b="0" i="0" sz="1400" u="none" cap="none" strike="noStrike">
+            <a:endParaRPr sz="1400" b="0" i="0" u="none" strike="noStrike" cap="none">
               <a:solidFill>
                 <a:srgbClr val="000000"/>
               </a:solidFill>
@@ -6887,12 +6935,12 @@
           </a:ln>
         </p:spPr>
         <p:txBody>
-          <a:bodyPr anchorCtr="0" anchor="ctr" bIns="91425" lIns="91425" spcFirstLastPara="1" rIns="91425" wrap="square" tIns="91425">
+          <a:bodyPr spcFirstLastPara="1" wrap="square" lIns="91425" tIns="91425" rIns="91425" bIns="91425" anchor="ctr" anchorCtr="0">
             <a:noAutofit/>
           </a:bodyPr>
           <a:lstStyle/>
           <a:p>
-            <a:pPr indent="0" lvl="0" marL="0" marR="0" rtl="0" algn="l">
+            <a:pPr marL="0" marR="0" lvl="0" indent="0" algn="l" rtl="0">
               <a:lnSpc>
                 <a:spcPct val="100000"/>
               </a:lnSpc>
@@ -6909,10 +6957,7 @@
               <a:buFont typeface="Arial"/>
               <a:buNone/>
             </a:pPr>
-            <a:r>
-              <a:t/>
-            </a:r>
-            <a:endParaRPr b="0" i="0" sz="1400" u="none" cap="none" strike="noStrike">
+            <a:endParaRPr sz="1400" b="0" i="0" u="none" strike="noStrike" cap="none">
               <a:solidFill>
                 <a:srgbClr val="000000"/>
               </a:solidFill>
@@ -6927,7 +6972,9 @@
       <p:sp>
         <p:nvSpPr>
           <p:cNvPr id="43" name="Google Shape;43;p7"/>
-          <p:cNvSpPr txBox="1"/>
+          <p:cNvSpPr txBox="1">
+            <a:spLocks noGrp="1"/>
+          </p:cNvSpPr>
           <p:nvPr>
             <p:ph type="title"/>
           </p:nvPr>
@@ -6946,11 +6993,11 @@
           </a:ln>
         </p:spPr>
         <p:txBody>
-          <a:bodyPr anchorCtr="0" anchor="b" bIns="91425" lIns="91425" spcFirstLastPara="1" rIns="91425" wrap="square" tIns="91425">
+          <a:bodyPr spcFirstLastPara="1" wrap="square" lIns="91425" tIns="91425" rIns="91425" bIns="91425" anchor="b" anchorCtr="0">
             <a:noAutofit/>
           </a:bodyPr>
           <a:lstStyle>
-            <a:lvl1pPr lvl="0" marR="0" algn="l">
+            <a:lvl1pPr marR="0" lvl="0" algn="l">
               <a:lnSpc>
                 <a:spcPct val="100000"/>
               </a:lnSpc>
@@ -6966,7 +7013,7 @@
               <a:buSzPts val="2400"/>
               <a:buFont typeface="Arial"/>
               <a:buNone/>
-              <a:defRPr b="0" i="0" sz="2400" u="none" cap="none" strike="noStrike">
+              <a:defRPr sz="2400" b="0" i="0" u="none" strike="noStrike" cap="none">
                 <a:solidFill>
                   <a:schemeClr val="lt1"/>
                 </a:solidFill>
@@ -6976,7 +7023,7 @@
                 <a:sym typeface="Open Sans"/>
               </a:defRPr>
             </a:lvl1pPr>
-            <a:lvl2pPr lvl="1" marR="0" algn="l">
+            <a:lvl2pPr marR="0" lvl="1" algn="l">
               <a:lnSpc>
                 <a:spcPct val="100000"/>
               </a:lnSpc>
@@ -6992,7 +7039,7 @@
               <a:buSzPts val="2400"/>
               <a:buFont typeface="Roboto"/>
               <a:buNone/>
-              <a:defRPr b="0" i="0" sz="2400" u="none" cap="none" strike="noStrike">
+              <a:defRPr sz="2400" b="0" i="0" u="none" strike="noStrike" cap="none">
                 <a:solidFill>
                   <a:schemeClr val="lt1"/>
                 </a:solidFill>
@@ -7002,7 +7049,7 @@
                 <a:sym typeface="Roboto"/>
               </a:defRPr>
             </a:lvl2pPr>
-            <a:lvl3pPr lvl="2" marR="0" algn="l">
+            <a:lvl3pPr marR="0" lvl="2" algn="l">
               <a:lnSpc>
                 <a:spcPct val="100000"/>
               </a:lnSpc>
@@ -7018,7 +7065,7 @@
               <a:buSzPts val="2400"/>
               <a:buFont typeface="Roboto"/>
               <a:buNone/>
-              <a:defRPr b="0" i="0" sz="2400" u="none" cap="none" strike="noStrike">
+              <a:defRPr sz="2400" b="0" i="0" u="none" strike="noStrike" cap="none">
                 <a:solidFill>
                   <a:schemeClr val="lt1"/>
                 </a:solidFill>
@@ -7028,7 +7075,7 @@
                 <a:sym typeface="Roboto"/>
               </a:defRPr>
             </a:lvl3pPr>
-            <a:lvl4pPr lvl="3" marR="0" algn="l">
+            <a:lvl4pPr marR="0" lvl="3" algn="l">
               <a:lnSpc>
                 <a:spcPct val="100000"/>
               </a:lnSpc>
@@ -7044,7 +7091,7 @@
               <a:buSzPts val="2400"/>
               <a:buFont typeface="Roboto"/>
               <a:buNone/>
-              <a:defRPr b="0" i="0" sz="2400" u="none" cap="none" strike="noStrike">
+              <a:defRPr sz="2400" b="0" i="0" u="none" strike="noStrike" cap="none">
                 <a:solidFill>
                   <a:schemeClr val="lt1"/>
                 </a:solidFill>
@@ -7054,7 +7101,7 @@
                 <a:sym typeface="Roboto"/>
               </a:defRPr>
             </a:lvl4pPr>
-            <a:lvl5pPr lvl="4" marR="0" algn="l">
+            <a:lvl5pPr marR="0" lvl="4" algn="l">
               <a:lnSpc>
                 <a:spcPct val="100000"/>
               </a:lnSpc>
@@ -7070,7 +7117,7 @@
               <a:buSzPts val="2400"/>
               <a:buFont typeface="Roboto"/>
               <a:buNone/>
-              <a:defRPr b="0" i="0" sz="2400" u="none" cap="none" strike="noStrike">
+              <a:defRPr sz="2400" b="0" i="0" u="none" strike="noStrike" cap="none">
                 <a:solidFill>
                   <a:schemeClr val="lt1"/>
                 </a:solidFill>
@@ -7080,7 +7127,7 @@
                 <a:sym typeface="Roboto"/>
               </a:defRPr>
             </a:lvl5pPr>
-            <a:lvl6pPr lvl="5" marR="0" algn="l">
+            <a:lvl6pPr marR="0" lvl="5" algn="l">
               <a:lnSpc>
                 <a:spcPct val="100000"/>
               </a:lnSpc>
@@ -7096,7 +7143,7 @@
               <a:buSzPts val="2400"/>
               <a:buFont typeface="Roboto"/>
               <a:buNone/>
-              <a:defRPr b="0" i="0" sz="2400" u="none" cap="none" strike="noStrike">
+              <a:defRPr sz="2400" b="0" i="0" u="none" strike="noStrike" cap="none">
                 <a:solidFill>
                   <a:schemeClr val="lt1"/>
                 </a:solidFill>
@@ -7106,7 +7153,7 @@
                 <a:sym typeface="Roboto"/>
               </a:defRPr>
             </a:lvl6pPr>
-            <a:lvl7pPr lvl="6" marR="0" algn="l">
+            <a:lvl7pPr marR="0" lvl="6" algn="l">
               <a:lnSpc>
                 <a:spcPct val="100000"/>
               </a:lnSpc>
@@ -7122,7 +7169,7 @@
               <a:buSzPts val="2400"/>
               <a:buFont typeface="Roboto"/>
               <a:buNone/>
-              <a:defRPr b="0" i="0" sz="2400" u="none" cap="none" strike="noStrike">
+              <a:defRPr sz="2400" b="0" i="0" u="none" strike="noStrike" cap="none">
                 <a:solidFill>
                   <a:schemeClr val="lt1"/>
                 </a:solidFill>
@@ -7132,7 +7179,7 @@
                 <a:sym typeface="Roboto"/>
               </a:defRPr>
             </a:lvl7pPr>
-            <a:lvl8pPr lvl="7" marR="0" algn="l">
+            <a:lvl8pPr marR="0" lvl="7" algn="l">
               <a:lnSpc>
                 <a:spcPct val="100000"/>
               </a:lnSpc>
@@ -7148,7 +7195,7 @@
               <a:buSzPts val="2400"/>
               <a:buFont typeface="Roboto"/>
               <a:buNone/>
-              <a:defRPr b="0" i="0" sz="2400" u="none" cap="none" strike="noStrike">
+              <a:defRPr sz="2400" b="0" i="0" u="none" strike="noStrike" cap="none">
                 <a:solidFill>
                   <a:schemeClr val="lt1"/>
                 </a:solidFill>
@@ -7158,7 +7205,7 @@
                 <a:sym typeface="Roboto"/>
               </a:defRPr>
             </a:lvl8pPr>
-            <a:lvl9pPr lvl="8" marR="0" algn="l">
+            <a:lvl9pPr marR="0" lvl="8" algn="l">
               <a:lnSpc>
                 <a:spcPct val="100000"/>
               </a:lnSpc>
@@ -7174,7 +7221,7 @@
               <a:buSzPts val="2400"/>
               <a:buFont typeface="Roboto"/>
               <a:buNone/>
-              <a:defRPr b="0" i="0" sz="2400" u="none" cap="none" strike="noStrike">
+              <a:defRPr sz="2400" b="0" i="0" u="none" strike="noStrike" cap="none">
                 <a:solidFill>
                   <a:schemeClr val="lt1"/>
                 </a:solidFill>
@@ -7185,15 +7232,19 @@
               </a:defRPr>
             </a:lvl9pPr>
           </a:lstStyle>
-          <a:p/>
+          <a:p>
+            <a:endParaRPr/>
+          </a:p>
         </p:txBody>
       </p:sp>
       <p:sp>
         <p:nvSpPr>
           <p:cNvPr id="44" name="Google Shape;44;p7"/>
-          <p:cNvSpPr txBox="1"/>
+          <p:cNvSpPr txBox="1">
+            <a:spLocks noGrp="1"/>
+          </p:cNvSpPr>
           <p:nvPr>
-            <p:ph idx="1" type="body"/>
+            <p:ph type="body" idx="1"/>
           </p:nvPr>
         </p:nvSpPr>
         <p:spPr>
@@ -7210,11 +7261,11 @@
           </a:ln>
         </p:spPr>
         <p:txBody>
-          <a:bodyPr anchorCtr="0" anchor="t" bIns="91425" lIns="91425" spcFirstLastPara="1" rIns="91425" wrap="square" tIns="91425">
+          <a:bodyPr spcFirstLastPara="1" wrap="square" lIns="91425" tIns="91425" rIns="91425" bIns="91425" anchor="t" anchorCtr="0">
             <a:noAutofit/>
           </a:bodyPr>
           <a:lstStyle>
-            <a:lvl1pPr indent="-304800" lvl="0" marL="457200" marR="0" algn="l">
+            <a:lvl1pPr marL="457200" marR="0" lvl="0" indent="-304800" algn="l">
               <a:lnSpc>
                 <a:spcPct val="115000"/>
               </a:lnSpc>
@@ -7230,7 +7281,7 @@
               <a:buSzPts val="1200"/>
               <a:buFont typeface="Montserrat"/>
               <a:buChar char="●"/>
-              <a:defRPr b="0" i="0" sz="1200" u="none" cap="none" strike="noStrike">
+              <a:defRPr sz="1200" b="0" i="0" u="none" strike="noStrike" cap="none">
                 <a:solidFill>
                   <a:schemeClr val="lt1"/>
                 </a:solidFill>
@@ -7240,7 +7291,7 @@
                 <a:sym typeface="Montserrat"/>
               </a:defRPr>
             </a:lvl1pPr>
-            <a:lvl2pPr indent="-304800" lvl="1" marL="914400" marR="0" algn="l">
+            <a:lvl2pPr marL="914400" marR="0" lvl="1" indent="-304800" algn="l">
               <a:lnSpc>
                 <a:spcPct val="115000"/>
               </a:lnSpc>
@@ -7256,7 +7307,7 @@
               <a:buSzPts val="1200"/>
               <a:buFont typeface="Montserrat"/>
               <a:buChar char="○"/>
-              <a:defRPr b="0" i="0" sz="1200" u="none" cap="none" strike="noStrike">
+              <a:defRPr sz="1200" b="0" i="0" u="none" strike="noStrike" cap="none">
                 <a:solidFill>
                   <a:schemeClr val="lt1"/>
                 </a:solidFill>
@@ -7266,7 +7317,7 @@
                 <a:sym typeface="Montserrat"/>
               </a:defRPr>
             </a:lvl2pPr>
-            <a:lvl3pPr indent="-304800" lvl="2" marL="1371600" marR="0" algn="l">
+            <a:lvl3pPr marL="1371600" marR="0" lvl="2" indent="-304800" algn="l">
               <a:lnSpc>
                 <a:spcPct val="115000"/>
               </a:lnSpc>
@@ -7282,7 +7333,7 @@
               <a:buSzPts val="1200"/>
               <a:buFont typeface="Montserrat"/>
               <a:buChar char="■"/>
-              <a:defRPr b="0" i="0" sz="1200" u="none" cap="none" strike="noStrike">
+              <a:defRPr sz="1200" b="0" i="0" u="none" strike="noStrike" cap="none">
                 <a:solidFill>
                   <a:schemeClr val="lt1"/>
                 </a:solidFill>
@@ -7292,7 +7343,7 @@
                 <a:sym typeface="Montserrat"/>
               </a:defRPr>
             </a:lvl3pPr>
-            <a:lvl4pPr indent="-304800" lvl="3" marL="1828800" marR="0" algn="l">
+            <a:lvl4pPr marL="1828800" marR="0" lvl="3" indent="-304800" algn="l">
               <a:lnSpc>
                 <a:spcPct val="115000"/>
               </a:lnSpc>
@@ -7308,7 +7359,7 @@
               <a:buSzPts val="1200"/>
               <a:buFont typeface="Montserrat"/>
               <a:buChar char="●"/>
-              <a:defRPr b="0" i="0" sz="1200" u="none" cap="none" strike="noStrike">
+              <a:defRPr sz="1200" b="0" i="0" u="none" strike="noStrike" cap="none">
                 <a:solidFill>
                   <a:schemeClr val="lt1"/>
                 </a:solidFill>
@@ -7318,7 +7369,7 @@
                 <a:sym typeface="Montserrat"/>
               </a:defRPr>
             </a:lvl4pPr>
-            <a:lvl5pPr indent="-304800" lvl="4" marL="2286000" marR="0" algn="l">
+            <a:lvl5pPr marL="2286000" marR="0" lvl="4" indent="-304800" algn="l">
               <a:lnSpc>
                 <a:spcPct val="115000"/>
               </a:lnSpc>
@@ -7334,7 +7385,7 @@
               <a:buSzPts val="1200"/>
               <a:buFont typeface="Montserrat"/>
               <a:buChar char="○"/>
-              <a:defRPr b="0" i="0" sz="1200" u="none" cap="none" strike="noStrike">
+              <a:defRPr sz="1200" b="0" i="0" u="none" strike="noStrike" cap="none">
                 <a:solidFill>
                   <a:schemeClr val="lt1"/>
                 </a:solidFill>
@@ -7344,7 +7395,7 @@
                 <a:sym typeface="Montserrat"/>
               </a:defRPr>
             </a:lvl5pPr>
-            <a:lvl6pPr indent="-304800" lvl="5" marL="2743200" marR="0" algn="l">
+            <a:lvl6pPr marL="2743200" marR="0" lvl="5" indent="-304800" algn="l">
               <a:lnSpc>
                 <a:spcPct val="115000"/>
               </a:lnSpc>
@@ -7360,7 +7411,7 @@
               <a:buSzPts val="1200"/>
               <a:buFont typeface="Montserrat"/>
               <a:buChar char="■"/>
-              <a:defRPr b="0" i="0" sz="1200" u="none" cap="none" strike="noStrike">
+              <a:defRPr sz="1200" b="0" i="0" u="none" strike="noStrike" cap="none">
                 <a:solidFill>
                   <a:schemeClr val="lt1"/>
                 </a:solidFill>
@@ -7370,7 +7421,7 @@
                 <a:sym typeface="Montserrat"/>
               </a:defRPr>
             </a:lvl6pPr>
-            <a:lvl7pPr indent="-304800" lvl="6" marL="3200400" marR="0" algn="l">
+            <a:lvl7pPr marL="3200400" marR="0" lvl="6" indent="-304800" algn="l">
               <a:lnSpc>
                 <a:spcPct val="115000"/>
               </a:lnSpc>
@@ -7386,7 +7437,7 @@
               <a:buSzPts val="1200"/>
               <a:buFont typeface="Montserrat"/>
               <a:buChar char="●"/>
-              <a:defRPr b="0" i="0" sz="1200" u="none" cap="none" strike="noStrike">
+              <a:defRPr sz="1200" b="0" i="0" u="none" strike="noStrike" cap="none">
                 <a:solidFill>
                   <a:schemeClr val="lt1"/>
                 </a:solidFill>
@@ -7396,7 +7447,7 @@
                 <a:sym typeface="Montserrat"/>
               </a:defRPr>
             </a:lvl7pPr>
-            <a:lvl8pPr indent="-304800" lvl="7" marL="3657600" marR="0" algn="l">
+            <a:lvl8pPr marL="3657600" marR="0" lvl="7" indent="-304800" algn="l">
               <a:lnSpc>
                 <a:spcPct val="115000"/>
               </a:lnSpc>
@@ -7412,7 +7463,7 @@
               <a:buSzPts val="1200"/>
               <a:buFont typeface="Montserrat"/>
               <a:buChar char="○"/>
-              <a:defRPr b="0" i="0" sz="1200" u="none" cap="none" strike="noStrike">
+              <a:defRPr sz="1200" b="0" i="0" u="none" strike="noStrike" cap="none">
                 <a:solidFill>
                   <a:schemeClr val="lt1"/>
                 </a:solidFill>
@@ -7422,7 +7473,7 @@
                 <a:sym typeface="Montserrat"/>
               </a:defRPr>
             </a:lvl8pPr>
-            <a:lvl9pPr indent="-304800" lvl="8" marL="4114800" marR="0" algn="l">
+            <a:lvl9pPr marL="4114800" marR="0" lvl="8" indent="-304800" algn="l">
               <a:lnSpc>
                 <a:spcPct val="115000"/>
               </a:lnSpc>
@@ -7438,7 +7489,7 @@
               <a:buSzPts val="1200"/>
               <a:buFont typeface="Montserrat"/>
               <a:buChar char="■"/>
-              <a:defRPr b="0" i="0" sz="1200" u="none" cap="none" strike="noStrike">
+              <a:defRPr sz="1200" b="0" i="0" u="none" strike="noStrike" cap="none">
                 <a:solidFill>
                   <a:schemeClr val="lt1"/>
                 </a:solidFill>
@@ -7449,15 +7500,19 @@
               </a:defRPr>
             </a:lvl9pPr>
           </a:lstStyle>
-          <a:p/>
+          <a:p>
+            <a:endParaRPr/>
+          </a:p>
         </p:txBody>
       </p:sp>
       <p:sp>
         <p:nvSpPr>
           <p:cNvPr id="45" name="Google Shape;45;p7"/>
-          <p:cNvSpPr txBox="1"/>
+          <p:cNvSpPr txBox="1">
+            <a:spLocks noGrp="1"/>
+          </p:cNvSpPr>
           <p:nvPr>
-            <p:ph idx="12" type="sldNum"/>
+            <p:ph type="sldNum" idx="12"/>
           </p:nvPr>
         </p:nvSpPr>
         <p:spPr>
@@ -7474,11 +7529,11 @@
           </a:ln>
         </p:spPr>
         <p:txBody>
-          <a:bodyPr anchorCtr="0" anchor="ctr" bIns="91425" lIns="91425" spcFirstLastPara="1" rIns="91425" wrap="square" tIns="91425">
+          <a:bodyPr spcFirstLastPara="1" wrap="square" lIns="91425" tIns="91425" rIns="91425" bIns="91425" anchor="ctr" anchorCtr="0">
             <a:noAutofit/>
           </a:bodyPr>
           <a:lstStyle>
-            <a:lvl1pPr indent="0" lvl="0" marL="0" marR="0" algn="r">
+            <a:lvl1pPr marL="0" marR="0" lvl="0" indent="0" algn="r">
               <a:lnSpc>
                 <a:spcPct val="100000"/>
               </a:lnSpc>
@@ -7494,7 +7549,7 @@
               <a:buSzPts val="1000"/>
               <a:buFont typeface="Arial"/>
               <a:buNone/>
-              <a:defRPr b="0" i="0" sz="1000" u="none" cap="none" strike="noStrike">
+              <a:defRPr sz="1000" b="0" i="0" u="none" strike="noStrike" cap="none">
                 <a:solidFill>
                   <a:schemeClr val="lt2"/>
                 </a:solidFill>
@@ -7504,7 +7559,7 @@
                 <a:sym typeface="Roboto"/>
               </a:defRPr>
             </a:lvl1pPr>
-            <a:lvl2pPr indent="0" lvl="1" marL="0" marR="0" algn="r">
+            <a:lvl2pPr marL="0" marR="0" lvl="1" indent="0" algn="r">
               <a:lnSpc>
                 <a:spcPct val="100000"/>
               </a:lnSpc>
@@ -7520,7 +7575,7 @@
               <a:buSzPts val="1000"/>
               <a:buFont typeface="Arial"/>
               <a:buNone/>
-              <a:defRPr b="0" i="0" sz="1000" u="none" cap="none" strike="noStrike">
+              <a:defRPr sz="1000" b="0" i="0" u="none" strike="noStrike" cap="none">
                 <a:solidFill>
                   <a:schemeClr val="lt2"/>
                 </a:solidFill>
@@ -7530,7 +7585,7 @@
                 <a:sym typeface="Roboto"/>
               </a:defRPr>
             </a:lvl2pPr>
-            <a:lvl3pPr indent="0" lvl="2" marL="0" marR="0" algn="r">
+            <a:lvl3pPr marL="0" marR="0" lvl="2" indent="0" algn="r">
               <a:lnSpc>
                 <a:spcPct val="100000"/>
               </a:lnSpc>
@@ -7546,7 +7601,7 @@
               <a:buSzPts val="1000"/>
               <a:buFont typeface="Arial"/>
               <a:buNone/>
-              <a:defRPr b="0" i="0" sz="1000" u="none" cap="none" strike="noStrike">
+              <a:defRPr sz="1000" b="0" i="0" u="none" strike="noStrike" cap="none">
                 <a:solidFill>
                   <a:schemeClr val="lt2"/>
                 </a:solidFill>
@@ -7556,7 +7611,7 @@
                 <a:sym typeface="Roboto"/>
               </a:defRPr>
             </a:lvl3pPr>
-            <a:lvl4pPr indent="0" lvl="3" marL="0" marR="0" algn="r">
+            <a:lvl4pPr marL="0" marR="0" lvl="3" indent="0" algn="r">
               <a:lnSpc>
                 <a:spcPct val="100000"/>
               </a:lnSpc>
@@ -7572,7 +7627,7 @@
               <a:buSzPts val="1000"/>
               <a:buFont typeface="Arial"/>
               <a:buNone/>
-              <a:defRPr b="0" i="0" sz="1000" u="none" cap="none" strike="noStrike">
+              <a:defRPr sz="1000" b="0" i="0" u="none" strike="noStrike" cap="none">
                 <a:solidFill>
                   <a:schemeClr val="lt2"/>
                 </a:solidFill>
@@ -7582,7 +7637,7 @@
                 <a:sym typeface="Roboto"/>
               </a:defRPr>
             </a:lvl4pPr>
-            <a:lvl5pPr indent="0" lvl="4" marL="0" marR="0" algn="r">
+            <a:lvl5pPr marL="0" marR="0" lvl="4" indent="0" algn="r">
               <a:lnSpc>
                 <a:spcPct val="100000"/>
               </a:lnSpc>
@@ -7598,7 +7653,7 @@
               <a:buSzPts val="1000"/>
               <a:buFont typeface="Arial"/>
               <a:buNone/>
-              <a:defRPr b="0" i="0" sz="1000" u="none" cap="none" strike="noStrike">
+              <a:defRPr sz="1000" b="0" i="0" u="none" strike="noStrike" cap="none">
                 <a:solidFill>
                   <a:schemeClr val="lt2"/>
                 </a:solidFill>
@@ -7608,7 +7663,7 @@
                 <a:sym typeface="Roboto"/>
               </a:defRPr>
             </a:lvl5pPr>
-            <a:lvl6pPr indent="0" lvl="5" marL="0" marR="0" algn="r">
+            <a:lvl6pPr marL="0" marR="0" lvl="5" indent="0" algn="r">
               <a:lnSpc>
                 <a:spcPct val="100000"/>
               </a:lnSpc>
@@ -7624,7 +7679,7 @@
               <a:buSzPts val="1000"/>
               <a:buFont typeface="Arial"/>
               <a:buNone/>
-              <a:defRPr b="0" i="0" sz="1000" u="none" cap="none" strike="noStrike">
+              <a:defRPr sz="1000" b="0" i="0" u="none" strike="noStrike" cap="none">
                 <a:solidFill>
                   <a:schemeClr val="lt2"/>
                 </a:solidFill>
@@ -7634,7 +7689,7 @@
                 <a:sym typeface="Roboto"/>
               </a:defRPr>
             </a:lvl6pPr>
-            <a:lvl7pPr indent="0" lvl="6" marL="0" marR="0" algn="r">
+            <a:lvl7pPr marL="0" marR="0" lvl="6" indent="0" algn="r">
               <a:lnSpc>
                 <a:spcPct val="100000"/>
               </a:lnSpc>
@@ -7650,7 +7705,7 @@
               <a:buSzPts val="1000"/>
               <a:buFont typeface="Arial"/>
               <a:buNone/>
-              <a:defRPr b="0" i="0" sz="1000" u="none" cap="none" strike="noStrike">
+              <a:defRPr sz="1000" b="0" i="0" u="none" strike="noStrike" cap="none">
                 <a:solidFill>
                   <a:schemeClr val="lt2"/>
                 </a:solidFill>
@@ -7660,7 +7715,7 @@
                 <a:sym typeface="Roboto"/>
               </a:defRPr>
             </a:lvl7pPr>
-            <a:lvl8pPr indent="0" lvl="7" marL="0" marR="0" algn="r">
+            <a:lvl8pPr marL="0" marR="0" lvl="7" indent="0" algn="r">
               <a:lnSpc>
                 <a:spcPct val="100000"/>
               </a:lnSpc>
@@ -7676,7 +7731,7 @@
               <a:buSzPts val="1000"/>
               <a:buFont typeface="Arial"/>
               <a:buNone/>
-              <a:defRPr b="0" i="0" sz="1000" u="none" cap="none" strike="noStrike">
+              <a:defRPr sz="1000" b="0" i="0" u="none" strike="noStrike" cap="none">
                 <a:solidFill>
                   <a:schemeClr val="lt2"/>
                 </a:solidFill>
@@ -7686,7 +7741,7 @@
                 <a:sym typeface="Roboto"/>
               </a:defRPr>
             </a:lvl8pPr>
-            <a:lvl9pPr indent="0" lvl="8" marL="0" marR="0" algn="r">
+            <a:lvl9pPr marL="0" marR="0" lvl="8" indent="0" algn="r">
               <a:lnSpc>
                 <a:spcPct val="100000"/>
               </a:lnSpc>
@@ -7702,7 +7757,7 @@
               <a:buSzPts val="1000"/>
               <a:buFont typeface="Arial"/>
               <a:buNone/>
-              <a:defRPr b="0" i="0" sz="1000" u="none" cap="none" strike="noStrike">
+              <a:defRPr sz="1000" b="0" i="0" u="none" strike="noStrike" cap="none">
                 <a:solidFill>
                   <a:schemeClr val="lt2"/>
                 </a:solidFill>
@@ -7714,7 +7769,7 @@
             </a:lvl9pPr>
           </a:lstStyle>
           <a:p>
-            <a:pPr indent="0" lvl="0" marL="0" rtl="0" algn="r">
+            <a:pPr marL="0" lvl="0" indent="0" algn="r" rtl="0">
               <a:spcBef>
                 <a:spcPts val="0"/>
               </a:spcBef>
@@ -7740,11 +7795,11 @@
 </file>
 
 <file path=ppt/slideLayouts/slideLayout7.xml><?xml version="1.0" encoding="utf-8"?>
-<p:sldLayout xmlns:a="http://schemas.openxmlformats.org/drawingml/2006/main" xmlns:r="http://schemas.openxmlformats.org/officeDocument/2006/relationships" xmlns:mc="http://schemas.openxmlformats.org/markup-compatibility/2006" xmlns:mv="urn:schemas-microsoft-com:mac:vml" xmlns:p="http://schemas.openxmlformats.org/presentationml/2006/main" xmlns:c="http://schemas.openxmlformats.org/drawingml/2006/chart" xmlns:dgm="http://schemas.openxmlformats.org/drawingml/2006/diagram" xmlns:o="urn:schemas-microsoft-com:office:office" xmlns:v="urn:schemas-microsoft-com:vml" xmlns:pvml="urn:schemas-microsoft-com:office:powerpoint" xmlns:com="http://schemas.openxmlformats.org/drawingml/2006/compatibility" xmlns:p14="http://schemas.microsoft.com/office/powerpoint/2010/main" xmlns:p15="http://schemas.microsoft.com/office/powerpoint/2012/main" xmlns:ahyp="http://schemas.microsoft.com/office/drawing/2018/hyperlinkcolor" matchingName="Main point">
+<p:sldLayout xmlns:a="http://schemas.openxmlformats.org/drawingml/2006/main" xmlns:r="http://schemas.openxmlformats.org/officeDocument/2006/relationships" xmlns:p="http://schemas.openxmlformats.org/presentationml/2006/main" matchingName="Main point">
   <p:cSld name="MAIN_POINT">
     <p:spTree>
       <p:nvGrpSpPr>
-        <p:cNvPr id="46" name="Shape 46"/>
+        <p:cNvPr id="1" name="Shape 46"/>
         <p:cNvGrpSpPr/>
         <p:nvPr/>
       </p:nvGrpSpPr>
@@ -7759,7 +7814,9 @@
       <p:sp>
         <p:nvSpPr>
           <p:cNvPr id="47" name="Google Shape;47;p8"/>
-          <p:cNvSpPr txBox="1"/>
+          <p:cNvSpPr txBox="1">
+            <a:spLocks noGrp="1"/>
+          </p:cNvSpPr>
           <p:nvPr>
             <p:ph type="title"/>
           </p:nvPr>
@@ -7778,11 +7835,11 @@
           </a:ln>
         </p:spPr>
         <p:txBody>
-          <a:bodyPr anchorCtr="0" anchor="ctr" bIns="91425" lIns="91425" spcFirstLastPara="1" rIns="91425" wrap="square" tIns="91425">
+          <a:bodyPr spcFirstLastPara="1" wrap="square" lIns="91425" tIns="91425" rIns="91425" bIns="91425" anchor="ctr" anchorCtr="0">
             <a:noAutofit/>
           </a:bodyPr>
           <a:lstStyle>
-            <a:lvl1pPr lvl="0" marR="0" algn="l">
+            <a:lvl1pPr marR="0" lvl="0" algn="l">
               <a:lnSpc>
                 <a:spcPct val="100000"/>
               </a:lnSpc>
@@ -7798,7 +7855,7 @@
               <a:buSzPts val="5200"/>
               <a:buFont typeface="Open Sans"/>
               <a:buNone/>
-              <a:defRPr b="0" i="0" sz="5200" u="none" cap="none" strike="noStrike">
+              <a:defRPr sz="5200" b="0" i="0" u="none" strike="noStrike" cap="none">
                 <a:solidFill>
                   <a:schemeClr val="lt1"/>
                 </a:solidFill>
@@ -7808,7 +7865,7 @@
                 <a:sym typeface="Open Sans"/>
               </a:defRPr>
             </a:lvl1pPr>
-            <a:lvl2pPr lvl="1" marR="0" algn="l">
+            <a:lvl2pPr marR="0" lvl="1" algn="l">
               <a:lnSpc>
                 <a:spcPct val="100000"/>
               </a:lnSpc>
@@ -7824,7 +7881,7 @@
               <a:buSzPts val="6000"/>
               <a:buFont typeface="Roboto"/>
               <a:buNone/>
-              <a:defRPr b="0" i="0" sz="6000" u="none" cap="none" strike="noStrike">
+              <a:defRPr sz="6000" b="0" i="0" u="none" strike="noStrike" cap="none">
                 <a:solidFill>
                   <a:schemeClr val="lt1"/>
                 </a:solidFill>
@@ -7834,7 +7891,7 @@
                 <a:sym typeface="Roboto"/>
               </a:defRPr>
             </a:lvl2pPr>
-            <a:lvl3pPr lvl="2" marR="0" algn="l">
+            <a:lvl3pPr marR="0" lvl="2" algn="l">
               <a:lnSpc>
                 <a:spcPct val="100000"/>
               </a:lnSpc>
@@ -7850,7 +7907,7 @@
               <a:buSzPts val="6000"/>
               <a:buFont typeface="Roboto"/>
               <a:buNone/>
-              <a:defRPr b="0" i="0" sz="6000" u="none" cap="none" strike="noStrike">
+              <a:defRPr sz="6000" b="0" i="0" u="none" strike="noStrike" cap="none">
                 <a:solidFill>
                   <a:schemeClr val="lt1"/>
                 </a:solidFill>
@@ -7860,7 +7917,7 @@
                 <a:sym typeface="Roboto"/>
               </a:defRPr>
             </a:lvl3pPr>
-            <a:lvl4pPr lvl="3" marR="0" algn="l">
+            <a:lvl4pPr marR="0" lvl="3" algn="l">
               <a:lnSpc>
                 <a:spcPct val="100000"/>
               </a:lnSpc>
@@ -7876,7 +7933,7 @@
               <a:buSzPts val="6000"/>
               <a:buFont typeface="Roboto"/>
               <a:buNone/>
-              <a:defRPr b="0" i="0" sz="6000" u="none" cap="none" strike="noStrike">
+              <a:defRPr sz="6000" b="0" i="0" u="none" strike="noStrike" cap="none">
                 <a:solidFill>
                   <a:schemeClr val="lt1"/>
                 </a:solidFill>
@@ -7886,7 +7943,7 @@
                 <a:sym typeface="Roboto"/>
               </a:defRPr>
             </a:lvl4pPr>
-            <a:lvl5pPr lvl="4" marR="0" algn="l">
+            <a:lvl5pPr marR="0" lvl="4" algn="l">
               <a:lnSpc>
                 <a:spcPct val="100000"/>
               </a:lnSpc>
@@ -7902,7 +7959,7 @@
               <a:buSzPts val="6000"/>
               <a:buFont typeface="Roboto"/>
               <a:buNone/>
-              <a:defRPr b="0" i="0" sz="6000" u="none" cap="none" strike="noStrike">
+              <a:defRPr sz="6000" b="0" i="0" u="none" strike="noStrike" cap="none">
                 <a:solidFill>
                   <a:schemeClr val="lt1"/>
                 </a:solidFill>
@@ -7912,7 +7969,7 @@
                 <a:sym typeface="Roboto"/>
               </a:defRPr>
             </a:lvl5pPr>
-            <a:lvl6pPr lvl="5" marR="0" algn="l">
+            <a:lvl6pPr marR="0" lvl="5" algn="l">
               <a:lnSpc>
                 <a:spcPct val="100000"/>
               </a:lnSpc>
@@ -7928,7 +7985,7 @@
               <a:buSzPts val="6000"/>
               <a:buFont typeface="Roboto"/>
               <a:buNone/>
-              <a:defRPr b="0" i="0" sz="6000" u="none" cap="none" strike="noStrike">
+              <a:defRPr sz="6000" b="0" i="0" u="none" strike="noStrike" cap="none">
                 <a:solidFill>
                   <a:schemeClr val="lt1"/>
                 </a:solidFill>
@@ -7938,7 +7995,7 @@
                 <a:sym typeface="Roboto"/>
               </a:defRPr>
             </a:lvl6pPr>
-            <a:lvl7pPr lvl="6" marR="0" algn="l">
+            <a:lvl7pPr marR="0" lvl="6" algn="l">
               <a:lnSpc>
                 <a:spcPct val="100000"/>
               </a:lnSpc>
@@ -7954,7 +8011,7 @@
               <a:buSzPts val="6000"/>
               <a:buFont typeface="Roboto"/>
               <a:buNone/>
-              <a:defRPr b="0" i="0" sz="6000" u="none" cap="none" strike="noStrike">
+              <a:defRPr sz="6000" b="0" i="0" u="none" strike="noStrike" cap="none">
                 <a:solidFill>
                   <a:schemeClr val="lt1"/>
                 </a:solidFill>
@@ -7964,7 +8021,7 @@
                 <a:sym typeface="Roboto"/>
               </a:defRPr>
             </a:lvl7pPr>
-            <a:lvl8pPr lvl="7" marR="0" algn="l">
+            <a:lvl8pPr marR="0" lvl="7" algn="l">
               <a:lnSpc>
                 <a:spcPct val="100000"/>
               </a:lnSpc>
@@ -7980,7 +8037,7 @@
               <a:buSzPts val="6000"/>
               <a:buFont typeface="Roboto"/>
               <a:buNone/>
-              <a:defRPr b="0" i="0" sz="6000" u="none" cap="none" strike="noStrike">
+              <a:defRPr sz="6000" b="0" i="0" u="none" strike="noStrike" cap="none">
                 <a:solidFill>
                   <a:schemeClr val="lt1"/>
                 </a:solidFill>
@@ -7990,7 +8047,7 @@
                 <a:sym typeface="Roboto"/>
               </a:defRPr>
             </a:lvl8pPr>
-            <a:lvl9pPr lvl="8" marR="0" algn="l">
+            <a:lvl9pPr marR="0" lvl="8" algn="l">
               <a:lnSpc>
                 <a:spcPct val="100000"/>
               </a:lnSpc>
@@ -8006,7 +8063,7 @@
               <a:buSzPts val="6000"/>
               <a:buFont typeface="Roboto"/>
               <a:buNone/>
-              <a:defRPr b="0" i="0" sz="6000" u="none" cap="none" strike="noStrike">
+              <a:defRPr sz="6000" b="0" i="0" u="none" strike="noStrike" cap="none">
                 <a:solidFill>
                   <a:schemeClr val="lt1"/>
                 </a:solidFill>
@@ -8017,15 +8074,19 @@
               </a:defRPr>
             </a:lvl9pPr>
           </a:lstStyle>
-          <a:p/>
+          <a:p>
+            <a:endParaRPr/>
+          </a:p>
         </p:txBody>
       </p:sp>
       <p:sp>
         <p:nvSpPr>
           <p:cNvPr id="48" name="Google Shape;48;p8"/>
-          <p:cNvSpPr txBox="1"/>
+          <p:cNvSpPr txBox="1">
+            <a:spLocks noGrp="1"/>
+          </p:cNvSpPr>
           <p:nvPr>
-            <p:ph idx="12" type="sldNum"/>
+            <p:ph type="sldNum" idx="12"/>
           </p:nvPr>
         </p:nvSpPr>
         <p:spPr>
@@ -8042,11 +8103,11 @@
           </a:ln>
         </p:spPr>
         <p:txBody>
-          <a:bodyPr anchorCtr="0" anchor="ctr" bIns="91425" lIns="91425" spcFirstLastPara="1" rIns="91425" wrap="square" tIns="91425">
+          <a:bodyPr spcFirstLastPara="1" wrap="square" lIns="91425" tIns="91425" rIns="91425" bIns="91425" anchor="ctr" anchorCtr="0">
             <a:noAutofit/>
           </a:bodyPr>
           <a:lstStyle>
-            <a:lvl1pPr indent="0" lvl="0" marL="0" marR="0" algn="r">
+            <a:lvl1pPr marL="0" marR="0" lvl="0" indent="0" algn="r">
               <a:lnSpc>
                 <a:spcPct val="100000"/>
               </a:lnSpc>
@@ -8062,7 +8123,7 @@
               <a:buSzPts val="1000"/>
               <a:buFont typeface="Arial"/>
               <a:buNone/>
-              <a:defRPr b="0" i="0" sz="1000" u="none" cap="none" strike="noStrike">
+              <a:defRPr sz="1000" b="0" i="0" u="none" strike="noStrike" cap="none">
                 <a:solidFill>
                   <a:schemeClr val="lt1"/>
                 </a:solidFill>
@@ -8072,7 +8133,7 @@
                 <a:sym typeface="Roboto"/>
               </a:defRPr>
             </a:lvl1pPr>
-            <a:lvl2pPr indent="0" lvl="1" marL="0" marR="0" algn="r">
+            <a:lvl2pPr marL="0" marR="0" lvl="1" indent="0" algn="r">
               <a:lnSpc>
                 <a:spcPct val="100000"/>
               </a:lnSpc>
@@ -8088,7 +8149,7 @@
               <a:buSzPts val="1000"/>
               <a:buFont typeface="Arial"/>
               <a:buNone/>
-              <a:defRPr b="0" i="0" sz="1000" u="none" cap="none" strike="noStrike">
+              <a:defRPr sz="1000" b="0" i="0" u="none" strike="noStrike" cap="none">
                 <a:solidFill>
                   <a:schemeClr val="lt1"/>
                 </a:solidFill>
@@ -8098,7 +8159,7 @@
                 <a:sym typeface="Roboto"/>
               </a:defRPr>
             </a:lvl2pPr>
-            <a:lvl3pPr indent="0" lvl="2" marL="0" marR="0" algn="r">
+            <a:lvl3pPr marL="0" marR="0" lvl="2" indent="0" algn="r">
               <a:lnSpc>
                 <a:spcPct val="100000"/>
               </a:lnSpc>
@@ -8114,7 +8175,7 @@
               <a:buSzPts val="1000"/>
               <a:buFont typeface="Arial"/>
               <a:buNone/>
-              <a:defRPr b="0" i="0" sz="1000" u="none" cap="none" strike="noStrike">
+              <a:defRPr sz="1000" b="0" i="0" u="none" strike="noStrike" cap="none">
                 <a:solidFill>
                   <a:schemeClr val="lt1"/>
                 </a:solidFill>
@@ -8124,7 +8185,7 @@
                 <a:sym typeface="Roboto"/>
               </a:defRPr>
             </a:lvl3pPr>
-            <a:lvl4pPr indent="0" lvl="3" marL="0" marR="0" algn="r">
+            <a:lvl4pPr marL="0" marR="0" lvl="3" indent="0" algn="r">
               <a:lnSpc>
                 <a:spcPct val="100000"/>
               </a:lnSpc>
@@ -8140,7 +8201,7 @@
               <a:buSzPts val="1000"/>
               <a:buFont typeface="Arial"/>
               <a:buNone/>
-              <a:defRPr b="0" i="0" sz="1000" u="none" cap="none" strike="noStrike">
+              <a:defRPr sz="1000" b="0" i="0" u="none" strike="noStrike" cap="none">
                 <a:solidFill>
                   <a:schemeClr val="lt1"/>
                 </a:solidFill>
@@ -8150,7 +8211,7 @@
                 <a:sym typeface="Roboto"/>
               </a:defRPr>
             </a:lvl4pPr>
-            <a:lvl5pPr indent="0" lvl="4" marL="0" marR="0" algn="r">
+            <a:lvl5pPr marL="0" marR="0" lvl="4" indent="0" algn="r">
               <a:lnSpc>
                 <a:spcPct val="100000"/>
               </a:lnSpc>
@@ -8166,7 +8227,7 @@
               <a:buSzPts val="1000"/>
               <a:buFont typeface="Arial"/>
               <a:buNone/>
-              <a:defRPr b="0" i="0" sz="1000" u="none" cap="none" strike="noStrike">
+              <a:defRPr sz="1000" b="0" i="0" u="none" strike="noStrike" cap="none">
                 <a:solidFill>
                   <a:schemeClr val="lt1"/>
                 </a:solidFill>
@@ -8176,7 +8237,7 @@
                 <a:sym typeface="Roboto"/>
               </a:defRPr>
             </a:lvl5pPr>
-            <a:lvl6pPr indent="0" lvl="5" marL="0" marR="0" algn="r">
+            <a:lvl6pPr marL="0" marR="0" lvl="5" indent="0" algn="r">
               <a:lnSpc>
                 <a:spcPct val="100000"/>
               </a:lnSpc>
@@ -8192,7 +8253,7 @@
               <a:buSzPts val="1000"/>
               <a:buFont typeface="Arial"/>
               <a:buNone/>
-              <a:defRPr b="0" i="0" sz="1000" u="none" cap="none" strike="noStrike">
+              <a:defRPr sz="1000" b="0" i="0" u="none" strike="noStrike" cap="none">
                 <a:solidFill>
                   <a:schemeClr val="lt1"/>
                 </a:solidFill>
@@ -8202,7 +8263,7 @@
                 <a:sym typeface="Roboto"/>
               </a:defRPr>
             </a:lvl6pPr>
-            <a:lvl7pPr indent="0" lvl="6" marL="0" marR="0" algn="r">
+            <a:lvl7pPr marL="0" marR="0" lvl="6" indent="0" algn="r">
               <a:lnSpc>
                 <a:spcPct val="100000"/>
               </a:lnSpc>
@@ -8218,7 +8279,7 @@
               <a:buSzPts val="1000"/>
               <a:buFont typeface="Arial"/>
               <a:buNone/>
-              <a:defRPr b="0" i="0" sz="1000" u="none" cap="none" strike="noStrike">
+              <a:defRPr sz="1000" b="0" i="0" u="none" strike="noStrike" cap="none">
                 <a:solidFill>
                   <a:schemeClr val="lt1"/>
                 </a:solidFill>
@@ -8228,7 +8289,7 @@
                 <a:sym typeface="Roboto"/>
               </a:defRPr>
             </a:lvl7pPr>
-            <a:lvl8pPr indent="0" lvl="7" marL="0" marR="0" algn="r">
+            <a:lvl8pPr marL="0" marR="0" lvl="7" indent="0" algn="r">
               <a:lnSpc>
                 <a:spcPct val="100000"/>
               </a:lnSpc>
@@ -8244,7 +8305,7 @@
               <a:buSzPts val="1000"/>
               <a:buFont typeface="Arial"/>
               <a:buNone/>
-              <a:defRPr b="0" i="0" sz="1000" u="none" cap="none" strike="noStrike">
+              <a:defRPr sz="1000" b="0" i="0" u="none" strike="noStrike" cap="none">
                 <a:solidFill>
                   <a:schemeClr val="lt1"/>
                 </a:solidFill>
@@ -8254,7 +8315,7 @@
                 <a:sym typeface="Roboto"/>
               </a:defRPr>
             </a:lvl8pPr>
-            <a:lvl9pPr indent="0" lvl="8" marL="0" marR="0" algn="r">
+            <a:lvl9pPr marL="0" marR="0" lvl="8" indent="0" algn="r">
               <a:lnSpc>
                 <a:spcPct val="100000"/>
               </a:lnSpc>
@@ -8270,7 +8331,7 @@
               <a:buSzPts val="1000"/>
               <a:buFont typeface="Arial"/>
               <a:buNone/>
-              <a:defRPr b="0" i="0" sz="1000" u="none" cap="none" strike="noStrike">
+              <a:defRPr sz="1000" b="0" i="0" u="none" strike="noStrike" cap="none">
                 <a:solidFill>
                   <a:schemeClr val="lt1"/>
                 </a:solidFill>
@@ -8282,7 +8343,7 @@
             </a:lvl9pPr>
           </a:lstStyle>
           <a:p>
-            <a:pPr indent="0" lvl="0" marL="0" rtl="0" algn="r">
+            <a:pPr marL="0" lvl="0" indent="0" algn="r" rtl="0">
               <a:spcBef>
                 <a:spcPts val="0"/>
               </a:spcBef>
@@ -8308,11 +8369,11 @@
 </file>
 
 <file path=ppt/slideLayouts/slideLayout8.xml><?xml version="1.0" encoding="utf-8"?>
-<p:sldLayout xmlns:a="http://schemas.openxmlformats.org/drawingml/2006/main" xmlns:r="http://schemas.openxmlformats.org/officeDocument/2006/relationships" xmlns:mc="http://schemas.openxmlformats.org/markup-compatibility/2006" xmlns:mv="urn:schemas-microsoft-com:mac:vml" xmlns:p="http://schemas.openxmlformats.org/presentationml/2006/main" xmlns:c="http://schemas.openxmlformats.org/drawingml/2006/chart" xmlns:dgm="http://schemas.openxmlformats.org/drawingml/2006/diagram" xmlns:o="urn:schemas-microsoft-com:office:office" xmlns:v="urn:schemas-microsoft-com:vml" xmlns:pvml="urn:schemas-microsoft-com:office:powerpoint" xmlns:com="http://schemas.openxmlformats.org/drawingml/2006/compatibility" xmlns:p14="http://schemas.microsoft.com/office/powerpoint/2010/main" xmlns:p15="http://schemas.microsoft.com/office/powerpoint/2012/main" xmlns:ahyp="http://schemas.microsoft.com/office/drawing/2018/hyperlinkcolor" matchingName="Section title and description">
+<p:sldLayout xmlns:a="http://schemas.openxmlformats.org/drawingml/2006/main" xmlns:r="http://schemas.openxmlformats.org/officeDocument/2006/relationships" xmlns:p="http://schemas.openxmlformats.org/presentationml/2006/main" matchingName="Section title and description">
   <p:cSld name="SECTION_TITLE_AND_DESCRIPTION">
     <p:spTree>
       <p:nvGrpSpPr>
-        <p:cNvPr id="49" name="Shape 49"/>
+        <p:cNvPr id="1" name="Shape 49"/>
         <p:cNvGrpSpPr/>
         <p:nvPr/>
       </p:nvGrpSpPr>
@@ -8346,12 +8407,12 @@
           </a:ln>
         </p:spPr>
         <p:txBody>
-          <a:bodyPr anchorCtr="0" anchor="ctr" bIns="91425" lIns="91425" spcFirstLastPara="1" rIns="91425" wrap="square" tIns="91425">
+          <a:bodyPr spcFirstLastPara="1" wrap="square" lIns="91425" tIns="91425" rIns="91425" bIns="91425" anchor="ctr" anchorCtr="0">
             <a:noAutofit/>
           </a:bodyPr>
           <a:lstStyle/>
           <a:p>
-            <a:pPr indent="0" lvl="0" marL="0" marR="0" rtl="0" algn="l">
+            <a:pPr marL="0" marR="0" lvl="0" indent="0" algn="l" rtl="0">
               <a:lnSpc>
                 <a:spcPct val="100000"/>
               </a:lnSpc>
@@ -8368,10 +8429,7 @@
               <a:buFont typeface="Arial"/>
               <a:buNone/>
             </a:pPr>
-            <a:r>
-              <a:t/>
-            </a:r>
-            <a:endParaRPr b="0" i="0" sz="1400" u="none" cap="none" strike="noStrike">
+            <a:endParaRPr sz="1400" b="0" i="0" u="none" strike="noStrike" cap="none">
               <a:solidFill>
                 <a:srgbClr val="000000"/>
               </a:solidFill>
@@ -8419,12 +8477,12 @@
           </a:ln>
         </p:spPr>
         <p:txBody>
-          <a:bodyPr anchorCtr="0" anchor="ctr" bIns="91425" lIns="91425" spcFirstLastPara="1" rIns="91425" wrap="square" tIns="91425">
+          <a:bodyPr spcFirstLastPara="1" wrap="square" lIns="91425" tIns="91425" rIns="91425" bIns="91425" anchor="ctr" anchorCtr="0">
             <a:noAutofit/>
           </a:bodyPr>
           <a:lstStyle/>
           <a:p>
-            <a:pPr indent="0" lvl="0" marL="0" marR="0" rtl="0" algn="l">
+            <a:pPr marL="0" marR="0" lvl="0" indent="0" algn="l" rtl="0">
               <a:lnSpc>
                 <a:spcPct val="100000"/>
               </a:lnSpc>
@@ -8441,10 +8499,7 @@
               <a:buFont typeface="Arial"/>
               <a:buNone/>
             </a:pPr>
-            <a:r>
-              <a:t/>
-            </a:r>
-            <a:endParaRPr b="0" i="0" sz="1400" u="none" cap="none" strike="noStrike">
+            <a:endParaRPr sz="1400" b="0" i="0" u="none" strike="noStrike" cap="none">
               <a:solidFill>
                 <a:srgbClr val="000000"/>
               </a:solidFill>
@@ -8459,7 +8514,9 @@
       <p:sp>
         <p:nvSpPr>
           <p:cNvPr id="52" name="Google Shape;52;p9"/>
-          <p:cNvSpPr txBox="1"/>
+          <p:cNvSpPr txBox="1">
+            <a:spLocks noGrp="1"/>
+          </p:cNvSpPr>
           <p:nvPr>
             <p:ph type="title"/>
           </p:nvPr>
@@ -8478,11 +8535,11 @@
           </a:ln>
         </p:spPr>
         <p:txBody>
-          <a:bodyPr anchorCtr="0" anchor="b" bIns="91425" lIns="91425" spcFirstLastPara="1" rIns="91425" wrap="square" tIns="91425">
+          <a:bodyPr spcFirstLastPara="1" wrap="square" lIns="91425" tIns="91425" rIns="91425" bIns="91425" anchor="b" anchorCtr="0">
             <a:noAutofit/>
           </a:bodyPr>
           <a:lstStyle>
-            <a:lvl1pPr lvl="0" marR="0" algn="ctr">
+            <a:lvl1pPr marR="0" lvl="0" algn="ctr">
               <a:lnSpc>
                 <a:spcPct val="100000"/>
               </a:lnSpc>
@@ -8498,7 +8555,7 @@
               <a:buSzPts val="4200"/>
               <a:buFont typeface="Arial"/>
               <a:buNone/>
-              <a:defRPr b="0" i="0" sz="4200" u="none" cap="none" strike="noStrike">
+              <a:defRPr sz="4200" b="0" i="0" u="none" strike="noStrike" cap="none">
                 <a:solidFill>
                   <a:schemeClr val="dk2"/>
                 </a:solidFill>
@@ -8508,7 +8565,7 @@
                 <a:sym typeface="Arial"/>
               </a:defRPr>
             </a:lvl1pPr>
-            <a:lvl2pPr lvl="1" marR="0" algn="ctr">
+            <a:lvl2pPr marR="0" lvl="1" algn="ctr">
               <a:lnSpc>
                 <a:spcPct val="100000"/>
               </a:lnSpc>
@@ -8524,7 +8581,7 @@
               <a:buSzPts val="4200"/>
               <a:buFont typeface="Roboto"/>
               <a:buNone/>
-              <a:defRPr b="0" i="0" sz="4200" u="none" cap="none" strike="noStrike">
+              <a:defRPr sz="4200" b="0" i="0" u="none" strike="noStrike" cap="none">
                 <a:solidFill>
                   <a:schemeClr val="dk2"/>
                 </a:solidFill>
@@ -8534,7 +8591,7 @@
                 <a:sym typeface="Roboto"/>
               </a:defRPr>
             </a:lvl2pPr>
-            <a:lvl3pPr lvl="2" marR="0" algn="ctr">
+            <a:lvl3pPr marR="0" lvl="2" algn="ctr">
               <a:lnSpc>
                 <a:spcPct val="100000"/>
               </a:lnSpc>
@@ -8550,7 +8607,7 @@
               <a:buSzPts val="4200"/>
               <a:buFont typeface="Roboto"/>
               <a:buNone/>
-              <a:defRPr b="0" i="0" sz="4200" u="none" cap="none" strike="noStrike">
+              <a:defRPr sz="4200" b="0" i="0" u="none" strike="noStrike" cap="none">
                 <a:solidFill>
                   <a:schemeClr val="dk2"/>
                 </a:solidFill>
@@ -8560,7 +8617,7 @@
                 <a:sym typeface="Roboto"/>
               </a:defRPr>
             </a:lvl3pPr>
-            <a:lvl4pPr lvl="3" marR="0" algn="ctr">
+            <a:lvl4pPr marR="0" lvl="3" algn="ctr">
               <a:lnSpc>
                 <a:spcPct val="100000"/>
               </a:lnSpc>
@@ -8576,7 +8633,7 @@
               <a:buSzPts val="4200"/>
               <a:buFont typeface="Roboto"/>
               <a:buNone/>
-              <a:defRPr b="0" i="0" sz="4200" u="none" cap="none" strike="noStrike">
+              <a:defRPr sz="4200" b="0" i="0" u="none" strike="noStrike" cap="none">
                 <a:solidFill>
                   <a:schemeClr val="dk2"/>
                 </a:solidFill>
@@ -8586,7 +8643,7 @@
                 <a:sym typeface="Roboto"/>
               </a:defRPr>
             </a:lvl4pPr>
-            <a:lvl5pPr lvl="4" marR="0" algn="ctr">
+            <a:lvl5pPr marR="0" lvl="4" algn="ctr">
               <a:lnSpc>
                 <a:spcPct val="100000"/>
               </a:lnSpc>
@@ -8602,7 +8659,7 @@
               <a:buSzPts val="4200"/>
               <a:buFont typeface="Roboto"/>
               <a:buNone/>
-              <a:defRPr b="0" i="0" sz="4200" u="none" cap="none" strike="noStrike">
+              <a:defRPr sz="4200" b="0" i="0" u="none" strike="noStrike" cap="none">
                 <a:solidFill>
                   <a:schemeClr val="dk2"/>
                 </a:solidFill>
@@ -8612,7 +8669,7 @@
                 <a:sym typeface="Roboto"/>
               </a:defRPr>
             </a:lvl5pPr>
-            <a:lvl6pPr lvl="5" marR="0" algn="ctr">
+            <a:lvl6pPr marR="0" lvl="5" algn="ctr">
               <a:lnSpc>
                 <a:spcPct val="100000"/>
               </a:lnSpc>
@@ -8628,7 +8685,7 @@
               <a:buSzPts val="4200"/>
               <a:buFont typeface="Roboto"/>
               <a:buNone/>
-              <a:defRPr b="0" i="0" sz="4200" u="none" cap="none" strike="noStrike">
+              <a:defRPr sz="4200" b="0" i="0" u="none" strike="noStrike" cap="none">
                 <a:solidFill>
                   <a:schemeClr val="dk2"/>
                 </a:solidFill>
@@ -8638,7 +8695,7 @@
                 <a:sym typeface="Roboto"/>
               </a:defRPr>
             </a:lvl6pPr>
-            <a:lvl7pPr lvl="6" marR="0" algn="ctr">
+            <a:lvl7pPr marR="0" lvl="6" algn="ctr">
               <a:lnSpc>
                 <a:spcPct val="100000"/>
               </a:lnSpc>
@@ -8654,7 +8711,7 @@
               <a:buSzPts val="4200"/>
               <a:buFont typeface="Roboto"/>
               <a:buNone/>
-              <a:defRPr b="0" i="0" sz="4200" u="none" cap="none" strike="noStrike">
+              <a:defRPr sz="4200" b="0" i="0" u="none" strike="noStrike" cap="none">
                 <a:solidFill>
                   <a:schemeClr val="dk2"/>
                 </a:solidFill>
@@ -8664,7 +8721,7 @@
                 <a:sym typeface="Roboto"/>
               </a:defRPr>
             </a:lvl7pPr>
-            <a:lvl8pPr lvl="7" marR="0" algn="ctr">
+            <a:lvl8pPr marR="0" lvl="7" algn="ctr">
               <a:lnSpc>
                 <a:spcPct val="100000"/>
               </a:lnSpc>
@@ -8680,7 +8737,7 @@
               <a:buSzPts val="4200"/>
               <a:buFont typeface="Roboto"/>
               <a:buNone/>
-              <a:defRPr b="0" i="0" sz="4200" u="none" cap="none" strike="noStrike">
+              <a:defRPr sz="4200" b="0" i="0" u="none" strike="noStrike" cap="none">
                 <a:solidFill>
                   <a:schemeClr val="dk2"/>
                 </a:solidFill>
@@ -8690,7 +8747,7 @@
                 <a:sym typeface="Roboto"/>
               </a:defRPr>
             </a:lvl8pPr>
-            <a:lvl9pPr lvl="8" marR="0" algn="ctr">
+            <a:lvl9pPr marR="0" lvl="8" algn="ctr">
               <a:lnSpc>
                 <a:spcPct val="100000"/>
               </a:lnSpc>
@@ -8706,7 +8763,7 @@
               <a:buSzPts val="4200"/>
               <a:buFont typeface="Roboto"/>
               <a:buNone/>
-              <a:defRPr b="0" i="0" sz="4200" u="none" cap="none" strike="noStrike">
+              <a:defRPr sz="4200" b="0" i="0" u="none" strike="noStrike" cap="none">
                 <a:solidFill>
                   <a:schemeClr val="dk2"/>
                 </a:solidFill>
@@ -8717,15 +8774,19 @@
               </a:defRPr>
             </a:lvl9pPr>
           </a:lstStyle>
-          <a:p/>
+          <a:p>
+            <a:endParaRPr/>
+          </a:p>
         </p:txBody>
       </p:sp>
       <p:sp>
         <p:nvSpPr>
           <p:cNvPr id="53" name="Google Shape;53;p9"/>
-          <p:cNvSpPr txBox="1"/>
+          <p:cNvSpPr txBox="1">
+            <a:spLocks noGrp="1"/>
+          </p:cNvSpPr>
           <p:nvPr>
-            <p:ph idx="1" type="subTitle"/>
+            <p:ph type="subTitle" idx="1"/>
           </p:nvPr>
         </p:nvSpPr>
         <p:spPr>
@@ -8742,11 +8803,11 @@
           </a:ln>
         </p:spPr>
         <p:txBody>
-          <a:bodyPr anchorCtr="0" anchor="t" bIns="91425" lIns="91425" spcFirstLastPara="1" rIns="91425" wrap="square" tIns="91425">
+          <a:bodyPr spcFirstLastPara="1" wrap="square" lIns="91425" tIns="91425" rIns="91425" bIns="91425" anchor="t" anchorCtr="0">
             <a:noAutofit/>
           </a:bodyPr>
           <a:lstStyle>
-            <a:lvl1pPr lvl="0" marR="0" algn="ctr">
+            <a:lvl1pPr marR="0" lvl="0" algn="ctr">
               <a:lnSpc>
                 <a:spcPct val="100000"/>
               </a:lnSpc>
@@ -8762,7 +8823,7 @@
               <a:buSzPts val="2100"/>
               <a:buFont typeface="Montserrat"/>
               <a:buNone/>
-              <a:defRPr b="0" i="0" sz="2100" u="none" cap="none" strike="noStrike">
+              <a:defRPr sz="2100" b="0" i="0" u="none" strike="noStrike" cap="none">
                 <a:solidFill>
                   <a:schemeClr val="lt2"/>
                 </a:solidFill>
@@ -8772,7 +8833,7 @@
                 <a:sym typeface="Montserrat"/>
               </a:defRPr>
             </a:lvl1pPr>
-            <a:lvl2pPr lvl="1" marR="0" algn="ctr">
+            <a:lvl2pPr marR="0" lvl="1" algn="ctr">
               <a:lnSpc>
                 <a:spcPct val="100000"/>
               </a:lnSpc>
@@ -8788,7 +8849,7 @@
               <a:buSzPts val="2100"/>
               <a:buFont typeface="Montserrat"/>
               <a:buNone/>
-              <a:defRPr b="0" i="0" sz="2100" u="none" cap="none" strike="noStrike">
+              <a:defRPr sz="2100" b="0" i="0" u="none" strike="noStrike" cap="none">
                 <a:solidFill>
                   <a:schemeClr val="lt2"/>
                 </a:solidFill>
@@ -8798,7 +8859,7 @@
                 <a:sym typeface="Montserrat"/>
               </a:defRPr>
             </a:lvl2pPr>
-            <a:lvl3pPr lvl="2" marR="0" algn="ctr">
+            <a:lvl3pPr marR="0" lvl="2" algn="ctr">
               <a:lnSpc>
                 <a:spcPct val="100000"/>
               </a:lnSpc>
@@ -8814,7 +8875,7 @@
               <a:buSzPts val="2100"/>
               <a:buFont typeface="Montserrat"/>
               <a:buNone/>
-              <a:defRPr b="0" i="0" sz="2100" u="none" cap="none" strike="noStrike">
+              <a:defRPr sz="2100" b="0" i="0" u="none" strike="noStrike" cap="none">
                 <a:solidFill>
                   <a:schemeClr val="lt2"/>
                 </a:solidFill>
@@ -8824,7 +8885,7 @@
                 <a:sym typeface="Montserrat"/>
               </a:defRPr>
             </a:lvl3pPr>
-            <a:lvl4pPr lvl="3" marR="0" algn="ctr">
+            <a:lvl4pPr marR="0" lvl="3" algn="ctr">
               <a:lnSpc>
                 <a:spcPct val="100000"/>
               </a:lnSpc>
@@ -8840,7 +8901,7 @@
               <a:buSzPts val="2100"/>
               <a:buFont typeface="Montserrat"/>
               <a:buNone/>
-              <a:defRPr b="0" i="0" sz="2100" u="none" cap="none" strike="noStrike">
+              <a:defRPr sz="2100" b="0" i="0" u="none" strike="noStrike" cap="none">
                 <a:solidFill>
                   <a:schemeClr val="lt2"/>
                 </a:solidFill>
@@ -8850,7 +8911,7 @@
                 <a:sym typeface="Montserrat"/>
               </a:defRPr>
             </a:lvl4pPr>
-            <a:lvl5pPr lvl="4" marR="0" algn="ctr">
+            <a:lvl5pPr marR="0" lvl="4" algn="ctr">
               <a:lnSpc>
                 <a:spcPct val="100000"/>
               </a:lnSpc>
@@ -8866,7 +8927,7 @@
               <a:buSzPts val="2100"/>
               <a:buFont typeface="Montserrat"/>
               <a:buNone/>
-              <a:defRPr b="0" i="0" sz="2100" u="none" cap="none" strike="noStrike">
+              <a:defRPr sz="2100" b="0" i="0" u="none" strike="noStrike" cap="none">
                 <a:solidFill>
                   <a:schemeClr val="lt2"/>
                 </a:solidFill>
@@ -8876,7 +8937,7 @@
                 <a:sym typeface="Montserrat"/>
               </a:defRPr>
             </a:lvl5pPr>
-            <a:lvl6pPr lvl="5" marR="0" algn="ctr">
+            <a:lvl6pPr marR="0" lvl="5" algn="ctr">
               <a:lnSpc>
                 <a:spcPct val="100000"/>
               </a:lnSpc>
@@ -8892,7 +8953,7 @@
               <a:buSzPts val="2100"/>
               <a:buFont typeface="Montserrat"/>
               <a:buNone/>
-              <a:defRPr b="0" i="0" sz="2100" u="none" cap="none" strike="noStrike">
+              <a:defRPr sz="2100" b="0" i="0" u="none" strike="noStrike" cap="none">
                 <a:solidFill>
                   <a:schemeClr val="lt2"/>
                 </a:solidFill>
@@ -8902,7 +8963,7 @@
                 <a:sym typeface="Montserrat"/>
               </a:defRPr>
             </a:lvl6pPr>
-            <a:lvl7pPr lvl="6" marR="0" algn="ctr">
+            <a:lvl7pPr marR="0" lvl="6" algn="ctr">
               <a:lnSpc>
                 <a:spcPct val="100000"/>
               </a:lnSpc>
@@ -8918,7 +8979,7 @@
               <a:buSzPts val="2100"/>
               <a:buFont typeface="Montserrat"/>
               <a:buNone/>
-              <a:defRPr b="0" i="0" sz="2100" u="none" cap="none" strike="noStrike">
+              <a:defRPr sz="2100" b="0" i="0" u="none" strike="noStrike" cap="none">
                 <a:solidFill>
                   <a:schemeClr val="lt2"/>
                 </a:solidFill>
@@ -8928,7 +8989,7 @@
                 <a:sym typeface="Montserrat"/>
               </a:defRPr>
             </a:lvl7pPr>
-            <a:lvl8pPr lvl="7" marR="0" algn="ctr">
+            <a:lvl8pPr marR="0" lvl="7" algn="ctr">
               <a:lnSpc>
                 <a:spcPct val="100000"/>
               </a:lnSpc>
@@ -8944,7 +9005,7 @@
               <a:buSzPts val="2100"/>
               <a:buFont typeface="Montserrat"/>
               <a:buNone/>
-              <a:defRPr b="0" i="0" sz="2100" u="none" cap="none" strike="noStrike">
+              <a:defRPr sz="2100" b="0" i="0" u="none" strike="noStrike" cap="none">
                 <a:solidFill>
                   <a:schemeClr val="lt2"/>
                 </a:solidFill>
@@ -8954,7 +9015,7 @@
                 <a:sym typeface="Montserrat"/>
               </a:defRPr>
             </a:lvl8pPr>
-            <a:lvl9pPr lvl="8" marR="0" algn="ctr">
+            <a:lvl9pPr marR="0" lvl="8" algn="ctr">
               <a:lnSpc>
                 <a:spcPct val="100000"/>
               </a:lnSpc>
@@ -8970,7 +9031,7 @@
               <a:buSzPts val="2100"/>
               <a:buFont typeface="Montserrat"/>
               <a:buNone/>
-              <a:defRPr b="0" i="0" sz="2100" u="none" cap="none" strike="noStrike">
+              <a:defRPr sz="2100" b="0" i="0" u="none" strike="noStrike" cap="none">
                 <a:solidFill>
                   <a:schemeClr val="lt2"/>
                 </a:solidFill>
@@ -8981,15 +9042,19 @@
               </a:defRPr>
             </a:lvl9pPr>
           </a:lstStyle>
-          <a:p/>
+          <a:p>
+            <a:endParaRPr/>
+          </a:p>
         </p:txBody>
       </p:sp>
       <p:sp>
         <p:nvSpPr>
           <p:cNvPr id="54" name="Google Shape;54;p9"/>
-          <p:cNvSpPr txBox="1"/>
+          <p:cNvSpPr txBox="1">
+            <a:spLocks noGrp="1"/>
+          </p:cNvSpPr>
           <p:nvPr>
-            <p:ph idx="2" type="body"/>
+            <p:ph type="body" idx="2"/>
           </p:nvPr>
         </p:nvSpPr>
         <p:spPr>
@@ -9006,11 +9071,11 @@
           </a:ln>
         </p:spPr>
         <p:txBody>
-          <a:bodyPr anchorCtr="0" anchor="ctr" bIns="91425" lIns="91425" spcFirstLastPara="1" rIns="91425" wrap="square" tIns="91425">
+          <a:bodyPr spcFirstLastPara="1" wrap="square" lIns="91425" tIns="91425" rIns="91425" bIns="91425" anchor="ctr" anchorCtr="0">
             <a:noAutofit/>
           </a:bodyPr>
           <a:lstStyle>
-            <a:lvl1pPr indent="-342900" lvl="0" marL="457200" marR="0" algn="l">
+            <a:lvl1pPr marL="457200" marR="0" lvl="0" indent="-342900" algn="l">
               <a:lnSpc>
                 <a:spcPct val="115000"/>
               </a:lnSpc>
@@ -9026,7 +9091,7 @@
               <a:buSzPts val="1800"/>
               <a:buFont typeface="Montserrat"/>
               <a:buChar char="●"/>
-              <a:defRPr b="0" i="0" sz="1800" u="none" cap="none" strike="noStrike">
+              <a:defRPr sz="1800" b="0" i="0" u="none" strike="noStrike" cap="none">
                 <a:solidFill>
                   <a:schemeClr val="lt1"/>
                 </a:solidFill>
@@ -9036,7 +9101,7 @@
                 <a:sym typeface="Montserrat"/>
               </a:defRPr>
             </a:lvl1pPr>
-            <a:lvl2pPr indent="-317500" lvl="1" marL="914400" marR="0" algn="l">
+            <a:lvl2pPr marL="914400" marR="0" lvl="1" indent="-317500" algn="l">
               <a:lnSpc>
                 <a:spcPct val="115000"/>
               </a:lnSpc>
@@ -9052,7 +9117,7 @@
               <a:buSzPts val="1400"/>
               <a:buFont typeface="Montserrat"/>
               <a:buChar char="○"/>
-              <a:defRPr b="0" i="0" sz="1400" u="none" cap="none" strike="noStrike">
+              <a:defRPr sz="1400" b="0" i="0" u="none" strike="noStrike" cap="none">
                 <a:solidFill>
                   <a:schemeClr val="lt1"/>
                 </a:solidFill>
@@ -9062,7 +9127,7 @@
                 <a:sym typeface="Montserrat"/>
               </a:defRPr>
             </a:lvl2pPr>
-            <a:lvl3pPr indent="-317500" lvl="2" marL="1371600" marR="0" algn="l">
+            <a:lvl3pPr marL="1371600" marR="0" lvl="2" indent="-317500" algn="l">
               <a:lnSpc>
                 <a:spcPct val="115000"/>
               </a:lnSpc>
@@ -9078,7 +9143,7 @@
               <a:buSzPts val="1400"/>
               <a:buFont typeface="Montserrat"/>
               <a:buChar char="■"/>
-              <a:defRPr b="0" i="0" sz="1400" u="none" cap="none" strike="noStrike">
+              <a:defRPr sz="1400" b="0" i="0" u="none" strike="noStrike" cap="none">
                 <a:solidFill>
                   <a:schemeClr val="lt1"/>
                 </a:solidFill>
@@ -9088,7 +9153,7 @@
                 <a:sym typeface="Montserrat"/>
               </a:defRPr>
             </a:lvl3pPr>
-            <a:lvl4pPr indent="-317500" lvl="3" marL="1828800" marR="0" algn="l">
+            <a:lvl4pPr marL="1828800" marR="0" lvl="3" indent="-317500" algn="l">
               <a:lnSpc>
                 <a:spcPct val="115000"/>
               </a:lnSpc>
@@ -9104,7 +9169,7 @@
               <a:buSzPts val="1400"/>
               <a:buFont typeface="Montserrat"/>
               <a:buChar char="●"/>
-              <a:defRPr b="0" i="0" sz="1400" u="none" cap="none" strike="noStrike">
+              <a:defRPr sz="1400" b="0" i="0" u="none" strike="noStrike" cap="none">
                 <a:solidFill>
                   <a:schemeClr val="lt1"/>
                 </a:solidFill>
@@ -9114,7 +9179,7 @@
                 <a:sym typeface="Montserrat"/>
               </a:defRPr>
             </a:lvl4pPr>
-            <a:lvl5pPr indent="-317500" lvl="4" marL="2286000" marR="0" algn="l">
+            <a:lvl5pPr marL="2286000" marR="0" lvl="4" indent="-317500" algn="l">
               <a:lnSpc>
                 <a:spcPct val="115000"/>
               </a:lnSpc>
@@ -9130,7 +9195,7 @@
               <a:buSzPts val="1400"/>
               <a:buFont typeface="Montserrat"/>
               <a:buChar char="○"/>
-              <a:defRPr b="0" i="0" sz="1400" u="none" cap="none" strike="noStrike">
+              <a:defRPr sz="1400" b="0" i="0" u="none" strike="noStrike" cap="none">
                 <a:solidFill>
                   <a:schemeClr val="lt1"/>
                 </a:solidFill>
@@ -9140,7 +9205,7 @@
                 <a:sym typeface="Montserrat"/>
               </a:defRPr>
             </a:lvl5pPr>
-            <a:lvl6pPr indent="-317500" lvl="5" marL="2743200" marR="0" algn="l">
+            <a:lvl6pPr marL="2743200" marR="0" lvl="5" indent="-317500" algn="l">
               <a:lnSpc>
                 <a:spcPct val="115000"/>
               </a:lnSpc>
@@ -9156,7 +9221,7 @@
               <a:buSzPts val="1400"/>
               <a:buFont typeface="Montserrat"/>
               <a:buChar char="■"/>
-              <a:defRPr b="0" i="0" sz="1400" u="none" cap="none" strike="noStrike">
+              <a:defRPr sz="1400" b="0" i="0" u="none" strike="noStrike" cap="none">
                 <a:solidFill>
                   <a:schemeClr val="lt1"/>
                 </a:solidFill>
@@ -9166,7 +9231,7 @@
                 <a:sym typeface="Montserrat"/>
               </a:defRPr>
             </a:lvl6pPr>
-            <a:lvl7pPr indent="-317500" lvl="6" marL="3200400" marR="0" algn="l">
+            <a:lvl7pPr marL="3200400" marR="0" lvl="6" indent="-317500" algn="l">
               <a:lnSpc>
                 <a:spcPct val="115000"/>
               </a:lnSpc>
@@ -9182,7 +9247,7 @@
               <a:buSzPts val="1400"/>
               <a:buFont typeface="Montserrat"/>
               <a:buChar char="●"/>
-              <a:defRPr b="0" i="0" sz="1400" u="none" cap="none" strike="noStrike">
+              <a:defRPr sz="1400" b="0" i="0" u="none" strike="noStrike" cap="none">
                 <a:solidFill>
                   <a:schemeClr val="lt1"/>
                 </a:solidFill>
@@ -9192,7 +9257,7 @@
                 <a:sym typeface="Montserrat"/>
               </a:defRPr>
             </a:lvl7pPr>
-            <a:lvl8pPr indent="-317500" lvl="7" marL="3657600" marR="0" algn="l">
+            <a:lvl8pPr marL="3657600" marR="0" lvl="7" indent="-317500" algn="l">
               <a:lnSpc>
                 <a:spcPct val="115000"/>
               </a:lnSpc>
@@ -9208,7 +9273,7 @@
               <a:buSzPts val="1400"/>
               <a:buFont typeface="Montserrat"/>
               <a:buChar char="○"/>
-              <a:defRPr b="0" i="0" sz="1400" u="none" cap="none" strike="noStrike">
+              <a:defRPr sz="1400" b="0" i="0" u="none" strike="noStrike" cap="none">
                 <a:solidFill>
                   <a:schemeClr val="lt1"/>
                 </a:solidFill>
@@ -9218,7 +9283,7 @@
                 <a:sym typeface="Montserrat"/>
               </a:defRPr>
             </a:lvl8pPr>
-            <a:lvl9pPr indent="-317500" lvl="8" marL="4114800" marR="0" algn="l">
+            <a:lvl9pPr marL="4114800" marR="0" lvl="8" indent="-317500" algn="l">
               <a:lnSpc>
                 <a:spcPct val="115000"/>
               </a:lnSpc>
@@ -9234,7 +9299,7 @@
               <a:buSzPts val="1400"/>
               <a:buFont typeface="Montserrat"/>
               <a:buChar char="■"/>
-              <a:defRPr b="0" i="0" sz="1400" u="none" cap="none" strike="noStrike">
+              <a:defRPr sz="1400" b="0" i="0" u="none" strike="noStrike" cap="none">
                 <a:solidFill>
                   <a:schemeClr val="lt1"/>
                 </a:solidFill>
@@ -9245,15 +9310,19 @@
               </a:defRPr>
             </a:lvl9pPr>
           </a:lstStyle>
-          <a:p/>
+          <a:p>
+            <a:endParaRPr/>
+          </a:p>
         </p:txBody>
       </p:sp>
       <p:sp>
         <p:nvSpPr>
           <p:cNvPr id="55" name="Google Shape;55;p9"/>
-          <p:cNvSpPr txBox="1"/>
+          <p:cNvSpPr txBox="1">
+            <a:spLocks noGrp="1"/>
+          </p:cNvSpPr>
           <p:nvPr>
-            <p:ph idx="12" type="sldNum"/>
+            <p:ph type="sldNum" idx="12"/>
           </p:nvPr>
         </p:nvSpPr>
         <p:spPr>
@@ -9270,11 +9339,11 @@
           </a:ln>
         </p:spPr>
         <p:txBody>
-          <a:bodyPr anchorCtr="0" anchor="ctr" bIns="91425" lIns="91425" spcFirstLastPara="1" rIns="91425" wrap="square" tIns="91425">
+          <a:bodyPr spcFirstLastPara="1" wrap="square" lIns="91425" tIns="91425" rIns="91425" bIns="91425" anchor="ctr" anchorCtr="0">
             <a:noAutofit/>
           </a:bodyPr>
           <a:lstStyle>
-            <a:lvl1pPr indent="0" lvl="0" marL="0" marR="0" algn="r">
+            <a:lvl1pPr marL="0" marR="0" lvl="0" indent="0" algn="r">
               <a:lnSpc>
                 <a:spcPct val="100000"/>
               </a:lnSpc>
@@ -9290,7 +9359,7 @@
               <a:buSzPts val="1000"/>
               <a:buFont typeface="Arial"/>
               <a:buNone/>
-              <a:defRPr b="0" i="0" sz="1000" u="none" cap="none" strike="noStrike">
+              <a:defRPr sz="1000" b="0" i="0" u="none" strike="noStrike" cap="none">
                 <a:solidFill>
                   <a:schemeClr val="lt1"/>
                 </a:solidFill>
@@ -9300,7 +9369,7 @@
                 <a:sym typeface="Roboto"/>
               </a:defRPr>
             </a:lvl1pPr>
-            <a:lvl2pPr indent="0" lvl="1" marL="0" marR="0" algn="r">
+            <a:lvl2pPr marL="0" marR="0" lvl="1" indent="0" algn="r">
               <a:lnSpc>
                 <a:spcPct val="100000"/>
               </a:lnSpc>
@@ -9316,7 +9385,7 @@
               <a:buSzPts val="1000"/>
               <a:buFont typeface="Arial"/>
               <a:buNone/>
-              <a:defRPr b="0" i="0" sz="1000" u="none" cap="none" strike="noStrike">
+              <a:defRPr sz="1000" b="0" i="0" u="none" strike="noStrike" cap="none">
                 <a:solidFill>
                   <a:schemeClr val="lt1"/>
                 </a:solidFill>
@@ -9326,7 +9395,7 @@
                 <a:sym typeface="Roboto"/>
               </a:defRPr>
             </a:lvl2pPr>
-            <a:lvl3pPr indent="0" lvl="2" marL="0" marR="0" algn="r">
+            <a:lvl3pPr marL="0" marR="0" lvl="2" indent="0" algn="r">
               <a:lnSpc>
                 <a:spcPct val="100000"/>
               </a:lnSpc>
@@ -9342,7 +9411,7 @@
               <a:buSzPts val="1000"/>
               <a:buFont typeface="Arial"/>
               <a:buNone/>
-              <a:defRPr b="0" i="0" sz="1000" u="none" cap="none" strike="noStrike">
+              <a:defRPr sz="1000" b="0" i="0" u="none" strike="noStrike" cap="none">
                 <a:solidFill>
                   <a:schemeClr val="lt1"/>
                 </a:solidFill>
@@ -9352,7 +9421,7 @@
                 <a:sym typeface="Roboto"/>
               </a:defRPr>
             </a:lvl3pPr>
-            <a:lvl4pPr indent="0" lvl="3" marL="0" marR="0" algn="r">
+            <a:lvl4pPr marL="0" marR="0" lvl="3" indent="0" algn="r">
               <a:lnSpc>
                 <a:spcPct val="100000"/>
               </a:lnSpc>
@@ -9368,7 +9437,7 @@
               <a:buSzPts val="1000"/>
               <a:buFont typeface="Arial"/>
               <a:buNone/>
-              <a:defRPr b="0" i="0" sz="1000" u="none" cap="none" strike="noStrike">
+              <a:defRPr sz="1000" b="0" i="0" u="none" strike="noStrike" cap="none">
                 <a:solidFill>
                   <a:schemeClr val="lt1"/>
                 </a:solidFill>
@@ -9378,7 +9447,7 @@
                 <a:sym typeface="Roboto"/>
               </a:defRPr>
             </a:lvl4pPr>
-            <a:lvl5pPr indent="0" lvl="4" marL="0" marR="0" algn="r">
+            <a:lvl5pPr marL="0" marR="0" lvl="4" indent="0" algn="r">
               <a:lnSpc>
                 <a:spcPct val="100000"/>
               </a:lnSpc>
@@ -9394,7 +9463,7 @@
               <a:buSzPts val="1000"/>
               <a:buFont typeface="Arial"/>
               <a:buNone/>
-              <a:defRPr b="0" i="0" sz="1000" u="none" cap="none" strike="noStrike">
+              <a:defRPr sz="1000" b="0" i="0" u="none" strike="noStrike" cap="none">
                 <a:solidFill>
                   <a:schemeClr val="lt1"/>
                 </a:solidFill>
@@ -9404,7 +9473,7 @@
                 <a:sym typeface="Roboto"/>
               </a:defRPr>
             </a:lvl5pPr>
-            <a:lvl6pPr indent="0" lvl="5" marL="0" marR="0" algn="r">
+            <a:lvl6pPr marL="0" marR="0" lvl="5" indent="0" algn="r">
               <a:lnSpc>
                 <a:spcPct val="100000"/>
               </a:lnSpc>
@@ -9420,7 +9489,7 @@
               <a:buSzPts val="1000"/>
               <a:buFont typeface="Arial"/>
               <a:buNone/>
-              <a:defRPr b="0" i="0" sz="1000" u="none" cap="none" strike="noStrike">
+              <a:defRPr sz="1000" b="0" i="0" u="none" strike="noStrike" cap="none">
                 <a:solidFill>
                   <a:schemeClr val="lt1"/>
                 </a:solidFill>
@@ -9430,7 +9499,7 @@
                 <a:sym typeface="Roboto"/>
               </a:defRPr>
             </a:lvl6pPr>
-            <a:lvl7pPr indent="0" lvl="6" marL="0" marR="0" algn="r">
+            <a:lvl7pPr marL="0" marR="0" lvl="6" indent="0" algn="r">
               <a:lnSpc>
                 <a:spcPct val="100000"/>
               </a:lnSpc>
@@ -9446,7 +9515,7 @@
               <a:buSzPts val="1000"/>
               <a:buFont typeface="Arial"/>
               <a:buNone/>
-              <a:defRPr b="0" i="0" sz="1000" u="none" cap="none" strike="noStrike">
+              <a:defRPr sz="1000" b="0" i="0" u="none" strike="noStrike" cap="none">
                 <a:solidFill>
                   <a:schemeClr val="lt1"/>
                 </a:solidFill>
@@ -9456,7 +9525,7 @@
                 <a:sym typeface="Roboto"/>
               </a:defRPr>
             </a:lvl7pPr>
-            <a:lvl8pPr indent="0" lvl="7" marL="0" marR="0" algn="r">
+            <a:lvl8pPr marL="0" marR="0" lvl="7" indent="0" algn="r">
               <a:lnSpc>
                 <a:spcPct val="100000"/>
               </a:lnSpc>
@@ -9472,7 +9541,7 @@
               <a:buSzPts val="1000"/>
               <a:buFont typeface="Arial"/>
               <a:buNone/>
-              <a:defRPr b="0" i="0" sz="1000" u="none" cap="none" strike="noStrike">
+              <a:defRPr sz="1000" b="0" i="0" u="none" strike="noStrike" cap="none">
                 <a:solidFill>
                   <a:schemeClr val="lt1"/>
                 </a:solidFill>
@@ -9482,7 +9551,7 @@
                 <a:sym typeface="Roboto"/>
               </a:defRPr>
             </a:lvl8pPr>
-            <a:lvl9pPr indent="0" lvl="8" marL="0" marR="0" algn="r">
+            <a:lvl9pPr marL="0" marR="0" lvl="8" indent="0" algn="r">
               <a:lnSpc>
                 <a:spcPct val="100000"/>
               </a:lnSpc>
@@ -9498,7 +9567,7 @@
               <a:buSzPts val="1000"/>
               <a:buFont typeface="Arial"/>
               <a:buNone/>
-              <a:defRPr b="0" i="0" sz="1000" u="none" cap="none" strike="noStrike">
+              <a:defRPr sz="1000" b="0" i="0" u="none" strike="noStrike" cap="none">
                 <a:solidFill>
                   <a:schemeClr val="lt1"/>
                 </a:solidFill>
@@ -9510,7 +9579,7 @@
             </a:lvl9pPr>
           </a:lstStyle>
           <a:p>
-            <a:pPr indent="0" lvl="0" marL="0" rtl="0" algn="r">
+            <a:pPr marL="0" lvl="0" indent="0" algn="r" rtl="0">
               <a:spcBef>
                 <a:spcPts val="0"/>
               </a:spcBef>
@@ -9536,11 +9605,11 @@
 </file>
 
 <file path=ppt/slideLayouts/slideLayout9.xml><?xml version="1.0" encoding="utf-8"?>
-<p:sldLayout xmlns:a="http://schemas.openxmlformats.org/drawingml/2006/main" xmlns:r="http://schemas.openxmlformats.org/officeDocument/2006/relationships" xmlns:mc="http://schemas.openxmlformats.org/markup-compatibility/2006" xmlns:mv="urn:schemas-microsoft-com:mac:vml" xmlns:p="http://schemas.openxmlformats.org/presentationml/2006/main" xmlns:c="http://schemas.openxmlformats.org/drawingml/2006/chart" xmlns:dgm="http://schemas.openxmlformats.org/drawingml/2006/diagram" xmlns:o="urn:schemas-microsoft-com:office:office" xmlns:v="urn:schemas-microsoft-com:vml" xmlns:pvml="urn:schemas-microsoft-com:office:powerpoint" xmlns:com="http://schemas.openxmlformats.org/drawingml/2006/compatibility" xmlns:p14="http://schemas.microsoft.com/office/powerpoint/2010/main" xmlns:p15="http://schemas.microsoft.com/office/powerpoint/2012/main" xmlns:ahyp="http://schemas.microsoft.com/office/drawing/2018/hyperlinkcolor" matchingName="Caption">
+<p:sldLayout xmlns:a="http://schemas.openxmlformats.org/drawingml/2006/main" xmlns:r="http://schemas.openxmlformats.org/officeDocument/2006/relationships" xmlns:p="http://schemas.openxmlformats.org/presentationml/2006/main" matchingName="Caption">
   <p:cSld name="CAPTION_ONLY">
     <p:spTree>
       <p:nvGrpSpPr>
-        <p:cNvPr id="56" name="Shape 56"/>
+        <p:cNvPr id="1" name="Shape 56"/>
         <p:cNvGrpSpPr/>
         <p:nvPr/>
       </p:nvGrpSpPr>
@@ -9559,7 +9628,7 @@
           <p:nvPr/>
         </p:nvSpPr>
         <p:spPr>
-          <a:xfrm flipH="1" rot="10800000">
+          <a:xfrm rot="10800000" flipH="1">
             <a:off x="0" y="-75"/>
             <a:ext cx="9144000" cy="4695975"/>
           </a:xfrm>
@@ -9574,12 +9643,12 @@
           </a:ln>
         </p:spPr>
         <p:txBody>
-          <a:bodyPr anchorCtr="0" anchor="ctr" bIns="91425" lIns="91425" spcFirstLastPara="1" rIns="91425" wrap="square" tIns="91425">
+          <a:bodyPr spcFirstLastPara="1" wrap="square" lIns="91425" tIns="91425" rIns="91425" bIns="91425" anchor="ctr" anchorCtr="0">
             <a:noAutofit/>
           </a:bodyPr>
           <a:lstStyle/>
           <a:p>
-            <a:pPr indent="0" lvl="0" marL="0" marR="0" rtl="0" algn="l">
+            <a:pPr marL="0" marR="0" lvl="0" indent="0" algn="l" rtl="0">
               <a:lnSpc>
                 <a:spcPct val="100000"/>
               </a:lnSpc>
@@ -9596,10 +9665,7 @@
               <a:buFont typeface="Arial"/>
               <a:buNone/>
             </a:pPr>
-            <a:r>
-              <a:t/>
-            </a:r>
-            <a:endParaRPr b="0" i="0" sz="1400" u="none" cap="none" strike="noStrike">
+            <a:endParaRPr sz="1400" b="0" i="0" u="none" strike="noStrike" cap="none">
               <a:solidFill>
                 <a:srgbClr val="000000"/>
               </a:solidFill>
@@ -9618,7 +9684,7 @@
           <p:nvPr/>
         </p:nvSpPr>
         <p:spPr>
-          <a:xfrm flipH="1" rot="10800000">
+          <a:xfrm rot="10800000" flipH="1">
             <a:off x="0" y="4622800"/>
             <a:ext cx="9144000" cy="74025"/>
           </a:xfrm>
@@ -9647,12 +9713,12 @@
           </a:ln>
         </p:spPr>
         <p:txBody>
-          <a:bodyPr anchorCtr="0" anchor="ctr" bIns="91425" lIns="91425" spcFirstLastPara="1" rIns="91425" wrap="square" tIns="91425">
+          <a:bodyPr spcFirstLastPara="1" wrap="square" lIns="91425" tIns="91425" rIns="91425" bIns="91425" anchor="ctr" anchorCtr="0">
             <a:noAutofit/>
           </a:bodyPr>
           <a:lstStyle/>
           <a:p>
-            <a:pPr indent="0" lvl="0" marL="0" marR="0" rtl="0" algn="l">
+            <a:pPr marL="0" marR="0" lvl="0" indent="0" algn="l" rtl="0">
               <a:lnSpc>
                 <a:spcPct val="100000"/>
               </a:lnSpc>
@@ -9669,10 +9735,7 @@
               <a:buFont typeface="Arial"/>
               <a:buNone/>
             </a:pPr>
-            <a:r>
-              <a:t/>
-            </a:r>
-            <a:endParaRPr b="0" i="0" sz="1400" u="none" cap="none" strike="noStrike">
+            <a:endParaRPr sz="1400" b="0" i="0" u="none" strike="noStrike" cap="none">
               <a:solidFill>
                 <a:srgbClr val="000000"/>
               </a:solidFill>
@@ -9687,9 +9750,11 @@
       <p:sp>
         <p:nvSpPr>
           <p:cNvPr id="59" name="Google Shape;59;p10"/>
-          <p:cNvSpPr txBox="1"/>
+          <p:cNvSpPr txBox="1">
+            <a:spLocks noGrp="1"/>
+          </p:cNvSpPr>
           <p:nvPr>
-            <p:ph idx="1" type="body"/>
+            <p:ph type="body" idx="1"/>
           </p:nvPr>
         </p:nvSpPr>
         <p:spPr>
@@ -9706,11 +9771,11 @@
           </a:ln>
         </p:spPr>
         <p:txBody>
-          <a:bodyPr anchorCtr="0" anchor="ctr" bIns="91425" lIns="91425" spcFirstLastPara="1" rIns="91425" wrap="square" tIns="91425">
+          <a:bodyPr spcFirstLastPara="1" wrap="square" lIns="91425" tIns="91425" rIns="91425" bIns="91425" anchor="ctr" anchorCtr="0">
             <a:noAutofit/>
           </a:bodyPr>
           <a:lstStyle>
-            <a:lvl1pPr indent="-228600" lvl="0" marL="457200" marR="0" algn="l">
+            <a:lvl1pPr marL="457200" marR="0" lvl="0" indent="-228600" algn="l">
               <a:lnSpc>
                 <a:spcPct val="100000"/>
               </a:lnSpc>
@@ -9726,7 +9791,7 @@
               <a:buSzPts val="1200"/>
               <a:buFont typeface="Montserrat"/>
               <a:buNone/>
-              <a:defRPr b="0" i="0" sz="1200" u="none" cap="none" strike="noStrike">
+              <a:defRPr sz="1200" b="0" i="0" u="none" strike="noStrike" cap="none">
                 <a:solidFill>
                   <a:schemeClr val="lt1"/>
                 </a:solidFill>
@@ -9737,15 +9802,19 @@
               </a:defRPr>
             </a:lvl1pPr>
           </a:lstStyle>
-          <a:p/>
+          <a:p>
+            <a:endParaRPr/>
+          </a:p>
         </p:txBody>
       </p:sp>
       <p:sp>
         <p:nvSpPr>
           <p:cNvPr id="60" name="Google Shape;60;p10"/>
-          <p:cNvSpPr txBox="1"/>
+          <p:cNvSpPr txBox="1">
+            <a:spLocks noGrp="1"/>
+          </p:cNvSpPr>
           <p:nvPr>
-            <p:ph idx="12" type="sldNum"/>
+            <p:ph type="sldNum" idx="12"/>
           </p:nvPr>
         </p:nvSpPr>
         <p:spPr>
@@ -9762,11 +9831,11 @@
           </a:ln>
         </p:spPr>
         <p:txBody>
-          <a:bodyPr anchorCtr="0" anchor="ctr" bIns="91425" lIns="91425" spcFirstLastPara="1" rIns="91425" wrap="square" tIns="91425">
+          <a:bodyPr spcFirstLastPara="1" wrap="square" lIns="91425" tIns="91425" rIns="91425" bIns="91425" anchor="ctr" anchorCtr="0">
             <a:noAutofit/>
           </a:bodyPr>
           <a:lstStyle>
-            <a:lvl1pPr indent="0" lvl="0" marL="0" marR="0" algn="r">
+            <a:lvl1pPr marL="0" marR="0" lvl="0" indent="0" algn="r">
               <a:lnSpc>
                 <a:spcPct val="100000"/>
               </a:lnSpc>
@@ -9782,7 +9851,7 @@
               <a:buSzPts val="1000"/>
               <a:buFont typeface="Arial"/>
               <a:buNone/>
-              <a:defRPr b="0" i="0" sz="1000" u="none" cap="none" strike="noStrike">
+              <a:defRPr sz="1000" b="0" i="0" u="none" strike="noStrike" cap="none">
                 <a:solidFill>
                   <a:schemeClr val="lt1"/>
                 </a:solidFill>
@@ -9792,7 +9861,7 @@
                 <a:sym typeface="Roboto"/>
               </a:defRPr>
             </a:lvl1pPr>
-            <a:lvl2pPr indent="0" lvl="1" marL="0" marR="0" algn="r">
+            <a:lvl2pPr marL="0" marR="0" lvl="1" indent="0" algn="r">
               <a:lnSpc>
                 <a:spcPct val="100000"/>
               </a:lnSpc>
@@ -9808,7 +9877,7 @@
               <a:buSzPts val="1000"/>
               <a:buFont typeface="Arial"/>
               <a:buNone/>
-              <a:defRPr b="0" i="0" sz="1000" u="none" cap="none" strike="noStrike">
+              <a:defRPr sz="1000" b="0" i="0" u="none" strike="noStrike" cap="none">
                 <a:solidFill>
                   <a:schemeClr val="lt1"/>
                 </a:solidFill>
@@ -9818,7 +9887,7 @@
                 <a:sym typeface="Roboto"/>
               </a:defRPr>
             </a:lvl2pPr>
-            <a:lvl3pPr indent="0" lvl="2" marL="0" marR="0" algn="r">
+            <a:lvl3pPr marL="0" marR="0" lvl="2" indent="0" algn="r">
               <a:lnSpc>
                 <a:spcPct val="100000"/>
               </a:lnSpc>
@@ -9834,7 +9903,7 @@
               <a:buSzPts val="1000"/>
               <a:buFont typeface="Arial"/>
               <a:buNone/>
-              <a:defRPr b="0" i="0" sz="1000" u="none" cap="none" strike="noStrike">
+              <a:defRPr sz="1000" b="0" i="0" u="none" strike="noStrike" cap="none">
                 <a:solidFill>
                   <a:schemeClr val="lt1"/>
                 </a:solidFill>
@@ -9844,7 +9913,7 @@
                 <a:sym typeface="Roboto"/>
               </a:defRPr>
             </a:lvl3pPr>
-            <a:lvl4pPr indent="0" lvl="3" marL="0" marR="0" algn="r">
+            <a:lvl4pPr marL="0" marR="0" lvl="3" indent="0" algn="r">
               <a:lnSpc>
                 <a:spcPct val="100000"/>
               </a:lnSpc>
@@ -9860,7 +9929,7 @@
               <a:buSzPts val="1000"/>
               <a:buFont typeface="Arial"/>
               <a:buNone/>
-              <a:defRPr b="0" i="0" sz="1000" u="none" cap="none" strike="noStrike">
+              <a:defRPr sz="1000" b="0" i="0" u="none" strike="noStrike" cap="none">
                 <a:solidFill>
                   <a:schemeClr val="lt1"/>
                 </a:solidFill>
@@ -9870,7 +9939,7 @@
                 <a:sym typeface="Roboto"/>
               </a:defRPr>
             </a:lvl4pPr>
-            <a:lvl5pPr indent="0" lvl="4" marL="0" marR="0" algn="r">
+            <a:lvl5pPr marL="0" marR="0" lvl="4" indent="0" algn="r">
               <a:lnSpc>
                 <a:spcPct val="100000"/>
               </a:lnSpc>
@@ -9886,7 +9955,7 @@
               <a:buSzPts val="1000"/>
               <a:buFont typeface="Arial"/>
               <a:buNone/>
-              <a:defRPr b="0" i="0" sz="1000" u="none" cap="none" strike="noStrike">
+              <a:defRPr sz="1000" b="0" i="0" u="none" strike="noStrike" cap="none">
                 <a:solidFill>
                   <a:schemeClr val="lt1"/>
                 </a:solidFill>
@@ -9896,7 +9965,7 @@
                 <a:sym typeface="Roboto"/>
               </a:defRPr>
             </a:lvl5pPr>
-            <a:lvl6pPr indent="0" lvl="5" marL="0" marR="0" algn="r">
+            <a:lvl6pPr marL="0" marR="0" lvl="5" indent="0" algn="r">
               <a:lnSpc>
                 <a:spcPct val="100000"/>
               </a:lnSpc>
@@ -9912,7 +9981,7 @@
               <a:buSzPts val="1000"/>
               <a:buFont typeface="Arial"/>
               <a:buNone/>
-              <a:defRPr b="0" i="0" sz="1000" u="none" cap="none" strike="noStrike">
+              <a:defRPr sz="1000" b="0" i="0" u="none" strike="noStrike" cap="none">
                 <a:solidFill>
                   <a:schemeClr val="lt1"/>
                 </a:solidFill>
@@ -9922,7 +9991,7 @@
                 <a:sym typeface="Roboto"/>
               </a:defRPr>
             </a:lvl6pPr>
-            <a:lvl7pPr indent="0" lvl="6" marL="0" marR="0" algn="r">
+            <a:lvl7pPr marL="0" marR="0" lvl="6" indent="0" algn="r">
               <a:lnSpc>
                 <a:spcPct val="100000"/>
               </a:lnSpc>
@@ -9938,7 +10007,7 @@
               <a:buSzPts val="1000"/>
               <a:buFont typeface="Arial"/>
               <a:buNone/>
-              <a:defRPr b="0" i="0" sz="1000" u="none" cap="none" strike="noStrike">
+              <a:defRPr sz="1000" b="0" i="0" u="none" strike="noStrike" cap="none">
                 <a:solidFill>
                   <a:schemeClr val="lt1"/>
                 </a:solidFill>
@@ -9948,7 +10017,7 @@
                 <a:sym typeface="Roboto"/>
               </a:defRPr>
             </a:lvl7pPr>
-            <a:lvl8pPr indent="0" lvl="7" marL="0" marR="0" algn="r">
+            <a:lvl8pPr marL="0" marR="0" lvl="7" indent="0" algn="r">
               <a:lnSpc>
                 <a:spcPct val="100000"/>
               </a:lnSpc>
@@ -9964,7 +10033,7 @@
               <a:buSzPts val="1000"/>
               <a:buFont typeface="Arial"/>
               <a:buNone/>
-              <a:defRPr b="0" i="0" sz="1000" u="none" cap="none" strike="noStrike">
+              <a:defRPr sz="1000" b="0" i="0" u="none" strike="noStrike" cap="none">
                 <a:solidFill>
                   <a:schemeClr val="lt1"/>
                 </a:solidFill>
@@ -9974,7 +10043,7 @@
                 <a:sym typeface="Roboto"/>
               </a:defRPr>
             </a:lvl8pPr>
-            <a:lvl9pPr indent="0" lvl="8" marL="0" marR="0" algn="r">
+            <a:lvl9pPr marL="0" marR="0" lvl="8" indent="0" algn="r">
               <a:lnSpc>
                 <a:spcPct val="100000"/>
               </a:lnSpc>
@@ -9990,7 +10059,7 @@
               <a:buSzPts val="1000"/>
               <a:buFont typeface="Arial"/>
               <a:buNone/>
-              <a:defRPr b="0" i="0" sz="1000" u="none" cap="none" strike="noStrike">
+              <a:defRPr sz="1000" b="0" i="0" u="none" strike="noStrike" cap="none">
                 <a:solidFill>
                   <a:schemeClr val="lt1"/>
                 </a:solidFill>
@@ -10002,7 +10071,7 @@
             </a:lvl9pPr>
           </a:lstStyle>
           <a:p>
-            <a:pPr indent="0" lvl="0" marL="0" rtl="0" algn="r">
+            <a:pPr marL="0" lvl="0" indent="0" algn="r" rtl="0">
               <a:spcBef>
                 <a:spcPts val="0"/>
               </a:spcBef>
@@ -10028,18 +10097,19 @@
 </file>
 
 <file path=ppt/slideMasters/slideMaster1.xml><?xml version="1.0" encoding="utf-8"?>
-<p:sldMaster xmlns:a="http://schemas.openxmlformats.org/drawingml/2006/main" xmlns:r="http://schemas.openxmlformats.org/officeDocument/2006/relationships" xmlns:mc="http://schemas.openxmlformats.org/markup-compatibility/2006" xmlns:mv="urn:schemas-microsoft-com:mac:vml" xmlns:p="http://schemas.openxmlformats.org/presentationml/2006/main" xmlns:c="http://schemas.openxmlformats.org/drawingml/2006/chart" xmlns:dgm="http://schemas.openxmlformats.org/drawingml/2006/diagram" xmlns:o="urn:schemas-microsoft-com:office:office" xmlns:v="urn:schemas-microsoft-com:vml" xmlns:pvml="urn:schemas-microsoft-com:office:powerpoint" xmlns:com="http://schemas.openxmlformats.org/drawingml/2006/compatibility" xmlns:p14="http://schemas.microsoft.com/office/powerpoint/2010/main" xmlns:p15="http://schemas.microsoft.com/office/powerpoint/2012/main" xmlns:ahyp="http://schemas.microsoft.com/office/drawing/2018/hyperlinkcolor">
+<p:sldMaster xmlns:a="http://schemas.openxmlformats.org/drawingml/2006/main" xmlns:r="http://schemas.openxmlformats.org/officeDocument/2006/relationships" xmlns:p="http://schemas.openxmlformats.org/presentationml/2006/main">
   <p:cSld name="material">
     <p:bg>
       <p:bgPr>
         <a:solidFill>
           <a:srgbClr val="002D3C"/>
         </a:solidFill>
+        <a:effectLst/>
       </p:bgPr>
     </p:bg>
     <p:spTree>
       <p:nvGrpSpPr>
-        <p:cNvPr id="5" name="Shape 5"/>
+        <p:cNvPr id="1" name="Shape 5"/>
         <p:cNvGrpSpPr/>
         <p:nvPr/>
       </p:nvGrpSpPr>
@@ -10054,7 +10124,9 @@
       <p:sp>
         <p:nvSpPr>
           <p:cNvPr id="6" name="Google Shape;6;p1"/>
-          <p:cNvSpPr txBox="1"/>
+          <p:cNvSpPr txBox="1">
+            <a:spLocks noGrp="1"/>
+          </p:cNvSpPr>
           <p:nvPr>
             <p:ph type="title"/>
           </p:nvPr>
@@ -10073,11 +10145,11 @@
           </a:ln>
         </p:spPr>
         <p:txBody>
-          <a:bodyPr anchorCtr="0" anchor="b" bIns="91425" lIns="91425" spcFirstLastPara="1" rIns="91425" wrap="square" tIns="91425">
+          <a:bodyPr spcFirstLastPara="1" wrap="square" lIns="91425" tIns="91425" rIns="91425" bIns="91425" anchor="b" anchorCtr="0">
             <a:noAutofit/>
           </a:bodyPr>
           <a:lstStyle>
-            <a:lvl1pPr lvl="0" marR="0" rtl="0" algn="l">
+            <a:lvl1pPr marR="0" lvl="0" algn="l" rtl="0">
               <a:lnSpc>
                 <a:spcPct val="100000"/>
               </a:lnSpc>
@@ -10093,7 +10165,7 @@
               <a:buSzPts val="3200"/>
               <a:buFont typeface="Arial"/>
               <a:buNone/>
-              <a:defRPr b="0" i="0" sz="3200" u="none" cap="none" strike="noStrike">
+              <a:defRPr sz="3200" b="0" i="0" u="none" strike="noStrike" cap="none">
                 <a:solidFill>
                   <a:schemeClr val="lt1"/>
                 </a:solidFill>
@@ -10103,7 +10175,7 @@
                 <a:sym typeface="Arial"/>
               </a:defRPr>
             </a:lvl1pPr>
-            <a:lvl2pPr lvl="1" marR="0" rtl="0" algn="l">
+            <a:lvl2pPr marR="0" lvl="1" algn="l" rtl="0">
               <a:lnSpc>
                 <a:spcPct val="100000"/>
               </a:lnSpc>
@@ -10119,7 +10191,7 @@
               <a:buSzPts val="3200"/>
               <a:buFont typeface="Roboto"/>
               <a:buNone/>
-              <a:defRPr b="0" i="0" sz="3200" u="none" cap="none" strike="noStrike">
+              <a:defRPr sz="3200" b="0" i="0" u="none" strike="noStrike" cap="none">
                 <a:solidFill>
                   <a:schemeClr val="lt1"/>
                 </a:solidFill>
@@ -10129,7 +10201,7 @@
                 <a:sym typeface="Roboto"/>
               </a:defRPr>
             </a:lvl2pPr>
-            <a:lvl3pPr lvl="2" marR="0" rtl="0" algn="l">
+            <a:lvl3pPr marR="0" lvl="2" algn="l" rtl="0">
               <a:lnSpc>
                 <a:spcPct val="100000"/>
               </a:lnSpc>
@@ -10145,7 +10217,7 @@
               <a:buSzPts val="3200"/>
               <a:buFont typeface="Roboto"/>
               <a:buNone/>
-              <a:defRPr b="0" i="0" sz="3200" u="none" cap="none" strike="noStrike">
+              <a:defRPr sz="3200" b="0" i="0" u="none" strike="noStrike" cap="none">
                 <a:solidFill>
                   <a:schemeClr val="lt1"/>
                 </a:solidFill>
@@ -10155,7 +10227,7 @@
                 <a:sym typeface="Roboto"/>
               </a:defRPr>
             </a:lvl3pPr>
-            <a:lvl4pPr lvl="3" marR="0" rtl="0" algn="l">
+            <a:lvl4pPr marR="0" lvl="3" algn="l" rtl="0">
               <a:lnSpc>
                 <a:spcPct val="100000"/>
               </a:lnSpc>
@@ -10171,7 +10243,7 @@
               <a:buSzPts val="3200"/>
               <a:buFont typeface="Roboto"/>
               <a:buNone/>
-              <a:defRPr b="0" i="0" sz="3200" u="none" cap="none" strike="noStrike">
+              <a:defRPr sz="3200" b="0" i="0" u="none" strike="noStrike" cap="none">
                 <a:solidFill>
                   <a:schemeClr val="lt1"/>
                 </a:solidFill>
@@ -10181,7 +10253,7 @@
                 <a:sym typeface="Roboto"/>
               </a:defRPr>
             </a:lvl4pPr>
-            <a:lvl5pPr lvl="4" marR="0" rtl="0" algn="l">
+            <a:lvl5pPr marR="0" lvl="4" algn="l" rtl="0">
               <a:lnSpc>
                 <a:spcPct val="100000"/>
               </a:lnSpc>
@@ -10197,7 +10269,7 @@
               <a:buSzPts val="3200"/>
               <a:buFont typeface="Roboto"/>
               <a:buNone/>
-              <a:defRPr b="0" i="0" sz="3200" u="none" cap="none" strike="noStrike">
+              <a:defRPr sz="3200" b="0" i="0" u="none" strike="noStrike" cap="none">
                 <a:solidFill>
                   <a:schemeClr val="lt1"/>
                 </a:solidFill>
@@ -10207,7 +10279,7 @@
                 <a:sym typeface="Roboto"/>
               </a:defRPr>
             </a:lvl5pPr>
-            <a:lvl6pPr lvl="5" marR="0" rtl="0" algn="l">
+            <a:lvl6pPr marR="0" lvl="5" algn="l" rtl="0">
               <a:lnSpc>
                 <a:spcPct val="100000"/>
               </a:lnSpc>
@@ -10223,7 +10295,7 @@
               <a:buSzPts val="3200"/>
               <a:buFont typeface="Roboto"/>
               <a:buNone/>
-              <a:defRPr b="0" i="0" sz="3200" u="none" cap="none" strike="noStrike">
+              <a:defRPr sz="3200" b="0" i="0" u="none" strike="noStrike" cap="none">
                 <a:solidFill>
                   <a:schemeClr val="lt1"/>
                 </a:solidFill>
@@ -10233,7 +10305,7 @@
                 <a:sym typeface="Roboto"/>
               </a:defRPr>
             </a:lvl6pPr>
-            <a:lvl7pPr lvl="6" marR="0" rtl="0" algn="l">
+            <a:lvl7pPr marR="0" lvl="6" algn="l" rtl="0">
               <a:lnSpc>
                 <a:spcPct val="100000"/>
               </a:lnSpc>
@@ -10249,7 +10321,7 @@
               <a:buSzPts val="3200"/>
               <a:buFont typeface="Roboto"/>
               <a:buNone/>
-              <a:defRPr b="0" i="0" sz="3200" u="none" cap="none" strike="noStrike">
+              <a:defRPr sz="3200" b="0" i="0" u="none" strike="noStrike" cap="none">
                 <a:solidFill>
                   <a:schemeClr val="lt1"/>
                 </a:solidFill>
@@ -10259,7 +10331,7 @@
                 <a:sym typeface="Roboto"/>
               </a:defRPr>
             </a:lvl7pPr>
-            <a:lvl8pPr lvl="7" marR="0" rtl="0" algn="l">
+            <a:lvl8pPr marR="0" lvl="7" algn="l" rtl="0">
               <a:lnSpc>
                 <a:spcPct val="100000"/>
               </a:lnSpc>
@@ -10275,7 +10347,7 @@
               <a:buSzPts val="3200"/>
               <a:buFont typeface="Roboto"/>
               <a:buNone/>
-              <a:defRPr b="0" i="0" sz="3200" u="none" cap="none" strike="noStrike">
+              <a:defRPr sz="3200" b="0" i="0" u="none" strike="noStrike" cap="none">
                 <a:solidFill>
                   <a:schemeClr val="lt1"/>
                 </a:solidFill>
@@ -10285,7 +10357,7 @@
                 <a:sym typeface="Roboto"/>
               </a:defRPr>
             </a:lvl8pPr>
-            <a:lvl9pPr lvl="8" marR="0" rtl="0" algn="l">
+            <a:lvl9pPr marR="0" lvl="8" algn="l" rtl="0">
               <a:lnSpc>
                 <a:spcPct val="100000"/>
               </a:lnSpc>
@@ -10301,7 +10373,7 @@
               <a:buSzPts val="3200"/>
               <a:buFont typeface="Roboto"/>
               <a:buNone/>
-              <a:defRPr b="0" i="0" sz="3200" u="none" cap="none" strike="noStrike">
+              <a:defRPr sz="3200" b="0" i="0" u="none" strike="noStrike" cap="none">
                 <a:solidFill>
                   <a:schemeClr val="lt1"/>
                 </a:solidFill>
@@ -10312,15 +10384,19 @@
               </a:defRPr>
             </a:lvl9pPr>
           </a:lstStyle>
-          <a:p/>
+          <a:p>
+            <a:endParaRPr/>
+          </a:p>
         </p:txBody>
       </p:sp>
       <p:sp>
         <p:nvSpPr>
           <p:cNvPr id="7" name="Google Shape;7;p1"/>
-          <p:cNvSpPr txBox="1"/>
+          <p:cNvSpPr txBox="1">
+            <a:spLocks noGrp="1"/>
+          </p:cNvSpPr>
           <p:nvPr>
-            <p:ph idx="1" type="body"/>
+            <p:ph type="body" idx="1"/>
           </p:nvPr>
         </p:nvSpPr>
         <p:spPr>
@@ -10337,11 +10413,11 @@
           </a:ln>
         </p:spPr>
         <p:txBody>
-          <a:bodyPr anchorCtr="0" anchor="t" bIns="91425" lIns="91425" spcFirstLastPara="1" rIns="91425" wrap="square" tIns="91425">
+          <a:bodyPr spcFirstLastPara="1" wrap="square" lIns="91425" tIns="91425" rIns="91425" bIns="91425" anchor="t" anchorCtr="0">
             <a:noAutofit/>
           </a:bodyPr>
           <a:lstStyle>
-            <a:lvl1pPr indent="-342900" lvl="0" marL="457200" marR="0" rtl="0" algn="l">
+            <a:lvl1pPr marL="457200" marR="0" lvl="0" indent="-342900" algn="l" rtl="0">
               <a:lnSpc>
                 <a:spcPct val="115000"/>
               </a:lnSpc>
@@ -10357,7 +10433,7 @@
               <a:buSzPts val="1800"/>
               <a:buFont typeface="Montserrat"/>
               <a:buChar char="●"/>
-              <a:defRPr b="0" i="0" sz="1800" u="none" cap="none" strike="noStrike">
+              <a:defRPr sz="1800" b="0" i="0" u="none" strike="noStrike" cap="none">
                 <a:solidFill>
                   <a:schemeClr val="lt2"/>
                 </a:solidFill>
@@ -10367,7 +10443,7 @@
                 <a:sym typeface="Montserrat"/>
               </a:defRPr>
             </a:lvl1pPr>
-            <a:lvl2pPr indent="-317500" lvl="1" marL="914400" marR="0" rtl="0" algn="l">
+            <a:lvl2pPr marL="914400" marR="0" lvl="1" indent="-317500" algn="l" rtl="0">
               <a:lnSpc>
                 <a:spcPct val="115000"/>
               </a:lnSpc>
@@ -10383,7 +10459,7 @@
               <a:buSzPts val="1400"/>
               <a:buFont typeface="Montserrat"/>
               <a:buChar char="○"/>
-              <a:defRPr b="0" i="0" sz="1400" u="none" cap="none" strike="noStrike">
+              <a:defRPr sz="1400" b="0" i="0" u="none" strike="noStrike" cap="none">
                 <a:solidFill>
                   <a:schemeClr val="lt2"/>
                 </a:solidFill>
@@ -10393,7 +10469,7 @@
                 <a:sym typeface="Montserrat"/>
               </a:defRPr>
             </a:lvl2pPr>
-            <a:lvl3pPr indent="-317500" lvl="2" marL="1371600" marR="0" rtl="0" algn="l">
+            <a:lvl3pPr marL="1371600" marR="0" lvl="2" indent="-317500" algn="l" rtl="0">
               <a:lnSpc>
                 <a:spcPct val="115000"/>
               </a:lnSpc>
@@ -10409,7 +10485,7 @@
               <a:buSzPts val="1400"/>
               <a:buFont typeface="Montserrat"/>
               <a:buChar char="■"/>
-              <a:defRPr b="0" i="0" sz="1400" u="none" cap="none" strike="noStrike">
+              <a:defRPr sz="1400" b="0" i="0" u="none" strike="noStrike" cap="none">
                 <a:solidFill>
                   <a:schemeClr val="lt2"/>
                 </a:solidFill>
@@ -10419,7 +10495,7 @@
                 <a:sym typeface="Montserrat"/>
               </a:defRPr>
             </a:lvl3pPr>
-            <a:lvl4pPr indent="-317500" lvl="3" marL="1828800" marR="0" rtl="0" algn="l">
+            <a:lvl4pPr marL="1828800" marR="0" lvl="3" indent="-317500" algn="l" rtl="0">
               <a:lnSpc>
                 <a:spcPct val="115000"/>
               </a:lnSpc>
@@ -10435,7 +10511,7 @@
               <a:buSzPts val="1400"/>
               <a:buFont typeface="Montserrat"/>
               <a:buChar char="●"/>
-              <a:defRPr b="0" i="0" sz="1400" u="none" cap="none" strike="noStrike">
+              <a:defRPr sz="1400" b="0" i="0" u="none" strike="noStrike" cap="none">
                 <a:solidFill>
                   <a:schemeClr val="lt2"/>
                 </a:solidFill>
@@ -10445,7 +10521,7 @@
                 <a:sym typeface="Montserrat"/>
               </a:defRPr>
             </a:lvl4pPr>
-            <a:lvl5pPr indent="-317500" lvl="4" marL="2286000" marR="0" rtl="0" algn="l">
+            <a:lvl5pPr marL="2286000" marR="0" lvl="4" indent="-317500" algn="l" rtl="0">
               <a:lnSpc>
                 <a:spcPct val="115000"/>
               </a:lnSpc>
@@ -10461,7 +10537,7 @@
               <a:buSzPts val="1400"/>
               <a:buFont typeface="Montserrat"/>
               <a:buChar char="○"/>
-              <a:defRPr b="0" i="0" sz="1400" u="none" cap="none" strike="noStrike">
+              <a:defRPr sz="1400" b="0" i="0" u="none" strike="noStrike" cap="none">
                 <a:solidFill>
                   <a:schemeClr val="lt2"/>
                 </a:solidFill>
@@ -10471,7 +10547,7 @@
                 <a:sym typeface="Montserrat"/>
               </a:defRPr>
             </a:lvl5pPr>
-            <a:lvl6pPr indent="-317500" lvl="5" marL="2743200" marR="0" rtl="0" algn="l">
+            <a:lvl6pPr marL="2743200" marR="0" lvl="5" indent="-317500" algn="l" rtl="0">
               <a:lnSpc>
                 <a:spcPct val="115000"/>
               </a:lnSpc>
@@ -10487,7 +10563,7 @@
               <a:buSzPts val="1400"/>
               <a:buFont typeface="Montserrat"/>
               <a:buChar char="■"/>
-              <a:defRPr b="0" i="0" sz="1400" u="none" cap="none" strike="noStrike">
+              <a:defRPr sz="1400" b="0" i="0" u="none" strike="noStrike" cap="none">
                 <a:solidFill>
                   <a:schemeClr val="lt2"/>
                 </a:solidFill>
@@ -10497,7 +10573,7 @@
                 <a:sym typeface="Montserrat"/>
               </a:defRPr>
             </a:lvl6pPr>
-            <a:lvl7pPr indent="-317500" lvl="6" marL="3200400" marR="0" rtl="0" algn="l">
+            <a:lvl7pPr marL="3200400" marR="0" lvl="6" indent="-317500" algn="l" rtl="0">
               <a:lnSpc>
                 <a:spcPct val="115000"/>
               </a:lnSpc>
@@ -10513,7 +10589,7 @@
               <a:buSzPts val="1400"/>
               <a:buFont typeface="Montserrat"/>
               <a:buChar char="●"/>
-              <a:defRPr b="0" i="0" sz="1400" u="none" cap="none" strike="noStrike">
+              <a:defRPr sz="1400" b="0" i="0" u="none" strike="noStrike" cap="none">
                 <a:solidFill>
                   <a:schemeClr val="lt2"/>
                 </a:solidFill>
@@ -10523,7 +10599,7 @@
                 <a:sym typeface="Montserrat"/>
               </a:defRPr>
             </a:lvl7pPr>
-            <a:lvl8pPr indent="-317500" lvl="7" marL="3657600" marR="0" rtl="0" algn="l">
+            <a:lvl8pPr marL="3657600" marR="0" lvl="7" indent="-317500" algn="l" rtl="0">
               <a:lnSpc>
                 <a:spcPct val="115000"/>
               </a:lnSpc>
@@ -10539,7 +10615,7 @@
               <a:buSzPts val="1400"/>
               <a:buFont typeface="Montserrat"/>
               <a:buChar char="○"/>
-              <a:defRPr b="0" i="0" sz="1400" u="none" cap="none" strike="noStrike">
+              <a:defRPr sz="1400" b="0" i="0" u="none" strike="noStrike" cap="none">
                 <a:solidFill>
                   <a:schemeClr val="lt2"/>
                 </a:solidFill>
@@ -10549,7 +10625,7 @@
                 <a:sym typeface="Montserrat"/>
               </a:defRPr>
             </a:lvl8pPr>
-            <a:lvl9pPr indent="-317500" lvl="8" marL="4114800" marR="0" rtl="0" algn="l">
+            <a:lvl9pPr marL="4114800" marR="0" lvl="8" indent="-317500" algn="l" rtl="0">
               <a:lnSpc>
                 <a:spcPct val="115000"/>
               </a:lnSpc>
@@ -10565,7 +10641,7 @@
               <a:buSzPts val="1400"/>
               <a:buFont typeface="Montserrat"/>
               <a:buChar char="■"/>
-              <a:defRPr b="0" i="0" sz="1400" u="none" cap="none" strike="noStrike">
+              <a:defRPr sz="1400" b="0" i="0" u="none" strike="noStrike" cap="none">
                 <a:solidFill>
                   <a:schemeClr val="lt2"/>
                 </a:solidFill>
@@ -10576,15 +10652,19 @@
               </a:defRPr>
             </a:lvl9pPr>
           </a:lstStyle>
-          <a:p/>
+          <a:p>
+            <a:endParaRPr/>
+          </a:p>
         </p:txBody>
       </p:sp>
       <p:sp>
         <p:nvSpPr>
           <p:cNvPr id="8" name="Google Shape;8;p1"/>
-          <p:cNvSpPr txBox="1"/>
+          <p:cNvSpPr txBox="1">
+            <a:spLocks noGrp="1"/>
+          </p:cNvSpPr>
           <p:nvPr>
-            <p:ph idx="12" type="sldNum"/>
+            <p:ph type="sldNum" idx="12"/>
           </p:nvPr>
         </p:nvSpPr>
         <p:spPr>
@@ -10601,11 +10681,11 @@
           </a:ln>
         </p:spPr>
         <p:txBody>
-          <a:bodyPr anchorCtr="0" anchor="ctr" bIns="91425" lIns="91425" spcFirstLastPara="1" rIns="91425" wrap="square" tIns="91425">
+          <a:bodyPr spcFirstLastPara="1" wrap="square" lIns="91425" tIns="91425" rIns="91425" bIns="91425" anchor="ctr" anchorCtr="0">
             <a:noAutofit/>
           </a:bodyPr>
           <a:lstStyle>
-            <a:lvl1pPr indent="0" lvl="0" marL="0" marR="0" rtl="0" algn="r">
+            <a:lvl1pPr marL="0" marR="0" lvl="0" indent="0" algn="r" rtl="0">
               <a:lnSpc>
                 <a:spcPct val="100000"/>
               </a:lnSpc>
@@ -10621,7 +10701,7 @@
               <a:buSzPts val="1000"/>
               <a:buFont typeface="Arial"/>
               <a:buNone/>
-              <a:defRPr b="0" i="0" sz="1000" u="none" cap="none" strike="noStrike">
+              <a:defRPr sz="1000" b="0" i="0" u="none" strike="noStrike" cap="none">
                 <a:solidFill>
                   <a:schemeClr val="lt2"/>
                 </a:solidFill>
@@ -10631,7 +10711,7 @@
                 <a:sym typeface="Roboto"/>
               </a:defRPr>
             </a:lvl1pPr>
-            <a:lvl2pPr indent="0" lvl="1" marL="0" marR="0" rtl="0" algn="r">
+            <a:lvl2pPr marL="0" marR="0" lvl="1" indent="0" algn="r" rtl="0">
               <a:lnSpc>
                 <a:spcPct val="100000"/>
               </a:lnSpc>
@@ -10647,7 +10727,7 @@
               <a:buSzPts val="1000"/>
               <a:buFont typeface="Arial"/>
               <a:buNone/>
-              <a:defRPr b="0" i="0" sz="1000" u="none" cap="none" strike="noStrike">
+              <a:defRPr sz="1000" b="0" i="0" u="none" strike="noStrike" cap="none">
                 <a:solidFill>
                   <a:schemeClr val="lt2"/>
                 </a:solidFill>
@@ -10657,7 +10737,7 @@
                 <a:sym typeface="Roboto"/>
               </a:defRPr>
             </a:lvl2pPr>
-            <a:lvl3pPr indent="0" lvl="2" marL="0" marR="0" rtl="0" algn="r">
+            <a:lvl3pPr marL="0" marR="0" lvl="2" indent="0" algn="r" rtl="0">
               <a:lnSpc>
                 <a:spcPct val="100000"/>
               </a:lnSpc>
@@ -10673,7 +10753,7 @@
               <a:buSzPts val="1000"/>
               <a:buFont typeface="Arial"/>
               <a:buNone/>
-              <a:defRPr b="0" i="0" sz="1000" u="none" cap="none" strike="noStrike">
+              <a:defRPr sz="1000" b="0" i="0" u="none" strike="noStrike" cap="none">
                 <a:solidFill>
                   <a:schemeClr val="lt2"/>
                 </a:solidFill>
@@ -10683,7 +10763,7 @@
                 <a:sym typeface="Roboto"/>
               </a:defRPr>
             </a:lvl3pPr>
-            <a:lvl4pPr indent="0" lvl="3" marL="0" marR="0" rtl="0" algn="r">
+            <a:lvl4pPr marL="0" marR="0" lvl="3" indent="0" algn="r" rtl="0">
               <a:lnSpc>
                 <a:spcPct val="100000"/>
               </a:lnSpc>
@@ -10699,7 +10779,7 @@
               <a:buSzPts val="1000"/>
               <a:buFont typeface="Arial"/>
               <a:buNone/>
-              <a:defRPr b="0" i="0" sz="1000" u="none" cap="none" strike="noStrike">
+              <a:defRPr sz="1000" b="0" i="0" u="none" strike="noStrike" cap="none">
                 <a:solidFill>
                   <a:schemeClr val="lt2"/>
                 </a:solidFill>
@@ -10709,7 +10789,7 @@
                 <a:sym typeface="Roboto"/>
               </a:defRPr>
             </a:lvl4pPr>
-            <a:lvl5pPr indent="0" lvl="4" marL="0" marR="0" rtl="0" algn="r">
+            <a:lvl5pPr marL="0" marR="0" lvl="4" indent="0" algn="r" rtl="0">
               <a:lnSpc>
                 <a:spcPct val="100000"/>
               </a:lnSpc>
@@ -10725,7 +10805,7 @@
               <a:buSzPts val="1000"/>
               <a:buFont typeface="Arial"/>
               <a:buNone/>
-              <a:defRPr b="0" i="0" sz="1000" u="none" cap="none" strike="noStrike">
+              <a:defRPr sz="1000" b="0" i="0" u="none" strike="noStrike" cap="none">
                 <a:solidFill>
                   <a:schemeClr val="lt2"/>
                 </a:solidFill>
@@ -10735,7 +10815,7 @@
                 <a:sym typeface="Roboto"/>
               </a:defRPr>
             </a:lvl5pPr>
-            <a:lvl6pPr indent="0" lvl="5" marL="0" marR="0" rtl="0" algn="r">
+            <a:lvl6pPr marL="0" marR="0" lvl="5" indent="0" algn="r" rtl="0">
               <a:lnSpc>
                 <a:spcPct val="100000"/>
               </a:lnSpc>
@@ -10751,7 +10831,7 @@
               <a:buSzPts val="1000"/>
               <a:buFont typeface="Arial"/>
               <a:buNone/>
-              <a:defRPr b="0" i="0" sz="1000" u="none" cap="none" strike="noStrike">
+              <a:defRPr sz="1000" b="0" i="0" u="none" strike="noStrike" cap="none">
                 <a:solidFill>
                   <a:schemeClr val="lt2"/>
                 </a:solidFill>
@@ -10761,7 +10841,7 @@
                 <a:sym typeface="Roboto"/>
               </a:defRPr>
             </a:lvl6pPr>
-            <a:lvl7pPr indent="0" lvl="6" marL="0" marR="0" rtl="0" algn="r">
+            <a:lvl7pPr marL="0" marR="0" lvl="6" indent="0" algn="r" rtl="0">
               <a:lnSpc>
                 <a:spcPct val="100000"/>
               </a:lnSpc>
@@ -10777,7 +10857,7 @@
               <a:buSzPts val="1000"/>
               <a:buFont typeface="Arial"/>
               <a:buNone/>
-              <a:defRPr b="0" i="0" sz="1000" u="none" cap="none" strike="noStrike">
+              <a:defRPr sz="1000" b="0" i="0" u="none" strike="noStrike" cap="none">
                 <a:solidFill>
                   <a:schemeClr val="lt2"/>
                 </a:solidFill>
@@ -10787,7 +10867,7 @@
                 <a:sym typeface="Roboto"/>
               </a:defRPr>
             </a:lvl7pPr>
-            <a:lvl8pPr indent="0" lvl="7" marL="0" marR="0" rtl="0" algn="r">
+            <a:lvl8pPr marL="0" marR="0" lvl="7" indent="0" algn="r" rtl="0">
               <a:lnSpc>
                 <a:spcPct val="100000"/>
               </a:lnSpc>
@@ -10803,7 +10883,7 @@
               <a:buSzPts val="1000"/>
               <a:buFont typeface="Arial"/>
               <a:buNone/>
-              <a:defRPr b="0" i="0" sz="1000" u="none" cap="none" strike="noStrike">
+              <a:defRPr sz="1000" b="0" i="0" u="none" strike="noStrike" cap="none">
                 <a:solidFill>
                   <a:schemeClr val="lt2"/>
                 </a:solidFill>
@@ -10813,7 +10893,7 @@
                 <a:sym typeface="Roboto"/>
               </a:defRPr>
             </a:lvl8pPr>
-            <a:lvl9pPr indent="0" lvl="8" marL="0" marR="0" rtl="0" algn="r">
+            <a:lvl9pPr marL="0" marR="0" lvl="8" indent="0" algn="r" rtl="0">
               <a:lnSpc>
                 <a:spcPct val="100000"/>
               </a:lnSpc>
@@ -10829,7 +10909,7 @@
               <a:buSzPts val="1000"/>
               <a:buFont typeface="Arial"/>
               <a:buNone/>
-              <a:defRPr b="0" i="0" sz="1000" u="none" cap="none" strike="noStrike">
+              <a:defRPr sz="1000" b="0" i="0" u="none" strike="noStrike" cap="none">
                 <a:solidFill>
                   <a:schemeClr val="lt2"/>
                 </a:solidFill>
@@ -10841,7 +10921,7 @@
             </a:lvl9pPr>
           </a:lstStyle>
           <a:p>
-            <a:pPr indent="0" lvl="0" marL="0" rtl="0" algn="r">
+            <a:pPr marL="0" lvl="0" indent="0" algn="r" rtl="0">
               <a:spcBef>
                 <a:spcPts val="0"/>
               </a:spcBef>
@@ -10860,7 +10940,7 @@
       </p:sp>
     </p:spTree>
   </p:cSld>
-  <p:clrMap accent1="accent1" accent2="accent2" accent3="accent3" accent4="accent4" accent5="accent5" accent6="accent6" bg1="lt1" bg2="dk2" tx1="dk1" tx2="lt2" folHlink="folHlink" hlink="hlink"/>
+  <p:clrMap bg1="lt1" tx1="dk1" bg2="dk2" tx2="lt2" accent1="accent1" accent2="accent2" accent3="accent3" accent4="accent4" accent5="accent5" accent6="accent6" hlink="hlink" folHlink="folHlink"/>
   <p:sldLayoutIdLst>
     <p:sldLayoutId id="2147483648" r:id="rId1"/>
     <p:sldLayoutId id="2147483649" r:id="rId2"/>
@@ -10873,10 +10953,10 @@
     <p:sldLayoutId id="2147483656" r:id="rId9"/>
     <p:sldLayoutId id="2147483657" r:id="rId10"/>
   </p:sldLayoutIdLst>
-  <p:hf dt="0" ftr="0" hdr="0"/>
+  <p:hf hdr="0" ftr="0" dt="0"/>
   <p:txStyles>
     <p:titleStyle>
-      <a:defPPr lvl="0" marR="0" rtl="0" algn="l">
+      <a:defPPr marR="0" lvl="0" algn="l" rtl="0">
         <a:lnSpc>
           <a:spcPct val="100000"/>
         </a:lnSpc>
@@ -10887,7 +10967,7 @@
           <a:spcPts val="0"/>
         </a:spcAft>
       </a:defPPr>
-      <a:lvl1pPr lvl="0" marR="0" rtl="0" algn="l">
+      <a:lvl1pPr marR="0" lvl="0" algn="l" rtl="0">
         <a:lnSpc>
           <a:spcPct val="100000"/>
         </a:lnSpc>
@@ -10901,7 +10981,7 @@
           <a:srgbClr val="000000"/>
         </a:buClr>
         <a:buFont typeface="Arial"/>
-        <a:defRPr b="0" i="0" sz="1400" u="none" cap="none" strike="noStrike">
+        <a:defRPr sz="1400" b="0" i="0" u="none" strike="noStrike" cap="none">
           <a:solidFill>
             <a:srgbClr val="000000"/>
           </a:solidFill>
@@ -10911,7 +10991,7 @@
           <a:sym typeface="Arial"/>
         </a:defRPr>
       </a:lvl1pPr>
-      <a:lvl2pPr lvl="1" marR="0" rtl="0" algn="l">
+      <a:lvl2pPr marR="0" lvl="1" algn="l" rtl="0">
         <a:lnSpc>
           <a:spcPct val="100000"/>
         </a:lnSpc>
@@ -10925,7 +11005,7 @@
           <a:srgbClr val="000000"/>
         </a:buClr>
         <a:buFont typeface="Arial"/>
-        <a:defRPr b="0" i="0" sz="1400" u="none" cap="none" strike="noStrike">
+        <a:defRPr sz="1400" b="0" i="0" u="none" strike="noStrike" cap="none">
           <a:solidFill>
             <a:srgbClr val="000000"/>
           </a:solidFill>
@@ -10935,7 +11015,7 @@
           <a:sym typeface="Arial"/>
         </a:defRPr>
       </a:lvl2pPr>
-      <a:lvl3pPr lvl="2" marR="0" rtl="0" algn="l">
+      <a:lvl3pPr marR="0" lvl="2" algn="l" rtl="0">
         <a:lnSpc>
           <a:spcPct val="100000"/>
         </a:lnSpc>
@@ -10949,7 +11029,7 @@
           <a:srgbClr val="000000"/>
         </a:buClr>
         <a:buFont typeface="Arial"/>
-        <a:defRPr b="0" i="0" sz="1400" u="none" cap="none" strike="noStrike">
+        <a:defRPr sz="1400" b="0" i="0" u="none" strike="noStrike" cap="none">
           <a:solidFill>
             <a:srgbClr val="000000"/>
           </a:solidFill>
@@ -10959,7 +11039,7 @@
           <a:sym typeface="Arial"/>
         </a:defRPr>
       </a:lvl3pPr>
-      <a:lvl4pPr lvl="3" marR="0" rtl="0" algn="l">
+      <a:lvl4pPr marR="0" lvl="3" algn="l" rtl="0">
         <a:lnSpc>
           <a:spcPct val="100000"/>
         </a:lnSpc>
@@ -10973,7 +11053,7 @@
           <a:srgbClr val="000000"/>
         </a:buClr>
         <a:buFont typeface="Arial"/>
-        <a:defRPr b="0" i="0" sz="1400" u="none" cap="none" strike="noStrike">
+        <a:defRPr sz="1400" b="0" i="0" u="none" strike="noStrike" cap="none">
           <a:solidFill>
             <a:srgbClr val="000000"/>
           </a:solidFill>
@@ -10983,7 +11063,7 @@
           <a:sym typeface="Arial"/>
         </a:defRPr>
       </a:lvl4pPr>
-      <a:lvl5pPr lvl="4" marR="0" rtl="0" algn="l">
+      <a:lvl5pPr marR="0" lvl="4" algn="l" rtl="0">
         <a:lnSpc>
           <a:spcPct val="100000"/>
         </a:lnSpc>
@@ -10997,7 +11077,7 @@
           <a:srgbClr val="000000"/>
         </a:buClr>
         <a:buFont typeface="Arial"/>
-        <a:defRPr b="0" i="0" sz="1400" u="none" cap="none" strike="noStrike">
+        <a:defRPr sz="1400" b="0" i="0" u="none" strike="noStrike" cap="none">
           <a:solidFill>
             <a:srgbClr val="000000"/>
           </a:solidFill>
@@ -11007,7 +11087,7 @@
           <a:sym typeface="Arial"/>
         </a:defRPr>
       </a:lvl5pPr>
-      <a:lvl6pPr lvl="5" marR="0" rtl="0" algn="l">
+      <a:lvl6pPr marR="0" lvl="5" algn="l" rtl="0">
         <a:lnSpc>
           <a:spcPct val="100000"/>
         </a:lnSpc>
@@ -11021,7 +11101,7 @@
           <a:srgbClr val="000000"/>
         </a:buClr>
         <a:buFont typeface="Arial"/>
-        <a:defRPr b="0" i="0" sz="1400" u="none" cap="none" strike="noStrike">
+        <a:defRPr sz="1400" b="0" i="0" u="none" strike="noStrike" cap="none">
           <a:solidFill>
             <a:srgbClr val="000000"/>
           </a:solidFill>
@@ -11031,7 +11111,7 @@
           <a:sym typeface="Arial"/>
         </a:defRPr>
       </a:lvl6pPr>
-      <a:lvl7pPr lvl="6" marR="0" rtl="0" algn="l">
+      <a:lvl7pPr marR="0" lvl="6" algn="l" rtl="0">
         <a:lnSpc>
           <a:spcPct val="100000"/>
         </a:lnSpc>
@@ -11045,7 +11125,7 @@
           <a:srgbClr val="000000"/>
         </a:buClr>
         <a:buFont typeface="Arial"/>
-        <a:defRPr b="0" i="0" sz="1400" u="none" cap="none" strike="noStrike">
+        <a:defRPr sz="1400" b="0" i="0" u="none" strike="noStrike" cap="none">
           <a:solidFill>
             <a:srgbClr val="000000"/>
           </a:solidFill>
@@ -11055,7 +11135,7 @@
           <a:sym typeface="Arial"/>
         </a:defRPr>
       </a:lvl7pPr>
-      <a:lvl8pPr lvl="7" marR="0" rtl="0" algn="l">
+      <a:lvl8pPr marR="0" lvl="7" algn="l" rtl="0">
         <a:lnSpc>
           <a:spcPct val="100000"/>
         </a:lnSpc>
@@ -11069,7 +11149,7 @@
           <a:srgbClr val="000000"/>
         </a:buClr>
         <a:buFont typeface="Arial"/>
-        <a:defRPr b="0" i="0" sz="1400" u="none" cap="none" strike="noStrike">
+        <a:defRPr sz="1400" b="0" i="0" u="none" strike="noStrike" cap="none">
           <a:solidFill>
             <a:srgbClr val="000000"/>
           </a:solidFill>
@@ -11079,7 +11159,7 @@
           <a:sym typeface="Arial"/>
         </a:defRPr>
       </a:lvl8pPr>
-      <a:lvl9pPr lvl="8" marR="0" rtl="0" algn="l">
+      <a:lvl9pPr marR="0" lvl="8" algn="l" rtl="0">
         <a:lnSpc>
           <a:spcPct val="100000"/>
         </a:lnSpc>
@@ -11093,7 +11173,7 @@
           <a:srgbClr val="000000"/>
         </a:buClr>
         <a:buFont typeface="Arial"/>
-        <a:defRPr b="0" i="0" sz="1400" u="none" cap="none" strike="noStrike">
+        <a:defRPr sz="1400" b="0" i="0" u="none" strike="noStrike" cap="none">
           <a:solidFill>
             <a:srgbClr val="000000"/>
           </a:solidFill>
@@ -11105,7 +11185,7 @@
       </a:lvl9pPr>
     </p:titleStyle>
     <p:bodyStyle>
-      <a:defPPr lvl="0" marR="0" rtl="0" algn="l">
+      <a:defPPr marR="0" lvl="0" algn="l" rtl="0">
         <a:lnSpc>
           <a:spcPct val="100000"/>
         </a:lnSpc>
@@ -11116,7 +11196,7 @@
           <a:spcPts val="0"/>
         </a:spcAft>
       </a:defPPr>
-      <a:lvl1pPr lvl="0" marR="0" rtl="0" algn="l">
+      <a:lvl1pPr marR="0" lvl="0" algn="l" rtl="0">
         <a:lnSpc>
           <a:spcPct val="100000"/>
         </a:lnSpc>
@@ -11130,7 +11210,7 @@
           <a:srgbClr val="000000"/>
         </a:buClr>
         <a:buFont typeface="Arial"/>
-        <a:defRPr b="0" i="0" sz="1400" u="none" cap="none" strike="noStrike">
+        <a:defRPr sz="1400" b="0" i="0" u="none" strike="noStrike" cap="none">
           <a:solidFill>
             <a:srgbClr val="000000"/>
           </a:solidFill>
@@ -11140,7 +11220,7 @@
           <a:sym typeface="Arial"/>
         </a:defRPr>
       </a:lvl1pPr>
-      <a:lvl2pPr lvl="1" marR="0" rtl="0" algn="l">
+      <a:lvl2pPr marR="0" lvl="1" algn="l" rtl="0">
         <a:lnSpc>
           <a:spcPct val="100000"/>
         </a:lnSpc>
@@ -11154,7 +11234,7 @@
           <a:srgbClr val="000000"/>
         </a:buClr>
         <a:buFont typeface="Arial"/>
-        <a:defRPr b="0" i="0" sz="1400" u="none" cap="none" strike="noStrike">
+        <a:defRPr sz="1400" b="0" i="0" u="none" strike="noStrike" cap="none">
           <a:solidFill>
             <a:srgbClr val="000000"/>
           </a:solidFill>
@@ -11164,7 +11244,7 @@
           <a:sym typeface="Arial"/>
         </a:defRPr>
       </a:lvl2pPr>
-      <a:lvl3pPr lvl="2" marR="0" rtl="0" algn="l">
+      <a:lvl3pPr marR="0" lvl="2" algn="l" rtl="0">
         <a:lnSpc>
           <a:spcPct val="100000"/>
         </a:lnSpc>
@@ -11178,7 +11258,7 @@
           <a:srgbClr val="000000"/>
         </a:buClr>
         <a:buFont typeface="Arial"/>
-        <a:defRPr b="0" i="0" sz="1400" u="none" cap="none" strike="noStrike">
+        <a:defRPr sz="1400" b="0" i="0" u="none" strike="noStrike" cap="none">
           <a:solidFill>
             <a:srgbClr val="000000"/>
           </a:solidFill>
@@ -11188,7 +11268,7 @@
           <a:sym typeface="Arial"/>
         </a:defRPr>
       </a:lvl3pPr>
-      <a:lvl4pPr lvl="3" marR="0" rtl="0" algn="l">
+      <a:lvl4pPr marR="0" lvl="3" algn="l" rtl="0">
         <a:lnSpc>
           <a:spcPct val="100000"/>
         </a:lnSpc>
@@ -11202,7 +11282,7 @@
           <a:srgbClr val="000000"/>
         </a:buClr>
         <a:buFont typeface="Arial"/>
-        <a:defRPr b="0" i="0" sz="1400" u="none" cap="none" strike="noStrike">
+        <a:defRPr sz="1400" b="0" i="0" u="none" strike="noStrike" cap="none">
           <a:solidFill>
             <a:srgbClr val="000000"/>
           </a:solidFill>
@@ -11212,7 +11292,7 @@
           <a:sym typeface="Arial"/>
         </a:defRPr>
       </a:lvl4pPr>
-      <a:lvl5pPr lvl="4" marR="0" rtl="0" algn="l">
+      <a:lvl5pPr marR="0" lvl="4" algn="l" rtl="0">
         <a:lnSpc>
           <a:spcPct val="100000"/>
         </a:lnSpc>
@@ -11226,7 +11306,7 @@
           <a:srgbClr val="000000"/>
         </a:buClr>
         <a:buFont typeface="Arial"/>
-        <a:defRPr b="0" i="0" sz="1400" u="none" cap="none" strike="noStrike">
+        <a:defRPr sz="1400" b="0" i="0" u="none" strike="noStrike" cap="none">
           <a:solidFill>
             <a:srgbClr val="000000"/>
           </a:solidFill>
@@ -11236,7 +11316,7 @@
           <a:sym typeface="Arial"/>
         </a:defRPr>
       </a:lvl5pPr>
-      <a:lvl6pPr lvl="5" marR="0" rtl="0" algn="l">
+      <a:lvl6pPr marR="0" lvl="5" algn="l" rtl="0">
         <a:lnSpc>
           <a:spcPct val="100000"/>
         </a:lnSpc>
@@ -11250,7 +11330,7 @@
           <a:srgbClr val="000000"/>
         </a:buClr>
         <a:buFont typeface="Arial"/>
-        <a:defRPr b="0" i="0" sz="1400" u="none" cap="none" strike="noStrike">
+        <a:defRPr sz="1400" b="0" i="0" u="none" strike="noStrike" cap="none">
           <a:solidFill>
             <a:srgbClr val="000000"/>
           </a:solidFill>
@@ -11260,7 +11340,7 @@
           <a:sym typeface="Arial"/>
         </a:defRPr>
       </a:lvl6pPr>
-      <a:lvl7pPr lvl="6" marR="0" rtl="0" algn="l">
+      <a:lvl7pPr marR="0" lvl="6" algn="l" rtl="0">
         <a:lnSpc>
           <a:spcPct val="100000"/>
         </a:lnSpc>
@@ -11274,7 +11354,7 @@
           <a:srgbClr val="000000"/>
         </a:buClr>
         <a:buFont typeface="Arial"/>
-        <a:defRPr b="0" i="0" sz="1400" u="none" cap="none" strike="noStrike">
+        <a:defRPr sz="1400" b="0" i="0" u="none" strike="noStrike" cap="none">
           <a:solidFill>
             <a:srgbClr val="000000"/>
           </a:solidFill>
@@ -11284,7 +11364,7 @@
           <a:sym typeface="Arial"/>
         </a:defRPr>
       </a:lvl7pPr>
-      <a:lvl8pPr lvl="7" marR="0" rtl="0" algn="l">
+      <a:lvl8pPr marR="0" lvl="7" algn="l" rtl="0">
         <a:lnSpc>
           <a:spcPct val="100000"/>
         </a:lnSpc>
@@ -11298,7 +11378,7 @@
           <a:srgbClr val="000000"/>
         </a:buClr>
         <a:buFont typeface="Arial"/>
-        <a:defRPr b="0" i="0" sz="1400" u="none" cap="none" strike="noStrike">
+        <a:defRPr sz="1400" b="0" i="0" u="none" strike="noStrike" cap="none">
           <a:solidFill>
             <a:srgbClr val="000000"/>
           </a:solidFill>
@@ -11308,7 +11388,7 @@
           <a:sym typeface="Arial"/>
         </a:defRPr>
       </a:lvl8pPr>
-      <a:lvl9pPr lvl="8" marR="0" rtl="0" algn="l">
+      <a:lvl9pPr marR="0" lvl="8" algn="l" rtl="0">
         <a:lnSpc>
           <a:spcPct val="100000"/>
         </a:lnSpc>
@@ -11322,7 +11402,7 @@
           <a:srgbClr val="000000"/>
         </a:buClr>
         <a:buFont typeface="Arial"/>
-        <a:defRPr b="0" i="0" sz="1400" u="none" cap="none" strike="noStrike">
+        <a:defRPr sz="1400" b="0" i="0" u="none" strike="noStrike" cap="none">
           <a:solidFill>
             <a:srgbClr val="000000"/>
           </a:solidFill>
@@ -11334,7 +11414,7 @@
       </a:lvl9pPr>
     </p:bodyStyle>
     <p:otherStyle>
-      <a:defPPr lvl="0" marR="0" rtl="0" algn="l">
+      <a:defPPr marR="0" lvl="0" algn="l" rtl="0">
         <a:lnSpc>
           <a:spcPct val="100000"/>
         </a:lnSpc>
@@ -11345,7 +11425,7 @@
           <a:spcPts val="0"/>
         </a:spcAft>
       </a:defPPr>
-      <a:lvl1pPr lvl="0" marR="0" rtl="0" algn="l">
+      <a:lvl1pPr marR="0" lvl="0" algn="l" rtl="0">
         <a:lnSpc>
           <a:spcPct val="100000"/>
         </a:lnSpc>
@@ -11359,7 +11439,7 @@
           <a:srgbClr val="000000"/>
         </a:buClr>
         <a:buFont typeface="Arial"/>
-        <a:defRPr b="0" i="0" sz="1400" u="none" cap="none" strike="noStrike">
+        <a:defRPr sz="1400" b="0" i="0" u="none" strike="noStrike" cap="none">
           <a:solidFill>
             <a:srgbClr val="000000"/>
           </a:solidFill>
@@ -11369,7 +11449,7 @@
           <a:sym typeface="Arial"/>
         </a:defRPr>
       </a:lvl1pPr>
-      <a:lvl2pPr lvl="1" marR="0" rtl="0" algn="l">
+      <a:lvl2pPr marR="0" lvl="1" algn="l" rtl="0">
         <a:lnSpc>
           <a:spcPct val="100000"/>
         </a:lnSpc>
@@ -11383,7 +11463,7 @@
           <a:srgbClr val="000000"/>
         </a:buClr>
         <a:buFont typeface="Arial"/>
-        <a:defRPr b="0" i="0" sz="1400" u="none" cap="none" strike="noStrike">
+        <a:defRPr sz="1400" b="0" i="0" u="none" strike="noStrike" cap="none">
           <a:solidFill>
             <a:srgbClr val="000000"/>
           </a:solidFill>
@@ -11393,7 +11473,7 @@
           <a:sym typeface="Arial"/>
         </a:defRPr>
       </a:lvl2pPr>
-      <a:lvl3pPr lvl="2" marR="0" rtl="0" algn="l">
+      <a:lvl3pPr marR="0" lvl="2" algn="l" rtl="0">
         <a:lnSpc>
           <a:spcPct val="100000"/>
         </a:lnSpc>
@@ -11407,7 +11487,7 @@
           <a:srgbClr val="000000"/>
         </a:buClr>
         <a:buFont typeface="Arial"/>
-        <a:defRPr b="0" i="0" sz="1400" u="none" cap="none" strike="noStrike">
+        <a:defRPr sz="1400" b="0" i="0" u="none" strike="noStrike" cap="none">
           <a:solidFill>
             <a:srgbClr val="000000"/>
           </a:solidFill>
@@ -11417,7 +11497,7 @@
           <a:sym typeface="Arial"/>
         </a:defRPr>
       </a:lvl3pPr>
-      <a:lvl4pPr lvl="3" marR="0" rtl="0" algn="l">
+      <a:lvl4pPr marR="0" lvl="3" algn="l" rtl="0">
         <a:lnSpc>
           <a:spcPct val="100000"/>
         </a:lnSpc>
@@ -11431,7 +11511,7 @@
           <a:srgbClr val="000000"/>
         </a:buClr>
         <a:buFont typeface="Arial"/>
-        <a:defRPr b="0" i="0" sz="1400" u="none" cap="none" strike="noStrike">
+        <a:defRPr sz="1400" b="0" i="0" u="none" strike="noStrike" cap="none">
           <a:solidFill>
             <a:srgbClr val="000000"/>
           </a:solidFill>
@@ -11441,7 +11521,7 @@
           <a:sym typeface="Arial"/>
         </a:defRPr>
       </a:lvl4pPr>
-      <a:lvl5pPr lvl="4" marR="0" rtl="0" algn="l">
+      <a:lvl5pPr marR="0" lvl="4" algn="l" rtl="0">
         <a:lnSpc>
           <a:spcPct val="100000"/>
         </a:lnSpc>
@@ -11455,7 +11535,7 @@
           <a:srgbClr val="000000"/>
         </a:buClr>
         <a:buFont typeface="Arial"/>
-        <a:defRPr b="0" i="0" sz="1400" u="none" cap="none" strike="noStrike">
+        <a:defRPr sz="1400" b="0" i="0" u="none" strike="noStrike" cap="none">
           <a:solidFill>
             <a:srgbClr val="000000"/>
           </a:solidFill>
@@ -11465,7 +11545,7 @@
           <a:sym typeface="Arial"/>
         </a:defRPr>
       </a:lvl5pPr>
-      <a:lvl6pPr lvl="5" marR="0" rtl="0" algn="l">
+      <a:lvl6pPr marR="0" lvl="5" algn="l" rtl="0">
         <a:lnSpc>
           <a:spcPct val="100000"/>
         </a:lnSpc>
@@ -11479,7 +11559,7 @@
           <a:srgbClr val="000000"/>
         </a:buClr>
         <a:buFont typeface="Arial"/>
-        <a:defRPr b="0" i="0" sz="1400" u="none" cap="none" strike="noStrike">
+        <a:defRPr sz="1400" b="0" i="0" u="none" strike="noStrike" cap="none">
           <a:solidFill>
             <a:srgbClr val="000000"/>
           </a:solidFill>
@@ -11489,7 +11569,7 @@
           <a:sym typeface="Arial"/>
         </a:defRPr>
       </a:lvl6pPr>
-      <a:lvl7pPr lvl="6" marR="0" rtl="0" algn="l">
+      <a:lvl7pPr marR="0" lvl="6" algn="l" rtl="0">
         <a:lnSpc>
           <a:spcPct val="100000"/>
         </a:lnSpc>
@@ -11503,7 +11583,7 @@
           <a:srgbClr val="000000"/>
         </a:buClr>
         <a:buFont typeface="Arial"/>
-        <a:defRPr b="0" i="0" sz="1400" u="none" cap="none" strike="noStrike">
+        <a:defRPr sz="1400" b="0" i="0" u="none" strike="noStrike" cap="none">
           <a:solidFill>
             <a:srgbClr val="000000"/>
           </a:solidFill>
@@ -11513,7 +11593,7 @@
           <a:sym typeface="Arial"/>
         </a:defRPr>
       </a:lvl7pPr>
-      <a:lvl8pPr lvl="7" marR="0" rtl="0" algn="l">
+      <a:lvl8pPr marR="0" lvl="7" algn="l" rtl="0">
         <a:lnSpc>
           <a:spcPct val="100000"/>
         </a:lnSpc>
@@ -11527,7 +11607,7 @@
           <a:srgbClr val="000000"/>
         </a:buClr>
         <a:buFont typeface="Arial"/>
-        <a:defRPr b="0" i="0" sz="1400" u="none" cap="none" strike="noStrike">
+        <a:defRPr sz="1400" b="0" i="0" u="none" strike="noStrike" cap="none">
           <a:solidFill>
             <a:srgbClr val="000000"/>
           </a:solidFill>
@@ -11537,7 +11617,7 @@
           <a:sym typeface="Arial"/>
         </a:defRPr>
       </a:lvl8pPr>
-      <a:lvl9pPr lvl="8" marR="0" rtl="0" algn="l">
+      <a:lvl9pPr marR="0" lvl="8" algn="l" rtl="0">
         <a:lnSpc>
           <a:spcPct val="100000"/>
         </a:lnSpc>
@@ -11551,7 +11631,7 @@
           <a:srgbClr val="000000"/>
         </a:buClr>
         <a:buFont typeface="Arial"/>
-        <a:defRPr b="0" i="0" sz="1400" u="none" cap="none" strike="noStrike">
+        <a:defRPr sz="1400" b="0" i="0" u="none" strike="noStrike" cap="none">
           <a:solidFill>
             <a:srgbClr val="000000"/>
           </a:solidFill>
@@ -11567,11 +11647,11 @@
 </file>
 
 <file path=ppt/slides/slide1.xml><?xml version="1.0" encoding="utf-8"?>
-<p:sld xmlns:a="http://schemas.openxmlformats.org/drawingml/2006/main" xmlns:r="http://schemas.openxmlformats.org/officeDocument/2006/relationships" xmlns:mc="http://schemas.openxmlformats.org/markup-compatibility/2006" xmlns:mv="urn:schemas-microsoft-com:mac:vml" xmlns:p="http://schemas.openxmlformats.org/presentationml/2006/main" xmlns:c="http://schemas.openxmlformats.org/drawingml/2006/chart" xmlns:dgm="http://schemas.openxmlformats.org/drawingml/2006/diagram" xmlns:o="urn:schemas-microsoft-com:office:office" xmlns:v="urn:schemas-microsoft-com:vml" xmlns:pvml="urn:schemas-microsoft-com:office:powerpoint" xmlns:com="http://schemas.openxmlformats.org/drawingml/2006/compatibility" xmlns:p14="http://schemas.microsoft.com/office/powerpoint/2010/main" xmlns:p15="http://schemas.microsoft.com/office/powerpoint/2012/main" xmlns:ahyp="http://schemas.microsoft.com/office/drawing/2018/hyperlinkcolor">
+<p:sld xmlns:a="http://schemas.openxmlformats.org/drawingml/2006/main" xmlns:r="http://schemas.openxmlformats.org/officeDocument/2006/relationships" xmlns:p="http://schemas.openxmlformats.org/presentationml/2006/main">
   <p:cSld>
     <p:spTree>
       <p:nvGrpSpPr>
-        <p:cNvPr id="68" name="Shape 68"/>
+        <p:cNvPr id="1" name="Shape 68"/>
         <p:cNvGrpSpPr/>
         <p:nvPr/>
       </p:nvGrpSpPr>
@@ -11586,7 +11666,9 @@
       <p:sp>
         <p:nvSpPr>
           <p:cNvPr id="69" name="Google Shape;69;p12"/>
-          <p:cNvSpPr txBox="1"/>
+          <p:cNvSpPr txBox="1">
+            <a:spLocks noGrp="1"/>
+          </p:cNvSpPr>
           <p:nvPr>
             <p:ph type="title"/>
           </p:nvPr>
@@ -11605,12 +11687,12 @@
           </a:ln>
         </p:spPr>
         <p:txBody>
-          <a:bodyPr anchorCtr="0" anchor="b" bIns="91425" lIns="91425" spcFirstLastPara="1" rIns="91425" wrap="square" tIns="91425">
+          <a:bodyPr spcFirstLastPara="1" wrap="square" lIns="91425" tIns="91425" rIns="91425" bIns="91425" anchor="b" anchorCtr="0">
             <a:noAutofit/>
           </a:bodyPr>
           <a:lstStyle/>
           <a:p>
-            <a:pPr indent="0" lvl="0" marL="0" marR="0" rtl="0" algn="l">
+            <a:pPr marL="0" marR="0" lvl="0" indent="0" algn="l" rtl="0">
               <a:lnSpc>
                 <a:spcPct val="100000"/>
               </a:lnSpc>
@@ -11636,7 +11718,7 @@
               </a:rPr>
               <a:t>Note Well</a:t>
             </a:r>
-            <a:endParaRPr i="0" sz="2400" u="none" cap="none" strike="noStrike">
+            <a:endParaRPr sz="2400" i="0" u="none" strike="noStrike" cap="none">
               <a:solidFill>
                 <a:schemeClr val="lt1"/>
               </a:solidFill>
@@ -11668,12 +11750,12 @@
           </a:ln>
         </p:spPr>
         <p:txBody>
-          <a:bodyPr anchorCtr="0" anchor="t" bIns="45700" lIns="91400" spcFirstLastPara="1" rIns="91400" wrap="square" tIns="45700">
+          <a:bodyPr spcFirstLastPara="1" wrap="square" lIns="91400" tIns="45700" rIns="91400" bIns="45700" anchor="t" anchorCtr="0">
             <a:noAutofit/>
           </a:bodyPr>
           <a:lstStyle/>
           <a:p>
-            <a:pPr indent="0" lvl="0" marL="0" rtl="0" algn="l">
+            <a:pPr marL="0" lvl="0" indent="0" algn="l" rtl="0">
               <a:lnSpc>
                 <a:spcPct val="115000"/>
               </a:lnSpc>
@@ -11686,7 +11768,7 @@
               <a:buNone/>
             </a:pPr>
             <a:r>
-              <a:rPr lang="en-US" sz="1200">
+              <a:rPr lang="en-US" sz="1200" dirty="0">
                 <a:solidFill>
                   <a:srgbClr val="000000"/>
                 </a:solidFill>
@@ -11698,7 +11780,7 @@
               <a:t>By participating in the IETF you agree to follow IETF processes and policies. This Note Well is a reminder </a:t>
             </a:r>
             <a:br>
-              <a:rPr lang="en-US" sz="1200">
+              <a:rPr lang="en-US" sz="1200" dirty="0">
                 <a:solidFill>
                   <a:srgbClr val="000000"/>
                 </a:solidFill>
@@ -11709,7 +11791,7 @@
               </a:rPr>
             </a:br>
             <a:r>
-              <a:rPr lang="en-US" sz="1200">
+              <a:rPr lang="en-US" sz="1200" dirty="0">
                 <a:solidFill>
                   <a:srgbClr val="000000"/>
                 </a:solidFill>
@@ -11721,7 +11803,7 @@
               <a:t>of some of those policies. For a linked version of this text, please visit </a:t>
             </a:r>
             <a:r>
-              <a:rPr b="1" lang="en-US" sz="1200">
+              <a:rPr lang="en-US" sz="1200" i="1" dirty="0" err="1">
                 <a:solidFill>
                   <a:srgbClr val="000000"/>
                 </a:solidFill>
@@ -11730,10 +11812,22 @@
                 <a:cs typeface="Inter"/>
                 <a:sym typeface="Inter"/>
               </a:rPr>
-              <a:t>www.ietf.org/note-well </a:t>
+              <a:t>www.ietf.org</a:t>
             </a:r>
             <a:r>
-              <a:rPr lang="en-US" sz="1200">
+              <a:rPr lang="en-US" sz="1200" i="1" dirty="0">
+                <a:solidFill>
+                  <a:srgbClr val="000000"/>
+                </a:solidFill>
+                <a:latin typeface="Inter"/>
+                <a:ea typeface="Inter"/>
+                <a:cs typeface="Inter"/>
+                <a:sym typeface="Inter"/>
+              </a:rPr>
+              <a:t>/note-well </a:t>
+            </a:r>
+            <a:r>
+              <a:rPr lang="en-US" sz="1200" dirty="0">
                 <a:solidFill>
                   <a:srgbClr val="000000"/>
                 </a:solidFill>
@@ -11744,7 +11838,7 @@
               </a:rPr>
               <a:t>or use the QR code below.</a:t>
             </a:r>
-            <a:endParaRPr sz="1200">
+            <a:endParaRPr sz="1200" dirty="0">
               <a:solidFill>
                 <a:srgbClr val="000000"/>
               </a:solidFill>
@@ -11755,7 +11849,7 @@
             </a:endParaRPr>
           </a:p>
           <a:p>
-            <a:pPr indent="0" lvl="0" marL="0" rtl="0" algn="l">
+            <a:pPr marL="171450" lvl="0" indent="-171450" algn="l" rtl="0">
               <a:lnSpc>
                 <a:spcPct val="115000"/>
               </a:lnSpc>
@@ -11765,10 +11859,11 @@
               <a:spcAft>
                 <a:spcPts val="0"/>
               </a:spcAft>
-              <a:buNone/>
+              <a:buFont typeface="Arial" panose="020B0604020202020204" pitchFamily="34" charset="0"/>
+              <a:buChar char="•"/>
             </a:pPr>
             <a:r>
-              <a:rPr lang="en-US" sz="1200">
+              <a:rPr lang="en-US" sz="1200" dirty="0">
                 <a:solidFill>
                   <a:srgbClr val="000000"/>
                 </a:solidFill>
@@ -11780,7 +11875,7 @@
               <a:t>IETF participants are expected to behave in a professional manner and extend respect and courtesy to their colleagues at all times (see </a:t>
             </a:r>
             <a:r>
-              <a:rPr b="1" lang="en-US" sz="1200">
+              <a:rPr lang="en-US" sz="1200" i="1" dirty="0">
                 <a:solidFill>
                   <a:srgbClr val="000000"/>
                 </a:solidFill>
@@ -11792,7 +11887,7 @@
               <a:t>RFC 7154: IETF Guidelines for Conduct and IETF Anti-Harassment Policy</a:t>
             </a:r>
             <a:r>
-              <a:rPr lang="en-US" sz="1200">
+              <a:rPr lang="en-US" sz="1200" dirty="0">
                 <a:solidFill>
                   <a:srgbClr val="000000"/>
                 </a:solidFill>
@@ -11804,7 +11899,7 @@
               <a:t>). If you have any concerns about behavior, please contact the </a:t>
             </a:r>
             <a:r>
-              <a:rPr i="1" lang="en-US" sz="1200">
+              <a:rPr lang="en-US" sz="1200" i="1" dirty="0" err="1">
                 <a:solidFill>
                   <a:srgbClr val="000000"/>
                 </a:solidFill>
@@ -11816,7 +11911,7 @@
               <a:t>Ombudsteam</a:t>
             </a:r>
             <a:r>
-              <a:rPr lang="en-US" sz="1200">
+              <a:rPr lang="en-US" sz="1200" dirty="0">
                 <a:solidFill>
                   <a:srgbClr val="000000"/>
                 </a:solidFill>
@@ -11828,7 +11923,7 @@
               <a:t> who have a duty of confidentiality and extensive powers to act, as set out in </a:t>
             </a:r>
             <a:r>
-              <a:rPr b="1" lang="en-US" sz="1200">
+              <a:rPr lang="en-US" sz="1200" i="1" dirty="0">
                 <a:solidFill>
                   <a:srgbClr val="000000"/>
                 </a:solidFill>
@@ -11840,7 +11935,7 @@
               <a:t>RFC 7776: IETF Anti-Harassment Procedures</a:t>
             </a:r>
             <a:r>
-              <a:rPr lang="en-US" sz="1200">
+              <a:rPr lang="en-US" sz="1200" dirty="0">
                 <a:solidFill>
                   <a:srgbClr val="000000"/>
                 </a:solidFill>
@@ -11851,7 +11946,7 @@
               </a:rPr>
               <a:t>.</a:t>
             </a:r>
-            <a:endParaRPr sz="1200">
+            <a:endParaRPr sz="1200" dirty="0">
               <a:solidFill>
                 <a:srgbClr val="000000"/>
               </a:solidFill>
@@ -11862,7 +11957,7 @@
             </a:endParaRPr>
           </a:p>
           <a:p>
-            <a:pPr indent="0" lvl="0" marL="0" rtl="0" algn="l">
+            <a:pPr marL="171450" lvl="0" indent="-171450" algn="l" rtl="0">
               <a:lnSpc>
                 <a:spcPct val="115000"/>
               </a:lnSpc>
@@ -11872,10 +11967,11 @@
               <a:spcAft>
                 <a:spcPts val="0"/>
               </a:spcAft>
-              <a:buNone/>
+              <a:buFont typeface="Arial" panose="020B0604020202020204" pitchFamily="34" charset="0"/>
+              <a:buChar char="•"/>
             </a:pPr>
             <a:r>
-              <a:rPr lang="en-US" sz="1200">
+              <a:rPr lang="en-US" sz="1200" dirty="0">
                 <a:solidFill>
                   <a:srgbClr val="000000"/>
                 </a:solidFill>
@@ -11887,7 +11983,7 @@
               <a:t>If you are aware that any IETF contribution (as defined in </a:t>
             </a:r>
             <a:r>
-              <a:rPr b="1" lang="en-US" sz="1200">
+              <a:rPr lang="en-US" sz="1200" i="1" dirty="0">
                 <a:solidFill>
                   <a:srgbClr val="000000"/>
                 </a:solidFill>
@@ -11899,7 +11995,7 @@
               <a:t>RFC 5378: Rights Contributors Provide to the IETF Trust</a:t>
             </a:r>
             <a:r>
-              <a:rPr lang="en-US" sz="1200">
+              <a:rPr lang="en-US" sz="1200" dirty="0">
                 <a:solidFill>
                   <a:srgbClr val="000000"/>
                 </a:solidFill>
@@ -11911,7 +12007,7 @@
               <a:t>) is covered by patents or patent applications that are owned or controlled by you, your employer or your sponsor, you must disclose that fact, or not participate in the discussion </a:t>
             </a:r>
             <a:br>
-              <a:rPr lang="en-US" sz="1200">
+              <a:rPr lang="en-US" sz="1200" dirty="0">
                 <a:solidFill>
                   <a:srgbClr val="000000"/>
                 </a:solidFill>
@@ -11922,7 +12018,7 @@
               </a:rPr>
             </a:br>
             <a:r>
-              <a:rPr lang="en-US" sz="1200">
+              <a:rPr lang="en-US" sz="1200" dirty="0">
                 <a:solidFill>
                   <a:srgbClr val="000000"/>
                 </a:solidFill>
@@ -11934,7 +12030,7 @@
               <a:t>(see </a:t>
             </a:r>
             <a:r>
-              <a:rPr b="1" lang="en-US" sz="1200">
+              <a:rPr lang="en-US" sz="1200" i="1" dirty="0">
                 <a:solidFill>
                   <a:srgbClr val="000000"/>
                 </a:solidFill>
@@ -11946,7 +12042,7 @@
               <a:t>RFC 8179: Intellectual Property Rights in IETF Technology</a:t>
             </a:r>
             <a:r>
-              <a:rPr lang="en-US" sz="1200">
+              <a:rPr lang="en-US" sz="1200" dirty="0">
                 <a:solidFill>
                   <a:srgbClr val="000000"/>
                 </a:solidFill>
@@ -11957,7 +12053,7 @@
               </a:rPr>
               <a:t>).</a:t>
             </a:r>
-            <a:endParaRPr sz="1200">
+            <a:endParaRPr sz="1200" dirty="0">
               <a:solidFill>
                 <a:srgbClr val="000000"/>
               </a:solidFill>
@@ -11968,7 +12064,7 @@
             </a:endParaRPr>
           </a:p>
           <a:p>
-            <a:pPr indent="0" lvl="0" marL="0" rtl="0" algn="l">
+            <a:pPr marL="171450" lvl="0" indent="-171450" algn="l" rtl="0">
               <a:lnSpc>
                 <a:spcPct val="115000"/>
               </a:lnSpc>
@@ -11978,10 +12074,11 @@
               <a:spcAft>
                 <a:spcPts val="0"/>
               </a:spcAft>
-              <a:buNone/>
+              <a:buFont typeface="Arial" panose="020B0604020202020204" pitchFamily="34" charset="0"/>
+              <a:buChar char="•"/>
             </a:pPr>
             <a:r>
-              <a:rPr lang="en-US" sz="1200">
+              <a:rPr lang="en-US" sz="1200" dirty="0">
                 <a:solidFill>
                   <a:srgbClr val="000000"/>
                 </a:solidFill>
@@ -11993,7 +12090,7 @@
               <a:t>For detailed process information consult </a:t>
             </a:r>
             <a:r>
-              <a:rPr b="1" lang="en-US" sz="1200">
+              <a:rPr lang="en-US" sz="1200" i="1" dirty="0">
                 <a:solidFill>
                   <a:srgbClr val="000000"/>
                 </a:solidFill>
@@ -12002,10 +12099,10 @@
                 <a:cs typeface="Inter"/>
                 <a:sym typeface="Inter"/>
               </a:rPr>
-              <a:t>RFC 2026: Internet Standards Process</a:t>
+              <a:t>RFC 2026: Internet Standards Process </a:t>
             </a:r>
             <a:r>
-              <a:rPr lang="en-US" sz="1200">
+              <a:rPr lang="en-US" sz="1200" dirty="0">
                 <a:solidFill>
                   <a:srgbClr val="000000"/>
                 </a:solidFill>
@@ -12014,10 +12111,10 @@
                 <a:cs typeface="Inter"/>
                 <a:sym typeface="Inter"/>
               </a:rPr>
-              <a:t> and </a:t>
+              <a:t>and </a:t>
             </a:r>
             <a:br>
-              <a:rPr lang="en-US" sz="1200">
+              <a:rPr lang="en-US" sz="1200" dirty="0">
                 <a:solidFill>
                   <a:srgbClr val="000000"/>
                 </a:solidFill>
@@ -12028,7 +12125,7 @@
               </a:rPr>
             </a:br>
             <a:r>
-              <a:rPr i="1" lang="en-US" sz="1200">
+              <a:rPr lang="en-US" sz="1200" i="1" dirty="0">
                 <a:solidFill>
                   <a:srgbClr val="000000"/>
                 </a:solidFill>
@@ -12037,10 +12134,10 @@
                 <a:cs typeface="Inter"/>
                 <a:sym typeface="Inter"/>
               </a:rPr>
-              <a:t>RFC 2418: </a:t>
+              <a:t>RFC 2418: IETF Working Group Guidelines and Procedures </a:t>
             </a:r>
             <a:r>
-              <a:rPr b="1" lang="en-US" sz="1200">
+              <a:rPr lang="en-US" sz="1200" dirty="0">
                 <a:solidFill>
                   <a:srgbClr val="000000"/>
                 </a:solidFill>
@@ -12049,21 +12146,9 @@
                 <a:cs typeface="Inter"/>
                 <a:sym typeface="Inter"/>
               </a:rPr>
-              <a:t>IETF Working Group Guidelines and Procedures</a:t>
+              <a:t>and updates to those.</a:t>
             </a:r>
-            <a:r>
-              <a:rPr lang="en-US" sz="1200">
-                <a:solidFill>
-                  <a:srgbClr val="000000"/>
-                </a:solidFill>
-                <a:latin typeface="Inter"/>
-                <a:ea typeface="Inter"/>
-                <a:cs typeface="Inter"/>
-                <a:sym typeface="Inter"/>
-              </a:rPr>
-              <a:t> and updates to those.</a:t>
-            </a:r>
-            <a:endParaRPr sz="1200">
+            <a:endParaRPr sz="1200" dirty="0">
               <a:solidFill>
                 <a:srgbClr val="000000"/>
               </a:solidFill>
@@ -12074,7 +12159,7 @@
             </a:endParaRPr>
           </a:p>
           <a:p>
-            <a:pPr indent="0" lvl="0" marL="0" rtl="0" algn="l">
+            <a:pPr marL="171450" lvl="0" indent="-171450" algn="l" rtl="0">
               <a:lnSpc>
                 <a:spcPct val="115000"/>
               </a:lnSpc>
@@ -12084,10 +12169,11 @@
               <a:spcAft>
                 <a:spcPts val="0"/>
               </a:spcAft>
-              <a:buNone/>
+              <a:buFont typeface="Arial" panose="020B0604020202020204" pitchFamily="34" charset="0"/>
+              <a:buChar char="•"/>
             </a:pPr>
             <a:r>
-              <a:rPr lang="en-US" sz="1200">
+              <a:rPr lang="en-US" sz="1200" dirty="0">
                 <a:solidFill>
                   <a:srgbClr val="000000"/>
                 </a:solidFill>
@@ -12099,7 +12185,7 @@
               <a:t>The IETF routinely makes public written, audio, video, and photographic records </a:t>
             </a:r>
             <a:br>
-              <a:rPr lang="en-US" sz="1200">
+              <a:rPr lang="en-US" sz="1200" dirty="0">
                 <a:solidFill>
                   <a:srgbClr val="000000"/>
                 </a:solidFill>
@@ -12110,7 +12196,7 @@
               </a:rPr>
             </a:br>
             <a:r>
-              <a:rPr lang="en-US" sz="1200">
+              <a:rPr lang="en-US" sz="1200" dirty="0">
                 <a:solidFill>
                   <a:srgbClr val="000000"/>
                 </a:solidFill>
@@ -12122,7 +12208,7 @@
               <a:t>of IETF activities, including your personal information as set out in the </a:t>
             </a:r>
             <a:r>
-              <a:rPr b="1" lang="en-US" sz="1200">
+              <a:rPr lang="en-US" sz="1200" i="1" dirty="0">
                 <a:solidFill>
                   <a:srgbClr val="000000"/>
                 </a:solidFill>
@@ -12134,7 +12220,7 @@
               <a:t>IETF Privacy Statement</a:t>
             </a:r>
             <a:r>
-              <a:rPr lang="en-US" sz="1200">
+              <a:rPr lang="en-US" sz="1200" dirty="0">
                 <a:solidFill>
                   <a:srgbClr val="000000"/>
                 </a:solidFill>
@@ -12145,7 +12231,7 @@
               </a:rPr>
               <a:t>. </a:t>
             </a:r>
-            <a:endParaRPr sz="1200">
+            <a:endParaRPr sz="1200" dirty="0">
               <a:solidFill>
                 <a:srgbClr val="000000"/>
               </a:solidFill>
@@ -12156,7 +12242,7 @@
             </a:endParaRPr>
           </a:p>
           <a:p>
-            <a:pPr indent="0" lvl="0" marL="0" rtl="0" algn="l">
+            <a:pPr marL="0" lvl="0" indent="0" algn="l" rtl="0">
               <a:lnSpc>
                 <a:spcPct val="115000"/>
               </a:lnSpc>
@@ -12169,7 +12255,7 @@
               <a:buNone/>
             </a:pPr>
             <a:r>
-              <a:rPr lang="en-US" sz="1200">
+              <a:rPr lang="en-US" sz="1200" dirty="0">
                 <a:solidFill>
                   <a:srgbClr val="000000"/>
                 </a:solidFill>
@@ -12180,7 +12266,7 @@
               </a:rPr>
               <a:t>For advice, please talk to Working Group chairs or Area Directors.</a:t>
             </a:r>
-            <a:endParaRPr sz="1200">
+            <a:endParaRPr sz="1200" dirty="0">
               <a:solidFill>
                 <a:srgbClr val="434343"/>
               </a:solidFill>
@@ -12215,14 +12301,14 @@
             <a:avLst/>
           </a:prstGeom>
           <a:noFill/>
-          <a:ln cap="flat" cmpd="sng" w="9525">
+          <a:ln w="9525" cap="flat" cmpd="sng">
             <a:solidFill>
               <a:srgbClr val="000000"/>
             </a:solidFill>
             <a:prstDash val="solid"/>
             <a:round/>
-            <a:headEnd len="sm" w="sm" type="none"/>
-            <a:tailEnd len="sm" w="sm" type="none"/>
+            <a:headEnd type="none" w="sm" len="sm"/>
+            <a:tailEnd type="none" w="sm" len="sm"/>
           </a:ln>
         </p:spPr>
       </p:pic>
@@ -12231,13 +12317,13 @@
   <p:clrMapOvr>
     <a:masterClrMapping/>
   </p:clrMapOvr>
-  <mc:AlternateContent>
+  <mc:AlternateContent xmlns:mc="http://schemas.openxmlformats.org/markup-compatibility/2006" xmlns:p14="http://schemas.microsoft.com/office/powerpoint/2010/main">
     <mc:Choice Requires="p14">
-      <p:transition spd="slow" p14:dur="700">
+      <p:transition spd="med" p14:dur="700">
         <p:fade/>
       </p:transition>
     </mc:Choice>
-    <mc:Fallback>
+    <mc:Fallback xmlns="" xmlns:mv="urn:schemas-microsoft-com:mac:vml" xmlns:c="http://schemas.openxmlformats.org/drawingml/2006/chart" xmlns:dgm="http://schemas.openxmlformats.org/drawingml/2006/diagram" xmlns:o="urn:schemas-microsoft-com:office:office" xmlns:v="urn:schemas-microsoft-com:vml" xmlns:pvml="urn:schemas-microsoft-com:office:powerpoint" xmlns:com="http://schemas.openxmlformats.org/drawingml/2006/compatibility" xmlns:p15="http://schemas.microsoft.com/office/powerpoint/2012/main" xmlns:ahyp="http://schemas.microsoft.com/office/drawing/2018/hyperlinkcolor">
       <p:transition spd="slow">
         <p:fade/>
       </p:transition>
@@ -12247,7 +12333,288 @@
 </file>
 
 <file path=ppt/theme/theme1.xml><?xml version="1.0" encoding="utf-8"?>
-<a:theme xmlns:a="http://schemas.openxmlformats.org/drawingml/2006/main" xmlns:r="http://schemas.openxmlformats.org/officeDocument/2006/relationships" name="Material">
+<a:theme xmlns:a="http://schemas.openxmlformats.org/drawingml/2006/main" name="IETF Template">
+  <a:themeElements>
+    <a:clrScheme name="Material">
+      <a:dk1>
+        <a:srgbClr val="4285F4"/>
+      </a:dk1>
+      <a:lt1>
+        <a:srgbClr val="FFFFFF"/>
+      </a:lt1>
+      <a:dk2>
+        <a:srgbClr val="424242"/>
+      </a:dk2>
+      <a:lt2>
+        <a:srgbClr val="737373"/>
+      </a:lt2>
+      <a:accent1>
+        <a:srgbClr val="0277BD"/>
+      </a:accent1>
+      <a:accent2>
+        <a:srgbClr val="0F9D58"/>
+      </a:accent2>
+      <a:accent3>
+        <a:srgbClr val="DB4437"/>
+      </a:accent3>
+      <a:accent4>
+        <a:srgbClr val="FAFAFA"/>
+      </a:accent4>
+      <a:accent5>
+        <a:srgbClr val="4FC3F7"/>
+      </a:accent5>
+      <a:accent6>
+        <a:srgbClr val="F4B400"/>
+      </a:accent6>
+      <a:hlink>
+        <a:srgbClr val="4FC3F7"/>
+      </a:hlink>
+      <a:folHlink>
+        <a:srgbClr val="4FC3F7"/>
+      </a:folHlink>
+    </a:clrScheme>
+    <a:fontScheme name="Office">
+      <a:majorFont>
+        <a:latin typeface="Arial"/>
+        <a:ea typeface=""/>
+        <a:cs typeface=""/>
+        <a:font script="Jpan" typeface="ＭＳ Ｐゴシック"/>
+        <a:font script="Hang" typeface="맑은 고딕"/>
+        <a:font script="Hans" typeface="宋体"/>
+        <a:font script="Hant" typeface="新細明體"/>
+        <a:font script="Arab" typeface="Times New Roman"/>
+        <a:font script="Hebr" typeface="Times New Roman"/>
+        <a:font script="Thai" typeface="Angsana New"/>
+        <a:font script="Ethi" typeface="Nyala"/>
+        <a:font script="Beng" typeface="Vrinda"/>
+        <a:font script="Gujr" typeface="Shruti"/>
+        <a:font script="Khmr" typeface="MoolBoran"/>
+        <a:font script="Knda" typeface="Tunga"/>
+        <a:font script="Guru" typeface="Raavi"/>
+        <a:font script="Cans" typeface="Euphemia"/>
+        <a:font script="Cher" typeface="Plantagenet Cherokee"/>
+        <a:font script="Yiii" typeface="Microsoft Yi Baiti"/>
+        <a:font script="Tibt" typeface="Microsoft Himalaya"/>
+        <a:font script="Thaa" typeface="MV Boli"/>
+        <a:font script="Deva" typeface="Mangal"/>
+        <a:font script="Telu" typeface="Gautami"/>
+        <a:font script="Taml" typeface="Latha"/>
+        <a:font script="Syrc" typeface="Estrangelo Edessa"/>
+        <a:font script="Orya" typeface="Kalinga"/>
+        <a:font script="Mlym" typeface="Kartika"/>
+        <a:font script="Laoo" typeface="DokChampa"/>
+        <a:font script="Sinh" typeface="Iskoola Pota"/>
+        <a:font script="Mong" typeface="Mongolian Baiti"/>
+        <a:font script="Viet" typeface="Times New Roman"/>
+        <a:font script="Uigh" typeface="Microsoft Uighur"/>
+        <a:font script="Geor" typeface="Sylfaen"/>
+      </a:majorFont>
+      <a:minorFont>
+        <a:latin typeface="Arial"/>
+        <a:ea typeface=""/>
+        <a:cs typeface=""/>
+        <a:font script="Jpan" typeface="ＭＳ Ｐゴシック"/>
+        <a:font script="Hang" typeface="맑은 고딕"/>
+        <a:font script="Hans" typeface="宋体"/>
+        <a:font script="Hant" typeface="新細明體"/>
+        <a:font script="Arab" typeface="Arial"/>
+        <a:font script="Hebr" typeface="Arial"/>
+        <a:font script="Thai" typeface="Cordia New"/>
+        <a:font script="Ethi" typeface="Nyala"/>
+        <a:font script="Beng" typeface="Vrinda"/>
+        <a:font script="Gujr" typeface="Shruti"/>
+        <a:font script="Khmr" typeface="DaunPenh"/>
+        <a:font script="Knda" typeface="Tunga"/>
+        <a:font script="Guru" typeface="Raavi"/>
+        <a:font script="Cans" typeface="Euphemia"/>
+        <a:font script="Cher" typeface="Plantagenet Cherokee"/>
+        <a:font script="Yiii" typeface="Microsoft Yi Baiti"/>
+        <a:font script="Tibt" typeface="Microsoft Himalaya"/>
+        <a:font script="Thaa" typeface="MV Boli"/>
+        <a:font script="Deva" typeface="Mangal"/>
+        <a:font script="Telu" typeface="Gautami"/>
+        <a:font script="Taml" typeface="Latha"/>
+        <a:font script="Syrc" typeface="Estrangelo Edessa"/>
+        <a:font script="Orya" typeface="Kalinga"/>
+        <a:font script="Mlym" typeface="Kartika"/>
+        <a:font script="Laoo" typeface="DokChampa"/>
+        <a:font script="Sinh" typeface="Iskoola Pota"/>
+        <a:font script="Mong" typeface="Mongolian Baiti"/>
+        <a:font script="Viet" typeface="Arial"/>
+        <a:font script="Uigh" typeface="Microsoft Uighur"/>
+        <a:font script="Geor" typeface="Sylfaen"/>
+      </a:minorFont>
+    </a:fontScheme>
+    <a:fmtScheme name="Office">
+      <a:fillStyleLst>
+        <a:solidFill>
+          <a:schemeClr val="phClr"/>
+        </a:solidFill>
+        <a:gradFill rotWithShape="1">
+          <a:gsLst>
+            <a:gs pos="0">
+              <a:schemeClr val="phClr">
+                <a:tint val="50000"/>
+                <a:satMod val="300000"/>
+              </a:schemeClr>
+            </a:gs>
+            <a:gs pos="35000">
+              <a:schemeClr val="phClr">
+                <a:tint val="37000"/>
+                <a:satMod val="300000"/>
+              </a:schemeClr>
+            </a:gs>
+            <a:gs pos="100000">
+              <a:schemeClr val="phClr">
+                <a:tint val="15000"/>
+                <a:satMod val="350000"/>
+              </a:schemeClr>
+            </a:gs>
+          </a:gsLst>
+          <a:lin ang="16200000" scaled="1"/>
+        </a:gradFill>
+        <a:gradFill rotWithShape="1">
+          <a:gsLst>
+            <a:gs pos="0">
+              <a:schemeClr val="phClr">
+                <a:tint val="100000"/>
+                <a:shade val="100000"/>
+                <a:satMod val="130000"/>
+              </a:schemeClr>
+            </a:gs>
+            <a:gs pos="100000">
+              <a:schemeClr val="phClr">
+                <a:tint val="50000"/>
+                <a:shade val="100000"/>
+                <a:satMod val="350000"/>
+              </a:schemeClr>
+            </a:gs>
+          </a:gsLst>
+          <a:lin ang="16200000" scaled="0"/>
+        </a:gradFill>
+      </a:fillStyleLst>
+      <a:lnStyleLst>
+        <a:ln w="9525" cap="flat" cmpd="sng" algn="ctr">
+          <a:solidFill>
+            <a:schemeClr val="phClr">
+              <a:shade val="95000"/>
+              <a:satMod val="105000"/>
+            </a:schemeClr>
+          </a:solidFill>
+          <a:prstDash val="solid"/>
+        </a:ln>
+        <a:ln w="25400" cap="flat" cmpd="sng" algn="ctr">
+          <a:solidFill>
+            <a:schemeClr val="phClr"/>
+          </a:solidFill>
+          <a:prstDash val="solid"/>
+        </a:ln>
+        <a:ln w="38100" cap="flat" cmpd="sng" algn="ctr">
+          <a:solidFill>
+            <a:schemeClr val="phClr"/>
+          </a:solidFill>
+          <a:prstDash val="solid"/>
+        </a:ln>
+      </a:lnStyleLst>
+      <a:effectStyleLst>
+        <a:effectStyle>
+          <a:effectLst>
+            <a:outerShdw blurRad="40000" dist="20000" dir="5400000" rotWithShape="0">
+              <a:srgbClr val="000000">
+                <a:alpha val="38000"/>
+              </a:srgbClr>
+            </a:outerShdw>
+          </a:effectLst>
+        </a:effectStyle>
+        <a:effectStyle>
+          <a:effectLst>
+            <a:outerShdw blurRad="40000" dist="23000" dir="5400000" rotWithShape="0">
+              <a:srgbClr val="000000">
+                <a:alpha val="35000"/>
+              </a:srgbClr>
+            </a:outerShdw>
+          </a:effectLst>
+        </a:effectStyle>
+        <a:effectStyle>
+          <a:effectLst>
+            <a:outerShdw blurRad="40000" dist="23000" dir="5400000" rotWithShape="0">
+              <a:srgbClr val="000000">
+                <a:alpha val="35000"/>
+              </a:srgbClr>
+            </a:outerShdw>
+          </a:effectLst>
+          <a:scene3d>
+            <a:camera prst="orthographicFront">
+              <a:rot lat="0" lon="0" rev="0"/>
+            </a:camera>
+            <a:lightRig rig="threePt" dir="t">
+              <a:rot lat="0" lon="0" rev="1200000"/>
+            </a:lightRig>
+          </a:scene3d>
+          <a:sp3d>
+            <a:bevelT w="63500" h="25400"/>
+          </a:sp3d>
+        </a:effectStyle>
+      </a:effectStyleLst>
+      <a:bgFillStyleLst>
+        <a:solidFill>
+          <a:schemeClr val="phClr"/>
+        </a:solidFill>
+        <a:gradFill rotWithShape="1">
+          <a:gsLst>
+            <a:gs pos="0">
+              <a:schemeClr val="phClr">
+                <a:tint val="40000"/>
+                <a:satMod val="350000"/>
+              </a:schemeClr>
+            </a:gs>
+            <a:gs pos="40000">
+              <a:schemeClr val="phClr">
+                <a:tint val="45000"/>
+                <a:shade val="99000"/>
+                <a:satMod val="350000"/>
+              </a:schemeClr>
+            </a:gs>
+            <a:gs pos="100000">
+              <a:schemeClr val="phClr">
+                <a:shade val="20000"/>
+                <a:satMod val="255000"/>
+              </a:schemeClr>
+            </a:gs>
+          </a:gsLst>
+          <a:path path="circle">
+            <a:fillToRect l="50000" t="-80000" r="50000" b="180000"/>
+          </a:path>
+        </a:gradFill>
+        <a:gradFill rotWithShape="1">
+          <a:gsLst>
+            <a:gs pos="0">
+              <a:schemeClr val="phClr">
+                <a:tint val="80000"/>
+                <a:satMod val="300000"/>
+              </a:schemeClr>
+            </a:gs>
+            <a:gs pos="100000">
+              <a:schemeClr val="phClr">
+                <a:shade val="30000"/>
+                <a:satMod val="200000"/>
+              </a:schemeClr>
+            </a:gs>
+          </a:gsLst>
+          <a:path path="circle">
+            <a:fillToRect l="50000" t="50000" r="50000" b="50000"/>
+          </a:path>
+        </a:gradFill>
+      </a:bgFillStyleLst>
+    </a:fmtScheme>
+  </a:themeElements>
+  <a:objectDefaults/>
+  <a:extraClrSchemeLst/>
+</a:theme>
+</file>
+
+<file path=ppt/theme/theme2.xml><?xml version="1.0" encoding="utf-8"?>
+<a:theme xmlns:a="http://schemas.openxmlformats.org/drawingml/2006/main" name="Material">
   <a:themeElements>
     <a:clrScheme name="Material">
       <a:dk1>
@@ -12522,284 +12889,7 @@
       </a:bgFillStyleLst>
     </a:fmtScheme>
   </a:themeElements>
-</a:theme>
-</file>
-
-<file path=ppt/theme/theme2.xml><?xml version="1.0" encoding="utf-8"?>
-<a:theme xmlns:a="http://schemas.openxmlformats.org/drawingml/2006/main" xmlns:r="http://schemas.openxmlformats.org/officeDocument/2006/relationships" name="IETF Template">
-  <a:themeElements>
-    <a:clrScheme name="Material">
-      <a:dk1>
-        <a:srgbClr val="4285F4"/>
-      </a:dk1>
-      <a:lt1>
-        <a:srgbClr val="FFFFFF"/>
-      </a:lt1>
-      <a:dk2>
-        <a:srgbClr val="424242"/>
-      </a:dk2>
-      <a:lt2>
-        <a:srgbClr val="737373"/>
-      </a:lt2>
-      <a:accent1>
-        <a:srgbClr val="0277BD"/>
-      </a:accent1>
-      <a:accent2>
-        <a:srgbClr val="0F9D58"/>
-      </a:accent2>
-      <a:accent3>
-        <a:srgbClr val="DB4437"/>
-      </a:accent3>
-      <a:accent4>
-        <a:srgbClr val="FAFAFA"/>
-      </a:accent4>
-      <a:accent5>
-        <a:srgbClr val="4FC3F7"/>
-      </a:accent5>
-      <a:accent6>
-        <a:srgbClr val="F4B400"/>
-      </a:accent6>
-      <a:hlink>
-        <a:srgbClr val="4FC3F7"/>
-      </a:hlink>
-      <a:folHlink>
-        <a:srgbClr val="4FC3F7"/>
-      </a:folHlink>
-    </a:clrScheme>
-    <a:fontScheme name="Office">
-      <a:majorFont>
-        <a:latin typeface="Arial"/>
-        <a:ea typeface=""/>
-        <a:cs typeface=""/>
-        <a:font script="Jpan" typeface="ＭＳ Ｐゴシック"/>
-        <a:font script="Hang" typeface="맑은 고딕"/>
-        <a:font script="Hans" typeface="宋体"/>
-        <a:font script="Hant" typeface="新細明體"/>
-        <a:font script="Arab" typeface="Times New Roman"/>
-        <a:font script="Hebr" typeface="Times New Roman"/>
-        <a:font script="Thai" typeface="Angsana New"/>
-        <a:font script="Ethi" typeface="Nyala"/>
-        <a:font script="Beng" typeface="Vrinda"/>
-        <a:font script="Gujr" typeface="Shruti"/>
-        <a:font script="Khmr" typeface="MoolBoran"/>
-        <a:font script="Knda" typeface="Tunga"/>
-        <a:font script="Guru" typeface="Raavi"/>
-        <a:font script="Cans" typeface="Euphemia"/>
-        <a:font script="Cher" typeface="Plantagenet Cherokee"/>
-        <a:font script="Yiii" typeface="Microsoft Yi Baiti"/>
-        <a:font script="Tibt" typeface="Microsoft Himalaya"/>
-        <a:font script="Thaa" typeface="MV Boli"/>
-        <a:font script="Deva" typeface="Mangal"/>
-        <a:font script="Telu" typeface="Gautami"/>
-        <a:font script="Taml" typeface="Latha"/>
-        <a:font script="Syrc" typeface="Estrangelo Edessa"/>
-        <a:font script="Orya" typeface="Kalinga"/>
-        <a:font script="Mlym" typeface="Kartika"/>
-        <a:font script="Laoo" typeface="DokChampa"/>
-        <a:font script="Sinh" typeface="Iskoola Pota"/>
-        <a:font script="Mong" typeface="Mongolian Baiti"/>
-        <a:font script="Viet" typeface="Times New Roman"/>
-        <a:font script="Uigh" typeface="Microsoft Uighur"/>
-        <a:font script="Geor" typeface="Sylfaen"/>
-      </a:majorFont>
-      <a:minorFont>
-        <a:latin typeface="Arial"/>
-        <a:ea typeface=""/>
-        <a:cs typeface=""/>
-        <a:font script="Jpan" typeface="ＭＳ Ｐゴシック"/>
-        <a:font script="Hang" typeface="맑은 고딕"/>
-        <a:font script="Hans" typeface="宋体"/>
-        <a:font script="Hant" typeface="新細明體"/>
-        <a:font script="Arab" typeface="Arial"/>
-        <a:font script="Hebr" typeface="Arial"/>
-        <a:font script="Thai" typeface="Cordia New"/>
-        <a:font script="Ethi" typeface="Nyala"/>
-        <a:font script="Beng" typeface="Vrinda"/>
-        <a:font script="Gujr" typeface="Shruti"/>
-        <a:font script="Khmr" typeface="DaunPenh"/>
-        <a:font script="Knda" typeface="Tunga"/>
-        <a:font script="Guru" typeface="Raavi"/>
-        <a:font script="Cans" typeface="Euphemia"/>
-        <a:font script="Cher" typeface="Plantagenet Cherokee"/>
-        <a:font script="Yiii" typeface="Microsoft Yi Baiti"/>
-        <a:font script="Tibt" typeface="Microsoft Himalaya"/>
-        <a:font script="Thaa" typeface="MV Boli"/>
-        <a:font script="Deva" typeface="Mangal"/>
-        <a:font script="Telu" typeface="Gautami"/>
-        <a:font script="Taml" typeface="Latha"/>
-        <a:font script="Syrc" typeface="Estrangelo Edessa"/>
-        <a:font script="Orya" typeface="Kalinga"/>
-        <a:font script="Mlym" typeface="Kartika"/>
-        <a:font script="Laoo" typeface="DokChampa"/>
-        <a:font script="Sinh" typeface="Iskoola Pota"/>
-        <a:font script="Mong" typeface="Mongolian Baiti"/>
-        <a:font script="Viet" typeface="Arial"/>
-        <a:font script="Uigh" typeface="Microsoft Uighur"/>
-        <a:font script="Geor" typeface="Sylfaen"/>
-      </a:minorFont>
-    </a:fontScheme>
-    <a:fmtScheme name="Office">
-      <a:fillStyleLst>
-        <a:solidFill>
-          <a:schemeClr val="phClr"/>
-        </a:solidFill>
-        <a:gradFill rotWithShape="1">
-          <a:gsLst>
-            <a:gs pos="0">
-              <a:schemeClr val="phClr">
-                <a:tint val="50000"/>
-                <a:satMod val="300000"/>
-              </a:schemeClr>
-            </a:gs>
-            <a:gs pos="35000">
-              <a:schemeClr val="phClr">
-                <a:tint val="37000"/>
-                <a:satMod val="300000"/>
-              </a:schemeClr>
-            </a:gs>
-            <a:gs pos="100000">
-              <a:schemeClr val="phClr">
-                <a:tint val="15000"/>
-                <a:satMod val="350000"/>
-              </a:schemeClr>
-            </a:gs>
-          </a:gsLst>
-          <a:lin ang="16200000" scaled="1"/>
-        </a:gradFill>
-        <a:gradFill rotWithShape="1">
-          <a:gsLst>
-            <a:gs pos="0">
-              <a:schemeClr val="phClr">
-                <a:tint val="100000"/>
-                <a:shade val="100000"/>
-                <a:satMod val="130000"/>
-              </a:schemeClr>
-            </a:gs>
-            <a:gs pos="100000">
-              <a:schemeClr val="phClr">
-                <a:tint val="50000"/>
-                <a:shade val="100000"/>
-                <a:satMod val="350000"/>
-              </a:schemeClr>
-            </a:gs>
-          </a:gsLst>
-          <a:lin ang="16200000" scaled="0"/>
-        </a:gradFill>
-      </a:fillStyleLst>
-      <a:lnStyleLst>
-        <a:ln w="9525" cap="flat" cmpd="sng" algn="ctr">
-          <a:solidFill>
-            <a:schemeClr val="phClr">
-              <a:shade val="95000"/>
-              <a:satMod val="105000"/>
-            </a:schemeClr>
-          </a:solidFill>
-          <a:prstDash val="solid"/>
-        </a:ln>
-        <a:ln w="25400" cap="flat" cmpd="sng" algn="ctr">
-          <a:solidFill>
-            <a:schemeClr val="phClr"/>
-          </a:solidFill>
-          <a:prstDash val="solid"/>
-        </a:ln>
-        <a:ln w="38100" cap="flat" cmpd="sng" algn="ctr">
-          <a:solidFill>
-            <a:schemeClr val="phClr"/>
-          </a:solidFill>
-          <a:prstDash val="solid"/>
-        </a:ln>
-      </a:lnStyleLst>
-      <a:effectStyleLst>
-        <a:effectStyle>
-          <a:effectLst>
-            <a:outerShdw blurRad="40000" dist="20000" dir="5400000" rotWithShape="0">
-              <a:srgbClr val="000000">
-                <a:alpha val="38000"/>
-              </a:srgbClr>
-            </a:outerShdw>
-          </a:effectLst>
-        </a:effectStyle>
-        <a:effectStyle>
-          <a:effectLst>
-            <a:outerShdw blurRad="40000" dist="23000" dir="5400000" rotWithShape="0">
-              <a:srgbClr val="000000">
-                <a:alpha val="35000"/>
-              </a:srgbClr>
-            </a:outerShdw>
-          </a:effectLst>
-        </a:effectStyle>
-        <a:effectStyle>
-          <a:effectLst>
-            <a:outerShdw blurRad="40000" dist="23000" dir="5400000" rotWithShape="0">
-              <a:srgbClr val="000000">
-                <a:alpha val="35000"/>
-              </a:srgbClr>
-            </a:outerShdw>
-          </a:effectLst>
-          <a:scene3d>
-            <a:camera prst="orthographicFront">
-              <a:rot lat="0" lon="0" rev="0"/>
-            </a:camera>
-            <a:lightRig rig="threePt" dir="t">
-              <a:rot lat="0" lon="0" rev="1200000"/>
-            </a:lightRig>
-          </a:scene3d>
-          <a:sp3d>
-            <a:bevelT w="63500" h="25400"/>
-          </a:sp3d>
-        </a:effectStyle>
-      </a:effectStyleLst>
-      <a:bgFillStyleLst>
-        <a:solidFill>
-          <a:schemeClr val="phClr"/>
-        </a:solidFill>
-        <a:gradFill rotWithShape="1">
-          <a:gsLst>
-            <a:gs pos="0">
-              <a:schemeClr val="phClr">
-                <a:tint val="40000"/>
-                <a:satMod val="350000"/>
-              </a:schemeClr>
-            </a:gs>
-            <a:gs pos="40000">
-              <a:schemeClr val="phClr">
-                <a:tint val="45000"/>
-                <a:shade val="99000"/>
-                <a:satMod val="350000"/>
-              </a:schemeClr>
-            </a:gs>
-            <a:gs pos="100000">
-              <a:schemeClr val="phClr">
-                <a:shade val="20000"/>
-                <a:satMod val="255000"/>
-              </a:schemeClr>
-            </a:gs>
-          </a:gsLst>
-          <a:path path="circle">
-            <a:fillToRect l="50000" t="-80000" r="50000" b="180000"/>
-          </a:path>
-        </a:gradFill>
-        <a:gradFill rotWithShape="1">
-          <a:gsLst>
-            <a:gs pos="0">
-              <a:schemeClr val="phClr">
-                <a:tint val="80000"/>
-                <a:satMod val="300000"/>
-              </a:schemeClr>
-            </a:gs>
-            <a:gs pos="100000">
-              <a:schemeClr val="phClr">
-                <a:shade val="30000"/>
-                <a:satMod val="200000"/>
-              </a:schemeClr>
-            </a:gs>
-          </a:gsLst>
-          <a:path path="circle">
-            <a:fillToRect l="50000" t="50000" r="50000" b="50000"/>
-          </a:path>
-        </a:gradFill>
-      </a:bgFillStyleLst>
-    </a:fmtScheme>
-  </a:themeElements>
+  <a:objectDefaults/>
+  <a:extraClrSchemeLst/>
 </a:theme>
 </file>